--- a/09_Spring_Framework_MVC.pptx
+++ b/09_Spring_Framework_MVC.pptx
@@ -8,10 +8,10 @@
     <p:sldMasterId id="2147483659" r:id="rId4"/>
   </p:sldMasterIdLst>
   <p:notesMasterIdLst>
-    <p:notesMasterId r:id="rId32"/>
+    <p:notesMasterId r:id="rId37"/>
   </p:notesMasterIdLst>
   <p:handoutMasterIdLst>
-    <p:handoutMasterId r:id="rId33"/>
+    <p:handoutMasterId r:id="rId38"/>
   </p:handoutMasterIdLst>
   <p:sldIdLst>
     <p:sldId id="258" r:id="rId5"/>
@@ -25,22 +25,27 @@
     <p:sldId id="486" r:id="rId13"/>
     <p:sldId id="487" r:id="rId14"/>
     <p:sldId id="488" r:id="rId15"/>
-    <p:sldId id="489" r:id="rId16"/>
-    <p:sldId id="490" r:id="rId17"/>
-    <p:sldId id="491" r:id="rId18"/>
-    <p:sldId id="492" r:id="rId19"/>
-    <p:sldId id="493" r:id="rId20"/>
-    <p:sldId id="498" r:id="rId21"/>
-    <p:sldId id="494" r:id="rId22"/>
-    <p:sldId id="495" r:id="rId23"/>
-    <p:sldId id="496" r:id="rId24"/>
-    <p:sldId id="497" r:id="rId25"/>
-    <p:sldId id="499" r:id="rId26"/>
-    <p:sldId id="500" r:id="rId27"/>
-    <p:sldId id="501" r:id="rId28"/>
-    <p:sldId id="480" r:id="rId29"/>
-    <p:sldId id="371" r:id="rId30"/>
-    <p:sldId id="405" r:id="rId31"/>
+    <p:sldId id="502" r:id="rId16"/>
+    <p:sldId id="503" r:id="rId17"/>
+    <p:sldId id="489" r:id="rId18"/>
+    <p:sldId id="490" r:id="rId19"/>
+    <p:sldId id="491" r:id="rId20"/>
+    <p:sldId id="492" r:id="rId21"/>
+    <p:sldId id="493" r:id="rId22"/>
+    <p:sldId id="498" r:id="rId23"/>
+    <p:sldId id="494" r:id="rId24"/>
+    <p:sldId id="495" r:id="rId25"/>
+    <p:sldId id="496" r:id="rId26"/>
+    <p:sldId id="497" r:id="rId27"/>
+    <p:sldId id="499" r:id="rId28"/>
+    <p:sldId id="500" r:id="rId29"/>
+    <p:sldId id="501" r:id="rId30"/>
+    <p:sldId id="504" r:id="rId31"/>
+    <p:sldId id="505" r:id="rId32"/>
+    <p:sldId id="506" r:id="rId33"/>
+    <p:sldId id="507" r:id="rId34"/>
+    <p:sldId id="371" r:id="rId35"/>
+    <p:sldId id="405" r:id="rId36"/>
   </p:sldIdLst>
   <p:sldSz cx="9144000" cy="6858000" type="screen4x3"/>
   <p:notesSz cx="6797675" cy="9874250"/>
@@ -155,6 +160,8 @@
             <p14:sldId id="486"/>
             <p14:sldId id="487"/>
             <p14:sldId id="488"/>
+            <p14:sldId id="502"/>
+            <p14:sldId id="503"/>
             <p14:sldId id="489"/>
             <p14:sldId id="490"/>
             <p14:sldId id="491"/>
@@ -168,7 +175,10 @@
             <p14:sldId id="499"/>
             <p14:sldId id="500"/>
             <p14:sldId id="501"/>
-            <p14:sldId id="480"/>
+            <p14:sldId id="504"/>
+            <p14:sldId id="505"/>
+            <p14:sldId id="506"/>
+            <p14:sldId id="507"/>
             <p14:sldId id="371"/>
           </p14:sldIdLst>
         </p14:section>
@@ -912,7 +922,7 @@
             <a:fld id="{E298BA0C-7778-40CB-9F43-9459B3FAC40D}" type="slidenum">
               <a:rPr lang="ko-KR" altLang="en-US" smtClean="0"/>
               <a:pPr/>
-              <a:t>26</a:t>
+              <a:t>31</a:t>
             </a:fld>
             <a:endParaRPr lang="ko-KR" altLang="en-US" dirty="0"/>
           </a:p>
@@ -3282,21 +3292,7 @@
                 <a:latin typeface="맑은 고딕" pitchFamily="50" charset="-127"/>
                 <a:ea typeface="맑은 고딕" pitchFamily="50" charset="-127"/>
               </a:rPr>
-              <a:t>Web MVC</a:t>
-            </a:r>
-            <a:r>
-              <a:rPr lang="en-US" altLang="ko-KR" sz="4500" b="1" spc="-150" dirty="0" smtClean="0">
-                <a:latin typeface="맑은 고딕" pitchFamily="50" charset="-127"/>
-                <a:ea typeface="맑은 고딕" pitchFamily="50" charset="-127"/>
-              </a:rPr>
-              <a:t> </a:t>
-            </a:r>
-            <a:r>
-              <a:rPr lang="en-US" altLang="ko-KR" sz="4500" b="1" spc="-150" dirty="0" smtClean="0">
-                <a:latin typeface="맑은 고딕" pitchFamily="50" charset="-127"/>
-                <a:ea typeface="맑은 고딕" pitchFamily="50" charset="-127"/>
-              </a:rPr>
-              <a:t>| </a:t>
+              <a:t>Web MVC | </a:t>
             </a:r>
             <a:r>
               <a:rPr lang="en-US" altLang="ko-KR" sz="2400" b="1" spc="-150" dirty="0" smtClean="0">
@@ -3305,10 +3301,6 @@
               </a:rPr>
               <a:t>Model-View-Control </a:t>
             </a:r>
-            <a:endParaRPr lang="en-US" altLang="ko-KR" sz="2400" b="1" spc="-150" dirty="0" smtClean="0">
-              <a:latin typeface="맑은 고딕" pitchFamily="50" charset="-127"/>
-              <a:ea typeface="맑은 고딕" pitchFamily="50" charset="-127"/>
-            </a:endParaRPr>
           </a:p>
         </p:txBody>
       </p:sp>
@@ -3561,17 +3553,7 @@
                 <a:latin typeface="맑은 고딕" pitchFamily="50" charset="-127"/>
                 <a:ea typeface="맑은 고딕" pitchFamily="50" charset="-127"/>
               </a:rPr>
-              <a:t>| Dispatcher Servlet </a:t>
-            </a:r>
-            <a:r>
-              <a:rPr lang="en-US" altLang="ko-KR" sz="1400" b="1" spc="-20" dirty="0" smtClean="0">
-                <a:solidFill>
-                  <a:schemeClr val="tx2"/>
-                </a:solidFill>
-                <a:latin typeface="맑은 고딕" pitchFamily="50" charset="-127"/>
-                <a:ea typeface="맑은 고딕" pitchFamily="50" charset="-127"/>
-              </a:rPr>
-              <a:t>(PPT </a:t>
+              <a:t>| Dispatcher Servlet (PPT </a:t>
             </a:r>
             <a:r>
               <a:rPr lang="ko-KR" altLang="en-US" sz="1400" b="1" spc="-20" dirty="0" smtClean="0">
@@ -4493,6 +4475,16 @@
                 <a:ea typeface="맑은 고딕" pitchFamily="50" charset="-127"/>
               </a:rPr>
               <a:t>설정</a:t>
+            </a:r>
+            <a:r>
+              <a:rPr lang="en-US" altLang="ko-KR" sz="1400" b="1" spc="-20" dirty="0" smtClean="0">
+                <a:solidFill>
+                  <a:schemeClr val="tx2"/>
+                </a:solidFill>
+                <a:latin typeface="맑은 고딕" pitchFamily="50" charset="-127"/>
+                <a:ea typeface="맑은 고딕" pitchFamily="50" charset="-127"/>
+              </a:rPr>
+              <a:t> (XML)</a:t>
             </a:r>
             <a:endParaRPr lang="en-US" altLang="ko-KR" sz="1400" spc="-20" dirty="0" smtClean="0">
               <a:solidFill>
@@ -4990,17 +4982,67 @@
                 <a:latin typeface="맑은 고딕" pitchFamily="50" charset="-127"/>
                 <a:ea typeface="맑은 고딕" pitchFamily="50" charset="-127"/>
               </a:rPr>
-              <a:t>| </a:t>
-            </a:r>
-            <a:r>
-              <a:rPr lang="en-US" altLang="ko-KR" sz="1400" b="1" spc="-20" dirty="0" err="1" smtClean="0">
+              <a:t>| Dispatcher Servlet </a:t>
+            </a:r>
+            <a:r>
+              <a:rPr lang="ko-KR" altLang="en-US" sz="1400" b="1" spc="-20" dirty="0" smtClean="0">
                 <a:solidFill>
                   <a:schemeClr val="tx2"/>
                 </a:solidFill>
                 <a:latin typeface="맑은 고딕" pitchFamily="50" charset="-127"/>
                 <a:ea typeface="맑은 고딕" pitchFamily="50" charset="-127"/>
               </a:rPr>
-              <a:t>HandlerMapping</a:t>
+              <a:t>설정</a:t>
+            </a:r>
+            <a:r>
+              <a:rPr lang="en-US" altLang="ko-KR" sz="1400" b="1" spc="-20" dirty="0" smtClean="0">
+                <a:solidFill>
+                  <a:schemeClr val="tx2"/>
+                </a:solidFill>
+                <a:latin typeface="맑은 고딕" pitchFamily="50" charset="-127"/>
+                <a:ea typeface="맑은 고딕" pitchFamily="50" charset="-127"/>
+              </a:rPr>
+              <a:t> (Java Configuration)</a:t>
+            </a:r>
+            <a:r>
+              <a:rPr lang="ko-KR" altLang="en-US" sz="1400" b="1" spc="-20" dirty="0" smtClean="0">
+                <a:solidFill>
+                  <a:schemeClr val="tx2"/>
+                </a:solidFill>
+                <a:latin typeface="맑은 고딕" pitchFamily="50" charset="-127"/>
+                <a:ea typeface="맑은 고딕" pitchFamily="50" charset="-127"/>
+              </a:rPr>
+              <a:t> </a:t>
+            </a:r>
+            <a:r>
+              <a:rPr lang="mr-IN" altLang="ko-KR" sz="1400" b="1" spc="-20" dirty="0" smtClean="0">
+                <a:solidFill>
+                  <a:schemeClr val="tx2"/>
+                </a:solidFill>
+                <a:latin typeface="맑은 고딕" pitchFamily="50" charset="-127"/>
+                <a:ea typeface="맑은 고딕" pitchFamily="50" charset="-127"/>
+              </a:rPr>
+              <a:t>–</a:t>
+            </a:r>
+            <a:r>
+              <a:rPr lang="ko-KR" altLang="en-US" sz="1400" b="1" spc="-20" dirty="0" smtClean="0">
+                <a:solidFill>
+                  <a:schemeClr val="tx2"/>
+                </a:solidFill>
+                <a:latin typeface="맑은 고딕" pitchFamily="50" charset="-127"/>
+                <a:ea typeface="맑은 고딕" pitchFamily="50" charset="-127"/>
+              </a:rPr>
+              <a:t> </a:t>
+            </a:r>
+            <a:r>
+              <a:rPr lang="en-US" altLang="ko-KR" sz="1400" b="1" spc="-20" dirty="0" smtClean="0">
+                <a:solidFill>
+                  <a:schemeClr val="tx2"/>
+                </a:solidFill>
+                <a:latin typeface="맑은 고딕" pitchFamily="50" charset="-127"/>
+                <a:ea typeface="맑은 고딕" pitchFamily="50" charset="-127"/>
+              </a:rPr>
+              <a:t>(1/2)</a:t>
             </a:r>
             <a:endParaRPr lang="en-US" altLang="ko-KR" sz="1400" spc="-20" dirty="0" smtClean="0">
               <a:solidFill>
@@ -5061,14 +5103,14 @@
       </p:sp>
       <p:sp>
         <p:nvSpPr>
-          <p:cNvPr id="13" name="TextBox 14"/>
+          <p:cNvPr id="16" name="TextBox 14"/>
           <p:cNvSpPr txBox="1"/>
           <p:nvPr/>
         </p:nvSpPr>
         <p:spPr>
           <a:xfrm>
             <a:off x="1259632" y="1645912"/>
-            <a:ext cx="7632848" cy="1384995"/>
+            <a:ext cx="7632848" cy="738664"/>
           </a:xfrm>
           <a:prstGeom prst="rect">
             <a:avLst/>
@@ -5089,88 +5131,58 @@
               <a:buChar char="§"/>
             </a:pPr>
             <a:r>
+              <a:rPr lang="en-US" altLang="ko-KR" sz="1400" spc="-20" dirty="0" err="1" smtClean="0">
+                <a:latin typeface="맑은 고딕" pitchFamily="50" charset="-127"/>
+                <a:ea typeface="맑은 고딕" pitchFamily="50" charset="-127"/>
+              </a:rPr>
+              <a:t>Web.xml</a:t>
+            </a:r>
+            <a:r>
+              <a:rPr lang="en-US" altLang="ko-KR" sz="1400" spc="-20" dirty="0" smtClean="0">
+                <a:latin typeface="맑은 고딕" pitchFamily="50" charset="-127"/>
+                <a:ea typeface="맑은 고딕" pitchFamily="50" charset="-127"/>
+              </a:rPr>
+              <a:t> </a:t>
+            </a:r>
+            <a:r>
               <a:rPr lang="ko-KR" altLang="en-US" sz="1400" spc="-20" dirty="0" smtClean="0">
                 <a:latin typeface="맑은 고딕" pitchFamily="50" charset="-127"/>
                 <a:ea typeface="맑은 고딕" pitchFamily="50" charset="-127"/>
               </a:rPr>
-              <a:t>클라이언트의 요청에 해당하는 </a:t>
+              <a:t>을 사용하는 대신 </a:t>
             </a:r>
             <a:r>
               <a:rPr lang="en-US" altLang="ko-KR" sz="1400" spc="-20" dirty="0" smtClean="0">
                 <a:latin typeface="맑은 고딕" pitchFamily="50" charset="-127"/>
                 <a:ea typeface="맑은 고딕" pitchFamily="50" charset="-127"/>
               </a:rPr>
-              <a:t>Controller </a:t>
+              <a:t>Java Configuration </a:t>
             </a:r>
             <a:r>
               <a:rPr lang="ko-KR" altLang="en-US" sz="1400" spc="-20" dirty="0" smtClean="0">
                 <a:latin typeface="맑은 고딕" pitchFamily="50" charset="-127"/>
                 <a:ea typeface="맑은 고딕" pitchFamily="50" charset="-127"/>
               </a:rPr>
-              <a:t>가 어떤 것인지를 결정하는 역할</a:t>
+              <a:t>을 사용하여 </a:t>
             </a:r>
             <a:r>
               <a:rPr lang="en-US" altLang="ko-KR" sz="1400" spc="-20" dirty="0" smtClean="0">
                 <a:latin typeface="맑은 고딕" pitchFamily="50" charset="-127"/>
                 <a:ea typeface="맑은 고딕" pitchFamily="50" charset="-127"/>
               </a:rPr>
-              <a:t/>
-            </a:r>
-            <a:br>
-              <a:rPr lang="en-US" altLang="ko-KR" sz="1400" spc="-20" dirty="0" smtClean="0">
-                <a:latin typeface="맑은 고딕" pitchFamily="50" charset="-127"/>
-                <a:ea typeface="맑은 고딕" pitchFamily="50" charset="-127"/>
-              </a:rPr>
-            </a:br>
-            <a:r>
-              <a:rPr lang="en-US" altLang="ko-KR" sz="1400" spc="-20" dirty="0" smtClean="0">
-                <a:latin typeface="맑은 고딕" pitchFamily="50" charset="-127"/>
-                <a:ea typeface="맑은 고딕" pitchFamily="50" charset="-127"/>
-              </a:rPr>
-              <a:t>(</a:t>
+              <a:t>Dispatcher Servlet </a:t>
             </a:r>
             <a:r>
               <a:rPr lang="ko-KR" altLang="en-US" sz="1400" spc="-20" dirty="0" smtClean="0">
                 <a:latin typeface="맑은 고딕" pitchFamily="50" charset="-127"/>
                 <a:ea typeface="맑은 고딕" pitchFamily="50" charset="-127"/>
               </a:rPr>
-              <a:t>클라이언트 요청 </a:t>
-            </a:r>
-            <a:r>
-              <a:rPr lang="en-US" altLang="ko-KR" sz="1400" spc="-20" dirty="0" smtClean="0">
-                <a:latin typeface="맑은 고딕" pitchFamily="50" charset="-127"/>
-                <a:ea typeface="맑은 고딕" pitchFamily="50" charset="-127"/>
-              </a:rPr>
-              <a:t>URL </a:t>
-            </a:r>
-            <a:r>
-              <a:rPr lang="ko-KR" altLang="en-US" sz="1400" spc="-20" dirty="0" smtClean="0">
-                <a:latin typeface="맑은 고딕" pitchFamily="50" charset="-127"/>
-                <a:ea typeface="맑은 고딕" pitchFamily="50" charset="-127"/>
-              </a:rPr>
-              <a:t>과 </a:t>
-            </a:r>
-            <a:r>
-              <a:rPr lang="en-US" altLang="ko-KR" sz="1400" spc="-20" dirty="0" smtClean="0">
-                <a:latin typeface="맑은 고딕" pitchFamily="50" charset="-127"/>
-                <a:ea typeface="맑은 고딕" pitchFamily="50" charset="-127"/>
-              </a:rPr>
-              <a:t>Controller </a:t>
-            </a:r>
-            <a:r>
-              <a:rPr lang="ko-KR" altLang="en-US" sz="1400" spc="-20" dirty="0" smtClean="0">
-                <a:latin typeface="맑은 고딕" pitchFamily="50" charset="-127"/>
-                <a:ea typeface="맑은 고딕" pitchFamily="50" charset="-127"/>
-              </a:rPr>
-              <a:t>를 </a:t>
-            </a:r>
-            <a:r>
-              <a:rPr lang="en-US" altLang="ko-KR" sz="1400" spc="-20" dirty="0" smtClean="0">
-                <a:latin typeface="맑은 고딕" pitchFamily="50" charset="-127"/>
-                <a:ea typeface="맑은 고딕" pitchFamily="50" charset="-127"/>
-              </a:rPr>
-              <a:t>Mapping)</a:t>
-            </a:r>
+              <a:t>설정 가능</a:t>
+            </a:r>
+            <a:endParaRPr lang="en-US" altLang="ko-KR" sz="1400" spc="-20" dirty="0" smtClean="0">
+              <a:latin typeface="맑은 고딕" pitchFamily="50" charset="-127"/>
+              <a:ea typeface="맑은 고딕" pitchFamily="50" charset="-127"/>
+            </a:endParaRPr>
           </a:p>
           <a:p>
             <a:pPr marL="285750" indent="-285750">
@@ -5181,421 +5193,80 @@
               <a:buChar char="§"/>
             </a:pPr>
             <a:r>
+              <a:rPr lang="en-US" altLang="ko-KR" sz="1400" spc="-20" dirty="0" err="1" smtClean="0">
+                <a:latin typeface="맑은 고딕" pitchFamily="50" charset="-127"/>
+                <a:ea typeface="맑은 고딕" pitchFamily="50" charset="-127"/>
+              </a:rPr>
+              <a:t>AbstractAnnotationConfigDispatcherServletInitial</a:t>
+            </a:r>
+            <a:r>
+              <a:rPr lang="en-US" altLang="ko-KR" sz="1400" spc="-20" dirty="0" err="1" smtClean="0">
+                <a:latin typeface="맑은 고딕" pitchFamily="50" charset="-127"/>
+                <a:ea typeface="맑은 고딕" pitchFamily="50" charset="-127"/>
+              </a:rPr>
+              <a:t>izer</a:t>
+            </a:r>
+            <a:r>
               <a:rPr lang="en-US" altLang="ko-KR" sz="1400" spc="-20" dirty="0" smtClean="0">
                 <a:latin typeface="맑은 고딕" pitchFamily="50" charset="-127"/>
                 <a:ea typeface="맑은 고딕" pitchFamily="50" charset="-127"/>
               </a:rPr>
-              <a:t>Order </a:t>
+              <a:t> </a:t>
             </a:r>
             <a:r>
               <a:rPr lang="ko-KR" altLang="en-US" sz="1400" spc="-20" dirty="0" smtClean="0">
                 <a:latin typeface="맑은 고딕" pitchFamily="50" charset="-127"/>
                 <a:ea typeface="맑은 고딕" pitchFamily="50" charset="-127"/>
               </a:rPr>
-              <a:t>라는 속성을 사용해서 </a:t>
-            </a:r>
-            <a:r>
-              <a:rPr lang="en-US" altLang="ko-KR" sz="1400" spc="-20" dirty="0" smtClean="0">
-                <a:latin typeface="맑은 고딕" pitchFamily="50" charset="-127"/>
-                <a:ea typeface="맑은 고딕" pitchFamily="50" charset="-127"/>
-              </a:rPr>
-              <a:t>Spring </a:t>
-            </a:r>
-            <a:r>
-              <a:rPr lang="ko-KR" altLang="en-US" sz="1400" spc="-20" dirty="0" smtClean="0">
-                <a:latin typeface="맑은 고딕" pitchFamily="50" charset="-127"/>
-                <a:ea typeface="맑은 고딕" pitchFamily="50" charset="-127"/>
-              </a:rPr>
-              <a:t>내부적으로 </a:t>
-            </a:r>
-            <a:r>
-              <a:rPr lang="en-US" altLang="ko-KR" sz="1400" spc="-20" dirty="0" err="1" smtClean="0">
-                <a:latin typeface="맑은 고딕" pitchFamily="50" charset="-127"/>
-                <a:ea typeface="맑은 고딕" pitchFamily="50" charset="-127"/>
-              </a:rPr>
-              <a:t>HandlerMapping</a:t>
-            </a:r>
-            <a:r>
-              <a:rPr lang="ko-KR" altLang="en-US" sz="1400" spc="-20" dirty="0" smtClean="0">
-                <a:latin typeface="맑은 고딕" pitchFamily="50" charset="-127"/>
-                <a:ea typeface="맑은 고딕" pitchFamily="50" charset="-127"/>
-              </a:rPr>
-              <a:t> 객체를 정렬함</a:t>
-            </a:r>
-            <a:r>
-              <a:rPr lang="en-US" altLang="ko-KR" sz="1400" spc="-20" dirty="0">
-                <a:latin typeface="맑은 고딕" pitchFamily="50" charset="-127"/>
-                <a:ea typeface="맑은 고딕" pitchFamily="50" charset="-127"/>
-              </a:rPr>
-              <a:t/>
-            </a:r>
-            <a:br>
-              <a:rPr lang="en-US" altLang="ko-KR" sz="1400" spc="-20" dirty="0">
-                <a:latin typeface="맑은 고딕" pitchFamily="50" charset="-127"/>
-                <a:ea typeface="맑은 고딕" pitchFamily="50" charset="-127"/>
-              </a:rPr>
-            </a:br>
-            <a:r>
-              <a:rPr lang="en-US" altLang="ko-KR" sz="1400" spc="-20" dirty="0" smtClean="0">
-                <a:latin typeface="맑은 고딕" pitchFamily="50" charset="-127"/>
-                <a:ea typeface="맑은 고딕" pitchFamily="50" charset="-127"/>
-              </a:rPr>
-              <a:t>(Order </a:t>
-            </a:r>
-            <a:r>
-              <a:rPr lang="ko-KR" altLang="en-US" sz="1400" spc="-20" dirty="0" smtClean="0">
-                <a:latin typeface="맑은 고딕" pitchFamily="50" charset="-127"/>
-                <a:ea typeface="맑은 고딕" pitchFamily="50" charset="-127"/>
-              </a:rPr>
-              <a:t>값이 작을수록 우선순위 높음</a:t>
-            </a:r>
-            <a:r>
-              <a:rPr lang="en-US" altLang="ko-KR" sz="1400" spc="-20" dirty="0" smtClean="0">
-                <a:latin typeface="맑은 고딕" pitchFamily="50" charset="-127"/>
-                <a:ea typeface="맑은 고딕" pitchFamily="50" charset="-127"/>
-              </a:rPr>
-              <a:t>, </a:t>
-            </a:r>
-            <a:r>
-              <a:rPr lang="ko-KR" altLang="en-US" sz="1400" spc="-20" dirty="0" smtClean="0">
-                <a:latin typeface="맑은 고딕" pitchFamily="50" charset="-127"/>
-                <a:ea typeface="맑은 고딕" pitchFamily="50" charset="-127"/>
-              </a:rPr>
-              <a:t>기본값은 </a:t>
-            </a:r>
-            <a:r>
-              <a:rPr lang="en-US" altLang="ko-KR" sz="1400" spc="-20" dirty="0" err="1" smtClean="0">
-                <a:latin typeface="맑은 고딕" pitchFamily="50" charset="-127"/>
-                <a:ea typeface="맑은 고딕" pitchFamily="50" charset="-127"/>
-              </a:rPr>
-              <a:t>Interger.MAX_VALUE</a:t>
-            </a:r>
-            <a:r>
-              <a:rPr lang="en-US" altLang="ko-KR" sz="1400" spc="-20" dirty="0" smtClean="0">
-                <a:latin typeface="맑은 고딕" pitchFamily="50" charset="-127"/>
-                <a:ea typeface="맑은 고딕" pitchFamily="50" charset="-127"/>
-              </a:rPr>
-              <a:t>)</a:t>
-            </a:r>
+              <a:t>클래스를 상속받아 설정</a:t>
+            </a:r>
+            <a:endParaRPr lang="en-US" altLang="ko-KR" sz="1400" spc="-20" dirty="0" smtClean="0">
+              <a:latin typeface="맑은 고딕" pitchFamily="50" charset="-127"/>
+              <a:ea typeface="맑은 고딕" pitchFamily="50" charset="-127"/>
+            </a:endParaRPr>
           </a:p>
         </p:txBody>
       </p:sp>
-      <p:graphicFrame>
-        <p:nvGraphicFramePr>
-          <p:cNvPr id="16" name="표 15"/>
-          <p:cNvGraphicFramePr>
-            <a:graphicFrameLocks noGrp="1"/>
-          </p:cNvGraphicFramePr>
-          <p:nvPr>
-            <p:extLst>
-              <p:ext uri="{D42A27DB-BD31-4B8C-83A1-F6EECF244321}">
-                <p14:modId xmlns:p14="http://schemas.microsoft.com/office/powerpoint/2010/main" val="1896781984"/>
-              </p:ext>
-            </p:extLst>
-          </p:nvPr>
-        </p:nvGraphicFramePr>
-        <p:xfrm>
-          <a:off x="467544" y="3096562"/>
-          <a:ext cx="8280920" cy="2764950"/>
-        </p:xfrm>
-        <a:graphic>
-          <a:graphicData uri="http://schemas.openxmlformats.org/drawingml/2006/table">
-            <a:tbl>
-              <a:tblPr firstRow="1" bandRow="1">
-                <a:tableStyleId>{5C22544A-7EE6-4342-B048-85BDC9FD1C3A}</a:tableStyleId>
-              </a:tblPr>
-              <a:tblGrid>
-                <a:gridCol w="2808312"/>
-                <a:gridCol w="5472608"/>
-              </a:tblGrid>
-              <a:tr h="359942">
-                <a:tc>
-                  <a:txBody>
-                    <a:bodyPr/>
-                    <a:lstStyle/>
-                    <a:p>
-                      <a:pPr algn="ctr" latinLnBrk="1"/>
-                      <a:r>
-                        <a:rPr lang="ko-KR" altLang="en-US" sz="1200" dirty="0" smtClean="0"/>
-                        <a:t>구분</a:t>
-                      </a:r>
-                      <a:endParaRPr lang="ko-KR" altLang="en-US" sz="1200" dirty="0"/>
-                    </a:p>
-                  </a:txBody>
-                  <a:tcPr anchor="ctr"/>
-                </a:tc>
-                <a:tc>
-                  <a:txBody>
-                    <a:bodyPr/>
-                    <a:lstStyle/>
-                    <a:p>
-                      <a:pPr algn="ctr" latinLnBrk="1"/>
-                      <a:r>
-                        <a:rPr lang="ko-KR" altLang="en-US" sz="1200" dirty="0" smtClean="0"/>
-                        <a:t>설명</a:t>
-                      </a:r>
-                      <a:endParaRPr lang="ko-KR" altLang="en-US" sz="1200" dirty="0"/>
-                    </a:p>
-                  </a:txBody>
-                  <a:tcPr anchor="ctr"/>
-                </a:tc>
-              </a:tr>
-              <a:tr h="600099">
-                <a:tc>
-                  <a:txBody>
-                    <a:bodyPr/>
-                    <a:lstStyle/>
-                    <a:p>
-                      <a:pPr algn="ctr" latinLnBrk="1"/>
-                      <a:r>
-                        <a:rPr lang="en-US" altLang="ko-KR" sz="1200" dirty="0" err="1" smtClean="0"/>
-                        <a:t>SimpleUrlHandlerMapping</a:t>
-                      </a:r>
-                      <a:endParaRPr lang="en-US" altLang="ko-KR" sz="1200" dirty="0" smtClean="0"/>
-                    </a:p>
-                  </a:txBody>
-                  <a:tcPr anchor="ctr"/>
-                </a:tc>
-                <a:tc>
-                  <a:txBody>
-                    <a:bodyPr/>
-                    <a:lstStyle/>
-                    <a:p>
-                      <a:pPr marL="171450" indent="-171450" algn="l" latinLnBrk="1">
-                        <a:lnSpc>
-                          <a:spcPct val="150000"/>
-                        </a:lnSpc>
-                        <a:buFont typeface="Wingdings" charset="2"/>
-                        <a:buChar char="§"/>
-                      </a:pPr>
-                      <a:r>
-                        <a:rPr lang="en-US" altLang="ko-KR" sz="1200" baseline="0" dirty="0" smtClean="0"/>
-                        <a:t>URL</a:t>
-                      </a:r>
-                      <a:r>
-                        <a:rPr lang="ko-KR" altLang="en-US" sz="1200" baseline="0" dirty="0" smtClean="0"/>
-                        <a:t>과 </a:t>
-                      </a:r>
-                      <a:r>
-                        <a:rPr lang="en-US" altLang="ko-KR" sz="1200" baseline="0" dirty="0" smtClean="0"/>
-                        <a:t>Controller </a:t>
-                      </a:r>
-                      <a:r>
-                        <a:rPr lang="ko-KR" altLang="en-US" sz="1200" baseline="0" dirty="0" smtClean="0"/>
-                        <a:t>이름을 직접 매칭함</a:t>
-                      </a:r>
-                      <a:endParaRPr lang="en-US" altLang="ko-KR" sz="1200" baseline="0" dirty="0" smtClean="0"/>
-                    </a:p>
-                  </a:txBody>
-                  <a:tcPr anchor="ctr"/>
-                </a:tc>
-              </a:tr>
-              <a:tr h="600099">
-                <a:tc>
-                  <a:txBody>
-                    <a:bodyPr/>
-                    <a:lstStyle/>
-                    <a:p>
-                      <a:pPr algn="ctr" latinLnBrk="1"/>
-                      <a:r>
-                        <a:rPr lang="en-US" altLang="ko-KR" sz="1200" dirty="0" err="1" smtClean="0"/>
-                        <a:t>BeanNameUrlHandlerMapping</a:t>
-                      </a:r>
-                      <a:endParaRPr lang="ko-KR" altLang="en-US" sz="1200" dirty="0"/>
-                    </a:p>
-                  </a:txBody>
-                  <a:tcPr anchor="ctr"/>
-                </a:tc>
-                <a:tc>
-                  <a:txBody>
-                    <a:bodyPr/>
-                    <a:lstStyle/>
-                    <a:p>
-                      <a:pPr marL="171450" marR="0" indent="-171450" algn="l" defTabSz="914400" rtl="0" eaLnBrk="1" fontAlgn="auto" latinLnBrk="1" hangingPunct="1">
-                        <a:lnSpc>
-                          <a:spcPct val="150000"/>
-                        </a:lnSpc>
-                        <a:spcBef>
-                          <a:spcPts val="0"/>
-                        </a:spcBef>
-                        <a:spcAft>
-                          <a:spcPts val="0"/>
-                        </a:spcAft>
-                        <a:buClrTx/>
-                        <a:buSzTx/>
-                        <a:buFont typeface="Wingdings" charset="2"/>
-                        <a:buChar char="§"/>
-                        <a:tabLst/>
-                        <a:defRPr/>
-                      </a:pPr>
-                      <a:r>
-                        <a:rPr lang="en-US" altLang="ko-KR" sz="1200" baseline="0" dirty="0" smtClean="0"/>
-                        <a:t>Bean </a:t>
-                      </a:r>
-                      <a:r>
-                        <a:rPr lang="ko-KR" altLang="en-US" sz="1200" baseline="0" dirty="0" smtClean="0"/>
-                        <a:t>의 </a:t>
-                      </a:r>
-                      <a:r>
-                        <a:rPr lang="en-US" altLang="ko-KR" sz="1200" baseline="0" dirty="0" smtClean="0"/>
-                        <a:t>Name </a:t>
-                      </a:r>
-                      <a:r>
-                        <a:rPr lang="ko-KR" altLang="en-US" sz="1200" baseline="0" dirty="0" smtClean="0"/>
-                        <a:t>을 </a:t>
-                      </a:r>
-                      <a:r>
-                        <a:rPr lang="en-US" altLang="ko-KR" sz="1200" baseline="0" dirty="0" smtClean="0"/>
-                        <a:t>URL</a:t>
-                      </a:r>
-                      <a:r>
-                        <a:rPr lang="ko-KR" altLang="en-US" sz="1200" baseline="0" dirty="0" smtClean="0"/>
-                        <a:t>과 매핑</a:t>
-                      </a:r>
-                      <a:endParaRPr lang="en-US" altLang="ko-KR" sz="1200" baseline="0" dirty="0" smtClean="0"/>
-                    </a:p>
-                  </a:txBody>
-                  <a:tcPr anchor="ctr"/>
-                </a:tc>
-              </a:tr>
-              <a:tr h="600099">
-                <a:tc>
-                  <a:txBody>
-                    <a:bodyPr/>
-                    <a:lstStyle/>
-                    <a:p>
-                      <a:pPr algn="ctr" latinLnBrk="1"/>
-                      <a:r>
-                        <a:rPr lang="en-US" altLang="ko-KR" sz="1200" dirty="0" err="1" smtClean="0"/>
-                        <a:t>ControllerClassNameHandlerMapping</a:t>
-                      </a:r>
-                      <a:endParaRPr lang="ko-KR" altLang="en-US" sz="1200" dirty="0"/>
-                    </a:p>
-                  </a:txBody>
-                  <a:tcPr anchor="ctr"/>
-                </a:tc>
-                <a:tc>
-                  <a:txBody>
-                    <a:bodyPr/>
-                    <a:lstStyle/>
-                    <a:p>
-                      <a:pPr marL="171450" indent="-171450" algn="l" latinLnBrk="1">
-                        <a:lnSpc>
-                          <a:spcPct val="150000"/>
-                        </a:lnSpc>
-                        <a:buFont typeface="Wingdings" charset="2"/>
-                        <a:buChar char="§"/>
-                      </a:pPr>
-                      <a:r>
-                        <a:rPr lang="en-US" altLang="ko-KR" sz="1200" baseline="0" dirty="0" smtClean="0"/>
-                        <a:t>Bean </a:t>
-                      </a:r>
-                      <a:r>
-                        <a:rPr lang="ko-KR" altLang="en-US" sz="1200" baseline="0" dirty="0" smtClean="0"/>
-                        <a:t>의 </a:t>
-                      </a:r>
-                      <a:r>
-                        <a:rPr lang="en-US" altLang="ko-KR" sz="1200" baseline="0" dirty="0" smtClean="0"/>
-                        <a:t>class </a:t>
-                      </a:r>
-                      <a:r>
-                        <a:rPr lang="ko-KR" altLang="en-US" sz="1200" baseline="0" dirty="0" smtClean="0"/>
-                        <a:t>를 </a:t>
-                      </a:r>
-                      <a:r>
-                        <a:rPr lang="en-US" altLang="ko-KR" sz="1200" baseline="0" dirty="0" smtClean="0"/>
-                        <a:t>URL</a:t>
-                      </a:r>
-                      <a:r>
-                        <a:rPr lang="ko-KR" altLang="en-US" sz="1200" baseline="0" dirty="0" smtClean="0"/>
-                        <a:t>과 매핑</a:t>
-                      </a:r>
-                      <a:endParaRPr lang="en-US" altLang="ko-KR" sz="1200" baseline="0" dirty="0" smtClean="0"/>
-                    </a:p>
-                  </a:txBody>
-                  <a:tcPr anchor="ctr"/>
-                </a:tc>
-              </a:tr>
-              <a:tr h="600099">
-                <a:tc>
-                  <a:txBody>
-                    <a:bodyPr/>
-                    <a:lstStyle/>
-                    <a:p>
-                      <a:pPr algn="ctr" latinLnBrk="1"/>
-                      <a:r>
-                        <a:rPr lang="en-US" altLang="ko-KR" sz="1200" dirty="0" err="1" smtClean="0"/>
-                        <a:t>RequestMappingHandlerMapping</a:t>
-                      </a:r>
-                      <a:endParaRPr lang="ko-KR" altLang="en-US" sz="1200" dirty="0"/>
-                    </a:p>
-                  </a:txBody>
-                  <a:tcPr anchor="ctr"/>
-                </a:tc>
-                <a:tc>
-                  <a:txBody>
-                    <a:bodyPr/>
-                    <a:lstStyle/>
-                    <a:p>
-                      <a:pPr marL="171450" indent="-171450" algn="l" latinLnBrk="1">
-                        <a:lnSpc>
-                          <a:spcPct val="150000"/>
-                        </a:lnSpc>
-                        <a:buFont typeface="Wingdings" charset="2"/>
-                        <a:buChar char="§"/>
-                      </a:pPr>
-                      <a:r>
-                        <a:rPr lang="en-US" altLang="ko-KR" sz="1200" baseline="0" dirty="0" smtClean="0"/>
-                        <a:t>@</a:t>
-                      </a:r>
-                      <a:r>
-                        <a:rPr lang="en-US" altLang="ko-KR" sz="1200" baseline="0" dirty="0" err="1" smtClean="0"/>
-                        <a:t>RequestMapping</a:t>
-                      </a:r>
-                      <a:r>
-                        <a:rPr lang="en-US" altLang="ko-KR" sz="1200" baseline="0" dirty="0" smtClean="0"/>
-                        <a:t> </a:t>
-                      </a:r>
-                      <a:r>
-                        <a:rPr lang="ko-KR" altLang="en-US" sz="1200" baseline="0" dirty="0" smtClean="0"/>
-                        <a:t>에 선언된 </a:t>
-                      </a:r>
-                      <a:r>
-                        <a:rPr lang="en-US" altLang="ko-KR" sz="1200" baseline="0" dirty="0" smtClean="0"/>
-                        <a:t>URL </a:t>
-                      </a:r>
-                      <a:r>
-                        <a:rPr lang="ko-KR" altLang="en-US" sz="1200" baseline="0" dirty="0" smtClean="0"/>
-                        <a:t>과 해당 </a:t>
-                      </a:r>
-                      <a:r>
-                        <a:rPr lang="en-US" altLang="ko-KR" sz="1200" baseline="0" dirty="0" smtClean="0"/>
-                        <a:t>@Controller </a:t>
-                      </a:r>
-                      <a:r>
-                        <a:rPr lang="ko-KR" altLang="en-US" sz="1200" baseline="0" dirty="0" smtClean="0"/>
-                        <a:t>클래스의 메소드와 매핑</a:t>
-                      </a:r>
-                      <a:endParaRPr lang="en-US" altLang="ko-KR" sz="1200" baseline="0" dirty="0" smtClean="0"/>
-                    </a:p>
-                  </a:txBody>
-                  <a:tcPr anchor="ctr"/>
-                </a:tc>
-              </a:tr>
-            </a:tbl>
-          </a:graphicData>
-        </a:graphic>
-      </p:graphicFrame>
+      <p:pic>
+        <p:nvPicPr>
+          <p:cNvPr id="2" name="그림 1"/>
+          <p:cNvPicPr>
+            <a:picLocks noChangeAspect="1"/>
+          </p:cNvPicPr>
+          <p:nvPr/>
+        </p:nvPicPr>
+        <p:blipFill>
+          <a:blip r:embed="rId2">
+            <a:extLst>
+              <a:ext uri="{28A0092B-C50C-407E-A947-70E740481C1C}">
+                <a14:useLocalDpi xmlns:a14="http://schemas.microsoft.com/office/drawing/2010/main" val="0"/>
+              </a:ext>
+            </a:extLst>
+          </a:blip>
+          <a:stretch>
+            <a:fillRect/>
+          </a:stretch>
+        </p:blipFill>
+        <p:spPr>
+          <a:xfrm>
+            <a:off x="2052229" y="2788939"/>
+            <a:ext cx="5006423" cy="2736304"/>
+          </a:xfrm>
+          <a:prstGeom prst="rect">
+            <a:avLst/>
+          </a:prstGeom>
+        </p:spPr>
+      </p:pic>
       <p:sp>
         <p:nvSpPr>
-          <p:cNvPr id="2" name="텍스트 상자 1"/>
+          <p:cNvPr id="8" name="텍스트 상자 7"/>
           <p:cNvSpPr txBox="1"/>
           <p:nvPr/>
         </p:nvSpPr>
         <p:spPr>
           <a:xfrm>
-            <a:off x="772160" y="5976882"/>
-            <a:ext cx="2659702" cy="276999"/>
+            <a:off x="2113996" y="5536276"/>
+            <a:ext cx="1623521" cy="276999"/>
           </a:xfrm>
           <a:prstGeom prst="rect">
             <a:avLst/>
@@ -5614,24 +5285,16 @@
             </a:r>
             <a:r>
               <a:rPr kumimoji="1" lang="en-US" altLang="ko-KR" sz="1200" dirty="0" err="1" smtClean="0"/>
-              <a:t>HandlerMapping</a:t>
-            </a:r>
-            <a:r>
-              <a:rPr kumimoji="1" lang="en-US" altLang="ko-KR" sz="1200" dirty="0" smtClean="0"/>
-              <a:t> </a:t>
-            </a:r>
-            <a:r>
-              <a:rPr kumimoji="1" lang="ko-KR" altLang="en-US" sz="1200" dirty="0" smtClean="0"/>
-              <a:t>클래스의 종류</a:t>
-            </a:r>
-            <a:endParaRPr kumimoji="1" lang="ko-KR" altLang="en-US" sz="1200" dirty="0"/>
+              <a:t>WebAppInitializer</a:t>
+            </a:r>
+            <a:endParaRPr kumimoji="1" lang="en-US" altLang="ko-KR" sz="1200" dirty="0" smtClean="0"/>
           </a:p>
         </p:txBody>
       </p:sp>
     </p:spTree>
     <p:extLst>
       <p:ext uri="{BB962C8B-B14F-4D97-AF65-F5344CB8AC3E}">
-        <p14:creationId xmlns:p14="http://schemas.microsoft.com/office/powerpoint/2010/main" val="13474893"/>
+        <p14:creationId xmlns:p14="http://schemas.microsoft.com/office/powerpoint/2010/main" val="319898969"/>
       </p:ext>
     </p:extLst>
   </p:cSld>
@@ -5724,17 +5387,67 @@
                 <a:latin typeface="맑은 고딕" pitchFamily="50" charset="-127"/>
                 <a:ea typeface="맑은 고딕" pitchFamily="50" charset="-127"/>
               </a:rPr>
-              <a:t>| </a:t>
-            </a:r>
-            <a:r>
-              <a:rPr lang="en-US" altLang="ko-KR" sz="1400" b="1" spc="-20" dirty="0" err="1" smtClean="0">
+              <a:t>| Dispatcher Servlet </a:t>
+            </a:r>
+            <a:r>
+              <a:rPr lang="ko-KR" altLang="en-US" sz="1400" b="1" spc="-20" dirty="0" smtClean="0">
                 <a:solidFill>
                   <a:schemeClr val="tx2"/>
                 </a:solidFill>
                 <a:latin typeface="맑은 고딕" pitchFamily="50" charset="-127"/>
                 <a:ea typeface="맑은 고딕" pitchFamily="50" charset="-127"/>
               </a:rPr>
-              <a:t>HandlerMapping</a:t>
+              <a:t>설정</a:t>
+            </a:r>
+            <a:r>
+              <a:rPr lang="en-US" altLang="ko-KR" sz="1400" b="1" spc="-20" dirty="0" smtClean="0">
+                <a:solidFill>
+                  <a:schemeClr val="tx2"/>
+                </a:solidFill>
+                <a:latin typeface="맑은 고딕" pitchFamily="50" charset="-127"/>
+                <a:ea typeface="맑은 고딕" pitchFamily="50" charset="-127"/>
+              </a:rPr>
+              <a:t> (Java Configuration)</a:t>
+            </a:r>
+            <a:r>
+              <a:rPr lang="ko-KR" altLang="en-US" sz="1400" b="1" spc="-20" dirty="0" smtClean="0">
+                <a:solidFill>
+                  <a:schemeClr val="tx2"/>
+                </a:solidFill>
+                <a:latin typeface="맑은 고딕" pitchFamily="50" charset="-127"/>
+                <a:ea typeface="맑은 고딕" pitchFamily="50" charset="-127"/>
+              </a:rPr>
+              <a:t> </a:t>
+            </a:r>
+            <a:r>
+              <a:rPr lang="en-US" altLang="ko-KR" sz="1400" b="1" spc="-20" dirty="0" smtClean="0">
+                <a:solidFill>
+                  <a:schemeClr val="tx2"/>
+                </a:solidFill>
+                <a:latin typeface="맑은 고딕" pitchFamily="50" charset="-127"/>
+                <a:ea typeface="맑은 고딕" pitchFamily="50" charset="-127"/>
+              </a:rPr>
+              <a:t>-</a:t>
+            </a:r>
+            <a:r>
+              <a:rPr lang="ko-KR" altLang="en-US" sz="1400" b="1" spc="-20" dirty="0" smtClean="0">
+                <a:solidFill>
+                  <a:schemeClr val="tx2"/>
+                </a:solidFill>
+                <a:latin typeface="맑은 고딕" pitchFamily="50" charset="-127"/>
+                <a:ea typeface="맑은 고딕" pitchFamily="50" charset="-127"/>
+              </a:rPr>
+              <a:t> </a:t>
+            </a:r>
+            <a:r>
+              <a:rPr lang="en-US" altLang="ko-KR" sz="1400" b="1" spc="-20" dirty="0" smtClean="0">
+                <a:solidFill>
+                  <a:schemeClr val="tx2"/>
+                </a:solidFill>
+                <a:latin typeface="맑은 고딕" pitchFamily="50" charset="-127"/>
+                <a:ea typeface="맑은 고딕" pitchFamily="50" charset="-127"/>
+              </a:rPr>
+              <a:t> (2/2)</a:t>
             </a:r>
             <a:endParaRPr lang="en-US" altLang="ko-KR" sz="1400" spc="-20" dirty="0" smtClean="0">
               <a:solidFill>
@@ -5795,7 +5508,7 @@
       </p:sp>
       <p:sp>
         <p:nvSpPr>
-          <p:cNvPr id="13" name="TextBox 14"/>
+          <p:cNvPr id="16" name="TextBox 14"/>
           <p:cNvSpPr txBox="1"/>
           <p:nvPr/>
         </p:nvSpPr>
@@ -5827,21 +5540,42 @@
                 <a:latin typeface="맑은 고딕" pitchFamily="50" charset="-127"/>
                 <a:ea typeface="맑은 고딕" pitchFamily="50" charset="-127"/>
               </a:rPr>
-              <a:t>SimpleUrlHandlerMapping</a:t>
+              <a:t>RootConfig</a:t>
+            </a:r>
+            <a:r>
+              <a:rPr lang="ko-KR" altLang="en-US" sz="1400" spc="-20" dirty="0">
+                <a:latin typeface="맑은 고딕" pitchFamily="50" charset="-127"/>
+                <a:ea typeface="맑은 고딕" pitchFamily="50" charset="-127"/>
+              </a:rPr>
+              <a:t> </a:t>
+            </a:r>
+            <a:r>
+              <a:rPr lang="ko-KR" altLang="en-US" sz="1400" spc="-20" dirty="0" smtClean="0">
+                <a:latin typeface="맑은 고딕" pitchFamily="50" charset="-127"/>
+                <a:ea typeface="맑은 고딕" pitchFamily="50" charset="-127"/>
+              </a:rPr>
+              <a:t>는 웹 컴포넌트 외에 사용할 요소들이 있을 경우 설정</a:t>
             </a:r>
             <a:r>
               <a:rPr lang="en-US" altLang="ko-KR" sz="1400" spc="-20" dirty="0" smtClean="0">
                 <a:latin typeface="맑은 고딕" pitchFamily="50" charset="-127"/>
                 <a:ea typeface="맑은 고딕" pitchFamily="50" charset="-127"/>
               </a:rPr>
-              <a:t> </a:t>
+              <a:t>(ex, DB connection </a:t>
             </a:r>
             <a:r>
               <a:rPr lang="ko-KR" altLang="en-US" sz="1400" spc="-20" dirty="0" smtClean="0">
                 <a:latin typeface="맑은 고딕" pitchFamily="50" charset="-127"/>
                 <a:ea typeface="맑은 고딕" pitchFamily="50" charset="-127"/>
               </a:rPr>
-              <a:t>사용 방법</a:t>
+              <a:t>등</a:t>
+            </a:r>
+            <a:r>
+              <a:rPr lang="en-US" altLang="ko-KR" sz="1400" spc="-20" dirty="0" smtClean="0">
+                <a:latin typeface="맑은 고딕" pitchFamily="50" charset="-127"/>
+                <a:ea typeface="맑은 고딕" pitchFamily="50" charset="-127"/>
+              </a:rPr>
+              <a:t>)</a:t>
             </a:r>
             <a:endParaRPr lang="en-US" altLang="ko-KR" sz="1400" spc="-20" dirty="0" smtClean="0">
               <a:latin typeface="맑은 고딕" pitchFamily="50" charset="-127"/>
@@ -5852,7 +5586,7 @@
       </p:sp>
       <p:pic>
         <p:nvPicPr>
-          <p:cNvPr id="7" name="그림 6"/>
+          <p:cNvPr id="4" name="그림 3"/>
           <p:cNvPicPr>
             <a:picLocks noChangeAspect="1"/>
           </p:cNvPicPr>
@@ -5872,8 +5606,8 @@
         </p:blipFill>
         <p:spPr>
           <a:xfrm>
-            <a:off x="1259632" y="2204864"/>
-            <a:ext cx="7116385" cy="3304036"/>
+            <a:off x="173121" y="2373634"/>
+            <a:ext cx="6127071" cy="2571857"/>
           </a:xfrm>
           <a:prstGeom prst="rect">
             <a:avLst/>
@@ -5889,7 +5623,7 @@
       </p:pic>
       <p:pic>
         <p:nvPicPr>
-          <p:cNvPr id="8" name="그림 7"/>
+          <p:cNvPr id="6" name="그림 5"/>
           <p:cNvPicPr>
             <a:picLocks noChangeAspect="1"/>
           </p:cNvPicPr>
@@ -5909,8 +5643,8 @@
         </p:blipFill>
         <p:spPr>
           <a:xfrm>
-            <a:off x="1259632" y="5600584"/>
-            <a:ext cx="7098441" cy="570653"/>
+            <a:off x="2123728" y="4765163"/>
+            <a:ext cx="6908800" cy="1816100"/>
           </a:xfrm>
           <a:prstGeom prst="rect">
             <a:avLst/>
@@ -5926,118 +5660,19 @@
       </p:pic>
       <p:sp>
         <p:nvSpPr>
-          <p:cNvPr id="15" name="직사각형 14"/>
-          <p:cNvSpPr/>
+          <p:cNvPr id="8" name="텍스트 상자 7"/>
+          <p:cNvSpPr txBox="1"/>
           <p:nvPr/>
         </p:nvSpPr>
         <p:spPr>
           <a:xfrm>
-            <a:off x="1727696" y="2166625"/>
-            <a:ext cx="6085344" cy="281936"/>
+            <a:off x="290973" y="5013176"/>
+            <a:ext cx="1530804" cy="276999"/>
           </a:xfrm>
           <a:prstGeom prst="rect">
             <a:avLst/>
           </a:prstGeom>
           <a:noFill/>
-          <a:ln>
-            <a:solidFill>
-              <a:srgbClr val="FF0000"/>
-            </a:solidFill>
-          </a:ln>
-        </p:spPr>
-        <p:style>
-          <a:lnRef idx="2">
-            <a:schemeClr val="accent1">
-              <a:shade val="50000"/>
-            </a:schemeClr>
-          </a:lnRef>
-          <a:fillRef idx="1">
-            <a:schemeClr val="accent1"/>
-          </a:fillRef>
-          <a:effectRef idx="0">
-            <a:schemeClr val="accent1"/>
-          </a:effectRef>
-          <a:fontRef idx="minor">
-            <a:schemeClr val="lt1"/>
-          </a:fontRef>
-        </p:style>
-        <p:txBody>
-          <a:bodyPr rtlCol="0" anchor="ctr"/>
-          <a:lstStyle/>
-          <a:p>
-            <a:pPr algn="ctr"/>
-            <a:endParaRPr kumimoji="1" lang="ko-KR" altLang="en-US"/>
-          </a:p>
-        </p:txBody>
-      </p:sp>
-      <p:sp>
-        <p:nvSpPr>
-          <p:cNvPr id="17" name="직사각형 16"/>
-          <p:cNvSpPr/>
-          <p:nvPr/>
-        </p:nvSpPr>
-        <p:spPr>
-          <a:xfrm>
-            <a:off x="3190736" y="4056384"/>
-            <a:ext cx="5201424" cy="698495"/>
-          </a:xfrm>
-          <a:prstGeom prst="rect">
-            <a:avLst/>
-          </a:prstGeom>
-          <a:noFill/>
-          <a:ln>
-            <a:solidFill>
-              <a:srgbClr val="FF0000"/>
-            </a:solidFill>
-          </a:ln>
-        </p:spPr>
-        <p:style>
-          <a:lnRef idx="2">
-            <a:schemeClr val="accent1">
-              <a:shade val="50000"/>
-            </a:schemeClr>
-          </a:lnRef>
-          <a:fillRef idx="1">
-            <a:schemeClr val="accent1"/>
-          </a:fillRef>
-          <a:effectRef idx="0">
-            <a:schemeClr val="accent1"/>
-          </a:effectRef>
-          <a:fontRef idx="minor">
-            <a:schemeClr val="lt1"/>
-          </a:fontRef>
-        </p:style>
-        <p:txBody>
-          <a:bodyPr rtlCol="0" anchor="ctr"/>
-          <a:lstStyle/>
-          <a:p>
-            <a:pPr algn="ctr"/>
-            <a:endParaRPr kumimoji="1" lang="ko-KR" altLang="en-US"/>
-          </a:p>
-        </p:txBody>
-      </p:sp>
-      <p:sp>
-        <p:nvSpPr>
-          <p:cNvPr id="18" name="텍스트 상자 17"/>
-          <p:cNvSpPr txBox="1"/>
-          <p:nvPr/>
-        </p:nvSpPr>
-        <p:spPr>
-          <a:xfrm>
-            <a:off x="5926603" y="2504341"/>
-            <a:ext cx="2965877" cy="276999"/>
-          </a:xfrm>
-          <a:prstGeom prst="rect">
-            <a:avLst/>
-          </a:prstGeom>
-          <a:solidFill>
-            <a:schemeClr val="bg1"/>
-          </a:solidFill>
-          <a:ln>
-            <a:solidFill>
-              <a:schemeClr val="tx1"/>
-            </a:solidFill>
-          </a:ln>
         </p:spPr>
         <p:txBody>
           <a:bodyPr wrap="none" rtlCol="0">
@@ -6045,45 +5680,33 @@
           </a:bodyPr>
           <a:lstStyle/>
           <a:p>
-            <a:pPr algn="ctr"/>
+            <a:r>
+              <a:rPr kumimoji="1" lang="ko-KR" altLang="en-US" sz="1200" dirty="0" smtClean="0"/>
+              <a:t>▲ </a:t>
+            </a:r>
             <a:r>
               <a:rPr kumimoji="1" lang="en-US" altLang="ko-KR" sz="1200" dirty="0" err="1" smtClean="0"/>
-              <a:t>SimpleUrlHandlerMapping</a:t>
-            </a:r>
-            <a:r>
-              <a:rPr kumimoji="1" lang="en-US" altLang="ko-KR" sz="1200" dirty="0" smtClean="0"/>
-              <a:t> </a:t>
-            </a:r>
-            <a:r>
-              <a:rPr kumimoji="1" lang="ko-KR" altLang="en-US" sz="1200" dirty="0" smtClean="0"/>
-              <a:t>클래스 선언</a:t>
-            </a:r>
-            <a:endParaRPr kumimoji="1" lang="ko-KR" altLang="en-US" sz="1200" dirty="0"/>
+              <a:t>WebConfig.java</a:t>
+            </a:r>
+            <a:endParaRPr kumimoji="1" lang="en-US" altLang="ko-KR" sz="1200" dirty="0" smtClean="0"/>
           </a:p>
         </p:txBody>
       </p:sp>
       <p:sp>
         <p:nvSpPr>
-          <p:cNvPr id="19" name="텍스트 상자 18"/>
+          <p:cNvPr id="9" name="텍스트 상자 8"/>
           <p:cNvSpPr txBox="1"/>
           <p:nvPr/>
         </p:nvSpPr>
         <p:spPr>
           <a:xfrm>
-            <a:off x="6460102" y="4830981"/>
-            <a:ext cx="1756636" cy="276999"/>
+            <a:off x="2109613" y="6577816"/>
+            <a:ext cx="1541128" cy="276999"/>
           </a:xfrm>
           <a:prstGeom prst="rect">
             <a:avLst/>
           </a:prstGeom>
-          <a:solidFill>
-            <a:schemeClr val="bg1"/>
-          </a:solidFill>
-          <a:ln>
-            <a:solidFill>
-              <a:schemeClr val="tx1"/>
-            </a:solidFill>
-          </a:ln>
+          <a:noFill/>
         </p:spPr>
         <p:txBody>
           <a:bodyPr wrap="none" rtlCol="0">
@@ -6091,80 +5714,22 @@
           </a:bodyPr>
           <a:lstStyle/>
           <a:p>
-            <a:pPr algn="ctr"/>
+            <a:r>
+              <a:rPr kumimoji="1" lang="ko-KR" altLang="en-US" sz="1200" dirty="0" smtClean="0"/>
+              <a:t>▲ </a:t>
+            </a:r>
             <a:r>
               <a:rPr kumimoji="1" lang="en-US" altLang="ko-KR" sz="1200" dirty="0" err="1" smtClean="0"/>
-              <a:t>Url</a:t>
-            </a:r>
-            <a:r>
-              <a:rPr kumimoji="1" lang="en-US" altLang="ko-KR" sz="1200" dirty="0" smtClean="0"/>
-              <a:t> </a:t>
-            </a:r>
-            <a:r>
-              <a:rPr kumimoji="1" lang="ko-KR" altLang="en-US" sz="1200" dirty="0" smtClean="0"/>
-              <a:t>과 </a:t>
-            </a:r>
-            <a:r>
-              <a:rPr kumimoji="1" lang="en-US" altLang="ko-KR" sz="1200" dirty="0" smtClean="0"/>
-              <a:t>Controller </a:t>
-            </a:r>
-            <a:r>
-              <a:rPr kumimoji="1" lang="ko-KR" altLang="en-US" sz="1200" dirty="0" smtClean="0"/>
-              <a:t>매핑</a:t>
-            </a:r>
-            <a:endParaRPr kumimoji="1" lang="ko-KR" altLang="en-US" sz="1200" dirty="0"/>
-          </a:p>
-        </p:txBody>
-      </p:sp>
-      <p:sp>
-        <p:nvSpPr>
-          <p:cNvPr id="20" name="텍스트 상자 19"/>
-          <p:cNvSpPr txBox="1"/>
-          <p:nvPr/>
-        </p:nvSpPr>
-        <p:spPr>
-          <a:xfrm>
-            <a:off x="1287811" y="6222901"/>
-            <a:ext cx="1988045" cy="276999"/>
-          </a:xfrm>
-          <a:prstGeom prst="rect">
-            <a:avLst/>
-          </a:prstGeom>
-          <a:solidFill>
-            <a:schemeClr val="bg1"/>
-          </a:solidFill>
-          <a:ln>
-            <a:solidFill>
-              <a:schemeClr val="tx1"/>
-            </a:solidFill>
-          </a:ln>
-        </p:spPr>
-        <p:txBody>
-          <a:bodyPr wrap="none" rtlCol="0">
-            <a:spAutoFit/>
-          </a:bodyPr>
-          <a:lstStyle/>
-          <a:p>
-            <a:r>
-              <a:rPr kumimoji="1" lang="ko-KR" altLang="en-US" sz="1200" dirty="0" smtClean="0"/>
-              <a:t>▲</a:t>
-            </a:r>
-            <a:r>
-              <a:rPr kumimoji="1" lang="en-US" altLang="ko-KR" sz="1200" dirty="0" smtClean="0"/>
-              <a:t>Handler Mapping </a:t>
-            </a:r>
-            <a:r>
-              <a:rPr kumimoji="1" lang="ko-KR" altLang="en-US" sz="1200" dirty="0" smtClean="0"/>
-              <a:t>설정</a:t>
-            </a:r>
-            <a:endParaRPr kumimoji="1" lang="ko-KR" altLang="en-US" sz="1200" dirty="0"/>
+              <a:t>RootConfig.java</a:t>
+            </a:r>
+            <a:endParaRPr kumimoji="1" lang="en-US" altLang="ko-KR" sz="1200" dirty="0" smtClean="0"/>
           </a:p>
         </p:txBody>
       </p:sp>
     </p:spTree>
     <p:extLst>
       <p:ext uri="{BB962C8B-B14F-4D97-AF65-F5344CB8AC3E}">
-        <p14:creationId xmlns:p14="http://schemas.microsoft.com/office/powerpoint/2010/main" val="1817154820"/>
+        <p14:creationId xmlns:p14="http://schemas.microsoft.com/office/powerpoint/2010/main" val="781581356"/>
       </p:ext>
     </p:extLst>
   </p:cSld>
@@ -6210,7 +5775,7 @@
         <p:spPr>
           <a:xfrm>
             <a:off x="611560" y="1164759"/>
-            <a:ext cx="7610638" cy="373885"/>
+            <a:ext cx="7610638" cy="415498"/>
           </a:xfrm>
           <a:prstGeom prst="rect">
             <a:avLst/>
@@ -6250,7 +5815,7 @@
               <a:t> </a:t>
             </a:r>
             <a:r>
-              <a:rPr lang="en-US" altLang="ko-KR" sz="1400" b="1" spc="-20" dirty="0">
+              <a:rPr lang="en-US" altLang="ko-KR" sz="1400" b="1" spc="-20" dirty="0" smtClean="0">
                 <a:solidFill>
                   <a:schemeClr val="tx2"/>
                 </a:solidFill>
@@ -6269,7 +5834,7 @@
               </a:rPr>
               <a:t>HandlerMapping</a:t>
             </a:r>
-            <a:endParaRPr lang="en-US" altLang="ko-KR" sz="1400" spc="-20" dirty="0">
+            <a:endParaRPr lang="en-US" altLang="ko-KR" sz="1400" spc="-20" dirty="0" smtClean="0">
               <a:solidFill>
                 <a:schemeClr val="tx2"/>
               </a:solidFill>
@@ -6335,7 +5900,7 @@
         <p:spPr>
           <a:xfrm>
             <a:off x="1259632" y="1645912"/>
-            <a:ext cx="7632848" cy="373885"/>
+            <a:ext cx="7632848" cy="1384995"/>
           </a:xfrm>
           <a:prstGeom prst="rect">
             <a:avLst/>
@@ -6356,131 +5921,518 @@
               <a:buChar char="§"/>
             </a:pPr>
             <a:r>
+              <a:rPr lang="ko-KR" altLang="en-US" sz="1400" spc="-20" dirty="0" smtClean="0">
+                <a:latin typeface="맑은 고딕" pitchFamily="50" charset="-127"/>
+                <a:ea typeface="맑은 고딕" pitchFamily="50" charset="-127"/>
+              </a:rPr>
+              <a:t>클라이언트의 요청에 해당하는 </a:t>
+            </a:r>
+            <a:r>
+              <a:rPr lang="en-US" altLang="ko-KR" sz="1400" spc="-20" dirty="0" smtClean="0">
+                <a:latin typeface="맑은 고딕" pitchFamily="50" charset="-127"/>
+                <a:ea typeface="맑은 고딕" pitchFamily="50" charset="-127"/>
+              </a:rPr>
+              <a:t>Controller </a:t>
+            </a:r>
+            <a:r>
+              <a:rPr lang="ko-KR" altLang="en-US" sz="1400" spc="-20" dirty="0" smtClean="0">
+                <a:latin typeface="맑은 고딕" pitchFamily="50" charset="-127"/>
+                <a:ea typeface="맑은 고딕" pitchFamily="50" charset="-127"/>
+              </a:rPr>
+              <a:t>가 어떤 것인지를 결정하는 역할</a:t>
+            </a:r>
+            <a:r>
+              <a:rPr lang="en-US" altLang="ko-KR" sz="1400" spc="-20" dirty="0" smtClean="0">
+                <a:latin typeface="맑은 고딕" pitchFamily="50" charset="-127"/>
+                <a:ea typeface="맑은 고딕" pitchFamily="50" charset="-127"/>
+              </a:rPr>
+              <a:t/>
+            </a:r>
+            <a:br>
+              <a:rPr lang="en-US" altLang="ko-KR" sz="1400" spc="-20" dirty="0" smtClean="0">
+                <a:latin typeface="맑은 고딕" pitchFamily="50" charset="-127"/>
+                <a:ea typeface="맑은 고딕" pitchFamily="50" charset="-127"/>
+              </a:rPr>
+            </a:br>
+            <a:r>
+              <a:rPr lang="en-US" altLang="ko-KR" sz="1400" spc="-20" dirty="0" smtClean="0">
+                <a:latin typeface="맑은 고딕" pitchFamily="50" charset="-127"/>
+                <a:ea typeface="맑은 고딕" pitchFamily="50" charset="-127"/>
+              </a:rPr>
+              <a:t>(</a:t>
+            </a:r>
+            <a:r>
+              <a:rPr lang="ko-KR" altLang="en-US" sz="1400" spc="-20" dirty="0" smtClean="0">
+                <a:latin typeface="맑은 고딕" pitchFamily="50" charset="-127"/>
+                <a:ea typeface="맑은 고딕" pitchFamily="50" charset="-127"/>
+              </a:rPr>
+              <a:t>클라이언트 요청 </a:t>
+            </a:r>
+            <a:r>
+              <a:rPr lang="en-US" altLang="ko-KR" sz="1400" spc="-20" dirty="0" smtClean="0">
+                <a:latin typeface="맑은 고딕" pitchFamily="50" charset="-127"/>
+                <a:ea typeface="맑은 고딕" pitchFamily="50" charset="-127"/>
+              </a:rPr>
+              <a:t>URL </a:t>
+            </a:r>
+            <a:r>
+              <a:rPr lang="ko-KR" altLang="en-US" sz="1400" spc="-20" dirty="0" smtClean="0">
+                <a:latin typeface="맑은 고딕" pitchFamily="50" charset="-127"/>
+                <a:ea typeface="맑은 고딕" pitchFamily="50" charset="-127"/>
+              </a:rPr>
+              <a:t>과 </a:t>
+            </a:r>
+            <a:r>
+              <a:rPr lang="en-US" altLang="ko-KR" sz="1400" spc="-20" dirty="0" smtClean="0">
+                <a:latin typeface="맑은 고딕" pitchFamily="50" charset="-127"/>
+                <a:ea typeface="맑은 고딕" pitchFamily="50" charset="-127"/>
+              </a:rPr>
+              <a:t>Controller </a:t>
+            </a:r>
+            <a:r>
+              <a:rPr lang="ko-KR" altLang="en-US" sz="1400" spc="-20" dirty="0" smtClean="0">
+                <a:latin typeface="맑은 고딕" pitchFamily="50" charset="-127"/>
+                <a:ea typeface="맑은 고딕" pitchFamily="50" charset="-127"/>
+              </a:rPr>
+              <a:t>를 </a:t>
+            </a:r>
+            <a:r>
+              <a:rPr lang="en-US" altLang="ko-KR" sz="1400" spc="-20" dirty="0" smtClean="0">
+                <a:latin typeface="맑은 고딕" pitchFamily="50" charset="-127"/>
+                <a:ea typeface="맑은 고딕" pitchFamily="50" charset="-127"/>
+              </a:rPr>
+              <a:t>Mapping)</a:t>
+            </a:r>
+          </a:p>
+          <a:p>
+            <a:pPr marL="285750" indent="-285750">
+              <a:lnSpc>
+                <a:spcPct val="150000"/>
+              </a:lnSpc>
+              <a:buFont typeface="Wingdings" charset="2"/>
+              <a:buChar char="§"/>
+            </a:pPr>
+            <a:r>
+              <a:rPr lang="en-US" altLang="ko-KR" sz="1400" spc="-20" dirty="0" smtClean="0">
+                <a:latin typeface="맑은 고딕" pitchFamily="50" charset="-127"/>
+                <a:ea typeface="맑은 고딕" pitchFamily="50" charset="-127"/>
+              </a:rPr>
+              <a:t>Order </a:t>
+            </a:r>
+            <a:r>
+              <a:rPr lang="ko-KR" altLang="en-US" sz="1400" spc="-20" dirty="0" smtClean="0">
+                <a:latin typeface="맑은 고딕" pitchFamily="50" charset="-127"/>
+                <a:ea typeface="맑은 고딕" pitchFamily="50" charset="-127"/>
+              </a:rPr>
+              <a:t>라는 속성을 사용해서 </a:t>
+            </a:r>
+            <a:r>
+              <a:rPr lang="en-US" altLang="ko-KR" sz="1400" spc="-20" dirty="0" smtClean="0">
+                <a:latin typeface="맑은 고딕" pitchFamily="50" charset="-127"/>
+                <a:ea typeface="맑은 고딕" pitchFamily="50" charset="-127"/>
+              </a:rPr>
+              <a:t>Spring </a:t>
+            </a:r>
+            <a:r>
+              <a:rPr lang="ko-KR" altLang="en-US" sz="1400" spc="-20" dirty="0" smtClean="0">
+                <a:latin typeface="맑은 고딕" pitchFamily="50" charset="-127"/>
+                <a:ea typeface="맑은 고딕" pitchFamily="50" charset="-127"/>
+              </a:rPr>
+              <a:t>내부적으로 </a:t>
+            </a:r>
+            <a:r>
               <a:rPr lang="en-US" altLang="ko-KR" sz="1400" spc="-20" dirty="0" err="1" smtClean="0">
                 <a:latin typeface="맑은 고딕" pitchFamily="50" charset="-127"/>
                 <a:ea typeface="맑은 고딕" pitchFamily="50" charset="-127"/>
               </a:rPr>
-              <a:t>RequestMappingHandlerMapping</a:t>
-            </a:r>
+              <a:t>HandlerMapping</a:t>
+            </a:r>
+            <a:r>
+              <a:rPr lang="ko-KR" altLang="en-US" sz="1400" spc="-20" dirty="0" smtClean="0">
+                <a:latin typeface="맑은 고딕" pitchFamily="50" charset="-127"/>
+                <a:ea typeface="맑은 고딕" pitchFamily="50" charset="-127"/>
+              </a:rPr>
+              <a:t> 객체를 정렬함</a:t>
+            </a:r>
+            <a:r>
+              <a:rPr lang="en-US" altLang="ko-KR" sz="1400" spc="-20" dirty="0">
+                <a:latin typeface="맑은 고딕" pitchFamily="50" charset="-127"/>
+                <a:ea typeface="맑은 고딕" pitchFamily="50" charset="-127"/>
+              </a:rPr>
+              <a:t/>
+            </a:r>
+            <a:br>
+              <a:rPr lang="en-US" altLang="ko-KR" sz="1400" spc="-20" dirty="0">
+                <a:latin typeface="맑은 고딕" pitchFamily="50" charset="-127"/>
+                <a:ea typeface="맑은 고딕" pitchFamily="50" charset="-127"/>
+              </a:rPr>
+            </a:br>
             <a:r>
               <a:rPr lang="en-US" altLang="ko-KR" sz="1400" spc="-20" dirty="0" smtClean="0">
                 <a:latin typeface="맑은 고딕" pitchFamily="50" charset="-127"/>
                 <a:ea typeface="맑은 고딕" pitchFamily="50" charset="-127"/>
               </a:rPr>
-              <a:t> </a:t>
+              <a:t>(Order </a:t>
             </a:r>
             <a:r>
               <a:rPr lang="ko-KR" altLang="en-US" sz="1400" spc="-20" dirty="0" smtClean="0">
                 <a:latin typeface="맑은 고딕" pitchFamily="50" charset="-127"/>
                 <a:ea typeface="맑은 고딕" pitchFamily="50" charset="-127"/>
               </a:rPr>
-              <a:t>사용</a:t>
-            </a:r>
-            <a:endParaRPr lang="en-US" altLang="ko-KR" sz="1400" spc="-20" dirty="0" smtClean="0">
-              <a:latin typeface="맑은 고딕" pitchFamily="50" charset="-127"/>
-              <a:ea typeface="맑은 고딕" pitchFamily="50" charset="-127"/>
-            </a:endParaRPr>
+              <a:t>값이 작을수록 우선순위 높음</a:t>
+            </a:r>
+            <a:r>
+              <a:rPr lang="en-US" altLang="ko-KR" sz="1400" spc="-20" dirty="0" smtClean="0">
+                <a:latin typeface="맑은 고딕" pitchFamily="50" charset="-127"/>
+                <a:ea typeface="맑은 고딕" pitchFamily="50" charset="-127"/>
+              </a:rPr>
+              <a:t>, </a:t>
+            </a:r>
+            <a:r>
+              <a:rPr lang="ko-KR" altLang="en-US" sz="1400" spc="-20" dirty="0" smtClean="0">
+                <a:latin typeface="맑은 고딕" pitchFamily="50" charset="-127"/>
+                <a:ea typeface="맑은 고딕" pitchFamily="50" charset="-127"/>
+              </a:rPr>
+              <a:t>기본값은 </a:t>
+            </a:r>
+            <a:r>
+              <a:rPr lang="en-US" altLang="ko-KR" sz="1400" spc="-20" dirty="0" err="1" smtClean="0">
+                <a:latin typeface="맑은 고딕" pitchFamily="50" charset="-127"/>
+                <a:ea typeface="맑은 고딕" pitchFamily="50" charset="-127"/>
+              </a:rPr>
+              <a:t>Interger.MAX_VALUE</a:t>
+            </a:r>
+            <a:r>
+              <a:rPr lang="en-US" altLang="ko-KR" sz="1400" spc="-20" dirty="0" smtClean="0">
+                <a:latin typeface="맑은 고딕" pitchFamily="50" charset="-127"/>
+                <a:ea typeface="맑은 고딕" pitchFamily="50" charset="-127"/>
+              </a:rPr>
+              <a:t>)</a:t>
+            </a:r>
           </a:p>
         </p:txBody>
       </p:sp>
-      <p:pic>
-        <p:nvPicPr>
-          <p:cNvPr id="2" name="그림 1"/>
-          <p:cNvPicPr>
-            <a:picLocks noChangeAspect="1"/>
-          </p:cNvPicPr>
-          <p:nvPr/>
-        </p:nvPicPr>
-        <p:blipFill>
-          <a:blip r:embed="rId2">
-            <a:extLst>
-              <a:ext uri="{28A0092B-C50C-407E-A947-70E740481C1C}">
-                <a14:useLocalDpi xmlns:a14="http://schemas.microsoft.com/office/drawing/2010/main" val="0"/>
-              </a:ext>
-            </a:extLst>
-          </a:blip>
-          <a:stretch>
-            <a:fillRect/>
-          </a:stretch>
-        </p:blipFill>
-        <p:spPr>
-          <a:xfrm>
-            <a:off x="520700" y="2420888"/>
-            <a:ext cx="8102600" cy="3416300"/>
-          </a:xfrm>
-          <a:prstGeom prst="rect">
-            <a:avLst/>
-          </a:prstGeom>
-        </p:spPr>
-      </p:pic>
+      <p:graphicFrame>
+        <p:nvGraphicFramePr>
+          <p:cNvPr id="16" name="표 15"/>
+          <p:cNvGraphicFramePr>
+            <a:graphicFrameLocks noGrp="1"/>
+          </p:cNvGraphicFramePr>
+          <p:nvPr>
+            <p:extLst>
+              <p:ext uri="{D42A27DB-BD31-4B8C-83A1-F6EECF244321}">
+                <p14:modId xmlns:p14="http://schemas.microsoft.com/office/powerpoint/2010/main" val="1896781984"/>
+              </p:ext>
+            </p:extLst>
+          </p:nvPr>
+        </p:nvGraphicFramePr>
+        <p:xfrm>
+          <a:off x="467544" y="3096562"/>
+          <a:ext cx="8280920" cy="2800319"/>
+        </p:xfrm>
+        <a:graphic>
+          <a:graphicData uri="http://schemas.openxmlformats.org/drawingml/2006/table">
+            <a:tbl>
+              <a:tblPr firstRow="1" bandRow="1">
+                <a:tableStyleId>{5C22544A-7EE6-4342-B048-85BDC9FD1C3A}</a:tableStyleId>
+              </a:tblPr>
+              <a:tblGrid>
+                <a:gridCol w="2808312"/>
+                <a:gridCol w="5472608"/>
+              </a:tblGrid>
+              <a:tr h="359942">
+                <a:tc>
+                  <a:txBody>
+                    <a:bodyPr/>
+                    <a:lstStyle/>
+                    <a:p>
+                      <a:pPr algn="ctr" latinLnBrk="1"/>
+                      <a:r>
+                        <a:rPr lang="ko-KR" altLang="en-US" sz="1200" dirty="0" smtClean="0"/>
+                        <a:t>구분</a:t>
+                      </a:r>
+                      <a:endParaRPr lang="ko-KR" altLang="en-US" sz="1200" dirty="0"/>
+                    </a:p>
+                  </a:txBody>
+                  <a:tcPr anchor="ctr"/>
+                </a:tc>
+                <a:tc>
+                  <a:txBody>
+                    <a:bodyPr/>
+                    <a:lstStyle/>
+                    <a:p>
+                      <a:pPr algn="ctr" latinLnBrk="1"/>
+                      <a:r>
+                        <a:rPr lang="ko-KR" altLang="en-US" sz="1200" dirty="0" smtClean="0"/>
+                        <a:t>설명</a:t>
+                      </a:r>
+                      <a:endParaRPr lang="ko-KR" altLang="en-US" sz="1200" dirty="0"/>
+                    </a:p>
+                  </a:txBody>
+                  <a:tcPr anchor="ctr"/>
+                </a:tc>
+              </a:tr>
+              <a:tr h="600099">
+                <a:tc>
+                  <a:txBody>
+                    <a:bodyPr/>
+                    <a:lstStyle/>
+                    <a:p>
+                      <a:pPr algn="ctr" latinLnBrk="1"/>
+                      <a:r>
+                        <a:rPr lang="en-US" altLang="ko-KR" sz="1200" dirty="0" err="1" smtClean="0"/>
+                        <a:t>SimpleUrlHandlerMapping</a:t>
+                      </a:r>
+                      <a:endParaRPr lang="en-US" altLang="ko-KR" sz="1200" dirty="0" smtClean="0"/>
+                    </a:p>
+                  </a:txBody>
+                  <a:tcPr anchor="ctr"/>
+                </a:tc>
+                <a:tc>
+                  <a:txBody>
+                    <a:bodyPr/>
+                    <a:lstStyle/>
+                    <a:p>
+                      <a:pPr marL="171450" indent="-171450" algn="l" latinLnBrk="1">
+                        <a:lnSpc>
+                          <a:spcPct val="150000"/>
+                        </a:lnSpc>
+                        <a:buFont typeface="Wingdings" charset="2"/>
+                        <a:buChar char="§"/>
+                      </a:pPr>
+                      <a:r>
+                        <a:rPr lang="en-US" altLang="ko-KR" sz="1200" baseline="0" dirty="0" smtClean="0"/>
+                        <a:t>URL</a:t>
+                      </a:r>
+                      <a:r>
+                        <a:rPr lang="ko-KR" altLang="en-US" sz="1200" baseline="0" dirty="0" smtClean="0"/>
+                        <a:t>과 </a:t>
+                      </a:r>
+                      <a:r>
+                        <a:rPr lang="en-US" altLang="ko-KR" sz="1200" baseline="0" dirty="0" smtClean="0"/>
+                        <a:t>Controller </a:t>
+                      </a:r>
+                      <a:r>
+                        <a:rPr lang="ko-KR" altLang="en-US" sz="1200" baseline="0" dirty="0" smtClean="0"/>
+                        <a:t>이름을 직접 매칭함</a:t>
+                      </a:r>
+                      <a:endParaRPr lang="en-US" altLang="ko-KR" sz="1200" baseline="0" dirty="0" smtClean="0"/>
+                    </a:p>
+                  </a:txBody>
+                  <a:tcPr anchor="ctr"/>
+                </a:tc>
+              </a:tr>
+              <a:tr h="600099">
+                <a:tc>
+                  <a:txBody>
+                    <a:bodyPr/>
+                    <a:lstStyle/>
+                    <a:p>
+                      <a:pPr algn="ctr" latinLnBrk="1"/>
+                      <a:r>
+                        <a:rPr lang="en-US" altLang="ko-KR" sz="1200" dirty="0" err="1" smtClean="0"/>
+                        <a:t>BeanNameUrlHandlerMapping</a:t>
+                      </a:r>
+                      <a:endParaRPr lang="ko-KR" altLang="en-US" sz="1200" dirty="0"/>
+                    </a:p>
+                  </a:txBody>
+                  <a:tcPr anchor="ctr"/>
+                </a:tc>
+                <a:tc>
+                  <a:txBody>
+                    <a:bodyPr/>
+                    <a:lstStyle/>
+                    <a:p>
+                      <a:pPr marL="171450" marR="0" indent="-171450" algn="l" defTabSz="914400" rtl="0" eaLnBrk="1" fontAlgn="auto" latinLnBrk="1" hangingPunct="1">
+                        <a:lnSpc>
+                          <a:spcPct val="150000"/>
+                        </a:lnSpc>
+                        <a:spcBef>
+                          <a:spcPts val="0"/>
+                        </a:spcBef>
+                        <a:spcAft>
+                          <a:spcPts val="0"/>
+                        </a:spcAft>
+                        <a:buClrTx/>
+                        <a:buSzTx/>
+                        <a:buFont typeface="Wingdings" charset="2"/>
+                        <a:buChar char="§"/>
+                        <a:tabLst/>
+                        <a:defRPr/>
+                      </a:pPr>
+                      <a:r>
+                        <a:rPr lang="en-US" altLang="ko-KR" sz="1200" baseline="0" dirty="0" smtClean="0"/>
+                        <a:t>Bean </a:t>
+                      </a:r>
+                      <a:r>
+                        <a:rPr lang="ko-KR" altLang="en-US" sz="1200" baseline="0" dirty="0" smtClean="0"/>
+                        <a:t>의 </a:t>
+                      </a:r>
+                      <a:r>
+                        <a:rPr lang="en-US" altLang="ko-KR" sz="1200" baseline="0" dirty="0" smtClean="0"/>
+                        <a:t>Name </a:t>
+                      </a:r>
+                      <a:r>
+                        <a:rPr lang="ko-KR" altLang="en-US" sz="1200" baseline="0" dirty="0" smtClean="0"/>
+                        <a:t>을 </a:t>
+                      </a:r>
+                      <a:r>
+                        <a:rPr lang="en-US" altLang="ko-KR" sz="1200" baseline="0" dirty="0" smtClean="0"/>
+                        <a:t>URL</a:t>
+                      </a:r>
+                      <a:r>
+                        <a:rPr lang="ko-KR" altLang="en-US" sz="1200" baseline="0" dirty="0" smtClean="0"/>
+                        <a:t>과 매핑</a:t>
+                      </a:r>
+                      <a:endParaRPr lang="en-US" altLang="ko-KR" sz="1200" baseline="0" dirty="0" smtClean="0"/>
+                    </a:p>
+                  </a:txBody>
+                  <a:tcPr anchor="ctr"/>
+                </a:tc>
+              </a:tr>
+              <a:tr h="600099">
+                <a:tc>
+                  <a:txBody>
+                    <a:bodyPr/>
+                    <a:lstStyle/>
+                    <a:p>
+                      <a:pPr algn="ctr" latinLnBrk="1"/>
+                      <a:r>
+                        <a:rPr lang="en-US" altLang="ko-KR" sz="1200" dirty="0" err="1" smtClean="0"/>
+                        <a:t>ControllerClassNameHandlerMapping</a:t>
+                      </a:r>
+                      <a:endParaRPr lang="ko-KR" altLang="en-US" sz="1200" dirty="0"/>
+                    </a:p>
+                  </a:txBody>
+                  <a:tcPr anchor="ctr"/>
+                </a:tc>
+                <a:tc>
+                  <a:txBody>
+                    <a:bodyPr/>
+                    <a:lstStyle/>
+                    <a:p>
+                      <a:pPr marL="171450" indent="-171450" algn="l" latinLnBrk="1">
+                        <a:lnSpc>
+                          <a:spcPct val="150000"/>
+                        </a:lnSpc>
+                        <a:buFont typeface="Wingdings" charset="2"/>
+                        <a:buChar char="§"/>
+                      </a:pPr>
+                      <a:r>
+                        <a:rPr lang="en-US" altLang="ko-KR" sz="1200" baseline="0" dirty="0" smtClean="0"/>
+                        <a:t>Bean </a:t>
+                      </a:r>
+                      <a:r>
+                        <a:rPr lang="ko-KR" altLang="en-US" sz="1200" baseline="0" dirty="0" smtClean="0"/>
+                        <a:t>의 </a:t>
+                      </a:r>
+                      <a:r>
+                        <a:rPr lang="en-US" altLang="ko-KR" sz="1200" baseline="0" dirty="0" smtClean="0"/>
+                        <a:t>class </a:t>
+                      </a:r>
+                      <a:r>
+                        <a:rPr lang="ko-KR" altLang="en-US" sz="1200" baseline="0" dirty="0" smtClean="0"/>
+                        <a:t>를 </a:t>
+                      </a:r>
+                      <a:r>
+                        <a:rPr lang="en-US" altLang="ko-KR" sz="1200" baseline="0" dirty="0" smtClean="0"/>
+                        <a:t>URL</a:t>
+                      </a:r>
+                      <a:r>
+                        <a:rPr lang="ko-KR" altLang="en-US" sz="1200" baseline="0" dirty="0" smtClean="0"/>
+                        <a:t>과 매핑</a:t>
+                      </a:r>
+                      <a:endParaRPr lang="en-US" altLang="ko-KR" sz="1200" baseline="0" dirty="0" smtClean="0"/>
+                    </a:p>
+                  </a:txBody>
+                  <a:tcPr anchor="ctr"/>
+                </a:tc>
+              </a:tr>
+              <a:tr h="600099">
+                <a:tc>
+                  <a:txBody>
+                    <a:bodyPr/>
+                    <a:lstStyle/>
+                    <a:p>
+                      <a:pPr algn="ctr" latinLnBrk="1"/>
+                      <a:r>
+                        <a:rPr lang="en-US" altLang="ko-KR" sz="1200" dirty="0" err="1" smtClean="0"/>
+                        <a:t>RequestMappingHandlerMapping</a:t>
+                      </a:r>
+                      <a:endParaRPr lang="ko-KR" altLang="en-US" sz="1200" dirty="0"/>
+                    </a:p>
+                  </a:txBody>
+                  <a:tcPr anchor="ctr"/>
+                </a:tc>
+                <a:tc>
+                  <a:txBody>
+                    <a:bodyPr/>
+                    <a:lstStyle/>
+                    <a:p>
+                      <a:pPr marL="171450" indent="-171450" algn="l" latinLnBrk="1">
+                        <a:lnSpc>
+                          <a:spcPct val="150000"/>
+                        </a:lnSpc>
+                        <a:buFont typeface="Wingdings" charset="2"/>
+                        <a:buChar char="§"/>
+                      </a:pPr>
+                      <a:r>
+                        <a:rPr lang="en-US" altLang="ko-KR" sz="1200" baseline="0" dirty="0" smtClean="0"/>
+                        <a:t>@</a:t>
+                      </a:r>
+                      <a:r>
+                        <a:rPr lang="en-US" altLang="ko-KR" sz="1200" baseline="0" dirty="0" err="1" smtClean="0"/>
+                        <a:t>RequestMapping</a:t>
+                      </a:r>
+                      <a:r>
+                        <a:rPr lang="en-US" altLang="ko-KR" sz="1200" baseline="0" dirty="0" smtClean="0"/>
+                        <a:t> </a:t>
+                      </a:r>
+                      <a:r>
+                        <a:rPr lang="ko-KR" altLang="en-US" sz="1200" baseline="0" dirty="0" smtClean="0"/>
+                        <a:t>에 선언된 </a:t>
+                      </a:r>
+                      <a:r>
+                        <a:rPr lang="en-US" altLang="ko-KR" sz="1200" baseline="0" dirty="0" smtClean="0"/>
+                        <a:t>URL </a:t>
+                      </a:r>
+                      <a:r>
+                        <a:rPr lang="ko-KR" altLang="en-US" sz="1200" baseline="0" dirty="0" smtClean="0"/>
+                        <a:t>과 해당 </a:t>
+                      </a:r>
+                      <a:r>
+                        <a:rPr lang="en-US" altLang="ko-KR" sz="1200" baseline="0" dirty="0" smtClean="0"/>
+                        <a:t>@Controller </a:t>
+                      </a:r>
+                      <a:r>
+                        <a:rPr lang="ko-KR" altLang="en-US" sz="1200" baseline="0" dirty="0" smtClean="0"/>
+                        <a:t>클래스의 메소드와 매핑</a:t>
+                      </a:r>
+                      <a:endParaRPr lang="en-US" altLang="ko-KR" sz="1200" baseline="0" dirty="0" smtClean="0"/>
+                    </a:p>
+                  </a:txBody>
+                  <a:tcPr anchor="ctr"/>
+                </a:tc>
+              </a:tr>
+            </a:tbl>
+          </a:graphicData>
+        </a:graphic>
+      </p:graphicFrame>
       <p:sp>
         <p:nvSpPr>
-          <p:cNvPr id="16" name="직사각형 15"/>
-          <p:cNvSpPr/>
+          <p:cNvPr id="2" name="텍스트 상자 1"/>
+          <p:cNvSpPr txBox="1"/>
           <p:nvPr/>
         </p:nvSpPr>
         <p:spPr>
           <a:xfrm>
-            <a:off x="508496" y="2370832"/>
-            <a:ext cx="1096784" cy="254000"/>
+            <a:off x="772160" y="5976882"/>
+            <a:ext cx="2659702" cy="276999"/>
           </a:xfrm>
           <a:prstGeom prst="rect">
             <a:avLst/>
           </a:prstGeom>
           <a:noFill/>
-          <a:ln>
-            <a:solidFill>
-              <a:srgbClr val="FF0000"/>
-            </a:solidFill>
-          </a:ln>
-        </p:spPr>
-        <p:style>
-          <a:lnRef idx="2">
-            <a:schemeClr val="accent1">
-              <a:shade val="50000"/>
-            </a:schemeClr>
-          </a:lnRef>
-          <a:fillRef idx="1">
-            <a:schemeClr val="accent1"/>
-          </a:fillRef>
-          <a:effectRef idx="0">
-            <a:schemeClr val="accent1"/>
-          </a:effectRef>
-          <a:fontRef idx="minor">
-            <a:schemeClr val="lt1"/>
-          </a:fontRef>
-        </p:style>
-        <p:txBody>
-          <a:bodyPr rtlCol="0" anchor="ctr"/>
-          <a:lstStyle/>
-          <a:p>
-            <a:pPr algn="ctr"/>
-            <a:endParaRPr kumimoji="1" lang="ko-KR" altLang="en-US"/>
-          </a:p>
-        </p:txBody>
-      </p:sp>
-      <p:sp>
-        <p:nvSpPr>
-          <p:cNvPr id="21" name="텍스트 상자 20"/>
-          <p:cNvSpPr txBox="1"/>
-          <p:nvPr/>
-        </p:nvSpPr>
-        <p:spPr>
-          <a:xfrm>
-            <a:off x="1803774" y="2310637"/>
-            <a:ext cx="1238864" cy="276999"/>
-          </a:xfrm>
-          <a:prstGeom prst="rect">
-            <a:avLst/>
-          </a:prstGeom>
-          <a:solidFill>
-            <a:schemeClr val="bg1"/>
-          </a:solidFill>
-          <a:ln>
-            <a:solidFill>
-              <a:schemeClr val="tx1"/>
-            </a:solidFill>
-          </a:ln>
         </p:spPr>
         <p:txBody>
           <a:bodyPr wrap="none" rtlCol="0">
@@ -6488,114 +6440,21 @@
           </a:bodyPr>
           <a:lstStyle/>
           <a:p>
-            <a:pPr algn="ctr"/>
-            <a:r>
-              <a:rPr kumimoji="1" lang="en-US" altLang="ko-KR" sz="1200" smtClean="0"/>
-              <a:t>Controller </a:t>
-            </a:r>
             <a:r>
               <a:rPr kumimoji="1" lang="ko-KR" altLang="en-US" sz="1200" dirty="0" smtClean="0"/>
-              <a:t>설정</a:t>
-            </a:r>
-            <a:endParaRPr kumimoji="1" lang="ko-KR" altLang="en-US" sz="1200" dirty="0"/>
-          </a:p>
-        </p:txBody>
-      </p:sp>
-      <p:sp>
-        <p:nvSpPr>
-          <p:cNvPr id="22" name="직사각형 21"/>
-          <p:cNvSpPr/>
-          <p:nvPr/>
-        </p:nvSpPr>
-        <p:spPr>
-          <a:xfrm>
-            <a:off x="864096" y="2939792"/>
-            <a:ext cx="5658624" cy="203200"/>
-          </a:xfrm>
-          <a:prstGeom prst="rect">
-            <a:avLst/>
-          </a:prstGeom>
-          <a:noFill/>
-          <a:ln>
-            <a:solidFill>
-              <a:srgbClr val="FF0000"/>
-            </a:solidFill>
-          </a:ln>
-        </p:spPr>
-        <p:style>
-          <a:lnRef idx="2">
-            <a:schemeClr val="accent1">
-              <a:shade val="50000"/>
-            </a:schemeClr>
-          </a:lnRef>
-          <a:fillRef idx="1">
-            <a:schemeClr val="accent1"/>
-          </a:fillRef>
-          <a:effectRef idx="0">
-            <a:schemeClr val="accent1"/>
-          </a:effectRef>
-          <a:fontRef idx="minor">
-            <a:schemeClr val="lt1"/>
-          </a:fontRef>
-        </p:style>
-        <p:txBody>
-          <a:bodyPr rtlCol="0" anchor="ctr"/>
-          <a:lstStyle/>
-          <a:p>
-            <a:pPr algn="ctr"/>
-            <a:endParaRPr kumimoji="1" lang="ko-KR" altLang="en-US"/>
-          </a:p>
-        </p:txBody>
-      </p:sp>
-      <p:sp>
-        <p:nvSpPr>
-          <p:cNvPr id="23" name="텍스트 상자 22"/>
-          <p:cNvSpPr txBox="1"/>
-          <p:nvPr/>
-        </p:nvSpPr>
-        <p:spPr>
-          <a:xfrm>
-            <a:off x="6087226" y="2564904"/>
-            <a:ext cx="2949270" cy="276999"/>
-          </a:xfrm>
-          <a:prstGeom prst="rect">
-            <a:avLst/>
-          </a:prstGeom>
-          <a:solidFill>
-            <a:schemeClr val="bg1"/>
-          </a:solidFill>
-          <a:ln>
-            <a:solidFill>
-              <a:schemeClr val="tx1"/>
-            </a:solidFill>
-          </a:ln>
-        </p:spPr>
-        <p:txBody>
-          <a:bodyPr wrap="none" rtlCol="0">
-            <a:spAutoFit/>
-          </a:bodyPr>
-          <a:lstStyle/>
-          <a:p>
-            <a:pPr algn="ctr"/>
+              <a:t>▲ </a:t>
+            </a:r>
             <a:r>
               <a:rPr kumimoji="1" lang="en-US" altLang="ko-KR" sz="1200" dirty="0" err="1" smtClean="0"/>
-              <a:t>Url</a:t>
+              <a:t>HandlerMapping</a:t>
             </a:r>
             <a:r>
               <a:rPr kumimoji="1" lang="en-US" altLang="ko-KR" sz="1200" dirty="0" smtClean="0"/>
-              <a:t>(”/student)</a:t>
+              <a:t> </a:t>
             </a:r>
             <a:r>
               <a:rPr kumimoji="1" lang="ko-KR" altLang="en-US" sz="1200" dirty="0" smtClean="0"/>
-              <a:t>과 </a:t>
-            </a:r>
-            <a:r>
-              <a:rPr kumimoji="1" lang="en-US" altLang="ko-KR" sz="1200" dirty="0" smtClean="0"/>
-              <a:t>Controller </a:t>
-            </a:r>
-            <a:r>
-              <a:rPr kumimoji="1" lang="ko-KR" altLang="en-US" sz="1200" dirty="0" smtClean="0"/>
-              <a:t>클래스 매핑</a:t>
+              <a:t>클래스의 종류</a:t>
             </a:r>
             <a:endParaRPr kumimoji="1" lang="ko-KR" altLang="en-US" sz="1200" dirty="0"/>
           </a:p>
@@ -6604,7 +6463,7 @@
     </p:spTree>
     <p:extLst>
       <p:ext uri="{BB962C8B-B14F-4D97-AF65-F5344CB8AC3E}">
-        <p14:creationId xmlns:p14="http://schemas.microsoft.com/office/powerpoint/2010/main" val="1096274968"/>
+        <p14:creationId xmlns:p14="http://schemas.microsoft.com/office/powerpoint/2010/main" val="13474893"/>
       </p:ext>
     </p:extLst>
   </p:cSld>
@@ -6690,16 +6549,6 @@
               <a:t> </a:t>
             </a:r>
             <a:r>
-              <a:rPr lang="en-US" altLang="ko-KR" sz="1400" b="1" spc="-20" dirty="0">
-                <a:solidFill>
-                  <a:schemeClr val="tx2"/>
-                </a:solidFill>
-                <a:latin typeface="맑은 고딕" pitchFamily="50" charset="-127"/>
-                <a:ea typeface="맑은 고딕" pitchFamily="50" charset="-127"/>
-              </a:rPr>
-              <a:t>| </a:t>
-            </a:r>
-            <a:r>
               <a:rPr lang="en-US" altLang="ko-KR" sz="1400" b="1" spc="-20" dirty="0" smtClean="0">
                 <a:solidFill>
                   <a:schemeClr val="tx2"/>
@@ -6707,9 +6556,19 @@
                 <a:latin typeface="맑은 고딕" pitchFamily="50" charset="-127"/>
                 <a:ea typeface="맑은 고딕" pitchFamily="50" charset="-127"/>
               </a:rPr>
-              <a:t>Controller</a:t>
-            </a:r>
-            <a:endParaRPr lang="en-US" altLang="ko-KR" sz="1400" spc="-20" dirty="0">
+              <a:t>| </a:t>
+            </a:r>
+            <a:r>
+              <a:rPr lang="en-US" altLang="ko-KR" sz="1400" b="1" spc="-20" dirty="0" err="1" smtClean="0">
+                <a:solidFill>
+                  <a:schemeClr val="tx2"/>
+                </a:solidFill>
+                <a:latin typeface="맑은 고딕" pitchFamily="50" charset="-127"/>
+                <a:ea typeface="맑은 고딕" pitchFamily="50" charset="-127"/>
+              </a:rPr>
+              <a:t>HandlerMapping</a:t>
+            </a:r>
+            <a:endParaRPr lang="en-US" altLang="ko-KR" sz="1400" spc="-20" dirty="0" smtClean="0">
               <a:solidFill>
                 <a:schemeClr val="tx2"/>
               </a:solidFill>
@@ -6775,7 +6634,7 @@
         <p:spPr>
           <a:xfrm>
             <a:off x="1259632" y="1645912"/>
-            <a:ext cx="7632848" cy="738664"/>
+            <a:ext cx="7632848" cy="373885"/>
           </a:xfrm>
           <a:prstGeom prst="rect">
             <a:avLst/>
@@ -6796,414 +6655,36 @@
               <a:buChar char="§"/>
             </a:pPr>
             <a:r>
+              <a:rPr lang="en-US" altLang="ko-KR" sz="1400" spc="-20" dirty="0" err="1" smtClean="0">
+                <a:latin typeface="맑은 고딕" pitchFamily="50" charset="-127"/>
+                <a:ea typeface="맑은 고딕" pitchFamily="50" charset="-127"/>
+              </a:rPr>
+              <a:t>SimpleUrlHandlerMapping</a:t>
+            </a:r>
+            <a:r>
+              <a:rPr lang="en-US" altLang="ko-KR" sz="1400" spc="-20" dirty="0" smtClean="0">
+                <a:latin typeface="맑은 고딕" pitchFamily="50" charset="-127"/>
+                <a:ea typeface="맑은 고딕" pitchFamily="50" charset="-127"/>
+              </a:rPr>
+              <a:t> </a:t>
+            </a:r>
+            <a:r>
               <a:rPr lang="ko-KR" altLang="en-US" sz="1400" spc="-20" dirty="0" smtClean="0">
                 <a:latin typeface="맑은 고딕" pitchFamily="50" charset="-127"/>
                 <a:ea typeface="맑은 고딕" pitchFamily="50" charset="-127"/>
               </a:rPr>
-              <a:t>클라이언트의 요청을 분석하고</a:t>
-            </a:r>
-            <a:r>
-              <a:rPr lang="en-US" altLang="ko-KR" sz="1400" spc="-20" dirty="0" smtClean="0">
-                <a:latin typeface="맑은 고딕" pitchFamily="50" charset="-127"/>
-                <a:ea typeface="맑은 고딕" pitchFamily="50" charset="-127"/>
-              </a:rPr>
-              <a:t>,</a:t>
-            </a:r>
-            <a:r>
-              <a:rPr lang="ko-KR" altLang="en-US" sz="1400" spc="-20" dirty="0" smtClean="0">
-                <a:latin typeface="맑은 고딕" pitchFamily="50" charset="-127"/>
-                <a:ea typeface="맑은 고딕" pitchFamily="50" charset="-127"/>
-              </a:rPr>
-              <a:t> 처리하여 결과를 반환함</a:t>
-            </a:r>
-            <a:endParaRPr lang="en-US" altLang="ko-KR" sz="1400" spc="-20" dirty="0">
+              <a:t>사용 방법</a:t>
+            </a:r>
+            <a:endParaRPr lang="en-US" altLang="ko-KR" sz="1400" spc="-20" dirty="0" smtClean="0">
               <a:latin typeface="맑은 고딕" pitchFamily="50" charset="-127"/>
               <a:ea typeface="맑은 고딕" pitchFamily="50" charset="-127"/>
             </a:endParaRPr>
           </a:p>
-          <a:p>
-            <a:pPr marL="285750" indent="-285750">
-              <a:lnSpc>
-                <a:spcPct val="150000"/>
-              </a:lnSpc>
-              <a:buFont typeface="Wingdings" charset="2"/>
-              <a:buChar char="§"/>
-            </a:pPr>
-            <a:r>
-              <a:rPr lang="ko-KR" altLang="en-US" sz="1400" spc="-20" dirty="0" smtClean="0">
-                <a:latin typeface="맑은 고딕" pitchFamily="50" charset="-127"/>
-                <a:ea typeface="맑은 고딕" pitchFamily="50" charset="-127"/>
-              </a:rPr>
-              <a:t>반환값 종류에 따라 반환값이 달라짐</a:t>
-            </a:r>
-            <a:r>
-              <a:rPr lang="en-US" altLang="ko-KR" sz="1400" spc="-20" dirty="0" smtClean="0">
-                <a:latin typeface="맑은 고딕" pitchFamily="50" charset="-127"/>
-                <a:ea typeface="맑은 고딕" pitchFamily="50" charset="-127"/>
-              </a:rPr>
-              <a:t>(void</a:t>
-            </a:r>
-            <a:r>
-              <a:rPr lang="ko-KR" altLang="en-US" sz="1400" spc="-20" dirty="0" smtClean="0">
-                <a:latin typeface="맑은 고딕" pitchFamily="50" charset="-127"/>
-                <a:ea typeface="맑은 고딕" pitchFamily="50" charset="-127"/>
-              </a:rPr>
-              <a:t>타입</a:t>
-            </a:r>
-            <a:r>
-              <a:rPr lang="en-US" altLang="ko-KR" sz="1400" spc="-20" dirty="0" smtClean="0">
-                <a:latin typeface="맑은 고딕" pitchFamily="50" charset="-127"/>
-                <a:ea typeface="맑은 고딕" pitchFamily="50" charset="-127"/>
-              </a:rPr>
-              <a:t>,</a:t>
-            </a:r>
-            <a:r>
-              <a:rPr lang="ko-KR" altLang="en-US" sz="1400" spc="-20" dirty="0" smtClean="0">
-                <a:latin typeface="맑은 고딕" pitchFamily="50" charset="-127"/>
-                <a:ea typeface="맑은 고딕" pitchFamily="50" charset="-127"/>
-              </a:rPr>
-              <a:t>  </a:t>
-            </a:r>
-            <a:r>
-              <a:rPr lang="en-US" altLang="ko-KR" sz="1400" spc="-20" dirty="0" smtClean="0">
-                <a:latin typeface="맑은 고딕" pitchFamily="50" charset="-127"/>
-                <a:ea typeface="맑은 고딕" pitchFamily="50" charset="-127"/>
-              </a:rPr>
-              <a:t>String </a:t>
-            </a:r>
-            <a:r>
-              <a:rPr lang="ko-KR" altLang="en-US" sz="1400" spc="-20" dirty="0" smtClean="0">
-                <a:latin typeface="맑은 고딕" pitchFamily="50" charset="-127"/>
-                <a:ea typeface="맑은 고딕" pitchFamily="50" charset="-127"/>
-              </a:rPr>
-              <a:t>타입</a:t>
-            </a:r>
-            <a:r>
-              <a:rPr lang="en-US" altLang="ko-KR" sz="1400" spc="-20" dirty="0" smtClean="0">
-                <a:latin typeface="맑은 고딕" pitchFamily="50" charset="-127"/>
-                <a:ea typeface="맑은 고딕" pitchFamily="50" charset="-127"/>
-              </a:rPr>
-              <a:t>,</a:t>
-            </a:r>
-            <a:r>
-              <a:rPr lang="ko-KR" altLang="en-US" sz="1400" spc="-20" dirty="0" smtClean="0">
-                <a:latin typeface="맑은 고딕" pitchFamily="50" charset="-127"/>
-                <a:ea typeface="맑은 고딕" pitchFamily="50" charset="-127"/>
-              </a:rPr>
-              <a:t> </a:t>
-            </a:r>
-            <a:r>
-              <a:rPr lang="en-US" altLang="ko-KR" sz="1400" spc="-20" dirty="0" err="1" smtClean="0">
-                <a:latin typeface="맑은 고딕" pitchFamily="50" charset="-127"/>
-                <a:ea typeface="맑은 고딕" pitchFamily="50" charset="-127"/>
-              </a:rPr>
-              <a:t>ModelAndView</a:t>
-            </a:r>
-            <a:r>
-              <a:rPr lang="en-US" altLang="ko-KR" sz="1400" spc="-20" dirty="0" smtClean="0">
-                <a:latin typeface="맑은 고딕" pitchFamily="50" charset="-127"/>
-                <a:ea typeface="맑은 고딕" pitchFamily="50" charset="-127"/>
-              </a:rPr>
-              <a:t> </a:t>
-            </a:r>
-            <a:r>
-              <a:rPr lang="ko-KR" altLang="en-US" sz="1400" spc="-20" dirty="0" smtClean="0">
-                <a:latin typeface="맑은 고딕" pitchFamily="50" charset="-127"/>
-                <a:ea typeface="맑은 고딕" pitchFamily="50" charset="-127"/>
-              </a:rPr>
-              <a:t>타입</a:t>
-            </a:r>
-            <a:r>
-              <a:rPr lang="en-US" altLang="ko-KR" sz="1400" spc="-20" dirty="0" smtClean="0">
-                <a:latin typeface="맑은 고딕" pitchFamily="50" charset="-127"/>
-                <a:ea typeface="맑은 고딕" pitchFamily="50" charset="-127"/>
-              </a:rPr>
-              <a:t>)</a:t>
-            </a:r>
-          </a:p>
         </p:txBody>
       </p:sp>
-      <p:graphicFrame>
-        <p:nvGraphicFramePr>
-          <p:cNvPr id="15" name="표 14"/>
-          <p:cNvGraphicFramePr>
-            <a:graphicFrameLocks noGrp="1"/>
-          </p:cNvGraphicFramePr>
-          <p:nvPr>
-            <p:extLst>
-              <p:ext uri="{D42A27DB-BD31-4B8C-83A1-F6EECF244321}">
-                <p14:modId xmlns:p14="http://schemas.microsoft.com/office/powerpoint/2010/main" val="1661500639"/>
-              </p:ext>
-            </p:extLst>
-          </p:nvPr>
-        </p:nvGraphicFramePr>
-        <p:xfrm>
-          <a:off x="467544" y="2450232"/>
-          <a:ext cx="8280920" cy="4147120"/>
-        </p:xfrm>
-        <a:graphic>
-          <a:graphicData uri="http://schemas.openxmlformats.org/drawingml/2006/table">
-            <a:tbl>
-              <a:tblPr firstRow="1" bandRow="1">
-                <a:tableStyleId>{5C22544A-7EE6-4342-B048-85BDC9FD1C3A}</a:tableStyleId>
-              </a:tblPr>
-              <a:tblGrid>
-                <a:gridCol w="1152128"/>
-                <a:gridCol w="7128792"/>
-              </a:tblGrid>
-              <a:tr h="353875">
-                <a:tc>
-                  <a:txBody>
-                    <a:bodyPr/>
-                    <a:lstStyle/>
-                    <a:p>
-                      <a:pPr algn="ctr" latinLnBrk="1"/>
-                      <a:r>
-                        <a:rPr lang="ko-KR" altLang="en-US" sz="1200" dirty="0" smtClean="0"/>
-                        <a:t>반환값</a:t>
-                      </a:r>
-                      <a:endParaRPr lang="en-US" altLang="ko-KR" sz="1200" dirty="0" smtClean="0"/>
-                    </a:p>
-                  </a:txBody>
-                  <a:tcPr anchor="ctr"/>
-                </a:tc>
-                <a:tc>
-                  <a:txBody>
-                    <a:bodyPr/>
-                    <a:lstStyle/>
-                    <a:p>
-                      <a:pPr algn="ctr" latinLnBrk="1"/>
-                      <a:r>
-                        <a:rPr lang="ko-KR" altLang="en-US" sz="1200" dirty="0" smtClean="0"/>
-                        <a:t>설명</a:t>
-                      </a:r>
-                      <a:endParaRPr lang="ko-KR" altLang="en-US" sz="1200" dirty="0"/>
-                    </a:p>
-                  </a:txBody>
-                  <a:tcPr anchor="ctr"/>
-                </a:tc>
-              </a:tr>
-              <a:tr h="1264415">
-                <a:tc>
-                  <a:txBody>
-                    <a:bodyPr/>
-                    <a:lstStyle/>
-                    <a:p>
-                      <a:pPr algn="ctr" latinLnBrk="1"/>
-                      <a:r>
-                        <a:rPr lang="en-US" altLang="ko-KR" sz="1200" dirty="0" smtClean="0"/>
-                        <a:t>void </a:t>
-                      </a:r>
-                      <a:r>
-                        <a:rPr lang="ko-KR" altLang="en-US" sz="1200" dirty="0" smtClean="0"/>
-                        <a:t>타입</a:t>
-                      </a:r>
-                      <a:endParaRPr lang="en-US" altLang="ko-KR" sz="1200" dirty="0" smtClean="0"/>
-                    </a:p>
-                  </a:txBody>
-                  <a:tcPr anchor="ctr"/>
-                </a:tc>
-                <a:tc>
-                  <a:txBody>
-                    <a:bodyPr/>
-                    <a:lstStyle/>
-                    <a:p>
-                      <a:pPr marL="171450" indent="-171450" algn="l" latinLnBrk="1">
-                        <a:lnSpc>
-                          <a:spcPct val="150000"/>
-                        </a:lnSpc>
-                        <a:buFont typeface="Wingdings" charset="2"/>
-                        <a:buChar char="§"/>
-                      </a:pPr>
-                      <a:r>
-                        <a:rPr lang="ko-KR" altLang="en-US" sz="1200" baseline="0" dirty="0" smtClean="0"/>
-                        <a:t>데이터 정보와 페이지 정보가 없는 경우</a:t>
-                      </a:r>
-                      <a:r>
-                        <a:rPr lang="en-US" altLang="ko-KR" sz="1200" baseline="0" dirty="0" smtClean="0"/>
-                        <a:t>, </a:t>
-                      </a:r>
-                      <a:r>
-                        <a:rPr lang="en-US" altLang="ko-KR" sz="1200" baseline="0" dirty="0" err="1" smtClean="0"/>
-                        <a:t>student.jsp</a:t>
-                      </a:r>
-                      <a:r>
-                        <a:rPr lang="en-US" altLang="ko-KR" sz="1200" baseline="0" dirty="0" smtClean="0"/>
-                        <a:t> </a:t>
-                      </a:r>
-                      <a:r>
-                        <a:rPr lang="ko-KR" altLang="en-US" sz="1200" baseline="0" dirty="0" smtClean="0"/>
-                        <a:t>를 찾음</a:t>
-                      </a:r>
-                      <a:endParaRPr lang="en-US" altLang="ko-KR" sz="1200" baseline="0" dirty="0" smtClean="0"/>
-                    </a:p>
-                  </a:txBody>
-                  <a:tcPr/>
-                </a:tc>
-              </a:tr>
-              <a:tr h="1264415">
-                <a:tc>
-                  <a:txBody>
-                    <a:bodyPr/>
-                    <a:lstStyle/>
-                    <a:p>
-                      <a:pPr algn="ctr" latinLnBrk="1"/>
-                      <a:r>
-                        <a:rPr lang="en-US" altLang="ko-KR" sz="1200" dirty="0" smtClean="0"/>
-                        <a:t>String </a:t>
-                      </a:r>
-                      <a:r>
-                        <a:rPr lang="ko-KR" altLang="en-US" sz="1200" dirty="0" smtClean="0"/>
-                        <a:t>타입</a:t>
-                      </a:r>
-                      <a:endParaRPr lang="ko-KR" altLang="en-US" sz="1200" dirty="0"/>
-                    </a:p>
-                  </a:txBody>
-                  <a:tcPr anchor="ctr"/>
-                </a:tc>
-                <a:tc>
-                  <a:txBody>
-                    <a:bodyPr/>
-                    <a:lstStyle/>
-                    <a:p>
-                      <a:pPr marL="171450" marR="0" indent="-171450" algn="l" defTabSz="914400" rtl="0" eaLnBrk="1" fontAlgn="auto" latinLnBrk="1" hangingPunct="1">
-                        <a:lnSpc>
-                          <a:spcPct val="150000"/>
-                        </a:lnSpc>
-                        <a:spcBef>
-                          <a:spcPts val="0"/>
-                        </a:spcBef>
-                        <a:spcAft>
-                          <a:spcPts val="0"/>
-                        </a:spcAft>
-                        <a:buClrTx/>
-                        <a:buSzTx/>
-                        <a:buFont typeface="Wingdings" charset="2"/>
-                        <a:buChar char="§"/>
-                        <a:tabLst/>
-                        <a:defRPr/>
-                      </a:pPr>
-                      <a:r>
-                        <a:rPr lang="ko-KR" altLang="en-US" sz="1200" baseline="0" dirty="0" smtClean="0"/>
-                        <a:t>페이지 정보만 있는 경우</a:t>
-                      </a:r>
-                      <a:r>
-                        <a:rPr lang="en-US" altLang="ko-KR" sz="1200" baseline="0" dirty="0" smtClean="0"/>
-                        <a:t>,</a:t>
-                      </a:r>
-                      <a:r>
-                        <a:rPr lang="ko-KR" altLang="en-US" sz="1200" baseline="0" dirty="0" smtClean="0"/>
-                        <a:t> </a:t>
-                      </a:r>
-                      <a:r>
-                        <a:rPr lang="en-US" altLang="ko-KR" sz="1200" baseline="0" dirty="0" err="1" smtClean="0"/>
-                        <a:t>student_other_page.jsp</a:t>
-                      </a:r>
-                      <a:r>
-                        <a:rPr lang="en-US" altLang="ko-KR" sz="1200" baseline="0" dirty="0" smtClean="0"/>
-                        <a:t> </a:t>
-                      </a:r>
-                      <a:r>
-                        <a:rPr lang="ko-KR" altLang="en-US" sz="1200" baseline="0" dirty="0" smtClean="0"/>
-                        <a:t>를 찾음</a:t>
-                      </a:r>
-                      <a:endParaRPr lang="en-US" altLang="ko-KR" sz="1200" baseline="0" dirty="0" smtClean="0"/>
-                    </a:p>
-                  </a:txBody>
-                  <a:tcPr/>
-                </a:tc>
-              </a:tr>
-              <a:tr h="1264415">
-                <a:tc>
-                  <a:txBody>
-                    <a:bodyPr/>
-                    <a:lstStyle/>
-                    <a:p>
-                      <a:pPr algn="ctr" latinLnBrk="1"/>
-                      <a:r>
-                        <a:rPr lang="en-US" altLang="ko-KR" sz="1200" dirty="0" err="1" smtClean="0"/>
-                        <a:t>ModelAnd</a:t>
-                      </a:r>
-                      <a:r>
-                        <a:rPr lang="en-US" altLang="ko-KR" sz="1200" dirty="0" smtClean="0"/>
-                        <a:t/>
-                      </a:r>
-                      <a:br>
-                        <a:rPr lang="en-US" altLang="ko-KR" sz="1200" dirty="0" smtClean="0"/>
-                      </a:br>
-                      <a:r>
-                        <a:rPr lang="en-US" altLang="ko-KR" sz="1200" dirty="0" smtClean="0"/>
-                        <a:t>View</a:t>
-                      </a:r>
-                    </a:p>
-                    <a:p>
-                      <a:pPr algn="ctr" latinLnBrk="1"/>
-                      <a:r>
-                        <a:rPr lang="ko-KR" altLang="en-US" sz="1200" dirty="0" smtClean="0"/>
-                        <a:t>타입</a:t>
-                      </a:r>
-                      <a:endParaRPr lang="ko-KR" altLang="en-US" sz="1200" dirty="0"/>
-                    </a:p>
-                  </a:txBody>
-                  <a:tcPr anchor="ctr"/>
-                </a:tc>
-                <a:tc>
-                  <a:txBody>
-                    <a:bodyPr/>
-                    <a:lstStyle/>
-                    <a:p>
-                      <a:pPr marL="171450" indent="-171450" algn="l" latinLnBrk="1">
-                        <a:lnSpc>
-                          <a:spcPct val="150000"/>
-                        </a:lnSpc>
-                        <a:buFont typeface="Wingdings" charset="2"/>
-                        <a:buChar char="§"/>
-                      </a:pPr>
-                      <a:r>
-                        <a:rPr lang="ko-KR" altLang="en-US" sz="1200" baseline="0" dirty="0" smtClean="0"/>
-                        <a:t>데이터와 페이지 정보가 있는 경우</a:t>
-                      </a:r>
-                      <a:r>
-                        <a:rPr lang="en-US" altLang="ko-KR" sz="1200" baseline="0" dirty="0" smtClean="0"/>
-                        <a:t>,</a:t>
-                      </a:r>
-                      <a:r>
-                        <a:rPr lang="ko-KR" altLang="en-US" sz="1200" baseline="0" dirty="0" smtClean="0"/>
-                        <a:t> </a:t>
-                      </a:r>
-                      <a:r>
-                        <a:rPr lang="en-US" altLang="ko-KR" sz="1200" baseline="0" dirty="0" smtClean="0"/>
-                        <a:t>Student </a:t>
-                      </a:r>
-                      <a:r>
-                        <a:rPr lang="ko-KR" altLang="en-US" sz="1200" baseline="0" dirty="0" smtClean="0"/>
-                        <a:t>데이터와 </a:t>
-                      </a:r>
-                      <a:r>
-                        <a:rPr lang="en-US" altLang="ko-KR" sz="1200" baseline="0" dirty="0" err="1" smtClean="0"/>
-                        <a:t>student.jsp</a:t>
-                      </a:r>
-                      <a:r>
-                        <a:rPr lang="en-US" altLang="ko-KR" sz="1200" baseline="0" dirty="0" smtClean="0"/>
-                        <a:t> </a:t>
-                      </a:r>
-                      <a:r>
-                        <a:rPr lang="ko-KR" altLang="en-US" sz="1200" baseline="0" dirty="0" smtClean="0"/>
-                        <a:t>페이지를 찾음</a:t>
-                      </a:r>
-                      <a:endParaRPr lang="en-US" altLang="ko-KR" sz="1200" baseline="0" dirty="0" smtClean="0"/>
-                    </a:p>
-                  </a:txBody>
-                  <a:tcPr/>
-                </a:tc>
-              </a:tr>
-            </a:tbl>
-          </a:graphicData>
-        </a:graphic>
-      </p:graphicFrame>
       <p:pic>
         <p:nvPicPr>
-          <p:cNvPr id="4" name="그림 3"/>
+          <p:cNvPr id="7" name="그림 6"/>
           <p:cNvPicPr>
             <a:picLocks noChangeAspect="1"/>
           </p:cNvPicPr>
@@ -7223,17 +6704,24 @@
         </p:blipFill>
         <p:spPr>
           <a:xfrm>
-            <a:off x="1979712" y="3104394"/>
-            <a:ext cx="5544616" cy="859536"/>
+            <a:off x="1259632" y="2204864"/>
+            <a:ext cx="7116385" cy="3304036"/>
           </a:xfrm>
           <a:prstGeom prst="rect">
             <a:avLst/>
           </a:prstGeom>
+          <a:ln>
+            <a:solidFill>
+              <a:schemeClr val="bg1">
+                <a:lumMod val="65000"/>
+              </a:schemeClr>
+            </a:solidFill>
+          </a:ln>
         </p:spPr>
       </p:pic>
       <p:pic>
         <p:nvPicPr>
-          <p:cNvPr id="5" name="그림 4"/>
+          <p:cNvPr id="8" name="그림 7"/>
           <p:cNvPicPr>
             <a:picLocks noChangeAspect="1"/>
           </p:cNvPicPr>
@@ -7253,59 +6741,135 @@
         </p:blipFill>
         <p:spPr>
           <a:xfrm>
-            <a:off x="1979712" y="4420357"/>
-            <a:ext cx="5582891" cy="827095"/>
+            <a:off x="1259632" y="5600584"/>
+            <a:ext cx="7098441" cy="570653"/>
           </a:xfrm>
           <a:prstGeom prst="rect">
             <a:avLst/>
           </a:prstGeom>
-        </p:spPr>
-      </p:pic>
-      <p:pic>
-        <p:nvPicPr>
-          <p:cNvPr id="6" name="그림 5"/>
-          <p:cNvPicPr>
-            <a:picLocks noChangeAspect="1"/>
-          </p:cNvPicPr>
-          <p:nvPr/>
-        </p:nvPicPr>
-        <p:blipFill>
-          <a:blip r:embed="rId4">
-            <a:extLst>
-              <a:ext uri="{28A0092B-C50C-407E-A947-70E740481C1C}">
-                <a14:useLocalDpi xmlns:a14="http://schemas.microsoft.com/office/drawing/2010/main" val="0"/>
-              </a:ext>
-            </a:extLst>
-          </a:blip>
-          <a:stretch>
-            <a:fillRect/>
-          </a:stretch>
-        </p:blipFill>
-        <p:spPr>
-          <a:xfrm>
-            <a:off x="1835696" y="5654186"/>
-            <a:ext cx="7056784" cy="794320"/>
-          </a:xfrm>
-          <a:prstGeom prst="rect">
-            <a:avLst/>
-          </a:prstGeom>
+          <a:ln>
+            <a:solidFill>
+              <a:schemeClr val="bg1">
+                <a:lumMod val="65000"/>
+              </a:schemeClr>
+            </a:solidFill>
+          </a:ln>
         </p:spPr>
       </p:pic>
       <p:sp>
         <p:nvSpPr>
-          <p:cNvPr id="7" name="텍스트 상자 6"/>
+          <p:cNvPr id="15" name="직사각형 14"/>
+          <p:cNvSpPr/>
+          <p:nvPr/>
+        </p:nvSpPr>
+        <p:spPr>
+          <a:xfrm>
+            <a:off x="1727696" y="2166625"/>
+            <a:ext cx="6085344" cy="281936"/>
+          </a:xfrm>
+          <a:prstGeom prst="rect">
+            <a:avLst/>
+          </a:prstGeom>
+          <a:noFill/>
+          <a:ln>
+            <a:solidFill>
+              <a:srgbClr val="FF0000"/>
+            </a:solidFill>
+          </a:ln>
+        </p:spPr>
+        <p:style>
+          <a:lnRef idx="2">
+            <a:schemeClr val="accent1">
+              <a:shade val="50000"/>
+            </a:schemeClr>
+          </a:lnRef>
+          <a:fillRef idx="1">
+            <a:schemeClr val="accent1"/>
+          </a:fillRef>
+          <a:effectRef idx="0">
+            <a:schemeClr val="accent1"/>
+          </a:effectRef>
+          <a:fontRef idx="minor">
+            <a:schemeClr val="lt1"/>
+          </a:fontRef>
+        </p:style>
+        <p:txBody>
+          <a:bodyPr rtlCol="0" anchor="ctr"/>
+          <a:lstStyle/>
+          <a:p>
+            <a:pPr algn="ctr"/>
+            <a:endParaRPr kumimoji="1" lang="ko-KR" altLang="en-US"/>
+          </a:p>
+        </p:txBody>
+      </p:sp>
+      <p:sp>
+        <p:nvSpPr>
+          <p:cNvPr id="17" name="직사각형 16"/>
+          <p:cNvSpPr/>
+          <p:nvPr/>
+        </p:nvSpPr>
+        <p:spPr>
+          <a:xfrm>
+            <a:off x="3190736" y="4056384"/>
+            <a:ext cx="5201424" cy="698495"/>
+          </a:xfrm>
+          <a:prstGeom prst="rect">
+            <a:avLst/>
+          </a:prstGeom>
+          <a:noFill/>
+          <a:ln>
+            <a:solidFill>
+              <a:srgbClr val="FF0000"/>
+            </a:solidFill>
+          </a:ln>
+        </p:spPr>
+        <p:style>
+          <a:lnRef idx="2">
+            <a:schemeClr val="accent1">
+              <a:shade val="50000"/>
+            </a:schemeClr>
+          </a:lnRef>
+          <a:fillRef idx="1">
+            <a:schemeClr val="accent1"/>
+          </a:fillRef>
+          <a:effectRef idx="0">
+            <a:schemeClr val="accent1"/>
+          </a:effectRef>
+          <a:fontRef idx="minor">
+            <a:schemeClr val="lt1"/>
+          </a:fontRef>
+        </p:style>
+        <p:txBody>
+          <a:bodyPr rtlCol="0" anchor="ctr"/>
+          <a:lstStyle/>
+          <a:p>
+            <a:pPr algn="ctr"/>
+            <a:endParaRPr kumimoji="1" lang="ko-KR" altLang="en-US"/>
+          </a:p>
+        </p:txBody>
+      </p:sp>
+      <p:sp>
+        <p:nvSpPr>
+          <p:cNvPr id="18" name="텍스트 상자 17"/>
           <p:cNvSpPr txBox="1"/>
           <p:nvPr/>
         </p:nvSpPr>
         <p:spPr>
           <a:xfrm>
-            <a:off x="1907704" y="6495147"/>
-            <a:ext cx="4995278" cy="261610"/>
+            <a:off x="5926603" y="2504341"/>
+            <a:ext cx="2965877" cy="276999"/>
           </a:xfrm>
           <a:prstGeom prst="rect">
             <a:avLst/>
           </a:prstGeom>
-          <a:noFill/>
+          <a:solidFill>
+            <a:schemeClr val="bg1"/>
+          </a:solidFill>
+          <a:ln>
+            <a:solidFill>
+              <a:schemeClr val="tx1"/>
+            </a:solidFill>
+          </a:ln>
         </p:spPr>
         <p:txBody>
           <a:bodyPr wrap="none" rtlCol="0">
@@ -7313,54 +6877,126 @@
           </a:bodyPr>
           <a:lstStyle/>
           <a:p>
-            <a:r>
-              <a:rPr kumimoji="1" lang="ko-KR" altLang="en-US" sz="1000" dirty="0" smtClean="0"/>
-              <a:t>리다이렉트를 위해 </a:t>
-            </a:r>
-            <a:r>
-              <a:rPr kumimoji="1" lang="en-US" altLang="ko-KR" sz="1100" b="1" dirty="0" smtClean="0">
-                <a:solidFill>
-                  <a:srgbClr val="0070C0"/>
-                </a:solidFill>
-              </a:rPr>
-              <a:t>new</a:t>
-            </a:r>
-            <a:r>
-              <a:rPr kumimoji="1" lang="en-US" altLang="ko-KR" sz="1100" dirty="0" smtClean="0"/>
+            <a:pPr algn="ctr"/>
+            <a:r>
+              <a:rPr kumimoji="1" lang="en-US" altLang="ko-KR" sz="1200" dirty="0" err="1" smtClean="0"/>
+              <a:t>SimpleUrlHandlerMapping</a:t>
+            </a:r>
+            <a:r>
+              <a:rPr kumimoji="1" lang="en-US" altLang="ko-KR" sz="1200" dirty="0" smtClean="0"/>
               <a:t> </a:t>
             </a:r>
             <a:r>
-              <a:rPr kumimoji="1" lang="en-US" altLang="ko-KR" sz="1100" b="1" dirty="0" err="1" smtClean="0"/>
-              <a:t>ModelAndView</a:t>
-            </a:r>
-            <a:r>
-              <a:rPr kumimoji="1" lang="en-US" altLang="ko-KR" sz="1100" b="1" dirty="0" smtClean="0"/>
-              <a:t>(“redirect:/</a:t>
-            </a:r>
-            <a:r>
-              <a:rPr kumimoji="1" lang="en-US" altLang="ko-KR" sz="1100" b="1" dirty="0" err="1" smtClean="0"/>
-              <a:t>emp</a:t>
-            </a:r>
-            <a:r>
-              <a:rPr kumimoji="1" lang="en-US" altLang="ko-KR" sz="1100" b="1" dirty="0" smtClean="0"/>
-              <a:t>/list”);</a:t>
-            </a:r>
-            <a:r>
-              <a:rPr kumimoji="1" lang="en-US" altLang="ko-KR" sz="1000" dirty="0" smtClean="0"/>
+              <a:rPr kumimoji="1" lang="ko-KR" altLang="en-US" sz="1200" dirty="0" smtClean="0"/>
+              <a:t>클래스 선언</a:t>
+            </a:r>
+            <a:endParaRPr kumimoji="1" lang="ko-KR" altLang="en-US" sz="1200" dirty="0"/>
+          </a:p>
+        </p:txBody>
+      </p:sp>
+      <p:sp>
+        <p:nvSpPr>
+          <p:cNvPr id="19" name="텍스트 상자 18"/>
+          <p:cNvSpPr txBox="1"/>
+          <p:nvPr/>
+        </p:nvSpPr>
+        <p:spPr>
+          <a:xfrm>
+            <a:off x="6460102" y="4830981"/>
+            <a:ext cx="1756636" cy="276999"/>
+          </a:xfrm>
+          <a:prstGeom prst="rect">
+            <a:avLst/>
+          </a:prstGeom>
+          <a:solidFill>
+            <a:schemeClr val="bg1"/>
+          </a:solidFill>
+          <a:ln>
+            <a:solidFill>
+              <a:schemeClr val="tx1"/>
+            </a:solidFill>
+          </a:ln>
+        </p:spPr>
+        <p:txBody>
+          <a:bodyPr wrap="none" rtlCol="0">
+            <a:spAutoFit/>
+          </a:bodyPr>
+          <a:lstStyle/>
+          <a:p>
+            <a:pPr algn="ctr"/>
+            <a:r>
+              <a:rPr kumimoji="1" lang="en-US" altLang="ko-KR" sz="1200" dirty="0" err="1" smtClean="0"/>
+              <a:t>Url</a:t>
+            </a:r>
+            <a:r>
+              <a:rPr kumimoji="1" lang="en-US" altLang="ko-KR" sz="1200" dirty="0" smtClean="0"/>
               <a:t> </a:t>
             </a:r>
             <a:r>
-              <a:rPr kumimoji="1" lang="ko-KR" altLang="en-US" sz="1000" dirty="0" smtClean="0"/>
-              <a:t>으로 사용 가능</a:t>
-            </a:r>
-            <a:endParaRPr kumimoji="1" lang="ko-KR" altLang="en-US" sz="1000" dirty="0"/>
+              <a:rPr kumimoji="1" lang="ko-KR" altLang="en-US" sz="1200" dirty="0" smtClean="0"/>
+              <a:t>과 </a:t>
+            </a:r>
+            <a:r>
+              <a:rPr kumimoji="1" lang="en-US" altLang="ko-KR" sz="1200" dirty="0" smtClean="0"/>
+              <a:t>Controller </a:t>
+            </a:r>
+            <a:r>
+              <a:rPr kumimoji="1" lang="ko-KR" altLang="en-US" sz="1200" dirty="0" smtClean="0"/>
+              <a:t>매핑</a:t>
+            </a:r>
+            <a:endParaRPr kumimoji="1" lang="ko-KR" altLang="en-US" sz="1200" dirty="0"/>
+          </a:p>
+        </p:txBody>
+      </p:sp>
+      <p:sp>
+        <p:nvSpPr>
+          <p:cNvPr id="20" name="텍스트 상자 19"/>
+          <p:cNvSpPr txBox="1"/>
+          <p:nvPr/>
+        </p:nvSpPr>
+        <p:spPr>
+          <a:xfrm>
+            <a:off x="1287811" y="6222901"/>
+            <a:ext cx="1988045" cy="276999"/>
+          </a:xfrm>
+          <a:prstGeom prst="rect">
+            <a:avLst/>
+          </a:prstGeom>
+          <a:solidFill>
+            <a:schemeClr val="bg1"/>
+          </a:solidFill>
+          <a:ln>
+            <a:solidFill>
+              <a:schemeClr val="tx1"/>
+            </a:solidFill>
+          </a:ln>
+        </p:spPr>
+        <p:txBody>
+          <a:bodyPr wrap="none" rtlCol="0">
+            <a:spAutoFit/>
+          </a:bodyPr>
+          <a:lstStyle/>
+          <a:p>
+            <a:r>
+              <a:rPr kumimoji="1" lang="ko-KR" altLang="en-US" sz="1200" dirty="0" smtClean="0"/>
+              <a:t>▲</a:t>
+            </a:r>
+            <a:r>
+              <a:rPr kumimoji="1" lang="en-US" altLang="ko-KR" sz="1200" dirty="0" smtClean="0"/>
+              <a:t>Handler Mapping </a:t>
+            </a:r>
+            <a:r>
+              <a:rPr kumimoji="1" lang="ko-KR" altLang="en-US" sz="1200" dirty="0" smtClean="0"/>
+              <a:t>설정</a:t>
+            </a:r>
+            <a:endParaRPr kumimoji="1" lang="ko-KR" altLang="en-US" sz="1200" dirty="0"/>
           </a:p>
         </p:txBody>
       </p:sp>
     </p:spTree>
     <p:extLst>
       <p:ext uri="{BB962C8B-B14F-4D97-AF65-F5344CB8AC3E}">
-        <p14:creationId xmlns:p14="http://schemas.microsoft.com/office/powerpoint/2010/main" val="1079824243"/>
+        <p14:creationId xmlns:p14="http://schemas.microsoft.com/office/powerpoint/2010/main" val="1817154820"/>
       </p:ext>
     </p:extLst>
   </p:cSld>
@@ -7406,6 +7042,1202 @@
         <p:spPr>
           <a:xfrm>
             <a:off x="611560" y="1164759"/>
+            <a:ext cx="7610638" cy="373885"/>
+          </a:xfrm>
+          <a:prstGeom prst="rect">
+            <a:avLst/>
+          </a:prstGeom>
+          <a:noFill/>
+        </p:spPr>
+        <p:txBody>
+          <a:bodyPr wrap="square" rtlCol="0">
+            <a:spAutoFit/>
+          </a:bodyPr>
+          <a:lstStyle/>
+          <a:p>
+            <a:pPr>
+              <a:lnSpc>
+                <a:spcPct val="150000"/>
+              </a:lnSpc>
+            </a:pPr>
+            <a:r>
+              <a:rPr lang="en-US" altLang="ko-KR" sz="1400" b="1" spc="-20" dirty="0" smtClean="0">
+                <a:latin typeface="맑은 고딕" pitchFamily="50" charset="-127"/>
+                <a:ea typeface="맑은 고딕" pitchFamily="50" charset="-127"/>
+              </a:rPr>
+              <a:t>Spring MVC Architecture</a:t>
+            </a:r>
+            <a:r>
+              <a:rPr lang="ko-KR" altLang="en-US" sz="1400" b="1" spc="-20" dirty="0" smtClean="0">
+                <a:latin typeface="맑은 고딕" pitchFamily="50" charset="-127"/>
+                <a:ea typeface="맑은 고딕" pitchFamily="50" charset="-127"/>
+              </a:rPr>
+              <a:t> 설명</a:t>
+            </a:r>
+            <a:r>
+              <a:rPr lang="en-US" altLang="ko-KR" sz="1400" b="1" spc="-20" dirty="0" smtClean="0">
+                <a:latin typeface="맑은 고딕" pitchFamily="50" charset="-127"/>
+                <a:ea typeface="맑은 고딕" pitchFamily="50" charset="-127"/>
+              </a:rPr>
+              <a:t> </a:t>
+            </a:r>
+            <a:r>
+              <a:rPr lang="en-US" altLang="ko-KR" sz="1400" b="1" spc="-20" dirty="0">
+                <a:solidFill>
+                  <a:schemeClr val="tx2"/>
+                </a:solidFill>
+                <a:latin typeface="맑은 고딕" pitchFamily="50" charset="-127"/>
+                <a:ea typeface="맑은 고딕" pitchFamily="50" charset="-127"/>
+              </a:rPr>
+              <a:t>| </a:t>
+            </a:r>
+            <a:r>
+              <a:rPr lang="en-US" altLang="ko-KR" sz="1400" b="1" spc="-20" dirty="0" err="1" smtClean="0">
+                <a:solidFill>
+                  <a:schemeClr val="tx2"/>
+                </a:solidFill>
+                <a:latin typeface="맑은 고딕" pitchFamily="50" charset="-127"/>
+                <a:ea typeface="맑은 고딕" pitchFamily="50" charset="-127"/>
+              </a:rPr>
+              <a:t>HandlerMapping</a:t>
+            </a:r>
+            <a:endParaRPr lang="en-US" altLang="ko-KR" sz="1400" spc="-20" dirty="0">
+              <a:solidFill>
+                <a:schemeClr val="tx2"/>
+              </a:solidFill>
+              <a:latin typeface="맑은 고딕" pitchFamily="50" charset="-127"/>
+              <a:ea typeface="맑은 고딕" pitchFamily="50" charset="-127"/>
+            </a:endParaRPr>
+          </a:p>
+        </p:txBody>
+      </p:sp>
+      <p:sp>
+        <p:nvSpPr>
+          <p:cNvPr id="11" name="TextBox 8"/>
+          <p:cNvSpPr txBox="1"/>
+          <p:nvPr/>
+        </p:nvSpPr>
+        <p:spPr>
+          <a:xfrm>
+            <a:off x="311501" y="188640"/>
+            <a:ext cx="4223412" cy="682238"/>
+          </a:xfrm>
+          <a:prstGeom prst="rect">
+            <a:avLst/>
+          </a:prstGeom>
+          <a:noFill/>
+        </p:spPr>
+        <p:txBody>
+          <a:bodyPr wrap="square" rtlCol="0">
+            <a:spAutoFit/>
+          </a:bodyPr>
+          <a:lstStyle/>
+          <a:p>
+            <a:pPr>
+              <a:lnSpc>
+                <a:spcPts val="2300"/>
+              </a:lnSpc>
+            </a:pPr>
+            <a:r>
+              <a:rPr lang="en-US" altLang="ko-KR" sz="1600" b="1" spc="-20" dirty="0" smtClean="0">
+                <a:latin typeface="맑은 고딕" pitchFamily="50" charset="-127"/>
+                <a:ea typeface="맑은 고딕" pitchFamily="50" charset="-127"/>
+              </a:rPr>
+              <a:t>2.  Spring MVC</a:t>
+            </a:r>
+            <a:br>
+              <a:rPr lang="en-US" altLang="ko-KR" sz="1600" b="1" spc="-20" dirty="0" smtClean="0">
+                <a:latin typeface="맑은 고딕" pitchFamily="50" charset="-127"/>
+                <a:ea typeface="맑은 고딕" pitchFamily="50" charset="-127"/>
+              </a:rPr>
+            </a:br>
+            <a:endParaRPr lang="en-US" altLang="ko-KR" sz="1600" b="1" spc="-20" dirty="0" smtClean="0">
+              <a:latin typeface="맑은 고딕" pitchFamily="50" charset="-127"/>
+              <a:ea typeface="맑은 고딕" pitchFamily="50" charset="-127"/>
+            </a:endParaRPr>
+          </a:p>
+        </p:txBody>
+      </p:sp>
+      <p:sp>
+        <p:nvSpPr>
+          <p:cNvPr id="13" name="TextBox 14"/>
+          <p:cNvSpPr txBox="1"/>
+          <p:nvPr/>
+        </p:nvSpPr>
+        <p:spPr>
+          <a:xfrm>
+            <a:off x="1259632" y="1645912"/>
+            <a:ext cx="7632848" cy="373885"/>
+          </a:xfrm>
+          <a:prstGeom prst="rect">
+            <a:avLst/>
+          </a:prstGeom>
+          <a:noFill/>
+        </p:spPr>
+        <p:txBody>
+          <a:bodyPr wrap="square" rtlCol="0">
+            <a:spAutoFit/>
+          </a:bodyPr>
+          <a:lstStyle/>
+          <a:p>
+            <a:pPr marL="285750" indent="-285750">
+              <a:lnSpc>
+                <a:spcPct val="150000"/>
+              </a:lnSpc>
+              <a:buFont typeface="Wingdings" charset="2"/>
+              <a:buChar char="§"/>
+            </a:pPr>
+            <a:r>
+              <a:rPr lang="en-US" altLang="ko-KR" sz="1400" spc="-20" dirty="0" err="1" smtClean="0">
+                <a:latin typeface="맑은 고딕" pitchFamily="50" charset="-127"/>
+                <a:ea typeface="맑은 고딕" pitchFamily="50" charset="-127"/>
+              </a:rPr>
+              <a:t>RequestMappingHandlerMapping</a:t>
+            </a:r>
+            <a:r>
+              <a:rPr lang="en-US" altLang="ko-KR" sz="1400" spc="-20" dirty="0" smtClean="0">
+                <a:latin typeface="맑은 고딕" pitchFamily="50" charset="-127"/>
+                <a:ea typeface="맑은 고딕" pitchFamily="50" charset="-127"/>
+              </a:rPr>
+              <a:t> </a:t>
+            </a:r>
+            <a:r>
+              <a:rPr lang="ko-KR" altLang="en-US" sz="1400" spc="-20" dirty="0" smtClean="0">
+                <a:latin typeface="맑은 고딕" pitchFamily="50" charset="-127"/>
+                <a:ea typeface="맑은 고딕" pitchFamily="50" charset="-127"/>
+              </a:rPr>
+              <a:t>사용</a:t>
+            </a:r>
+            <a:endParaRPr lang="en-US" altLang="ko-KR" sz="1400" spc="-20" dirty="0" smtClean="0">
+              <a:latin typeface="맑은 고딕" pitchFamily="50" charset="-127"/>
+              <a:ea typeface="맑은 고딕" pitchFamily="50" charset="-127"/>
+            </a:endParaRPr>
+          </a:p>
+        </p:txBody>
+      </p:sp>
+      <p:pic>
+        <p:nvPicPr>
+          <p:cNvPr id="2" name="그림 1"/>
+          <p:cNvPicPr>
+            <a:picLocks noChangeAspect="1"/>
+          </p:cNvPicPr>
+          <p:nvPr/>
+        </p:nvPicPr>
+        <p:blipFill>
+          <a:blip r:embed="rId2">
+            <a:extLst>
+              <a:ext uri="{28A0092B-C50C-407E-A947-70E740481C1C}">
+                <a14:useLocalDpi xmlns:a14="http://schemas.microsoft.com/office/drawing/2010/main" val="0"/>
+              </a:ext>
+            </a:extLst>
+          </a:blip>
+          <a:stretch>
+            <a:fillRect/>
+          </a:stretch>
+        </p:blipFill>
+        <p:spPr>
+          <a:xfrm>
+            <a:off x="520700" y="2420888"/>
+            <a:ext cx="8102600" cy="3416300"/>
+          </a:xfrm>
+          <a:prstGeom prst="rect">
+            <a:avLst/>
+          </a:prstGeom>
+        </p:spPr>
+      </p:pic>
+      <p:sp>
+        <p:nvSpPr>
+          <p:cNvPr id="16" name="직사각형 15"/>
+          <p:cNvSpPr/>
+          <p:nvPr/>
+        </p:nvSpPr>
+        <p:spPr>
+          <a:xfrm>
+            <a:off x="508496" y="2370832"/>
+            <a:ext cx="1096784" cy="254000"/>
+          </a:xfrm>
+          <a:prstGeom prst="rect">
+            <a:avLst/>
+          </a:prstGeom>
+          <a:noFill/>
+          <a:ln>
+            <a:solidFill>
+              <a:srgbClr val="FF0000"/>
+            </a:solidFill>
+          </a:ln>
+        </p:spPr>
+        <p:style>
+          <a:lnRef idx="2">
+            <a:schemeClr val="accent1">
+              <a:shade val="50000"/>
+            </a:schemeClr>
+          </a:lnRef>
+          <a:fillRef idx="1">
+            <a:schemeClr val="accent1"/>
+          </a:fillRef>
+          <a:effectRef idx="0">
+            <a:schemeClr val="accent1"/>
+          </a:effectRef>
+          <a:fontRef idx="minor">
+            <a:schemeClr val="lt1"/>
+          </a:fontRef>
+        </p:style>
+        <p:txBody>
+          <a:bodyPr rtlCol="0" anchor="ctr"/>
+          <a:lstStyle/>
+          <a:p>
+            <a:pPr algn="ctr"/>
+            <a:endParaRPr kumimoji="1" lang="ko-KR" altLang="en-US"/>
+          </a:p>
+        </p:txBody>
+      </p:sp>
+      <p:sp>
+        <p:nvSpPr>
+          <p:cNvPr id="21" name="텍스트 상자 20"/>
+          <p:cNvSpPr txBox="1"/>
+          <p:nvPr/>
+        </p:nvSpPr>
+        <p:spPr>
+          <a:xfrm>
+            <a:off x="1803774" y="2310637"/>
+            <a:ext cx="1238864" cy="276999"/>
+          </a:xfrm>
+          <a:prstGeom prst="rect">
+            <a:avLst/>
+          </a:prstGeom>
+          <a:solidFill>
+            <a:schemeClr val="bg1"/>
+          </a:solidFill>
+          <a:ln>
+            <a:solidFill>
+              <a:schemeClr val="tx1"/>
+            </a:solidFill>
+          </a:ln>
+        </p:spPr>
+        <p:txBody>
+          <a:bodyPr wrap="none" rtlCol="0">
+            <a:spAutoFit/>
+          </a:bodyPr>
+          <a:lstStyle/>
+          <a:p>
+            <a:pPr algn="ctr"/>
+            <a:r>
+              <a:rPr kumimoji="1" lang="en-US" altLang="ko-KR" sz="1200" smtClean="0"/>
+              <a:t>Controller </a:t>
+            </a:r>
+            <a:r>
+              <a:rPr kumimoji="1" lang="ko-KR" altLang="en-US" sz="1200" dirty="0" smtClean="0"/>
+              <a:t>설정</a:t>
+            </a:r>
+            <a:endParaRPr kumimoji="1" lang="ko-KR" altLang="en-US" sz="1200" dirty="0"/>
+          </a:p>
+        </p:txBody>
+      </p:sp>
+      <p:sp>
+        <p:nvSpPr>
+          <p:cNvPr id="22" name="직사각형 21"/>
+          <p:cNvSpPr/>
+          <p:nvPr/>
+        </p:nvSpPr>
+        <p:spPr>
+          <a:xfrm>
+            <a:off x="864096" y="2939792"/>
+            <a:ext cx="5658624" cy="203200"/>
+          </a:xfrm>
+          <a:prstGeom prst="rect">
+            <a:avLst/>
+          </a:prstGeom>
+          <a:noFill/>
+          <a:ln>
+            <a:solidFill>
+              <a:srgbClr val="FF0000"/>
+            </a:solidFill>
+          </a:ln>
+        </p:spPr>
+        <p:style>
+          <a:lnRef idx="2">
+            <a:schemeClr val="accent1">
+              <a:shade val="50000"/>
+            </a:schemeClr>
+          </a:lnRef>
+          <a:fillRef idx="1">
+            <a:schemeClr val="accent1"/>
+          </a:fillRef>
+          <a:effectRef idx="0">
+            <a:schemeClr val="accent1"/>
+          </a:effectRef>
+          <a:fontRef idx="minor">
+            <a:schemeClr val="lt1"/>
+          </a:fontRef>
+        </p:style>
+        <p:txBody>
+          <a:bodyPr rtlCol="0" anchor="ctr"/>
+          <a:lstStyle/>
+          <a:p>
+            <a:pPr algn="ctr"/>
+            <a:endParaRPr kumimoji="1" lang="ko-KR" altLang="en-US"/>
+          </a:p>
+        </p:txBody>
+      </p:sp>
+      <p:sp>
+        <p:nvSpPr>
+          <p:cNvPr id="23" name="텍스트 상자 22"/>
+          <p:cNvSpPr txBox="1"/>
+          <p:nvPr/>
+        </p:nvSpPr>
+        <p:spPr>
+          <a:xfrm>
+            <a:off x="6087226" y="2564904"/>
+            <a:ext cx="2949270" cy="276999"/>
+          </a:xfrm>
+          <a:prstGeom prst="rect">
+            <a:avLst/>
+          </a:prstGeom>
+          <a:solidFill>
+            <a:schemeClr val="bg1"/>
+          </a:solidFill>
+          <a:ln>
+            <a:solidFill>
+              <a:schemeClr val="tx1"/>
+            </a:solidFill>
+          </a:ln>
+        </p:spPr>
+        <p:txBody>
+          <a:bodyPr wrap="none" rtlCol="0">
+            <a:spAutoFit/>
+          </a:bodyPr>
+          <a:lstStyle/>
+          <a:p>
+            <a:pPr algn="ctr"/>
+            <a:r>
+              <a:rPr kumimoji="1" lang="en-US" altLang="ko-KR" sz="1200" dirty="0" err="1" smtClean="0"/>
+              <a:t>Url</a:t>
+            </a:r>
+            <a:r>
+              <a:rPr kumimoji="1" lang="en-US" altLang="ko-KR" sz="1200" dirty="0" smtClean="0"/>
+              <a:t>(”/student)</a:t>
+            </a:r>
+            <a:r>
+              <a:rPr kumimoji="1" lang="ko-KR" altLang="en-US" sz="1200" dirty="0" smtClean="0"/>
+              <a:t>과 </a:t>
+            </a:r>
+            <a:r>
+              <a:rPr kumimoji="1" lang="en-US" altLang="ko-KR" sz="1200" dirty="0" smtClean="0"/>
+              <a:t>Controller </a:t>
+            </a:r>
+            <a:r>
+              <a:rPr kumimoji="1" lang="ko-KR" altLang="en-US" sz="1200" dirty="0" smtClean="0"/>
+              <a:t>클래스 매핑</a:t>
+            </a:r>
+            <a:endParaRPr kumimoji="1" lang="ko-KR" altLang="en-US" sz="1200" dirty="0"/>
+          </a:p>
+        </p:txBody>
+      </p:sp>
+    </p:spTree>
+    <p:extLst>
+      <p:ext uri="{BB962C8B-B14F-4D97-AF65-F5344CB8AC3E}">
+        <p14:creationId xmlns:p14="http://schemas.microsoft.com/office/powerpoint/2010/main" val="1096274968"/>
+      </p:ext>
+    </p:extLst>
+  </p:cSld>
+  <p:clrMapOvr>
+    <a:masterClrMapping/>
+  </p:clrMapOvr>
+  <p:transition>
+    <p:fade/>
+  </p:transition>
+  <p:timing>
+    <p:tnLst>
+      <p:par>
+        <p:cTn id="1" dur="indefinite" restart="never" nodeType="tmRoot"/>
+      </p:par>
+    </p:tnLst>
+  </p:timing>
+</p:sld>
+</file>
+
+<file path=ppt/slides/slide17.xml><?xml version="1.0" encoding="utf-8"?>
+<p:sld xmlns:a="http://schemas.openxmlformats.org/drawingml/2006/main" xmlns:r="http://schemas.openxmlformats.org/officeDocument/2006/relationships" xmlns:p="http://schemas.openxmlformats.org/presentationml/2006/main">
+  <p:cSld>
+    <p:spTree>
+      <p:nvGrpSpPr>
+        <p:cNvPr id="1" name=""/>
+        <p:cNvGrpSpPr/>
+        <p:nvPr/>
+      </p:nvGrpSpPr>
+      <p:grpSpPr>
+        <a:xfrm>
+          <a:off x="0" y="0"/>
+          <a:ext cx="0" cy="0"/>
+          <a:chOff x="0" y="0"/>
+          <a:chExt cx="0" cy="0"/>
+        </a:xfrm>
+      </p:grpSpPr>
+      <p:sp>
+        <p:nvSpPr>
+          <p:cNvPr id="14" name="TextBox 9"/>
+          <p:cNvSpPr txBox="1"/>
+          <p:nvPr/>
+        </p:nvSpPr>
+        <p:spPr>
+          <a:xfrm>
+            <a:off x="611560" y="1164759"/>
+            <a:ext cx="7610638" cy="415498"/>
+          </a:xfrm>
+          <a:prstGeom prst="rect">
+            <a:avLst/>
+          </a:prstGeom>
+          <a:noFill/>
+        </p:spPr>
+        <p:txBody>
+          <a:bodyPr wrap="square" rtlCol="0">
+            <a:spAutoFit/>
+          </a:bodyPr>
+          <a:lstStyle/>
+          <a:p>
+            <a:pPr>
+              <a:lnSpc>
+                <a:spcPct val="150000"/>
+              </a:lnSpc>
+            </a:pPr>
+            <a:r>
+              <a:rPr lang="en-US" altLang="ko-KR" sz="1400" b="1" spc="-20" dirty="0" smtClean="0">
+                <a:latin typeface="맑은 고딕" pitchFamily="50" charset="-127"/>
+                <a:ea typeface="맑은 고딕" pitchFamily="50" charset="-127"/>
+              </a:rPr>
+              <a:t>Spring MVC Architecture</a:t>
+            </a:r>
+            <a:r>
+              <a:rPr lang="ko-KR" altLang="en-US" sz="1400" b="1" spc="-20" dirty="0" smtClean="0">
+                <a:latin typeface="맑은 고딕" pitchFamily="50" charset="-127"/>
+                <a:ea typeface="맑은 고딕" pitchFamily="50" charset="-127"/>
+              </a:rPr>
+              <a:t> 설명</a:t>
+            </a:r>
+            <a:r>
+              <a:rPr lang="en-US" altLang="ko-KR" sz="1400" b="1" spc="-20" dirty="0" smtClean="0">
+                <a:latin typeface="맑은 고딕" pitchFamily="50" charset="-127"/>
+                <a:ea typeface="맑은 고딕" pitchFamily="50" charset="-127"/>
+              </a:rPr>
+              <a:t> </a:t>
+            </a:r>
+            <a:r>
+              <a:rPr lang="en-US" altLang="ko-KR" sz="1400" b="1" spc="-20" dirty="0">
+                <a:solidFill>
+                  <a:schemeClr val="tx2"/>
+                </a:solidFill>
+                <a:latin typeface="맑은 고딕" pitchFamily="50" charset="-127"/>
+                <a:ea typeface="맑은 고딕" pitchFamily="50" charset="-127"/>
+              </a:rPr>
+              <a:t>| </a:t>
+            </a:r>
+            <a:r>
+              <a:rPr lang="en-US" altLang="ko-KR" sz="1400" b="1" spc="-20" dirty="0" smtClean="0">
+                <a:solidFill>
+                  <a:schemeClr val="tx2"/>
+                </a:solidFill>
+                <a:latin typeface="맑은 고딕" pitchFamily="50" charset="-127"/>
+                <a:ea typeface="맑은 고딕" pitchFamily="50" charset="-127"/>
+              </a:rPr>
+              <a:t>Controller</a:t>
+            </a:r>
+            <a:endParaRPr lang="en-US" altLang="ko-KR" sz="1400" spc="-20" dirty="0">
+              <a:solidFill>
+                <a:schemeClr val="tx2"/>
+              </a:solidFill>
+              <a:latin typeface="맑은 고딕" pitchFamily="50" charset="-127"/>
+              <a:ea typeface="맑은 고딕" pitchFamily="50" charset="-127"/>
+            </a:endParaRPr>
+          </a:p>
+        </p:txBody>
+      </p:sp>
+      <p:sp>
+        <p:nvSpPr>
+          <p:cNvPr id="11" name="TextBox 8"/>
+          <p:cNvSpPr txBox="1"/>
+          <p:nvPr/>
+        </p:nvSpPr>
+        <p:spPr>
+          <a:xfrm>
+            <a:off x="311501" y="188640"/>
+            <a:ext cx="4223412" cy="682238"/>
+          </a:xfrm>
+          <a:prstGeom prst="rect">
+            <a:avLst/>
+          </a:prstGeom>
+          <a:noFill/>
+        </p:spPr>
+        <p:txBody>
+          <a:bodyPr wrap="square" rtlCol="0">
+            <a:spAutoFit/>
+          </a:bodyPr>
+          <a:lstStyle/>
+          <a:p>
+            <a:pPr>
+              <a:lnSpc>
+                <a:spcPts val="2300"/>
+              </a:lnSpc>
+            </a:pPr>
+            <a:r>
+              <a:rPr lang="en-US" altLang="ko-KR" sz="1600" b="1" spc="-20" dirty="0" smtClean="0">
+                <a:latin typeface="맑은 고딕" pitchFamily="50" charset="-127"/>
+                <a:ea typeface="맑은 고딕" pitchFamily="50" charset="-127"/>
+              </a:rPr>
+              <a:t>2.  Spring MVC</a:t>
+            </a:r>
+            <a:br>
+              <a:rPr lang="en-US" altLang="ko-KR" sz="1600" b="1" spc="-20" dirty="0" smtClean="0">
+                <a:latin typeface="맑은 고딕" pitchFamily="50" charset="-127"/>
+                <a:ea typeface="맑은 고딕" pitchFamily="50" charset="-127"/>
+              </a:rPr>
+            </a:br>
+            <a:endParaRPr lang="en-US" altLang="ko-KR" sz="1600" b="1" spc="-20" dirty="0" smtClean="0">
+              <a:latin typeface="맑은 고딕" pitchFamily="50" charset="-127"/>
+              <a:ea typeface="맑은 고딕" pitchFamily="50" charset="-127"/>
+            </a:endParaRPr>
+          </a:p>
+        </p:txBody>
+      </p:sp>
+      <p:sp>
+        <p:nvSpPr>
+          <p:cNvPr id="13" name="TextBox 14"/>
+          <p:cNvSpPr txBox="1"/>
+          <p:nvPr/>
+        </p:nvSpPr>
+        <p:spPr>
+          <a:xfrm>
+            <a:off x="1259632" y="1645912"/>
+            <a:ext cx="7632848" cy="738664"/>
+          </a:xfrm>
+          <a:prstGeom prst="rect">
+            <a:avLst/>
+          </a:prstGeom>
+          <a:noFill/>
+        </p:spPr>
+        <p:txBody>
+          <a:bodyPr wrap="square" rtlCol="0">
+            <a:spAutoFit/>
+          </a:bodyPr>
+          <a:lstStyle/>
+          <a:p>
+            <a:pPr marL="285750" indent="-285750">
+              <a:lnSpc>
+                <a:spcPct val="150000"/>
+              </a:lnSpc>
+              <a:buFont typeface="Wingdings" charset="2"/>
+              <a:buChar char="§"/>
+            </a:pPr>
+            <a:r>
+              <a:rPr lang="ko-KR" altLang="en-US" sz="1400" spc="-20" dirty="0" smtClean="0">
+                <a:latin typeface="맑은 고딕" pitchFamily="50" charset="-127"/>
+                <a:ea typeface="맑은 고딕" pitchFamily="50" charset="-127"/>
+              </a:rPr>
+              <a:t>클라이언트의 요청을 분석하고</a:t>
+            </a:r>
+            <a:r>
+              <a:rPr lang="en-US" altLang="ko-KR" sz="1400" spc="-20" dirty="0" smtClean="0">
+                <a:latin typeface="맑은 고딕" pitchFamily="50" charset="-127"/>
+                <a:ea typeface="맑은 고딕" pitchFamily="50" charset="-127"/>
+              </a:rPr>
+              <a:t>,</a:t>
+            </a:r>
+            <a:r>
+              <a:rPr lang="ko-KR" altLang="en-US" sz="1400" spc="-20" dirty="0" smtClean="0">
+                <a:latin typeface="맑은 고딕" pitchFamily="50" charset="-127"/>
+                <a:ea typeface="맑은 고딕" pitchFamily="50" charset="-127"/>
+              </a:rPr>
+              <a:t> 처리하여 결과를 반환함</a:t>
+            </a:r>
+            <a:endParaRPr lang="en-US" altLang="ko-KR" sz="1400" spc="-20" dirty="0">
+              <a:latin typeface="맑은 고딕" pitchFamily="50" charset="-127"/>
+              <a:ea typeface="맑은 고딕" pitchFamily="50" charset="-127"/>
+            </a:endParaRPr>
+          </a:p>
+          <a:p>
+            <a:pPr marL="285750" indent="-285750">
+              <a:lnSpc>
+                <a:spcPct val="150000"/>
+              </a:lnSpc>
+              <a:buFont typeface="Wingdings" charset="2"/>
+              <a:buChar char="§"/>
+            </a:pPr>
+            <a:r>
+              <a:rPr lang="ko-KR" altLang="en-US" sz="1400" spc="-20" dirty="0" smtClean="0">
+                <a:latin typeface="맑은 고딕" pitchFamily="50" charset="-127"/>
+                <a:ea typeface="맑은 고딕" pitchFamily="50" charset="-127"/>
+              </a:rPr>
+              <a:t>반환값 종류에 따라 반환값이 달라짐</a:t>
+            </a:r>
+            <a:r>
+              <a:rPr lang="en-US" altLang="ko-KR" sz="1400" spc="-20" dirty="0" smtClean="0">
+                <a:latin typeface="맑은 고딕" pitchFamily="50" charset="-127"/>
+                <a:ea typeface="맑은 고딕" pitchFamily="50" charset="-127"/>
+              </a:rPr>
+              <a:t>(void</a:t>
+            </a:r>
+            <a:r>
+              <a:rPr lang="ko-KR" altLang="en-US" sz="1400" spc="-20" dirty="0" smtClean="0">
+                <a:latin typeface="맑은 고딕" pitchFamily="50" charset="-127"/>
+                <a:ea typeface="맑은 고딕" pitchFamily="50" charset="-127"/>
+              </a:rPr>
+              <a:t>타입</a:t>
+            </a:r>
+            <a:r>
+              <a:rPr lang="en-US" altLang="ko-KR" sz="1400" spc="-20" dirty="0" smtClean="0">
+                <a:latin typeface="맑은 고딕" pitchFamily="50" charset="-127"/>
+                <a:ea typeface="맑은 고딕" pitchFamily="50" charset="-127"/>
+              </a:rPr>
+              <a:t>,</a:t>
+            </a:r>
+            <a:r>
+              <a:rPr lang="ko-KR" altLang="en-US" sz="1400" spc="-20" dirty="0" smtClean="0">
+                <a:latin typeface="맑은 고딕" pitchFamily="50" charset="-127"/>
+                <a:ea typeface="맑은 고딕" pitchFamily="50" charset="-127"/>
+              </a:rPr>
+              <a:t>  </a:t>
+            </a:r>
+            <a:r>
+              <a:rPr lang="en-US" altLang="ko-KR" sz="1400" spc="-20" dirty="0" smtClean="0">
+                <a:latin typeface="맑은 고딕" pitchFamily="50" charset="-127"/>
+                <a:ea typeface="맑은 고딕" pitchFamily="50" charset="-127"/>
+              </a:rPr>
+              <a:t>String </a:t>
+            </a:r>
+            <a:r>
+              <a:rPr lang="ko-KR" altLang="en-US" sz="1400" spc="-20" dirty="0" smtClean="0">
+                <a:latin typeface="맑은 고딕" pitchFamily="50" charset="-127"/>
+                <a:ea typeface="맑은 고딕" pitchFamily="50" charset="-127"/>
+              </a:rPr>
+              <a:t>타입</a:t>
+            </a:r>
+            <a:r>
+              <a:rPr lang="en-US" altLang="ko-KR" sz="1400" spc="-20" dirty="0" smtClean="0">
+                <a:latin typeface="맑은 고딕" pitchFamily="50" charset="-127"/>
+                <a:ea typeface="맑은 고딕" pitchFamily="50" charset="-127"/>
+              </a:rPr>
+              <a:t>,</a:t>
+            </a:r>
+            <a:r>
+              <a:rPr lang="ko-KR" altLang="en-US" sz="1400" spc="-20" dirty="0" smtClean="0">
+                <a:latin typeface="맑은 고딕" pitchFamily="50" charset="-127"/>
+                <a:ea typeface="맑은 고딕" pitchFamily="50" charset="-127"/>
+              </a:rPr>
+              <a:t> </a:t>
+            </a:r>
+            <a:r>
+              <a:rPr lang="en-US" altLang="ko-KR" sz="1400" spc="-20" dirty="0" err="1" smtClean="0">
+                <a:latin typeface="맑은 고딕" pitchFamily="50" charset="-127"/>
+                <a:ea typeface="맑은 고딕" pitchFamily="50" charset="-127"/>
+              </a:rPr>
+              <a:t>ModelAndView</a:t>
+            </a:r>
+            <a:r>
+              <a:rPr lang="en-US" altLang="ko-KR" sz="1400" spc="-20" dirty="0" smtClean="0">
+                <a:latin typeface="맑은 고딕" pitchFamily="50" charset="-127"/>
+                <a:ea typeface="맑은 고딕" pitchFamily="50" charset="-127"/>
+              </a:rPr>
+              <a:t> </a:t>
+            </a:r>
+            <a:r>
+              <a:rPr lang="ko-KR" altLang="en-US" sz="1400" spc="-20" dirty="0" smtClean="0">
+                <a:latin typeface="맑은 고딕" pitchFamily="50" charset="-127"/>
+                <a:ea typeface="맑은 고딕" pitchFamily="50" charset="-127"/>
+              </a:rPr>
+              <a:t>타입</a:t>
+            </a:r>
+            <a:r>
+              <a:rPr lang="en-US" altLang="ko-KR" sz="1400" spc="-20" dirty="0" smtClean="0">
+                <a:latin typeface="맑은 고딕" pitchFamily="50" charset="-127"/>
+                <a:ea typeface="맑은 고딕" pitchFamily="50" charset="-127"/>
+              </a:rPr>
+              <a:t>)</a:t>
+            </a:r>
+          </a:p>
+        </p:txBody>
+      </p:sp>
+      <p:graphicFrame>
+        <p:nvGraphicFramePr>
+          <p:cNvPr id="15" name="표 14"/>
+          <p:cNvGraphicFramePr>
+            <a:graphicFrameLocks noGrp="1"/>
+          </p:cNvGraphicFramePr>
+          <p:nvPr>
+            <p:extLst>
+              <p:ext uri="{D42A27DB-BD31-4B8C-83A1-F6EECF244321}">
+                <p14:modId xmlns:p14="http://schemas.microsoft.com/office/powerpoint/2010/main" val="1661500639"/>
+              </p:ext>
+            </p:extLst>
+          </p:nvPr>
+        </p:nvGraphicFramePr>
+        <p:xfrm>
+          <a:off x="467544" y="2450232"/>
+          <a:ext cx="8280920" cy="4147120"/>
+        </p:xfrm>
+        <a:graphic>
+          <a:graphicData uri="http://schemas.openxmlformats.org/drawingml/2006/table">
+            <a:tbl>
+              <a:tblPr firstRow="1" bandRow="1">
+                <a:tableStyleId>{5C22544A-7EE6-4342-B048-85BDC9FD1C3A}</a:tableStyleId>
+              </a:tblPr>
+              <a:tblGrid>
+                <a:gridCol w="1152128"/>
+                <a:gridCol w="7128792"/>
+              </a:tblGrid>
+              <a:tr h="353875">
+                <a:tc>
+                  <a:txBody>
+                    <a:bodyPr/>
+                    <a:lstStyle/>
+                    <a:p>
+                      <a:pPr algn="ctr" latinLnBrk="1"/>
+                      <a:r>
+                        <a:rPr lang="ko-KR" altLang="en-US" sz="1200" dirty="0" smtClean="0"/>
+                        <a:t>반환값</a:t>
+                      </a:r>
+                      <a:endParaRPr lang="en-US" altLang="ko-KR" sz="1200" dirty="0" smtClean="0"/>
+                    </a:p>
+                  </a:txBody>
+                  <a:tcPr anchor="ctr"/>
+                </a:tc>
+                <a:tc>
+                  <a:txBody>
+                    <a:bodyPr/>
+                    <a:lstStyle/>
+                    <a:p>
+                      <a:pPr algn="ctr" latinLnBrk="1"/>
+                      <a:r>
+                        <a:rPr lang="ko-KR" altLang="en-US" sz="1200" dirty="0" smtClean="0"/>
+                        <a:t>설명</a:t>
+                      </a:r>
+                      <a:endParaRPr lang="ko-KR" altLang="en-US" sz="1200" dirty="0"/>
+                    </a:p>
+                  </a:txBody>
+                  <a:tcPr anchor="ctr"/>
+                </a:tc>
+              </a:tr>
+              <a:tr h="1264415">
+                <a:tc>
+                  <a:txBody>
+                    <a:bodyPr/>
+                    <a:lstStyle/>
+                    <a:p>
+                      <a:pPr algn="ctr" latinLnBrk="1"/>
+                      <a:r>
+                        <a:rPr lang="en-US" altLang="ko-KR" sz="1200" dirty="0" smtClean="0"/>
+                        <a:t>void </a:t>
+                      </a:r>
+                      <a:r>
+                        <a:rPr lang="ko-KR" altLang="en-US" sz="1200" dirty="0" smtClean="0"/>
+                        <a:t>타입</a:t>
+                      </a:r>
+                      <a:endParaRPr lang="en-US" altLang="ko-KR" sz="1200" dirty="0" smtClean="0"/>
+                    </a:p>
+                  </a:txBody>
+                  <a:tcPr anchor="ctr"/>
+                </a:tc>
+                <a:tc>
+                  <a:txBody>
+                    <a:bodyPr/>
+                    <a:lstStyle/>
+                    <a:p>
+                      <a:pPr marL="171450" indent="-171450" algn="l" latinLnBrk="1">
+                        <a:lnSpc>
+                          <a:spcPct val="150000"/>
+                        </a:lnSpc>
+                        <a:buFont typeface="Wingdings" charset="2"/>
+                        <a:buChar char="§"/>
+                      </a:pPr>
+                      <a:r>
+                        <a:rPr lang="ko-KR" altLang="en-US" sz="1200" baseline="0" dirty="0" smtClean="0"/>
+                        <a:t>데이터 정보와 페이지 정보가 없는 경우</a:t>
+                      </a:r>
+                      <a:r>
+                        <a:rPr lang="en-US" altLang="ko-KR" sz="1200" baseline="0" dirty="0" smtClean="0"/>
+                        <a:t>, </a:t>
+                      </a:r>
+                      <a:r>
+                        <a:rPr lang="en-US" altLang="ko-KR" sz="1200" baseline="0" dirty="0" err="1" smtClean="0"/>
+                        <a:t>student.jsp</a:t>
+                      </a:r>
+                      <a:r>
+                        <a:rPr lang="en-US" altLang="ko-KR" sz="1200" baseline="0" dirty="0" smtClean="0"/>
+                        <a:t> </a:t>
+                      </a:r>
+                      <a:r>
+                        <a:rPr lang="ko-KR" altLang="en-US" sz="1200" baseline="0" dirty="0" smtClean="0"/>
+                        <a:t>를 찾음</a:t>
+                      </a:r>
+                      <a:endParaRPr lang="en-US" altLang="ko-KR" sz="1200" baseline="0" dirty="0" smtClean="0"/>
+                    </a:p>
+                  </a:txBody>
+                  <a:tcPr/>
+                </a:tc>
+              </a:tr>
+              <a:tr h="1264415">
+                <a:tc>
+                  <a:txBody>
+                    <a:bodyPr/>
+                    <a:lstStyle/>
+                    <a:p>
+                      <a:pPr algn="ctr" latinLnBrk="1"/>
+                      <a:r>
+                        <a:rPr lang="en-US" altLang="ko-KR" sz="1200" dirty="0" smtClean="0"/>
+                        <a:t>String </a:t>
+                      </a:r>
+                      <a:r>
+                        <a:rPr lang="ko-KR" altLang="en-US" sz="1200" dirty="0" smtClean="0"/>
+                        <a:t>타입</a:t>
+                      </a:r>
+                      <a:endParaRPr lang="ko-KR" altLang="en-US" sz="1200" dirty="0"/>
+                    </a:p>
+                  </a:txBody>
+                  <a:tcPr anchor="ctr"/>
+                </a:tc>
+                <a:tc>
+                  <a:txBody>
+                    <a:bodyPr/>
+                    <a:lstStyle/>
+                    <a:p>
+                      <a:pPr marL="171450" marR="0" indent="-171450" algn="l" defTabSz="914400" rtl="0" eaLnBrk="1" fontAlgn="auto" latinLnBrk="1" hangingPunct="1">
+                        <a:lnSpc>
+                          <a:spcPct val="150000"/>
+                        </a:lnSpc>
+                        <a:spcBef>
+                          <a:spcPts val="0"/>
+                        </a:spcBef>
+                        <a:spcAft>
+                          <a:spcPts val="0"/>
+                        </a:spcAft>
+                        <a:buClrTx/>
+                        <a:buSzTx/>
+                        <a:buFont typeface="Wingdings" charset="2"/>
+                        <a:buChar char="§"/>
+                        <a:tabLst/>
+                        <a:defRPr/>
+                      </a:pPr>
+                      <a:r>
+                        <a:rPr lang="ko-KR" altLang="en-US" sz="1200" baseline="0" dirty="0" smtClean="0"/>
+                        <a:t>페이지 정보만 있는 경우</a:t>
+                      </a:r>
+                      <a:r>
+                        <a:rPr lang="en-US" altLang="ko-KR" sz="1200" baseline="0" dirty="0" smtClean="0"/>
+                        <a:t>,</a:t>
+                      </a:r>
+                      <a:r>
+                        <a:rPr lang="ko-KR" altLang="en-US" sz="1200" baseline="0" dirty="0" smtClean="0"/>
+                        <a:t> </a:t>
+                      </a:r>
+                      <a:r>
+                        <a:rPr lang="en-US" altLang="ko-KR" sz="1200" baseline="0" dirty="0" err="1" smtClean="0"/>
+                        <a:t>student_other_page.jsp</a:t>
+                      </a:r>
+                      <a:r>
+                        <a:rPr lang="en-US" altLang="ko-KR" sz="1200" baseline="0" dirty="0" smtClean="0"/>
+                        <a:t> </a:t>
+                      </a:r>
+                      <a:r>
+                        <a:rPr lang="ko-KR" altLang="en-US" sz="1200" baseline="0" dirty="0" smtClean="0"/>
+                        <a:t>를 찾음</a:t>
+                      </a:r>
+                      <a:endParaRPr lang="en-US" altLang="ko-KR" sz="1200" baseline="0" dirty="0" smtClean="0"/>
+                    </a:p>
+                  </a:txBody>
+                  <a:tcPr/>
+                </a:tc>
+              </a:tr>
+              <a:tr h="1264415">
+                <a:tc>
+                  <a:txBody>
+                    <a:bodyPr/>
+                    <a:lstStyle/>
+                    <a:p>
+                      <a:pPr algn="ctr" latinLnBrk="1"/>
+                      <a:r>
+                        <a:rPr lang="en-US" altLang="ko-KR" sz="1200" dirty="0" err="1" smtClean="0"/>
+                        <a:t>ModelAnd</a:t>
+                      </a:r>
+                      <a:r>
+                        <a:rPr lang="en-US" altLang="ko-KR" sz="1200" dirty="0" smtClean="0"/>
+                        <a:t/>
+                      </a:r>
+                      <a:br>
+                        <a:rPr lang="en-US" altLang="ko-KR" sz="1200" dirty="0" smtClean="0"/>
+                      </a:br>
+                      <a:r>
+                        <a:rPr lang="en-US" altLang="ko-KR" sz="1200" dirty="0" smtClean="0"/>
+                        <a:t>View</a:t>
+                      </a:r>
+                    </a:p>
+                    <a:p>
+                      <a:pPr algn="ctr" latinLnBrk="1"/>
+                      <a:r>
+                        <a:rPr lang="ko-KR" altLang="en-US" sz="1200" dirty="0" smtClean="0"/>
+                        <a:t>타입</a:t>
+                      </a:r>
+                      <a:endParaRPr lang="ko-KR" altLang="en-US" sz="1200" dirty="0"/>
+                    </a:p>
+                  </a:txBody>
+                  <a:tcPr anchor="ctr"/>
+                </a:tc>
+                <a:tc>
+                  <a:txBody>
+                    <a:bodyPr/>
+                    <a:lstStyle/>
+                    <a:p>
+                      <a:pPr marL="171450" indent="-171450" algn="l" latinLnBrk="1">
+                        <a:lnSpc>
+                          <a:spcPct val="150000"/>
+                        </a:lnSpc>
+                        <a:buFont typeface="Wingdings" charset="2"/>
+                        <a:buChar char="§"/>
+                      </a:pPr>
+                      <a:r>
+                        <a:rPr lang="ko-KR" altLang="en-US" sz="1200" baseline="0" dirty="0" smtClean="0"/>
+                        <a:t>데이터와 페이지 정보가 있는 경우</a:t>
+                      </a:r>
+                      <a:r>
+                        <a:rPr lang="en-US" altLang="ko-KR" sz="1200" baseline="0" dirty="0" smtClean="0"/>
+                        <a:t>,</a:t>
+                      </a:r>
+                      <a:r>
+                        <a:rPr lang="ko-KR" altLang="en-US" sz="1200" baseline="0" dirty="0" smtClean="0"/>
+                        <a:t> </a:t>
+                      </a:r>
+                      <a:r>
+                        <a:rPr lang="en-US" altLang="ko-KR" sz="1200" baseline="0" dirty="0" smtClean="0"/>
+                        <a:t>Student </a:t>
+                      </a:r>
+                      <a:r>
+                        <a:rPr lang="ko-KR" altLang="en-US" sz="1200" baseline="0" dirty="0" smtClean="0"/>
+                        <a:t>데이터와 </a:t>
+                      </a:r>
+                      <a:r>
+                        <a:rPr lang="en-US" altLang="ko-KR" sz="1200" baseline="0" dirty="0" err="1" smtClean="0"/>
+                        <a:t>student.jsp</a:t>
+                      </a:r>
+                      <a:r>
+                        <a:rPr lang="en-US" altLang="ko-KR" sz="1200" baseline="0" dirty="0" smtClean="0"/>
+                        <a:t> </a:t>
+                      </a:r>
+                      <a:r>
+                        <a:rPr lang="ko-KR" altLang="en-US" sz="1200" baseline="0" dirty="0" smtClean="0"/>
+                        <a:t>페이지를 찾음</a:t>
+                      </a:r>
+                      <a:endParaRPr lang="en-US" altLang="ko-KR" sz="1200" baseline="0" dirty="0" smtClean="0"/>
+                    </a:p>
+                  </a:txBody>
+                  <a:tcPr/>
+                </a:tc>
+              </a:tr>
+            </a:tbl>
+          </a:graphicData>
+        </a:graphic>
+      </p:graphicFrame>
+      <p:pic>
+        <p:nvPicPr>
+          <p:cNvPr id="4" name="그림 3"/>
+          <p:cNvPicPr>
+            <a:picLocks noChangeAspect="1"/>
+          </p:cNvPicPr>
+          <p:nvPr/>
+        </p:nvPicPr>
+        <p:blipFill>
+          <a:blip r:embed="rId2">
+            <a:extLst>
+              <a:ext uri="{28A0092B-C50C-407E-A947-70E740481C1C}">
+                <a14:useLocalDpi xmlns:a14="http://schemas.microsoft.com/office/drawing/2010/main" val="0"/>
+              </a:ext>
+            </a:extLst>
+          </a:blip>
+          <a:stretch>
+            <a:fillRect/>
+          </a:stretch>
+        </p:blipFill>
+        <p:spPr>
+          <a:xfrm>
+            <a:off x="1979712" y="3104394"/>
+            <a:ext cx="5544616" cy="859536"/>
+          </a:xfrm>
+          <a:prstGeom prst="rect">
+            <a:avLst/>
+          </a:prstGeom>
+        </p:spPr>
+      </p:pic>
+      <p:pic>
+        <p:nvPicPr>
+          <p:cNvPr id="5" name="그림 4"/>
+          <p:cNvPicPr>
+            <a:picLocks noChangeAspect="1"/>
+          </p:cNvPicPr>
+          <p:nvPr/>
+        </p:nvPicPr>
+        <p:blipFill>
+          <a:blip r:embed="rId3">
+            <a:extLst>
+              <a:ext uri="{28A0092B-C50C-407E-A947-70E740481C1C}">
+                <a14:useLocalDpi xmlns:a14="http://schemas.microsoft.com/office/drawing/2010/main" val="0"/>
+              </a:ext>
+            </a:extLst>
+          </a:blip>
+          <a:stretch>
+            <a:fillRect/>
+          </a:stretch>
+        </p:blipFill>
+        <p:spPr>
+          <a:xfrm>
+            <a:off x="1979712" y="4420357"/>
+            <a:ext cx="5582891" cy="827095"/>
+          </a:xfrm>
+          <a:prstGeom prst="rect">
+            <a:avLst/>
+          </a:prstGeom>
+        </p:spPr>
+      </p:pic>
+      <p:pic>
+        <p:nvPicPr>
+          <p:cNvPr id="6" name="그림 5"/>
+          <p:cNvPicPr>
+            <a:picLocks noChangeAspect="1"/>
+          </p:cNvPicPr>
+          <p:nvPr/>
+        </p:nvPicPr>
+        <p:blipFill>
+          <a:blip r:embed="rId4">
+            <a:extLst>
+              <a:ext uri="{28A0092B-C50C-407E-A947-70E740481C1C}">
+                <a14:useLocalDpi xmlns:a14="http://schemas.microsoft.com/office/drawing/2010/main" val="0"/>
+              </a:ext>
+            </a:extLst>
+          </a:blip>
+          <a:stretch>
+            <a:fillRect/>
+          </a:stretch>
+        </p:blipFill>
+        <p:spPr>
+          <a:xfrm>
+            <a:off x="1835696" y="5654186"/>
+            <a:ext cx="7056784" cy="794320"/>
+          </a:xfrm>
+          <a:prstGeom prst="rect">
+            <a:avLst/>
+          </a:prstGeom>
+        </p:spPr>
+      </p:pic>
+      <p:sp>
+        <p:nvSpPr>
+          <p:cNvPr id="7" name="텍스트 상자 6"/>
+          <p:cNvSpPr txBox="1"/>
+          <p:nvPr/>
+        </p:nvSpPr>
+        <p:spPr>
+          <a:xfrm>
+            <a:off x="1907704" y="6495147"/>
+            <a:ext cx="4995278" cy="261610"/>
+          </a:xfrm>
+          <a:prstGeom prst="rect">
+            <a:avLst/>
+          </a:prstGeom>
+          <a:noFill/>
+        </p:spPr>
+        <p:txBody>
+          <a:bodyPr wrap="none" rtlCol="0">
+            <a:spAutoFit/>
+          </a:bodyPr>
+          <a:lstStyle/>
+          <a:p>
+            <a:r>
+              <a:rPr kumimoji="1" lang="ko-KR" altLang="en-US" sz="1000" dirty="0" smtClean="0"/>
+              <a:t>리다이렉트를 위해 </a:t>
+            </a:r>
+            <a:r>
+              <a:rPr kumimoji="1" lang="en-US" altLang="ko-KR" sz="1100" b="1" dirty="0" smtClean="0">
+                <a:solidFill>
+                  <a:srgbClr val="0070C0"/>
+                </a:solidFill>
+              </a:rPr>
+              <a:t>new</a:t>
+            </a:r>
+            <a:r>
+              <a:rPr kumimoji="1" lang="en-US" altLang="ko-KR" sz="1100" dirty="0" smtClean="0"/>
+              <a:t> </a:t>
+            </a:r>
+            <a:r>
+              <a:rPr kumimoji="1" lang="en-US" altLang="ko-KR" sz="1100" b="1" dirty="0" err="1" smtClean="0"/>
+              <a:t>ModelAndView</a:t>
+            </a:r>
+            <a:r>
+              <a:rPr kumimoji="1" lang="en-US" altLang="ko-KR" sz="1100" b="1" dirty="0" smtClean="0"/>
+              <a:t>(“redirect:/</a:t>
+            </a:r>
+            <a:r>
+              <a:rPr kumimoji="1" lang="en-US" altLang="ko-KR" sz="1100" b="1" dirty="0" err="1" smtClean="0"/>
+              <a:t>emp</a:t>
+            </a:r>
+            <a:r>
+              <a:rPr kumimoji="1" lang="en-US" altLang="ko-KR" sz="1100" b="1" dirty="0" smtClean="0"/>
+              <a:t>/list”);</a:t>
+            </a:r>
+            <a:r>
+              <a:rPr kumimoji="1" lang="en-US" altLang="ko-KR" sz="1000" dirty="0" smtClean="0"/>
+              <a:t> </a:t>
+            </a:r>
+            <a:r>
+              <a:rPr kumimoji="1" lang="ko-KR" altLang="en-US" sz="1000" dirty="0" smtClean="0"/>
+              <a:t>으로 사용 가능</a:t>
+            </a:r>
+            <a:endParaRPr kumimoji="1" lang="ko-KR" altLang="en-US" sz="1000" dirty="0"/>
+          </a:p>
+        </p:txBody>
+      </p:sp>
+    </p:spTree>
+    <p:extLst>
+      <p:ext uri="{BB962C8B-B14F-4D97-AF65-F5344CB8AC3E}">
+        <p14:creationId xmlns:p14="http://schemas.microsoft.com/office/powerpoint/2010/main" val="1079824243"/>
+      </p:ext>
+    </p:extLst>
+  </p:cSld>
+  <p:clrMapOvr>
+    <a:masterClrMapping/>
+  </p:clrMapOvr>
+  <p:transition>
+    <p:fade/>
+  </p:transition>
+  <p:timing>
+    <p:tnLst>
+      <p:par>
+        <p:cTn id="1" dur="indefinite" restart="never" nodeType="tmRoot"/>
+      </p:par>
+    </p:tnLst>
+  </p:timing>
+</p:sld>
+</file>
+
+<file path=ppt/slides/slide18.xml><?xml version="1.0" encoding="utf-8"?>
+<p:sld xmlns:a="http://schemas.openxmlformats.org/drawingml/2006/main" xmlns:r="http://schemas.openxmlformats.org/officeDocument/2006/relationships" xmlns:p="http://schemas.openxmlformats.org/presentationml/2006/main">
+  <p:cSld>
+    <p:spTree>
+      <p:nvGrpSpPr>
+        <p:cNvPr id="1" name=""/>
+        <p:cNvGrpSpPr/>
+        <p:nvPr/>
+      </p:nvGrpSpPr>
+      <p:grpSpPr>
+        <a:xfrm>
+          <a:off x="0" y="0"/>
+          <a:ext cx="0" cy="0"/>
+          <a:chOff x="0" y="0"/>
+          <a:chExt cx="0" cy="0"/>
+        </a:xfrm>
+      </p:grpSpPr>
+      <p:sp>
+        <p:nvSpPr>
+          <p:cNvPr id="14" name="TextBox 9"/>
+          <p:cNvSpPr txBox="1"/>
+          <p:nvPr/>
+        </p:nvSpPr>
+        <p:spPr>
+          <a:xfrm>
+            <a:off x="611560" y="1164759"/>
             <a:ext cx="7610638" cy="415498"/>
           </a:xfrm>
           <a:prstGeom prst="rect">
@@ -8003,7 +8835,7 @@
 </p:sld>
 </file>
 
-<file path=ppt/slides/slide17.xml><?xml version="1.0" encoding="utf-8"?>
+<file path=ppt/slides/slide19.xml><?xml version="1.0" encoding="utf-8"?>
 <p:sld xmlns:a="http://schemas.openxmlformats.org/drawingml/2006/main" xmlns:r="http://schemas.openxmlformats.org/officeDocument/2006/relationships" xmlns:p="http://schemas.openxmlformats.org/presentationml/2006/main">
   <p:cSld>
     <p:spTree>
@@ -8374,7 +9206,316 @@
 </p:sld>
 </file>
 
-<file path=ppt/slides/slide18.xml><?xml version="1.0" encoding="utf-8"?>
+<file path=ppt/slides/slide2.xml><?xml version="1.0" encoding="utf-8"?>
+<p:sld xmlns:a="http://schemas.openxmlformats.org/drawingml/2006/main" xmlns:r="http://schemas.openxmlformats.org/officeDocument/2006/relationships" xmlns:p="http://schemas.openxmlformats.org/presentationml/2006/main">
+  <p:cSld>
+    <p:spTree>
+      <p:nvGrpSpPr>
+        <p:cNvPr id="1" name=""/>
+        <p:cNvGrpSpPr/>
+        <p:nvPr/>
+      </p:nvGrpSpPr>
+      <p:grpSpPr>
+        <a:xfrm>
+          <a:off x="0" y="0"/>
+          <a:ext cx="0" cy="0"/>
+          <a:chOff x="0" y="0"/>
+          <a:chExt cx="0" cy="0"/>
+        </a:xfrm>
+      </p:grpSpPr>
+      <p:pic>
+        <p:nvPicPr>
+          <p:cNvPr id="10" name="그림 5"/>
+          <p:cNvPicPr>
+            <a:picLocks noChangeAspect="1"/>
+          </p:cNvPicPr>
+          <p:nvPr/>
+        </p:nvPicPr>
+        <p:blipFill>
+          <a:blip r:embed="rId2">
+            <a:extLst>
+              <a:ext uri="{28A0092B-C50C-407E-A947-70E740481C1C}">
+                <a14:useLocalDpi xmlns:a14="http://schemas.microsoft.com/office/drawing/2010/main" val="0"/>
+              </a:ext>
+            </a:extLst>
+          </a:blip>
+          <a:srcRect/>
+          <a:stretch>
+            <a:fillRect/>
+          </a:stretch>
+        </p:blipFill>
+        <p:spPr bwMode="auto">
+          <a:xfrm>
+            <a:off x="11425" y="0"/>
+            <a:ext cx="9137650" cy="6858000"/>
+          </a:xfrm>
+          <a:prstGeom prst="rect">
+            <a:avLst/>
+          </a:prstGeom>
+          <a:noFill/>
+          <a:ln>
+            <a:noFill/>
+          </a:ln>
+          <a:extLst>
+            <a:ext uri="{909E8E84-426E-40DD-AFC4-6F175D3DCCD1}">
+              <a14:hiddenFill xmlns:a14="http://schemas.microsoft.com/office/drawing/2010/main">
+                <a:solidFill>
+                  <a:srgbClr val="FFFFFF"/>
+                </a:solidFill>
+              </a14:hiddenFill>
+            </a:ext>
+            <a:ext uri="{91240B29-F687-4F45-9708-019B960494DF}">
+              <a14:hiddenLine xmlns:a14="http://schemas.microsoft.com/office/drawing/2010/main" w="9525">
+                <a:solidFill>
+                  <a:srgbClr val="000000"/>
+                </a:solidFill>
+                <a:miter lim="800000"/>
+                <a:headEnd/>
+                <a:tailEnd/>
+              </a14:hiddenLine>
+            </a:ext>
+          </a:extLst>
+        </p:spPr>
+      </p:pic>
+      <p:sp>
+        <p:nvSpPr>
+          <p:cNvPr id="18" name="TextBox 17"/>
+          <p:cNvSpPr txBox="1"/>
+          <p:nvPr/>
+        </p:nvSpPr>
+        <p:spPr>
+          <a:xfrm>
+            <a:off x="236837" y="287066"/>
+            <a:ext cx="620387" cy="338554"/>
+          </a:xfrm>
+          <a:prstGeom prst="rect">
+            <a:avLst/>
+          </a:prstGeom>
+          <a:noFill/>
+        </p:spPr>
+        <p:txBody>
+          <a:bodyPr wrap="square" rtlCol="0">
+            <a:spAutoFit/>
+          </a:bodyPr>
+          <a:lstStyle/>
+          <a:p>
+            <a:r>
+              <a:rPr lang="ko-KR" altLang="en-US" sz="1600" b="1" spc="-150" dirty="0" smtClean="0">
+                <a:latin typeface="맑은 고딕" pitchFamily="50" charset="-127"/>
+                <a:ea typeface="맑은 고딕" pitchFamily="50" charset="-127"/>
+              </a:rPr>
+              <a:t>목차</a:t>
+            </a:r>
+            <a:endParaRPr lang="ko-KR" altLang="en-US" sz="1600" b="1" spc="-150" dirty="0">
+              <a:latin typeface="맑은 고딕" pitchFamily="50" charset="-127"/>
+              <a:ea typeface="맑은 고딕" pitchFamily="50" charset="-127"/>
+            </a:endParaRPr>
+          </a:p>
+        </p:txBody>
+      </p:sp>
+      <p:cxnSp>
+        <p:nvCxnSpPr>
+          <p:cNvPr id="19" name="직선 연결선 18"/>
+          <p:cNvCxnSpPr/>
+          <p:nvPr/>
+        </p:nvCxnSpPr>
+        <p:spPr>
+          <a:xfrm>
+            <a:off x="334298" y="653396"/>
+            <a:ext cx="342000" cy="1588"/>
+          </a:xfrm>
+          <a:prstGeom prst="line">
+            <a:avLst/>
+          </a:prstGeom>
+          <a:ln w="38100">
+            <a:solidFill>
+              <a:schemeClr val="tx1"/>
+            </a:solidFill>
+          </a:ln>
+        </p:spPr>
+        <p:style>
+          <a:lnRef idx="1">
+            <a:schemeClr val="accent1"/>
+          </a:lnRef>
+          <a:fillRef idx="0">
+            <a:schemeClr val="accent1"/>
+          </a:fillRef>
+          <a:effectRef idx="0">
+            <a:schemeClr val="accent1"/>
+          </a:effectRef>
+          <a:fontRef idx="minor">
+            <a:schemeClr val="tx1"/>
+          </a:fontRef>
+        </p:style>
+      </p:cxnSp>
+      <p:sp>
+        <p:nvSpPr>
+          <p:cNvPr id="20" name="TextBox 19"/>
+          <p:cNvSpPr txBox="1"/>
+          <p:nvPr/>
+        </p:nvSpPr>
+        <p:spPr>
+          <a:xfrm>
+            <a:off x="240954" y="1433150"/>
+            <a:ext cx="5915222" cy="338554"/>
+          </a:xfrm>
+          <a:prstGeom prst="rect">
+            <a:avLst/>
+          </a:prstGeom>
+          <a:noFill/>
+        </p:spPr>
+        <p:txBody>
+          <a:bodyPr wrap="square" rtlCol="0">
+            <a:spAutoFit/>
+          </a:bodyPr>
+          <a:lstStyle/>
+          <a:p>
+            <a:r>
+              <a:rPr lang="en-US" altLang="ko-KR" sz="1600" b="1" spc="-20" dirty="0" smtClean="0">
+                <a:latin typeface="맑은 고딕" pitchFamily="50" charset="-127"/>
+                <a:ea typeface="맑은 고딕" pitchFamily="50" charset="-127"/>
+              </a:rPr>
+              <a:t>1.</a:t>
+            </a:r>
+            <a:r>
+              <a:rPr lang="ko-KR" altLang="en-US" sz="1600" b="1" spc="-20" dirty="0" smtClean="0">
+                <a:latin typeface="맑은 고딕" pitchFamily="50" charset="-127"/>
+                <a:ea typeface="맑은 고딕" pitchFamily="50" charset="-127"/>
+              </a:rPr>
+              <a:t> </a:t>
+            </a:r>
+            <a:r>
+              <a:rPr lang="en-US" altLang="ko-KR" sz="1600" b="1" spc="-20" dirty="0" smtClean="0">
+                <a:latin typeface="맑은 고딕" pitchFamily="50" charset="-127"/>
+                <a:ea typeface="맑은 고딕" pitchFamily="50" charset="-127"/>
+              </a:rPr>
+              <a:t> Aspect Oriented Programming</a:t>
+            </a:r>
+          </a:p>
+        </p:txBody>
+      </p:sp>
+      <p:sp>
+        <p:nvSpPr>
+          <p:cNvPr id="6" name="TextBox 19"/>
+          <p:cNvSpPr txBox="1"/>
+          <p:nvPr/>
+        </p:nvSpPr>
+        <p:spPr>
+          <a:xfrm>
+            <a:off x="240954" y="2146583"/>
+            <a:ext cx="5915222" cy="338554"/>
+          </a:xfrm>
+          <a:prstGeom prst="rect">
+            <a:avLst/>
+          </a:prstGeom>
+          <a:noFill/>
+        </p:spPr>
+        <p:txBody>
+          <a:bodyPr wrap="square" rtlCol="0">
+            <a:spAutoFit/>
+          </a:bodyPr>
+          <a:lstStyle/>
+          <a:p>
+            <a:r>
+              <a:rPr lang="en-US" altLang="ko-KR" sz="1600" b="1" spc="-20" dirty="0" smtClean="0">
+                <a:latin typeface="맑은 고딕" pitchFamily="50" charset="-127"/>
+                <a:ea typeface="맑은 고딕" pitchFamily="50" charset="-127"/>
+              </a:rPr>
+              <a:t>2.</a:t>
+            </a:r>
+            <a:r>
+              <a:rPr lang="ko-KR" altLang="en-US" sz="1600" b="1" spc="-20" dirty="0" smtClean="0">
+                <a:latin typeface="맑은 고딕" pitchFamily="50" charset="-127"/>
+                <a:ea typeface="맑은 고딕" pitchFamily="50" charset="-127"/>
+              </a:rPr>
+              <a:t> </a:t>
+            </a:r>
+            <a:r>
+              <a:rPr lang="en-US" altLang="ko-KR" sz="1600" b="1" spc="-20" dirty="0" smtClean="0">
+                <a:latin typeface="맑은 고딕" pitchFamily="50" charset="-127"/>
+                <a:ea typeface="맑은 고딕" pitchFamily="50" charset="-127"/>
+              </a:rPr>
+              <a:t> Spring AOP</a:t>
+            </a:r>
+          </a:p>
+        </p:txBody>
+      </p:sp>
+      <p:sp>
+        <p:nvSpPr>
+          <p:cNvPr id="7" name="TextBox 19"/>
+          <p:cNvSpPr txBox="1"/>
+          <p:nvPr/>
+        </p:nvSpPr>
+        <p:spPr>
+          <a:xfrm>
+            <a:off x="240954" y="2866300"/>
+            <a:ext cx="5915222" cy="338554"/>
+          </a:xfrm>
+          <a:prstGeom prst="rect">
+            <a:avLst/>
+          </a:prstGeom>
+          <a:noFill/>
+        </p:spPr>
+        <p:txBody>
+          <a:bodyPr wrap="square" rtlCol="0">
+            <a:spAutoFit/>
+          </a:bodyPr>
+          <a:lstStyle/>
+          <a:p>
+            <a:r>
+              <a:rPr lang="en-US" altLang="ko-KR" sz="1600" b="1" spc="-20" dirty="0" smtClean="0">
+                <a:latin typeface="맑은 고딕" pitchFamily="50" charset="-127"/>
+                <a:ea typeface="맑은 고딕" pitchFamily="50" charset="-127"/>
+              </a:rPr>
+              <a:t>3.</a:t>
+            </a:r>
+            <a:r>
+              <a:rPr lang="ko-KR" altLang="en-US" sz="1600" b="1" spc="-20" dirty="0" smtClean="0">
+                <a:latin typeface="맑은 고딕" pitchFamily="50" charset="-127"/>
+                <a:ea typeface="맑은 고딕" pitchFamily="50" charset="-127"/>
+              </a:rPr>
+              <a:t> </a:t>
+            </a:r>
+            <a:r>
+              <a:rPr lang="en-US" altLang="ko-KR" sz="1600" b="1" spc="-20" dirty="0" smtClean="0">
+                <a:latin typeface="맑은 고딕" pitchFamily="50" charset="-127"/>
+                <a:ea typeface="맑은 고딕" pitchFamily="50" charset="-127"/>
+              </a:rPr>
+              <a:t> Spring AOP </a:t>
+            </a:r>
+            <a:r>
+              <a:rPr lang="ko-KR" altLang="en-US" sz="1600" b="1" spc="-20" dirty="0" smtClean="0">
+                <a:latin typeface="맑은 고딕" pitchFamily="50" charset="-127"/>
+                <a:ea typeface="맑은 고딕" pitchFamily="50" charset="-127"/>
+              </a:rPr>
+              <a:t>매커니즘</a:t>
+            </a:r>
+            <a:endParaRPr lang="en-US" altLang="ko-KR" sz="1600" b="1" spc="-20" dirty="0" smtClean="0">
+              <a:latin typeface="맑은 고딕" pitchFamily="50" charset="-127"/>
+              <a:ea typeface="맑은 고딕" pitchFamily="50" charset="-127"/>
+            </a:endParaRPr>
+          </a:p>
+        </p:txBody>
+      </p:sp>
+    </p:spTree>
+  </p:cSld>
+  <p:clrMapOvr>
+    <a:masterClrMapping/>
+  </p:clrMapOvr>
+  <p:transition>
+    <p:fade/>
+  </p:transition>
+  <p:timing>
+    <p:tnLst>
+      <p:par>
+        <p:cTn id="1" dur="indefinite" restart="never" nodeType="tmRoot"/>
+      </p:par>
+    </p:tnLst>
+  </p:timing>
+</p:sld>
+</file>
+
+<file path=ppt/slides/slide20.xml><?xml version="1.0" encoding="utf-8"?>
 <p:sld xmlns:a="http://schemas.openxmlformats.org/drawingml/2006/main" xmlns:r="http://schemas.openxmlformats.org/officeDocument/2006/relationships" xmlns:p="http://schemas.openxmlformats.org/presentationml/2006/main">
   <p:cSld>
     <p:spTree>
@@ -8850,7 +9991,7 @@
 </p:sld>
 </file>
 
-<file path=ppt/slides/slide19.xml><?xml version="1.0" encoding="utf-8"?>
+<file path=ppt/slides/slide21.xml><?xml version="1.0" encoding="utf-8"?>
 <p:sld xmlns:a="http://schemas.openxmlformats.org/drawingml/2006/main" xmlns:r="http://schemas.openxmlformats.org/officeDocument/2006/relationships" xmlns:p="http://schemas.openxmlformats.org/presentationml/2006/main">
   <p:cSld>
     <p:spTree>
@@ -9220,316 +10361,7 @@
 </p:sld>
 </file>
 
-<file path=ppt/slides/slide2.xml><?xml version="1.0" encoding="utf-8"?>
-<p:sld xmlns:a="http://schemas.openxmlformats.org/drawingml/2006/main" xmlns:r="http://schemas.openxmlformats.org/officeDocument/2006/relationships" xmlns:p="http://schemas.openxmlformats.org/presentationml/2006/main">
-  <p:cSld>
-    <p:spTree>
-      <p:nvGrpSpPr>
-        <p:cNvPr id="1" name=""/>
-        <p:cNvGrpSpPr/>
-        <p:nvPr/>
-      </p:nvGrpSpPr>
-      <p:grpSpPr>
-        <a:xfrm>
-          <a:off x="0" y="0"/>
-          <a:ext cx="0" cy="0"/>
-          <a:chOff x="0" y="0"/>
-          <a:chExt cx="0" cy="0"/>
-        </a:xfrm>
-      </p:grpSpPr>
-      <p:pic>
-        <p:nvPicPr>
-          <p:cNvPr id="10" name="그림 5"/>
-          <p:cNvPicPr>
-            <a:picLocks noChangeAspect="1"/>
-          </p:cNvPicPr>
-          <p:nvPr/>
-        </p:nvPicPr>
-        <p:blipFill>
-          <a:blip r:embed="rId2">
-            <a:extLst>
-              <a:ext uri="{28A0092B-C50C-407E-A947-70E740481C1C}">
-                <a14:useLocalDpi xmlns:a14="http://schemas.microsoft.com/office/drawing/2010/main" val="0"/>
-              </a:ext>
-            </a:extLst>
-          </a:blip>
-          <a:srcRect/>
-          <a:stretch>
-            <a:fillRect/>
-          </a:stretch>
-        </p:blipFill>
-        <p:spPr bwMode="auto">
-          <a:xfrm>
-            <a:off x="11425" y="0"/>
-            <a:ext cx="9137650" cy="6858000"/>
-          </a:xfrm>
-          <a:prstGeom prst="rect">
-            <a:avLst/>
-          </a:prstGeom>
-          <a:noFill/>
-          <a:ln>
-            <a:noFill/>
-          </a:ln>
-          <a:extLst>
-            <a:ext uri="{909E8E84-426E-40DD-AFC4-6F175D3DCCD1}">
-              <a14:hiddenFill xmlns:a14="http://schemas.microsoft.com/office/drawing/2010/main">
-                <a:solidFill>
-                  <a:srgbClr val="FFFFFF"/>
-                </a:solidFill>
-              </a14:hiddenFill>
-            </a:ext>
-            <a:ext uri="{91240B29-F687-4F45-9708-019B960494DF}">
-              <a14:hiddenLine xmlns:a14="http://schemas.microsoft.com/office/drawing/2010/main" w="9525">
-                <a:solidFill>
-                  <a:srgbClr val="000000"/>
-                </a:solidFill>
-                <a:miter lim="800000"/>
-                <a:headEnd/>
-                <a:tailEnd/>
-              </a14:hiddenLine>
-            </a:ext>
-          </a:extLst>
-        </p:spPr>
-      </p:pic>
-      <p:sp>
-        <p:nvSpPr>
-          <p:cNvPr id="18" name="TextBox 17"/>
-          <p:cNvSpPr txBox="1"/>
-          <p:nvPr/>
-        </p:nvSpPr>
-        <p:spPr>
-          <a:xfrm>
-            <a:off x="236837" y="287066"/>
-            <a:ext cx="620387" cy="338554"/>
-          </a:xfrm>
-          <a:prstGeom prst="rect">
-            <a:avLst/>
-          </a:prstGeom>
-          <a:noFill/>
-        </p:spPr>
-        <p:txBody>
-          <a:bodyPr wrap="square" rtlCol="0">
-            <a:spAutoFit/>
-          </a:bodyPr>
-          <a:lstStyle/>
-          <a:p>
-            <a:r>
-              <a:rPr lang="ko-KR" altLang="en-US" sz="1600" b="1" spc="-150" dirty="0" smtClean="0">
-                <a:latin typeface="맑은 고딕" pitchFamily="50" charset="-127"/>
-                <a:ea typeface="맑은 고딕" pitchFamily="50" charset="-127"/>
-              </a:rPr>
-              <a:t>목차</a:t>
-            </a:r>
-            <a:endParaRPr lang="ko-KR" altLang="en-US" sz="1600" b="1" spc="-150" dirty="0">
-              <a:latin typeface="맑은 고딕" pitchFamily="50" charset="-127"/>
-              <a:ea typeface="맑은 고딕" pitchFamily="50" charset="-127"/>
-            </a:endParaRPr>
-          </a:p>
-        </p:txBody>
-      </p:sp>
-      <p:cxnSp>
-        <p:nvCxnSpPr>
-          <p:cNvPr id="19" name="직선 연결선 18"/>
-          <p:cNvCxnSpPr/>
-          <p:nvPr/>
-        </p:nvCxnSpPr>
-        <p:spPr>
-          <a:xfrm>
-            <a:off x="334298" y="653396"/>
-            <a:ext cx="342000" cy="1588"/>
-          </a:xfrm>
-          <a:prstGeom prst="line">
-            <a:avLst/>
-          </a:prstGeom>
-          <a:ln w="38100">
-            <a:solidFill>
-              <a:schemeClr val="tx1"/>
-            </a:solidFill>
-          </a:ln>
-        </p:spPr>
-        <p:style>
-          <a:lnRef idx="1">
-            <a:schemeClr val="accent1"/>
-          </a:lnRef>
-          <a:fillRef idx="0">
-            <a:schemeClr val="accent1"/>
-          </a:fillRef>
-          <a:effectRef idx="0">
-            <a:schemeClr val="accent1"/>
-          </a:effectRef>
-          <a:fontRef idx="minor">
-            <a:schemeClr val="tx1"/>
-          </a:fontRef>
-        </p:style>
-      </p:cxnSp>
-      <p:sp>
-        <p:nvSpPr>
-          <p:cNvPr id="20" name="TextBox 19"/>
-          <p:cNvSpPr txBox="1"/>
-          <p:nvPr/>
-        </p:nvSpPr>
-        <p:spPr>
-          <a:xfrm>
-            <a:off x="240954" y="1433150"/>
-            <a:ext cx="5915222" cy="338554"/>
-          </a:xfrm>
-          <a:prstGeom prst="rect">
-            <a:avLst/>
-          </a:prstGeom>
-          <a:noFill/>
-        </p:spPr>
-        <p:txBody>
-          <a:bodyPr wrap="square" rtlCol="0">
-            <a:spAutoFit/>
-          </a:bodyPr>
-          <a:lstStyle/>
-          <a:p>
-            <a:r>
-              <a:rPr lang="en-US" altLang="ko-KR" sz="1600" b="1" spc="-20" dirty="0" smtClean="0">
-                <a:latin typeface="맑은 고딕" pitchFamily="50" charset="-127"/>
-                <a:ea typeface="맑은 고딕" pitchFamily="50" charset="-127"/>
-              </a:rPr>
-              <a:t>1.</a:t>
-            </a:r>
-            <a:r>
-              <a:rPr lang="ko-KR" altLang="en-US" sz="1600" b="1" spc="-20" dirty="0" smtClean="0">
-                <a:latin typeface="맑은 고딕" pitchFamily="50" charset="-127"/>
-                <a:ea typeface="맑은 고딕" pitchFamily="50" charset="-127"/>
-              </a:rPr>
-              <a:t> </a:t>
-            </a:r>
-            <a:r>
-              <a:rPr lang="en-US" altLang="ko-KR" sz="1600" b="1" spc="-20" dirty="0" smtClean="0">
-                <a:latin typeface="맑은 고딕" pitchFamily="50" charset="-127"/>
-                <a:ea typeface="맑은 고딕" pitchFamily="50" charset="-127"/>
-              </a:rPr>
-              <a:t> Aspect Oriented Programming</a:t>
-            </a:r>
-          </a:p>
-        </p:txBody>
-      </p:sp>
-      <p:sp>
-        <p:nvSpPr>
-          <p:cNvPr id="6" name="TextBox 19"/>
-          <p:cNvSpPr txBox="1"/>
-          <p:nvPr/>
-        </p:nvSpPr>
-        <p:spPr>
-          <a:xfrm>
-            <a:off x="240954" y="2146583"/>
-            <a:ext cx="5915222" cy="338554"/>
-          </a:xfrm>
-          <a:prstGeom prst="rect">
-            <a:avLst/>
-          </a:prstGeom>
-          <a:noFill/>
-        </p:spPr>
-        <p:txBody>
-          <a:bodyPr wrap="square" rtlCol="0">
-            <a:spAutoFit/>
-          </a:bodyPr>
-          <a:lstStyle/>
-          <a:p>
-            <a:r>
-              <a:rPr lang="en-US" altLang="ko-KR" sz="1600" b="1" spc="-20" dirty="0" smtClean="0">
-                <a:latin typeface="맑은 고딕" pitchFamily="50" charset="-127"/>
-                <a:ea typeface="맑은 고딕" pitchFamily="50" charset="-127"/>
-              </a:rPr>
-              <a:t>2.</a:t>
-            </a:r>
-            <a:r>
-              <a:rPr lang="ko-KR" altLang="en-US" sz="1600" b="1" spc="-20" dirty="0" smtClean="0">
-                <a:latin typeface="맑은 고딕" pitchFamily="50" charset="-127"/>
-                <a:ea typeface="맑은 고딕" pitchFamily="50" charset="-127"/>
-              </a:rPr>
-              <a:t> </a:t>
-            </a:r>
-            <a:r>
-              <a:rPr lang="en-US" altLang="ko-KR" sz="1600" b="1" spc="-20" dirty="0" smtClean="0">
-                <a:latin typeface="맑은 고딕" pitchFamily="50" charset="-127"/>
-                <a:ea typeface="맑은 고딕" pitchFamily="50" charset="-127"/>
-              </a:rPr>
-              <a:t> Spring AOP</a:t>
-            </a:r>
-          </a:p>
-        </p:txBody>
-      </p:sp>
-      <p:sp>
-        <p:nvSpPr>
-          <p:cNvPr id="7" name="TextBox 19"/>
-          <p:cNvSpPr txBox="1"/>
-          <p:nvPr/>
-        </p:nvSpPr>
-        <p:spPr>
-          <a:xfrm>
-            <a:off x="240954" y="2866300"/>
-            <a:ext cx="5915222" cy="338554"/>
-          </a:xfrm>
-          <a:prstGeom prst="rect">
-            <a:avLst/>
-          </a:prstGeom>
-          <a:noFill/>
-        </p:spPr>
-        <p:txBody>
-          <a:bodyPr wrap="square" rtlCol="0">
-            <a:spAutoFit/>
-          </a:bodyPr>
-          <a:lstStyle/>
-          <a:p>
-            <a:r>
-              <a:rPr lang="en-US" altLang="ko-KR" sz="1600" b="1" spc="-20" dirty="0" smtClean="0">
-                <a:latin typeface="맑은 고딕" pitchFamily="50" charset="-127"/>
-                <a:ea typeface="맑은 고딕" pitchFamily="50" charset="-127"/>
-              </a:rPr>
-              <a:t>3.</a:t>
-            </a:r>
-            <a:r>
-              <a:rPr lang="ko-KR" altLang="en-US" sz="1600" b="1" spc="-20" dirty="0" smtClean="0">
-                <a:latin typeface="맑은 고딕" pitchFamily="50" charset="-127"/>
-                <a:ea typeface="맑은 고딕" pitchFamily="50" charset="-127"/>
-              </a:rPr>
-              <a:t> </a:t>
-            </a:r>
-            <a:r>
-              <a:rPr lang="en-US" altLang="ko-KR" sz="1600" b="1" spc="-20" dirty="0" smtClean="0">
-                <a:latin typeface="맑은 고딕" pitchFamily="50" charset="-127"/>
-                <a:ea typeface="맑은 고딕" pitchFamily="50" charset="-127"/>
-              </a:rPr>
-              <a:t> Spring AOP </a:t>
-            </a:r>
-            <a:r>
-              <a:rPr lang="ko-KR" altLang="en-US" sz="1600" b="1" spc="-20" dirty="0" smtClean="0">
-                <a:latin typeface="맑은 고딕" pitchFamily="50" charset="-127"/>
-                <a:ea typeface="맑은 고딕" pitchFamily="50" charset="-127"/>
-              </a:rPr>
-              <a:t>매커니즘</a:t>
-            </a:r>
-            <a:endParaRPr lang="en-US" altLang="ko-KR" sz="1600" b="1" spc="-20" dirty="0" smtClean="0">
-              <a:latin typeface="맑은 고딕" pitchFamily="50" charset="-127"/>
-              <a:ea typeface="맑은 고딕" pitchFamily="50" charset="-127"/>
-            </a:endParaRPr>
-          </a:p>
-        </p:txBody>
-      </p:sp>
-    </p:spTree>
-  </p:cSld>
-  <p:clrMapOvr>
-    <a:masterClrMapping/>
-  </p:clrMapOvr>
-  <p:transition>
-    <p:fade/>
-  </p:transition>
-  <p:timing>
-    <p:tnLst>
-      <p:par>
-        <p:cTn id="1" dur="indefinite" restart="never" nodeType="tmRoot"/>
-      </p:par>
-    </p:tnLst>
-  </p:timing>
-</p:sld>
-</file>
-
-<file path=ppt/slides/slide20.xml><?xml version="1.0" encoding="utf-8"?>
+<file path=ppt/slides/slide22.xml><?xml version="1.0" encoding="utf-8"?>
 <p:sld xmlns:a="http://schemas.openxmlformats.org/drawingml/2006/main" xmlns:r="http://schemas.openxmlformats.org/officeDocument/2006/relationships" xmlns:p="http://schemas.openxmlformats.org/presentationml/2006/main">
   <p:cSld>
     <p:spTree>
@@ -10018,7 +10850,7 @@
 </p:sld>
 </file>
 
-<file path=ppt/slides/slide21.xml><?xml version="1.0" encoding="utf-8"?>
+<file path=ppt/slides/slide23.xml><?xml version="1.0" encoding="utf-8"?>
 <p:sld xmlns:a="http://schemas.openxmlformats.org/drawingml/2006/main" xmlns:r="http://schemas.openxmlformats.org/officeDocument/2006/relationships" xmlns:p="http://schemas.openxmlformats.org/presentationml/2006/main">
   <p:cSld>
     <p:spTree>
@@ -10517,7 +11349,7 @@
 </p:sld>
 </file>
 
-<file path=ppt/slides/slide22.xml><?xml version="1.0" encoding="utf-8"?>
+<file path=ppt/slides/slide24.xml><?xml version="1.0" encoding="utf-8"?>
 <p:sld xmlns:a="http://schemas.openxmlformats.org/drawingml/2006/main" xmlns:r="http://schemas.openxmlformats.org/officeDocument/2006/relationships" xmlns:p="http://schemas.openxmlformats.org/presentationml/2006/main">
   <p:cSld>
     <p:spTree>
@@ -10643,10 +11475,6 @@
               </a:rPr>
               <a:t>Annotation</a:t>
             </a:r>
-            <a:endParaRPr lang="en-US" altLang="ko-KR" sz="3600" b="1" spc="-100" dirty="0" smtClean="0">
-              <a:latin typeface="맑은 고딕" pitchFamily="50" charset="-127"/>
-              <a:ea typeface="맑은 고딕" pitchFamily="50" charset="-127"/>
-            </a:endParaRPr>
           </a:p>
         </p:txBody>
       </p:sp>
@@ -10708,7 +11536,7 @@
 </p:sld>
 </file>
 
-<file path=ppt/slides/slide23.xml><?xml version="1.0" encoding="utf-8"?>
+<file path=ppt/slides/slide25.xml><?xml version="1.0" encoding="utf-8"?>
 <p:sld xmlns:a="http://schemas.openxmlformats.org/drawingml/2006/main" xmlns:r="http://schemas.openxmlformats.org/officeDocument/2006/relationships" xmlns:p="http://schemas.openxmlformats.org/presentationml/2006/main">
   <p:cSld>
     <p:spTree>
@@ -10853,7 +11681,7 @@
         </p:nvGraphicFramePr>
         <p:xfrm>
           <a:off x="1403648" y="2085452"/>
-          <a:ext cx="7200800" cy="2304719"/>
+          <a:ext cx="7200800" cy="2340088"/>
         </p:xfrm>
         <a:graphic>
           <a:graphicData uri="http://schemas.openxmlformats.org/drawingml/2006/table">
@@ -11170,1023 +11998,6 @@
     <p:extLst>
       <p:ext uri="{BB962C8B-B14F-4D97-AF65-F5344CB8AC3E}">
         <p14:creationId xmlns:p14="http://schemas.microsoft.com/office/powerpoint/2010/main" val="162515764"/>
-      </p:ext>
-    </p:extLst>
-  </p:cSld>
-  <p:clrMapOvr>
-    <a:masterClrMapping/>
-  </p:clrMapOvr>
-  <p:transition>
-    <p:fade/>
-  </p:transition>
-  <p:timing>
-    <p:tnLst>
-      <p:par>
-        <p:cTn id="1" dur="indefinite" restart="never" nodeType="tmRoot"/>
-      </p:par>
-    </p:tnLst>
-  </p:timing>
-</p:sld>
-</file>
-
-<file path=ppt/slides/slide24.xml><?xml version="1.0" encoding="utf-8"?>
-<p:sld xmlns:a="http://schemas.openxmlformats.org/drawingml/2006/main" xmlns:r="http://schemas.openxmlformats.org/officeDocument/2006/relationships" xmlns:p="http://schemas.openxmlformats.org/presentationml/2006/main">
-  <p:cSld>
-    <p:spTree>
-      <p:nvGrpSpPr>
-        <p:cNvPr id="1" name=""/>
-        <p:cNvGrpSpPr/>
-        <p:nvPr/>
-      </p:nvGrpSpPr>
-      <p:grpSpPr>
-        <a:xfrm>
-          <a:off x="0" y="0"/>
-          <a:ext cx="0" cy="0"/>
-          <a:chOff x="0" y="0"/>
-          <a:chExt cx="0" cy="0"/>
-        </a:xfrm>
-      </p:grpSpPr>
-      <p:sp>
-        <p:nvSpPr>
-          <p:cNvPr id="14" name="TextBox 9"/>
-          <p:cNvSpPr txBox="1"/>
-          <p:nvPr/>
-        </p:nvSpPr>
-        <p:spPr>
-          <a:xfrm>
-            <a:off x="611560" y="1164759"/>
-            <a:ext cx="7610638" cy="415498"/>
-          </a:xfrm>
-          <a:prstGeom prst="rect">
-            <a:avLst/>
-          </a:prstGeom>
-          <a:noFill/>
-        </p:spPr>
-        <p:txBody>
-          <a:bodyPr wrap="square" rtlCol="0">
-            <a:spAutoFit/>
-          </a:bodyPr>
-          <a:lstStyle/>
-          <a:p>
-            <a:pPr>
-              <a:lnSpc>
-                <a:spcPct val="150000"/>
-              </a:lnSpc>
-            </a:pPr>
-            <a:r>
-              <a:rPr lang="en-US" altLang="ko-KR" sz="1400" b="1" spc="-20" dirty="0" smtClean="0">
-                <a:latin typeface="맑은 고딕" pitchFamily="50" charset="-127"/>
-                <a:ea typeface="맑은 고딕" pitchFamily="50" charset="-127"/>
-              </a:rPr>
-              <a:t>Spring @MVC ; Annotation</a:t>
-            </a:r>
-            <a:r>
-              <a:rPr lang="ko-KR" altLang="en-US" sz="1400" b="1" spc="-20" dirty="0" smtClean="0">
-                <a:latin typeface="맑은 고딕" pitchFamily="50" charset="-127"/>
-                <a:ea typeface="맑은 고딕" pitchFamily="50" charset="-127"/>
-              </a:rPr>
-              <a:t>  중심으로 </a:t>
-            </a:r>
-            <a:r>
-              <a:rPr lang="en-US" altLang="ko-KR" sz="1400" b="1" spc="-20" dirty="0" smtClean="0">
-                <a:latin typeface="맑은 고딕" pitchFamily="50" charset="-127"/>
-                <a:ea typeface="맑은 고딕" pitchFamily="50" charset="-127"/>
-              </a:rPr>
-              <a:t>MVC </a:t>
-            </a:r>
-            <a:r>
-              <a:rPr lang="ko-KR" altLang="en-US" sz="1400" b="1" spc="-20" dirty="0" smtClean="0">
-                <a:latin typeface="맑은 고딕" pitchFamily="50" charset="-127"/>
-                <a:ea typeface="맑은 고딕" pitchFamily="50" charset="-127"/>
-              </a:rPr>
-              <a:t>기능을 구현</a:t>
-            </a:r>
-            <a:endParaRPr lang="en-US" altLang="ko-KR" sz="1400" spc="-20" dirty="0">
-              <a:solidFill>
-                <a:schemeClr val="tx2"/>
-              </a:solidFill>
-              <a:latin typeface="맑은 고딕" pitchFamily="50" charset="-127"/>
-              <a:ea typeface="맑은 고딕" pitchFamily="50" charset="-127"/>
-            </a:endParaRPr>
-          </a:p>
-        </p:txBody>
-      </p:sp>
-      <p:sp>
-        <p:nvSpPr>
-          <p:cNvPr id="11" name="TextBox 8"/>
-          <p:cNvSpPr txBox="1"/>
-          <p:nvPr/>
-        </p:nvSpPr>
-        <p:spPr>
-          <a:xfrm>
-            <a:off x="311501" y="188640"/>
-            <a:ext cx="4223412" cy="682238"/>
-          </a:xfrm>
-          <a:prstGeom prst="rect">
-            <a:avLst/>
-          </a:prstGeom>
-          <a:noFill/>
-        </p:spPr>
-        <p:txBody>
-          <a:bodyPr wrap="square" rtlCol="0">
-            <a:spAutoFit/>
-          </a:bodyPr>
-          <a:lstStyle/>
-          <a:p>
-            <a:pPr>
-              <a:lnSpc>
-                <a:spcPts val="2300"/>
-              </a:lnSpc>
-            </a:pPr>
-            <a:r>
-              <a:rPr lang="en-US" altLang="ko-KR" sz="1600" b="1" spc="-20" dirty="0" smtClean="0">
-                <a:latin typeface="맑은 고딕" pitchFamily="50" charset="-127"/>
-                <a:ea typeface="맑은 고딕" pitchFamily="50" charset="-127"/>
-              </a:rPr>
-              <a:t>3.  Spring MVC Annotation</a:t>
-            </a:r>
-            <a:br>
-              <a:rPr lang="en-US" altLang="ko-KR" sz="1600" b="1" spc="-20" dirty="0" smtClean="0">
-                <a:latin typeface="맑은 고딕" pitchFamily="50" charset="-127"/>
-                <a:ea typeface="맑은 고딕" pitchFamily="50" charset="-127"/>
-              </a:rPr>
-            </a:br>
-            <a:endParaRPr lang="en-US" altLang="ko-KR" sz="1600" b="1" spc="-20" dirty="0" smtClean="0">
-              <a:latin typeface="맑은 고딕" pitchFamily="50" charset="-127"/>
-              <a:ea typeface="맑은 고딕" pitchFamily="50" charset="-127"/>
-            </a:endParaRPr>
-          </a:p>
-        </p:txBody>
-      </p:sp>
-      <p:graphicFrame>
-        <p:nvGraphicFramePr>
-          <p:cNvPr id="13" name="표 12"/>
-          <p:cNvGraphicFramePr>
-            <a:graphicFrameLocks noGrp="1"/>
-          </p:cNvGraphicFramePr>
-          <p:nvPr>
-            <p:extLst>
-              <p:ext uri="{D42A27DB-BD31-4B8C-83A1-F6EECF244321}">
-                <p14:modId xmlns:p14="http://schemas.microsoft.com/office/powerpoint/2010/main" val="1224999108"/>
-              </p:ext>
-            </p:extLst>
-          </p:nvPr>
-        </p:nvGraphicFramePr>
-        <p:xfrm>
-          <a:off x="1403648" y="2085452"/>
-          <a:ext cx="7488832" cy="3422318"/>
-        </p:xfrm>
-        <a:graphic>
-          <a:graphicData uri="http://schemas.openxmlformats.org/drawingml/2006/table">
-            <a:tbl>
-              <a:tblPr firstRow="1" bandRow="1">
-                <a:tableStyleId>{5C22544A-7EE6-4342-B048-85BDC9FD1C3A}</a:tableStyleId>
-              </a:tblPr>
-              <a:tblGrid>
-                <a:gridCol w="1584176"/>
-                <a:gridCol w="5904656"/>
-              </a:tblGrid>
-              <a:tr h="283258">
-                <a:tc>
-                  <a:txBody>
-                    <a:bodyPr/>
-                    <a:lstStyle/>
-                    <a:p>
-                      <a:pPr algn="ctr" latinLnBrk="1"/>
-                      <a:r>
-                        <a:rPr lang="ko-KR" altLang="en-US" sz="1200" dirty="0" smtClean="0"/>
-                        <a:t>구분</a:t>
-                      </a:r>
-                      <a:endParaRPr lang="ko-KR" altLang="en-US" sz="1200" dirty="0"/>
-                    </a:p>
-                  </a:txBody>
-                  <a:tcPr anchor="ctr"/>
-                </a:tc>
-                <a:tc>
-                  <a:txBody>
-                    <a:bodyPr/>
-                    <a:lstStyle/>
-                    <a:p>
-                      <a:pPr algn="ctr" latinLnBrk="1"/>
-                      <a:r>
-                        <a:rPr lang="ko-KR" altLang="en-US" sz="1200" dirty="0" smtClean="0"/>
-                        <a:t>설명</a:t>
-                      </a:r>
-                      <a:endParaRPr lang="ko-KR" altLang="en-US" sz="1200" dirty="0"/>
-                    </a:p>
-                  </a:txBody>
-                  <a:tcPr anchor="ctr"/>
-                </a:tc>
-              </a:tr>
-              <a:tr h="472250">
-                <a:tc>
-                  <a:txBody>
-                    <a:bodyPr/>
-                    <a:lstStyle/>
-                    <a:p>
-                      <a:pPr algn="ctr" latinLnBrk="1"/>
-                      <a:r>
-                        <a:rPr lang="en-US" altLang="ko-KR" sz="1200" dirty="0" smtClean="0"/>
-                        <a:t>@Scope</a:t>
-                      </a:r>
-                    </a:p>
-                  </a:txBody>
-                  <a:tcPr anchor="ctr"/>
-                </a:tc>
-                <a:tc>
-                  <a:txBody>
-                    <a:bodyPr/>
-                    <a:lstStyle/>
-                    <a:p>
-                      <a:pPr marL="171450" indent="-171450" algn="l" latinLnBrk="1">
-                        <a:lnSpc>
-                          <a:spcPct val="150000"/>
-                        </a:lnSpc>
-                        <a:buFont typeface="Wingdings" charset="2"/>
-                        <a:buChar char="§"/>
-                      </a:pPr>
-                      <a:r>
-                        <a:rPr lang="en-US" altLang="ko-KR" sz="1200" baseline="0" dirty="0" smtClean="0"/>
-                        <a:t>Bean </a:t>
-                      </a:r>
-                      <a:r>
-                        <a:rPr lang="ko-KR" altLang="en-US" sz="1200" baseline="0" dirty="0" smtClean="0"/>
-                        <a:t>의 </a:t>
-                      </a:r>
-                      <a:r>
-                        <a:rPr lang="en-US" altLang="ko-KR" sz="1200" baseline="0" dirty="0" smtClean="0"/>
-                        <a:t>Scope </a:t>
-                      </a:r>
-                      <a:r>
-                        <a:rPr lang="ko-KR" altLang="en-US" sz="1200" baseline="0" dirty="0" smtClean="0"/>
-                        <a:t>를 설정</a:t>
-                      </a:r>
-                      <a:r>
-                        <a:rPr lang="en-US" altLang="ko-KR" sz="1200" baseline="0" dirty="0" smtClean="0"/>
-                        <a:t>,</a:t>
-                      </a:r>
-                      <a:r>
-                        <a:rPr lang="ko-KR" altLang="en-US" sz="1200" baseline="0" dirty="0" smtClean="0"/>
-                        <a:t> 기본값은 </a:t>
-                      </a:r>
-                      <a:r>
-                        <a:rPr lang="en-US" altLang="ko-KR" sz="1200" baseline="0" dirty="0" smtClean="0"/>
-                        <a:t>singleton</a:t>
-                      </a:r>
-                    </a:p>
-                    <a:p>
-                      <a:pPr marL="171450" indent="-171450" algn="l" latinLnBrk="1">
-                        <a:lnSpc>
-                          <a:spcPct val="150000"/>
-                        </a:lnSpc>
-                        <a:buFont typeface="Wingdings" charset="2"/>
-                        <a:buChar char="§"/>
-                      </a:pPr>
-                      <a:r>
-                        <a:rPr lang="ko-KR" altLang="en-US" sz="1200" baseline="0" dirty="0" smtClean="0"/>
-                        <a:t>사용자별로 별개의 처리가 필요한 경우 </a:t>
-                      </a:r>
-                      <a:r>
-                        <a:rPr lang="en-US" altLang="ko-KR" sz="1200" baseline="0" dirty="0" smtClean="0"/>
-                        <a:t>prototype</a:t>
-                      </a:r>
-                    </a:p>
-                  </a:txBody>
-                  <a:tcPr anchor="ctr"/>
-                </a:tc>
-              </a:tr>
-              <a:tr h="472250">
-                <a:tc>
-                  <a:txBody>
-                    <a:bodyPr/>
-                    <a:lstStyle/>
-                    <a:p>
-                      <a:pPr algn="ctr" latinLnBrk="1"/>
-                      <a:r>
-                        <a:rPr lang="en-US" altLang="ko-KR" sz="1200" dirty="0" smtClean="0"/>
-                        <a:t>@</a:t>
-                      </a:r>
-                      <a:r>
-                        <a:rPr lang="en-US" altLang="ko-KR" sz="1200" dirty="0" err="1" smtClean="0"/>
-                        <a:t>RequestMapping</a:t>
-                      </a:r>
-                      <a:endParaRPr lang="en-US" altLang="ko-KR" sz="1200" dirty="0" smtClean="0"/>
-                    </a:p>
-                  </a:txBody>
-                  <a:tcPr anchor="ctr"/>
-                </a:tc>
-                <a:tc>
-                  <a:txBody>
-                    <a:bodyPr/>
-                    <a:lstStyle/>
-                    <a:p>
-                      <a:pPr marL="171450" indent="-171450" algn="l" latinLnBrk="1">
-                        <a:lnSpc>
-                          <a:spcPct val="150000"/>
-                        </a:lnSpc>
-                        <a:buFont typeface="Wingdings" charset="2"/>
-                        <a:buChar char="§"/>
-                      </a:pPr>
-                      <a:r>
-                        <a:rPr lang="ko-KR" altLang="en-US" sz="1200" baseline="0" dirty="0" smtClean="0"/>
-                        <a:t>처리할 요청</a:t>
-                      </a:r>
-                      <a:r>
-                        <a:rPr lang="en-US" altLang="ko-KR" sz="1200" baseline="0" dirty="0" smtClean="0"/>
-                        <a:t>URL </a:t>
-                      </a:r>
-                      <a:r>
-                        <a:rPr lang="ko-KR" altLang="en-US" sz="1200" baseline="0" dirty="0" smtClean="0"/>
-                        <a:t>을 지정함</a:t>
-                      </a:r>
-                      <a:r>
-                        <a:rPr lang="en-US" altLang="ko-KR" sz="1200" baseline="0" dirty="0" smtClean="0"/>
-                        <a:t/>
-                      </a:r>
-                      <a:br>
-                        <a:rPr lang="en-US" altLang="ko-KR" sz="1200" baseline="0" dirty="0" smtClean="0"/>
-                      </a:br>
-                      <a:r>
-                        <a:rPr lang="en-US" altLang="ko-KR" sz="1200" b="1" dirty="0" smtClean="0"/>
-                        <a:t>@</a:t>
-                      </a:r>
-                      <a:r>
-                        <a:rPr lang="en-US" altLang="ko-KR" sz="1200" b="1" dirty="0" err="1" smtClean="0"/>
-                        <a:t>RequestMapping</a:t>
-                      </a:r>
-                      <a:r>
-                        <a:rPr lang="en-US" altLang="ko-KR" sz="1200" dirty="0" smtClean="0"/>
-                        <a:t>(value="/article/</a:t>
-                      </a:r>
-                      <a:r>
-                        <a:rPr lang="en-US" altLang="ko-KR" sz="1200" dirty="0" err="1" smtClean="0"/>
-                        <a:t>form",method</a:t>
-                      </a:r>
-                      <a:r>
-                        <a:rPr lang="en-US" altLang="ko-KR" sz="1200" dirty="0" smtClean="0"/>
-                        <a:t>="</a:t>
-                      </a:r>
-                      <a:r>
-                        <a:rPr lang="en-US" altLang="ko-KR" sz="1200" dirty="0" err="1" smtClean="0"/>
-                        <a:t>RequestMethod.GET</a:t>
-                      </a:r>
-                      <a:r>
-                        <a:rPr lang="en-US" altLang="ko-KR" sz="1200" dirty="0" smtClean="0"/>
-                        <a:t>")</a:t>
-                      </a:r>
-                      <a:endParaRPr lang="en-US" altLang="ko-KR" sz="1200" baseline="0" dirty="0" smtClean="0"/>
-                    </a:p>
-                  </a:txBody>
-                  <a:tcPr anchor="ctr"/>
-                </a:tc>
-              </a:tr>
-              <a:tr h="472250">
-                <a:tc>
-                  <a:txBody>
-                    <a:bodyPr/>
-                    <a:lstStyle/>
-                    <a:p>
-                      <a:pPr algn="ctr" latinLnBrk="1"/>
-                      <a:r>
-                        <a:rPr lang="en-US" altLang="ko-KR" sz="1200" dirty="0" smtClean="0"/>
-                        <a:t>@</a:t>
-                      </a:r>
-                      <a:r>
-                        <a:rPr lang="en-US" altLang="ko-KR" sz="1200" dirty="0" err="1" smtClean="0"/>
-                        <a:t>RequestParam</a:t>
-                      </a:r>
-                      <a:endParaRPr lang="ko-KR" altLang="en-US" sz="1200" dirty="0"/>
-                    </a:p>
-                  </a:txBody>
-                  <a:tcPr anchor="ctr"/>
-                </a:tc>
-                <a:tc>
-                  <a:txBody>
-                    <a:bodyPr/>
-                    <a:lstStyle/>
-                    <a:p>
-                      <a:pPr marL="171450" marR="0" indent="-171450" algn="l" defTabSz="914400" rtl="0" eaLnBrk="1" fontAlgn="auto" latinLnBrk="1" hangingPunct="1">
-                        <a:lnSpc>
-                          <a:spcPct val="150000"/>
-                        </a:lnSpc>
-                        <a:spcBef>
-                          <a:spcPts val="0"/>
-                        </a:spcBef>
-                        <a:spcAft>
-                          <a:spcPts val="0"/>
-                        </a:spcAft>
-                        <a:buClrTx/>
-                        <a:buSzTx/>
-                        <a:buFont typeface="Wingdings" charset="2"/>
-                        <a:buChar char="§"/>
-                        <a:tabLst/>
-                        <a:defRPr/>
-                      </a:pPr>
-                      <a:r>
-                        <a:rPr lang="ko-KR" altLang="en-US" sz="1200" baseline="0" dirty="0" smtClean="0"/>
-                        <a:t>단일 </a:t>
-                      </a:r>
-                      <a:r>
-                        <a:rPr lang="en-US" altLang="ko-KR" sz="1200" baseline="0" dirty="0" smtClean="0"/>
-                        <a:t>HTTP </a:t>
-                      </a:r>
-                      <a:r>
-                        <a:rPr lang="ko-KR" altLang="en-US" sz="1200" baseline="0" dirty="0" smtClean="0"/>
-                        <a:t>요청 인자값을 메소드 파라미터에 넣어줌</a:t>
-                      </a:r>
-                      <a:endParaRPr lang="en-US" altLang="ko-KR" sz="1200" baseline="0" dirty="0" smtClean="0"/>
-                    </a:p>
-                    <a:p>
-                      <a:pPr marL="171450" marR="0" indent="-171450" algn="l" defTabSz="914400" rtl="0" eaLnBrk="1" fontAlgn="auto" latinLnBrk="1" hangingPunct="1">
-                        <a:lnSpc>
-                          <a:spcPct val="150000"/>
-                        </a:lnSpc>
-                        <a:spcBef>
-                          <a:spcPts val="0"/>
-                        </a:spcBef>
-                        <a:spcAft>
-                          <a:spcPts val="0"/>
-                        </a:spcAft>
-                        <a:buClrTx/>
-                        <a:buSzTx/>
-                        <a:buFont typeface="Wingdings" charset="2"/>
-                        <a:buChar char="§"/>
-                        <a:tabLst/>
-                        <a:defRPr/>
-                      </a:pPr>
-                      <a:r>
-                        <a:rPr lang="ko-KR" altLang="en-US" sz="1200" baseline="0" dirty="0" smtClean="0"/>
-                        <a:t>지정한 파라미터가 반드시 있어야 하며</a:t>
-                      </a:r>
-                      <a:r>
-                        <a:rPr lang="en-US" altLang="ko-KR" sz="1200" baseline="0" dirty="0" smtClean="0"/>
-                        <a:t>,</a:t>
-                      </a:r>
-                      <a:r>
-                        <a:rPr lang="ko-KR" altLang="en-US" sz="1200" baseline="0" dirty="0" smtClean="0"/>
-                        <a:t> 없을 시 </a:t>
-                      </a:r>
-                      <a:r>
-                        <a:rPr lang="en-US" altLang="ko-KR" sz="1200" baseline="0" dirty="0" smtClean="0"/>
-                        <a:t>400-Bad Request </a:t>
-                      </a:r>
-                      <a:r>
-                        <a:rPr lang="ko-KR" altLang="en-US" sz="1200" baseline="0" dirty="0" smtClean="0"/>
-                        <a:t>받게 됨 </a:t>
-                      </a:r>
-                      <a:r>
-                        <a:rPr lang="en-US" altLang="ko-KR" sz="1200" baseline="0" dirty="0" smtClean="0"/>
-                        <a:t>(</a:t>
-                      </a:r>
-                      <a:r>
-                        <a:rPr lang="ko-KR" altLang="en-US" sz="1200" baseline="0" dirty="0" smtClean="0"/>
-                        <a:t>선택적 제공을 위해선 </a:t>
-                      </a:r>
-                      <a:r>
-                        <a:rPr lang="en-US" altLang="ko-KR" sz="1200" baseline="0" dirty="0" smtClean="0"/>
-                        <a:t>required=false </a:t>
-                      </a:r>
-                      <a:r>
-                        <a:rPr lang="ko-KR" altLang="en-US" sz="1200" baseline="0" dirty="0" smtClean="0"/>
-                        <a:t>설정 필요</a:t>
-                      </a:r>
-                      <a:r>
-                        <a:rPr lang="en-US" altLang="ko-KR" sz="1200" baseline="0" dirty="0" smtClean="0"/>
-                        <a:t>)</a:t>
-                      </a:r>
-                    </a:p>
-                  </a:txBody>
-                  <a:tcPr anchor="ctr"/>
-                </a:tc>
-              </a:tr>
-              <a:tr h="472250">
-                <a:tc>
-                  <a:txBody>
-                    <a:bodyPr/>
-                    <a:lstStyle/>
-                    <a:p>
-                      <a:pPr algn="ctr" latinLnBrk="1"/>
-                      <a:r>
-                        <a:rPr lang="en-US" altLang="ko-KR" sz="1200" dirty="0" smtClean="0"/>
-                        <a:t>@</a:t>
-                      </a:r>
-                      <a:r>
-                        <a:rPr lang="en-US" altLang="ko-KR" sz="1200" dirty="0" err="1" smtClean="0"/>
-                        <a:t>ModelAttribute</a:t>
-                      </a:r>
-                      <a:endParaRPr lang="ko-KR" altLang="en-US" sz="1200" dirty="0"/>
-                    </a:p>
-                  </a:txBody>
-                  <a:tcPr anchor="ctr"/>
-                </a:tc>
-                <a:tc>
-                  <a:txBody>
-                    <a:bodyPr/>
-                    <a:lstStyle/>
-                    <a:p>
-                      <a:pPr marL="171450" indent="-171450" algn="l" latinLnBrk="1">
-                        <a:lnSpc>
-                          <a:spcPct val="150000"/>
-                        </a:lnSpc>
-                        <a:buFont typeface="Wingdings" charset="2"/>
-                        <a:buChar char="§"/>
-                      </a:pPr>
-                      <a:endParaRPr lang="en-US" altLang="ko-KR" sz="1200" baseline="0" dirty="0" smtClean="0"/>
-                    </a:p>
-                  </a:txBody>
-                  <a:tcPr anchor="ctr"/>
-                </a:tc>
-              </a:tr>
-              <a:tr h="472250">
-                <a:tc>
-                  <a:txBody>
-                    <a:bodyPr/>
-                    <a:lstStyle/>
-                    <a:p>
-                      <a:pPr algn="ctr" latinLnBrk="1"/>
-                      <a:r>
-                        <a:rPr lang="en-US" altLang="ko-KR" sz="1200" dirty="0" smtClean="0"/>
-                        <a:t>@Valid</a:t>
-                      </a:r>
-                      <a:endParaRPr lang="ko-KR" altLang="en-US" sz="1200" dirty="0"/>
-                    </a:p>
-                  </a:txBody>
-                  <a:tcPr anchor="ctr"/>
-                </a:tc>
-                <a:tc>
-                  <a:txBody>
-                    <a:bodyPr/>
-                    <a:lstStyle/>
-                    <a:p>
-                      <a:pPr marL="171450" indent="-171450" algn="l" latinLnBrk="1">
-                        <a:lnSpc>
-                          <a:spcPct val="150000"/>
-                        </a:lnSpc>
-                        <a:buFont typeface="Wingdings" charset="2"/>
-                        <a:buChar char="§"/>
-                      </a:pPr>
-                      <a:endParaRPr lang="en-US" altLang="ko-KR" sz="1200" baseline="0" dirty="0" smtClean="0"/>
-                    </a:p>
-                  </a:txBody>
-                  <a:tcPr anchor="ctr"/>
-                </a:tc>
-              </a:tr>
-            </a:tbl>
-          </a:graphicData>
-        </a:graphic>
-      </p:graphicFrame>
-      <p:sp>
-        <p:nvSpPr>
-          <p:cNvPr id="15" name="TextBox 14"/>
-          <p:cNvSpPr txBox="1"/>
-          <p:nvPr/>
-        </p:nvSpPr>
-        <p:spPr>
-          <a:xfrm>
-            <a:off x="1259632" y="1645912"/>
-            <a:ext cx="7632848" cy="373885"/>
-          </a:xfrm>
-          <a:prstGeom prst="rect">
-            <a:avLst/>
-          </a:prstGeom>
-          <a:noFill/>
-        </p:spPr>
-        <p:txBody>
-          <a:bodyPr wrap="square" rtlCol="0">
-            <a:spAutoFit/>
-          </a:bodyPr>
-          <a:lstStyle/>
-          <a:p>
-            <a:pPr marL="285750" indent="-285750">
-              <a:lnSpc>
-                <a:spcPct val="150000"/>
-              </a:lnSpc>
-              <a:buFont typeface="Wingdings" charset="2"/>
-              <a:buChar char="§"/>
-            </a:pPr>
-            <a:r>
-              <a:rPr lang="en-US" altLang="ko-KR" sz="1400" spc="-20" dirty="0" smtClean="0">
-                <a:latin typeface="맑은 고딕" pitchFamily="50" charset="-127"/>
-                <a:ea typeface="맑은 고딕" pitchFamily="50" charset="-127"/>
-              </a:rPr>
-              <a:t>Controller </a:t>
-            </a:r>
-            <a:r>
-              <a:rPr lang="ko-KR" altLang="en-US" sz="1400" spc="-20" dirty="0" smtClean="0">
-                <a:latin typeface="맑은 고딕" pitchFamily="50" charset="-127"/>
-                <a:ea typeface="맑은 고딕" pitchFamily="50" charset="-127"/>
-              </a:rPr>
-              <a:t>관련 </a:t>
-            </a:r>
-            <a:r>
-              <a:rPr lang="en-US" altLang="ko-KR" sz="1400" spc="-20" dirty="0" smtClean="0">
-                <a:latin typeface="맑은 고딕" pitchFamily="50" charset="-127"/>
-                <a:ea typeface="맑은 고딕" pitchFamily="50" charset="-127"/>
-              </a:rPr>
-              <a:t>Annotation</a:t>
-            </a:r>
-          </a:p>
-        </p:txBody>
-      </p:sp>
-    </p:spTree>
-    <p:extLst>
-      <p:ext uri="{BB962C8B-B14F-4D97-AF65-F5344CB8AC3E}">
-        <p14:creationId xmlns:p14="http://schemas.microsoft.com/office/powerpoint/2010/main" val="74940671"/>
-      </p:ext>
-    </p:extLst>
-  </p:cSld>
-  <p:clrMapOvr>
-    <a:masterClrMapping/>
-  </p:clrMapOvr>
-  <p:transition>
-    <p:fade/>
-  </p:transition>
-  <p:timing>
-    <p:tnLst>
-      <p:par>
-        <p:cTn id="1" dur="indefinite" restart="never" nodeType="tmRoot"/>
-      </p:par>
-    </p:tnLst>
-  </p:timing>
-</p:sld>
-</file>
-
-<file path=ppt/slides/slide25.xml><?xml version="1.0" encoding="utf-8"?>
-<p:sld xmlns:a="http://schemas.openxmlformats.org/drawingml/2006/main" xmlns:r="http://schemas.openxmlformats.org/officeDocument/2006/relationships" xmlns:p="http://schemas.openxmlformats.org/presentationml/2006/main">
-  <p:cSld>
-    <p:spTree>
-      <p:nvGrpSpPr>
-        <p:cNvPr id="1" name=""/>
-        <p:cNvGrpSpPr/>
-        <p:nvPr/>
-      </p:nvGrpSpPr>
-      <p:grpSpPr>
-        <a:xfrm>
-          <a:off x="0" y="0"/>
-          <a:ext cx="0" cy="0"/>
-          <a:chOff x="0" y="0"/>
-          <a:chExt cx="0" cy="0"/>
-        </a:xfrm>
-      </p:grpSpPr>
-      <p:sp>
-        <p:nvSpPr>
-          <p:cNvPr id="2" name="TextBox 8"/>
-          <p:cNvSpPr txBox="1"/>
-          <p:nvPr/>
-        </p:nvSpPr>
-        <p:spPr>
-          <a:xfrm>
-            <a:off x="248574" y="169524"/>
-            <a:ext cx="4223412" cy="682238"/>
-          </a:xfrm>
-          <a:prstGeom prst="rect">
-            <a:avLst/>
-          </a:prstGeom>
-          <a:noFill/>
-        </p:spPr>
-        <p:txBody>
-          <a:bodyPr wrap="square" rtlCol="0">
-            <a:spAutoFit/>
-          </a:bodyPr>
-          <a:lstStyle/>
-          <a:p>
-            <a:pPr>
-              <a:lnSpc>
-                <a:spcPts val="2300"/>
-              </a:lnSpc>
-            </a:pPr>
-            <a:r>
-              <a:rPr lang="en-US" altLang="ko-KR" sz="1600" b="1" spc="-20" dirty="0" smtClean="0">
-                <a:latin typeface="맑은 고딕" pitchFamily="50" charset="-127"/>
-                <a:ea typeface="맑은 고딕" pitchFamily="50" charset="-127"/>
-              </a:rPr>
-              <a:t>1.  </a:t>
-            </a:r>
-            <a:r>
-              <a:rPr lang="en-US" altLang="ko-KR" sz="1600" b="1" spc="-20" dirty="0" smtClean="0">
-                <a:latin typeface="맑은 고딕" pitchFamily="50" charset="-127"/>
-                <a:ea typeface="맑은 고딕" pitchFamily="50" charset="-127"/>
-              </a:rPr>
-              <a:t>Annotation</a:t>
-            </a:r>
-            <a:r>
-              <a:rPr lang="en-US" altLang="ko-KR" sz="1600" b="1" spc="-20" dirty="0" smtClean="0">
-                <a:latin typeface="맑은 고딕" pitchFamily="50" charset="-127"/>
-                <a:ea typeface="맑은 고딕" pitchFamily="50" charset="-127"/>
-              </a:rPr>
-              <a:t/>
-            </a:r>
-            <a:br>
-              <a:rPr lang="en-US" altLang="ko-KR" sz="1600" b="1" spc="-20" dirty="0" smtClean="0">
-                <a:latin typeface="맑은 고딕" pitchFamily="50" charset="-127"/>
-                <a:ea typeface="맑은 고딕" pitchFamily="50" charset="-127"/>
-              </a:rPr>
-            </a:br>
-            <a:endParaRPr lang="en-US" altLang="ko-KR" sz="1600" b="1" spc="-20" dirty="0" smtClean="0">
-              <a:latin typeface="맑은 고딕" pitchFamily="50" charset="-127"/>
-              <a:ea typeface="맑은 고딕" pitchFamily="50" charset="-127"/>
-            </a:endParaRPr>
-          </a:p>
-        </p:txBody>
-      </p:sp>
-      <p:sp>
-        <p:nvSpPr>
-          <p:cNvPr id="14" name="TextBox 9"/>
-          <p:cNvSpPr txBox="1"/>
-          <p:nvPr/>
-        </p:nvSpPr>
-        <p:spPr>
-          <a:xfrm>
-            <a:off x="705778" y="1155366"/>
-            <a:ext cx="7610638" cy="373885"/>
-          </a:xfrm>
-          <a:prstGeom prst="rect">
-            <a:avLst/>
-          </a:prstGeom>
-          <a:noFill/>
-        </p:spPr>
-        <p:txBody>
-          <a:bodyPr wrap="square" rtlCol="0">
-            <a:spAutoFit/>
-          </a:bodyPr>
-          <a:lstStyle/>
-          <a:p>
-            <a:pPr>
-              <a:lnSpc>
-                <a:spcPct val="150000"/>
-              </a:lnSpc>
-            </a:pPr>
-            <a:r>
-              <a:rPr lang="ko-KR" altLang="en-US" sz="1400" b="1" spc="-20" dirty="0" smtClean="0">
-                <a:latin typeface="맑은 고딕" pitchFamily="50" charset="-127"/>
-                <a:ea typeface="맑은 고딕" pitchFamily="50" charset="-127"/>
-              </a:rPr>
-              <a:t>관점 지향 프로그래밍 </a:t>
-            </a:r>
-            <a:r>
-              <a:rPr lang="en-US" altLang="ko-KR" sz="1400" b="1" spc="-20" dirty="0" smtClean="0">
-                <a:latin typeface="맑은 고딕" pitchFamily="50" charset="-127"/>
-                <a:ea typeface="맑은 고딕" pitchFamily="50" charset="-127"/>
-              </a:rPr>
-              <a:t>(AOP</a:t>
-            </a:r>
-            <a:r>
-              <a:rPr lang="en-US" altLang="ko-KR" sz="1400" b="1" spc="-20" dirty="0">
-                <a:latin typeface="맑은 고딕" pitchFamily="50" charset="-127"/>
-                <a:ea typeface="맑은 고딕" pitchFamily="50" charset="-127"/>
-              </a:rPr>
-              <a:t>; Aspect Oriented </a:t>
-            </a:r>
-            <a:r>
-              <a:rPr lang="en-US" altLang="ko-KR" sz="1400" b="1" spc="-20" dirty="0" smtClean="0">
-                <a:latin typeface="맑은 고딕" pitchFamily="50" charset="-127"/>
-                <a:ea typeface="맑은 고딕" pitchFamily="50" charset="-127"/>
-              </a:rPr>
-              <a:t>Programming)</a:t>
-            </a:r>
-            <a:endParaRPr lang="en-US" altLang="ko-KR" sz="1400" spc="-20" dirty="0" smtClean="0">
-              <a:latin typeface="맑은 고딕" pitchFamily="50" charset="-127"/>
-              <a:ea typeface="맑은 고딕" pitchFamily="50" charset="-127"/>
-            </a:endParaRPr>
-          </a:p>
-        </p:txBody>
-      </p:sp>
-      <p:sp>
-        <p:nvSpPr>
-          <p:cNvPr id="5" name="TextBox 9"/>
-          <p:cNvSpPr txBox="1"/>
-          <p:nvPr/>
-        </p:nvSpPr>
-        <p:spPr>
-          <a:xfrm>
-            <a:off x="1184242" y="1645912"/>
-            <a:ext cx="7852253" cy="4247317"/>
-          </a:xfrm>
-          <a:prstGeom prst="rect">
-            <a:avLst/>
-          </a:prstGeom>
-          <a:noFill/>
-        </p:spPr>
-        <p:txBody>
-          <a:bodyPr wrap="square" rtlCol="0">
-            <a:spAutoFit/>
-          </a:bodyPr>
-          <a:lstStyle/>
-          <a:p>
-            <a:r>
-              <a:rPr lang="en-US" altLang="ko-KR" b="1" dirty="0"/>
-              <a:t>&lt;</a:t>
-            </a:r>
-            <a:r>
-              <a:rPr lang="en-US" altLang="ko-KR" b="1" dirty="0" err="1"/>
-              <a:t>context:component-scan</a:t>
-            </a:r>
-            <a:r>
-              <a:rPr lang="en-US" altLang="ko-KR" b="1" dirty="0"/>
-              <a:t> /&gt;</a:t>
-            </a:r>
-          </a:p>
-          <a:p>
-            <a:r>
-              <a:rPr lang="ko-KR" altLang="en-US" dirty="0"/>
-              <a:t>어노테이션을 이용하여 자동으로 </a:t>
-            </a:r>
-            <a:r>
-              <a:rPr lang="en-US" altLang="ko-KR" dirty="0"/>
-              <a:t>Bean</a:t>
-            </a:r>
-            <a:r>
-              <a:rPr lang="ko-KR" altLang="en-US" dirty="0"/>
-              <a:t>을 등록</a:t>
-            </a:r>
-          </a:p>
-          <a:p>
-            <a:r>
-              <a:rPr lang="en-US" altLang="ko-KR" dirty="0"/>
-              <a:t>base-package</a:t>
-            </a:r>
-            <a:r>
-              <a:rPr lang="ko-KR" altLang="en-US" dirty="0"/>
-              <a:t>로 자동탐색할 패키지 지정</a:t>
-            </a:r>
-          </a:p>
-          <a:p>
-            <a:r>
-              <a:rPr lang="en-US" altLang="ko-KR" dirty="0"/>
-              <a:t>Bean</a:t>
-            </a:r>
-            <a:r>
-              <a:rPr lang="ko-KR" altLang="en-US" dirty="0"/>
-              <a:t>을 자동등록하기 위해 사용할 수 있는 어노테이션은 아래와 같다</a:t>
-            </a:r>
-            <a:r>
-              <a:rPr lang="en-US" altLang="ko-KR" dirty="0"/>
-              <a:t>.(Stereotype Annotation)</a:t>
-            </a:r>
-          </a:p>
-          <a:p>
-            <a:pPr lvl="1"/>
-            <a:r>
-              <a:rPr lang="en-US" altLang="ko-KR" dirty="0"/>
-              <a:t>@Component : </a:t>
-            </a:r>
-            <a:r>
-              <a:rPr lang="ko-KR" altLang="en-US" dirty="0"/>
-              <a:t>모든 </a:t>
-            </a:r>
-            <a:r>
-              <a:rPr lang="en-US" altLang="ko-KR" dirty="0"/>
-              <a:t>Bean</a:t>
-            </a:r>
-            <a:r>
-              <a:rPr lang="ko-KR" altLang="en-US" dirty="0"/>
-              <a:t>에 대한 정의가 가능하다</a:t>
-            </a:r>
-            <a:r>
-              <a:rPr lang="en-US" altLang="ko-KR" dirty="0"/>
-              <a:t>. </a:t>
-            </a:r>
-            <a:r>
-              <a:rPr lang="ko-KR" altLang="en-US" dirty="0"/>
-              <a:t>그러나 </a:t>
-            </a:r>
-            <a:r>
-              <a:rPr lang="en-US" altLang="ko-KR" dirty="0"/>
-              <a:t>Spring Framework</a:t>
-            </a:r>
-            <a:r>
-              <a:rPr lang="ko-KR" altLang="en-US" dirty="0"/>
-              <a:t>에서는 레이어별로 구성 요소를 구분하여 아래의 </a:t>
-            </a:r>
-            <a:r>
-              <a:rPr lang="en-US" altLang="ko-KR" dirty="0"/>
-              <a:t>Annotation</a:t>
-            </a:r>
-            <a:r>
-              <a:rPr lang="ko-KR" altLang="en-US" dirty="0"/>
-              <a:t>을 사용할 것을 권장한다</a:t>
-            </a:r>
-            <a:r>
-              <a:rPr lang="en-US" altLang="ko-KR" dirty="0"/>
-              <a:t>.</a:t>
-            </a:r>
-          </a:p>
-          <a:p>
-            <a:pPr lvl="1"/>
-            <a:r>
-              <a:rPr lang="en-US" altLang="ko-KR" dirty="0"/>
-              <a:t>@Controller : </a:t>
-            </a:r>
-            <a:r>
-              <a:rPr lang="en-US" altLang="ko-KR" dirty="0" err="1"/>
-              <a:t>SpringMVC</a:t>
-            </a:r>
-            <a:r>
-              <a:rPr lang="en-US" altLang="ko-KR" dirty="0"/>
-              <a:t> Controller</a:t>
-            </a:r>
-          </a:p>
-          <a:p>
-            <a:pPr lvl="1"/>
-            <a:r>
-              <a:rPr lang="en-US" altLang="ko-KR" dirty="0"/>
-              <a:t>@Service : </a:t>
-            </a:r>
-            <a:r>
-              <a:rPr lang="ko-KR" altLang="en-US" dirty="0"/>
-              <a:t>비지니스 로직 </a:t>
-            </a:r>
-            <a:r>
-              <a:rPr lang="en-US" altLang="ko-KR" dirty="0"/>
-              <a:t>(BO)</a:t>
-            </a:r>
-          </a:p>
-          <a:p>
-            <a:pPr lvl="1"/>
-            <a:r>
-              <a:rPr lang="en-US" altLang="ko-KR" dirty="0"/>
-              <a:t>@Repository : </a:t>
-            </a:r>
-            <a:r>
-              <a:rPr lang="ko-KR" altLang="en-US" dirty="0"/>
-              <a:t>데이터 </a:t>
-            </a:r>
-            <a:r>
-              <a:rPr lang="en-US" altLang="ko-KR" dirty="0"/>
-              <a:t>Access </a:t>
-            </a:r>
-            <a:r>
-              <a:rPr lang="ko-KR" altLang="en-US" dirty="0"/>
-              <a:t>로직 </a:t>
-            </a:r>
-            <a:r>
-              <a:rPr lang="en-US" altLang="ko-KR" dirty="0"/>
-              <a:t>(DAO)</a:t>
-            </a:r>
-          </a:p>
-          <a:p>
-            <a:r>
-              <a:rPr lang="en-US" altLang="ko-KR" dirty="0"/>
-              <a:t>Spring MVC</a:t>
-            </a:r>
-            <a:r>
-              <a:rPr lang="ko-KR" altLang="en-US" dirty="0"/>
-              <a:t>에서 </a:t>
-            </a:r>
-            <a:r>
-              <a:rPr lang="en-US" altLang="ko-KR" dirty="0"/>
-              <a:t>Service(BO), Repository(DAO) Bean</a:t>
-            </a:r>
-            <a:r>
-              <a:rPr lang="ko-KR" altLang="en-US" dirty="0"/>
-              <a:t>까지 모두 자동탐지를 하면</a:t>
-            </a:r>
-            <a:r>
-              <a:rPr lang="en-US" altLang="ko-KR" dirty="0"/>
-              <a:t>, Service, Repository Bean </a:t>
-            </a:r>
-            <a:r>
-              <a:rPr lang="ko-KR" altLang="en-US" dirty="0"/>
-              <a:t>이 트랜잭션 처리가 안되는 이슈가 있어</a:t>
-            </a:r>
-            <a:br>
-              <a:rPr lang="ko-KR" altLang="en-US" dirty="0"/>
-            </a:br>
-            <a:r>
-              <a:rPr lang="en-US" altLang="ko-KR" dirty="0"/>
-              <a:t>@Service, @Repository </a:t>
-            </a:r>
-            <a:r>
-              <a:rPr lang="ko-KR" altLang="en-US" dirty="0"/>
-              <a:t>를 사용하는 </a:t>
-            </a:r>
-            <a:r>
-              <a:rPr lang="en-US" altLang="ko-KR" dirty="0"/>
-              <a:t>Bean</a:t>
-            </a:r>
-            <a:r>
-              <a:rPr lang="ko-KR" altLang="en-US" dirty="0"/>
-              <a:t>들은 </a:t>
-            </a:r>
-            <a:r>
-              <a:rPr lang="en-US" altLang="ko-KR" dirty="0"/>
-              <a:t>dispatcher-servlet</a:t>
-            </a:r>
-            <a:r>
-              <a:rPr lang="ko-KR" altLang="en-US" dirty="0"/>
-              <a:t>에서 제외 처리하였다</a:t>
-            </a:r>
-            <a:r>
-              <a:rPr lang="en-US" altLang="ko-KR" dirty="0"/>
-              <a:t>.</a:t>
-            </a:r>
-          </a:p>
-        </p:txBody>
-      </p:sp>
-    </p:spTree>
-    <p:extLst>
-      <p:ext uri="{BB962C8B-B14F-4D97-AF65-F5344CB8AC3E}">
-        <p14:creationId xmlns:p14="http://schemas.microsoft.com/office/powerpoint/2010/main" val="1477571657"/>
       </p:ext>
     </p:extLst>
   </p:cSld>
@@ -12223,70 +12034,16 @@
           <a:chExt cx="0" cy="0"/>
         </a:xfrm>
       </p:grpSpPr>
-      <p:pic>
-        <p:nvPicPr>
-          <p:cNvPr id="4" name="그림 2"/>
-          <p:cNvPicPr>
-            <a:picLocks noChangeAspect="1"/>
-          </p:cNvPicPr>
-          <p:nvPr/>
-        </p:nvPicPr>
-        <p:blipFill>
-          <a:blip r:embed="rId3">
-            <a:extLst>
-              <a:ext uri="{28A0092B-C50C-407E-A947-70E740481C1C}">
-                <a14:useLocalDpi xmlns:a14="http://schemas.microsoft.com/office/drawing/2010/main" val="0"/>
-              </a:ext>
-            </a:extLst>
-          </a:blip>
-          <a:srcRect/>
-          <a:stretch>
-            <a:fillRect/>
-          </a:stretch>
-        </p:blipFill>
-        <p:spPr bwMode="auto">
-          <a:xfrm>
-            <a:off x="3175" y="0"/>
-            <a:ext cx="9137650" cy="6858000"/>
-          </a:xfrm>
-          <a:prstGeom prst="rect">
-            <a:avLst/>
-          </a:prstGeom>
-          <a:noFill/>
-          <a:ln>
-            <a:noFill/>
-          </a:ln>
-          <a:extLst>
-            <a:ext uri="{909E8E84-426E-40DD-AFC4-6F175D3DCCD1}">
-              <a14:hiddenFill xmlns:a14="http://schemas.microsoft.com/office/drawing/2010/main">
-                <a:solidFill>
-                  <a:srgbClr val="FFFFFF"/>
-                </a:solidFill>
-              </a14:hiddenFill>
-            </a:ext>
-            <a:ext uri="{91240B29-F687-4F45-9708-019B960494DF}">
-              <a14:hiddenLine xmlns:a14="http://schemas.microsoft.com/office/drawing/2010/main" w="9525">
-                <a:solidFill>
-                  <a:srgbClr val="000000"/>
-                </a:solidFill>
-                <a:miter lim="800000"/>
-                <a:headEnd/>
-                <a:tailEnd/>
-              </a14:hiddenLine>
-            </a:ext>
-          </a:extLst>
-        </p:spPr>
-      </p:pic>
       <p:sp>
         <p:nvSpPr>
-          <p:cNvPr id="6" name="TextBox 5"/>
+          <p:cNvPr id="14" name="TextBox 9"/>
           <p:cNvSpPr txBox="1"/>
           <p:nvPr/>
         </p:nvSpPr>
         <p:spPr>
           <a:xfrm>
-            <a:off x="304770" y="2181216"/>
-            <a:ext cx="5214974" cy="923330"/>
+            <a:off x="611560" y="1164759"/>
+            <a:ext cx="7610638" cy="415498"/>
           </a:xfrm>
           <a:prstGeom prst="rect">
             <a:avLst/>
@@ -12299,22 +12056,743 @@
           </a:bodyPr>
           <a:lstStyle/>
           <a:p>
-            <a:pPr marL="914400" indent="-914400"/>
-            <a:r>
-              <a:rPr lang="en-US" altLang="ko-KR" sz="5400" b="1" dirty="0" smtClean="0">
-                <a:latin typeface="Rubrik Medium" pitchFamily="50" charset="0"/>
-                <a:ea typeface="맑은 고딕" pitchFamily="50" charset="-127"/>
-              </a:rPr>
-              <a:t>Thank you.</a:t>
-            </a:r>
-            <a:endParaRPr lang="ko-KR" altLang="en-US" sz="5400" b="1" dirty="0">
-              <a:latin typeface="Rubrik Medium" pitchFamily="50" charset="0"/>
+            <a:pPr>
+              <a:lnSpc>
+                <a:spcPct val="150000"/>
+              </a:lnSpc>
+            </a:pPr>
+            <a:r>
+              <a:rPr lang="en-US" altLang="ko-KR" sz="1400" b="1" spc="-20" dirty="0" smtClean="0">
+                <a:latin typeface="맑은 고딕" pitchFamily="50" charset="-127"/>
+                <a:ea typeface="맑은 고딕" pitchFamily="50" charset="-127"/>
+              </a:rPr>
+              <a:t>Spring @MVC ; Annotation</a:t>
+            </a:r>
+            <a:r>
+              <a:rPr lang="ko-KR" altLang="en-US" sz="1400" b="1" spc="-20" dirty="0" smtClean="0">
+                <a:latin typeface="맑은 고딕" pitchFamily="50" charset="-127"/>
+                <a:ea typeface="맑은 고딕" pitchFamily="50" charset="-127"/>
+              </a:rPr>
+              <a:t>  중심으로 </a:t>
+            </a:r>
+            <a:r>
+              <a:rPr lang="en-US" altLang="ko-KR" sz="1400" b="1" spc="-20" dirty="0" smtClean="0">
+                <a:latin typeface="맑은 고딕" pitchFamily="50" charset="-127"/>
+                <a:ea typeface="맑은 고딕" pitchFamily="50" charset="-127"/>
+              </a:rPr>
+              <a:t>MVC </a:t>
+            </a:r>
+            <a:r>
+              <a:rPr lang="ko-KR" altLang="en-US" sz="1400" b="1" spc="-20" dirty="0" smtClean="0">
+                <a:latin typeface="맑은 고딕" pitchFamily="50" charset="-127"/>
+                <a:ea typeface="맑은 고딕" pitchFamily="50" charset="-127"/>
+              </a:rPr>
+              <a:t>기능을 구현</a:t>
+            </a:r>
+            <a:endParaRPr lang="en-US" altLang="ko-KR" sz="1400" spc="-20" dirty="0">
+              <a:solidFill>
+                <a:schemeClr val="tx2"/>
+              </a:solidFill>
+              <a:latin typeface="맑은 고딕" pitchFamily="50" charset="-127"/>
               <a:ea typeface="맑은 고딕" pitchFamily="50" charset="-127"/>
             </a:endParaRPr>
           </a:p>
         </p:txBody>
       </p:sp>
+      <p:sp>
+        <p:nvSpPr>
+          <p:cNvPr id="11" name="TextBox 8"/>
+          <p:cNvSpPr txBox="1"/>
+          <p:nvPr/>
+        </p:nvSpPr>
+        <p:spPr>
+          <a:xfrm>
+            <a:off x="311501" y="188640"/>
+            <a:ext cx="4223412" cy="682238"/>
+          </a:xfrm>
+          <a:prstGeom prst="rect">
+            <a:avLst/>
+          </a:prstGeom>
+          <a:noFill/>
+        </p:spPr>
+        <p:txBody>
+          <a:bodyPr wrap="square" rtlCol="0">
+            <a:spAutoFit/>
+          </a:bodyPr>
+          <a:lstStyle/>
+          <a:p>
+            <a:pPr>
+              <a:lnSpc>
+                <a:spcPts val="2300"/>
+              </a:lnSpc>
+            </a:pPr>
+            <a:r>
+              <a:rPr lang="en-US" altLang="ko-KR" sz="1600" b="1" spc="-20" dirty="0" smtClean="0">
+                <a:latin typeface="맑은 고딕" pitchFamily="50" charset="-127"/>
+                <a:ea typeface="맑은 고딕" pitchFamily="50" charset="-127"/>
+              </a:rPr>
+              <a:t>3.  Spring MVC Annotation</a:t>
+            </a:r>
+            <a:br>
+              <a:rPr lang="en-US" altLang="ko-KR" sz="1600" b="1" spc="-20" dirty="0" smtClean="0">
+                <a:latin typeface="맑은 고딕" pitchFamily="50" charset="-127"/>
+                <a:ea typeface="맑은 고딕" pitchFamily="50" charset="-127"/>
+              </a:rPr>
+            </a:br>
+            <a:endParaRPr lang="en-US" altLang="ko-KR" sz="1600" b="1" spc="-20" dirty="0" smtClean="0">
+              <a:latin typeface="맑은 고딕" pitchFamily="50" charset="-127"/>
+              <a:ea typeface="맑은 고딕" pitchFamily="50" charset="-127"/>
+            </a:endParaRPr>
+          </a:p>
+        </p:txBody>
+      </p:sp>
+      <p:graphicFrame>
+        <p:nvGraphicFramePr>
+          <p:cNvPr id="13" name="표 12"/>
+          <p:cNvGraphicFramePr>
+            <a:graphicFrameLocks noGrp="1"/>
+          </p:cNvGraphicFramePr>
+          <p:nvPr>
+            <p:extLst>
+              <p:ext uri="{D42A27DB-BD31-4B8C-83A1-F6EECF244321}">
+                <p14:modId xmlns:p14="http://schemas.microsoft.com/office/powerpoint/2010/main" val="193656450"/>
+              </p:ext>
+            </p:extLst>
+          </p:nvPr>
+        </p:nvGraphicFramePr>
+        <p:xfrm>
+          <a:off x="1403648" y="2085452"/>
+          <a:ext cx="7488832" cy="4165142"/>
+        </p:xfrm>
+        <a:graphic>
+          <a:graphicData uri="http://schemas.openxmlformats.org/drawingml/2006/table">
+            <a:tbl>
+              <a:tblPr firstRow="1" bandRow="1">
+                <a:tableStyleId>{5C22544A-7EE6-4342-B048-85BDC9FD1C3A}</a:tableStyleId>
+              </a:tblPr>
+              <a:tblGrid>
+                <a:gridCol w="1584176"/>
+                <a:gridCol w="5904656"/>
+              </a:tblGrid>
+              <a:tr h="283258">
+                <a:tc>
+                  <a:txBody>
+                    <a:bodyPr/>
+                    <a:lstStyle/>
+                    <a:p>
+                      <a:pPr algn="ctr" latinLnBrk="1"/>
+                      <a:r>
+                        <a:rPr lang="ko-KR" altLang="en-US" sz="1200" dirty="0" smtClean="0"/>
+                        <a:t>구분</a:t>
+                      </a:r>
+                      <a:endParaRPr lang="ko-KR" altLang="en-US" sz="1200" dirty="0"/>
+                    </a:p>
+                  </a:txBody>
+                  <a:tcPr anchor="ctr"/>
+                </a:tc>
+                <a:tc>
+                  <a:txBody>
+                    <a:bodyPr/>
+                    <a:lstStyle/>
+                    <a:p>
+                      <a:pPr algn="ctr" latinLnBrk="1"/>
+                      <a:r>
+                        <a:rPr lang="ko-KR" altLang="en-US" sz="1200" dirty="0" smtClean="0"/>
+                        <a:t>설명</a:t>
+                      </a:r>
+                      <a:endParaRPr lang="ko-KR" altLang="en-US" sz="1200" dirty="0"/>
+                    </a:p>
+                  </a:txBody>
+                  <a:tcPr anchor="ctr"/>
+                </a:tc>
+              </a:tr>
+              <a:tr h="472250">
+                <a:tc>
+                  <a:txBody>
+                    <a:bodyPr/>
+                    <a:lstStyle/>
+                    <a:p>
+                      <a:pPr algn="ctr" latinLnBrk="1"/>
+                      <a:r>
+                        <a:rPr lang="en-US" altLang="ko-KR" sz="1200" dirty="0" smtClean="0"/>
+                        <a:t>@Scope</a:t>
+                      </a:r>
+                    </a:p>
+                  </a:txBody>
+                  <a:tcPr anchor="ctr"/>
+                </a:tc>
+                <a:tc>
+                  <a:txBody>
+                    <a:bodyPr/>
+                    <a:lstStyle/>
+                    <a:p>
+                      <a:pPr marL="171450" indent="-171450" algn="l" latinLnBrk="1">
+                        <a:lnSpc>
+                          <a:spcPct val="150000"/>
+                        </a:lnSpc>
+                        <a:buFont typeface="Wingdings" charset="2"/>
+                        <a:buChar char="§"/>
+                      </a:pPr>
+                      <a:r>
+                        <a:rPr lang="en-US" altLang="ko-KR" sz="1200" baseline="0" dirty="0" smtClean="0"/>
+                        <a:t>Bean </a:t>
+                      </a:r>
+                      <a:r>
+                        <a:rPr lang="ko-KR" altLang="en-US" sz="1200" baseline="0" dirty="0" smtClean="0"/>
+                        <a:t>의 </a:t>
+                      </a:r>
+                      <a:r>
+                        <a:rPr lang="en-US" altLang="ko-KR" sz="1200" baseline="0" dirty="0" smtClean="0"/>
+                        <a:t>Scope </a:t>
+                      </a:r>
+                      <a:r>
+                        <a:rPr lang="ko-KR" altLang="en-US" sz="1200" baseline="0" dirty="0" smtClean="0"/>
+                        <a:t>를 설정</a:t>
+                      </a:r>
+                      <a:r>
+                        <a:rPr lang="en-US" altLang="ko-KR" sz="1200" baseline="0" dirty="0" smtClean="0"/>
+                        <a:t>,</a:t>
+                      </a:r>
+                      <a:r>
+                        <a:rPr lang="ko-KR" altLang="en-US" sz="1200" baseline="0" dirty="0" smtClean="0"/>
+                        <a:t> 기본값은 </a:t>
+                      </a:r>
+                      <a:r>
+                        <a:rPr lang="en-US" altLang="ko-KR" sz="1200" baseline="0" dirty="0" smtClean="0"/>
+                        <a:t>singleton</a:t>
+                      </a:r>
+                    </a:p>
+                    <a:p>
+                      <a:pPr marL="171450" indent="-171450" algn="l" latinLnBrk="1">
+                        <a:lnSpc>
+                          <a:spcPct val="150000"/>
+                        </a:lnSpc>
+                        <a:buFont typeface="Wingdings" charset="2"/>
+                        <a:buChar char="§"/>
+                      </a:pPr>
+                      <a:r>
+                        <a:rPr lang="ko-KR" altLang="en-US" sz="1200" baseline="0" dirty="0" smtClean="0"/>
+                        <a:t>사용자별로 별개의 처리가 필요한 경우 </a:t>
+                      </a:r>
+                      <a:r>
+                        <a:rPr lang="en-US" altLang="ko-KR" sz="1200" baseline="0" dirty="0" smtClean="0"/>
+                        <a:t>prototype</a:t>
+                      </a:r>
+                    </a:p>
+                  </a:txBody>
+                  <a:tcPr anchor="ctr"/>
+                </a:tc>
+              </a:tr>
+              <a:tr h="472250">
+                <a:tc>
+                  <a:txBody>
+                    <a:bodyPr/>
+                    <a:lstStyle/>
+                    <a:p>
+                      <a:pPr algn="ctr" latinLnBrk="1"/>
+                      <a:r>
+                        <a:rPr lang="en-US" altLang="ko-KR" sz="1200" dirty="0" smtClean="0"/>
+                        <a:t>@</a:t>
+                      </a:r>
+                      <a:r>
+                        <a:rPr lang="en-US" altLang="ko-KR" sz="1200" dirty="0" err="1" smtClean="0"/>
+                        <a:t>RequestMapping</a:t>
+                      </a:r>
+                      <a:endParaRPr lang="en-US" altLang="ko-KR" sz="1200" dirty="0" smtClean="0"/>
+                    </a:p>
+                  </a:txBody>
+                  <a:tcPr anchor="ctr"/>
+                </a:tc>
+                <a:tc>
+                  <a:txBody>
+                    <a:bodyPr/>
+                    <a:lstStyle/>
+                    <a:p>
+                      <a:pPr marL="171450" indent="-171450" algn="l" latinLnBrk="1">
+                        <a:lnSpc>
+                          <a:spcPct val="150000"/>
+                        </a:lnSpc>
+                        <a:buFont typeface="Wingdings" charset="2"/>
+                        <a:buChar char="§"/>
+                      </a:pPr>
+                      <a:r>
+                        <a:rPr lang="ko-KR" altLang="en-US" sz="1200" baseline="0" dirty="0" smtClean="0"/>
+                        <a:t>처리할 요청</a:t>
+                      </a:r>
+                      <a:r>
+                        <a:rPr lang="en-US" altLang="ko-KR" sz="1200" baseline="0" dirty="0" smtClean="0"/>
+                        <a:t>URL </a:t>
+                      </a:r>
+                      <a:r>
+                        <a:rPr lang="ko-KR" altLang="en-US" sz="1200" baseline="0" dirty="0" smtClean="0"/>
+                        <a:t>을 지정함</a:t>
+                      </a:r>
+                      <a:r>
+                        <a:rPr lang="en-US" altLang="ko-KR" sz="1200" baseline="0" dirty="0" smtClean="0"/>
+                        <a:t/>
+                      </a:r>
+                      <a:br>
+                        <a:rPr lang="en-US" altLang="ko-KR" sz="1200" baseline="0" dirty="0" smtClean="0"/>
+                      </a:br>
+                      <a:r>
+                        <a:rPr lang="en-US" altLang="ko-KR" sz="1200" b="1" dirty="0" smtClean="0">
+                          <a:solidFill>
+                            <a:schemeClr val="tx2"/>
+                          </a:solidFill>
+                        </a:rPr>
+                        <a:t>@</a:t>
+                      </a:r>
+                      <a:r>
+                        <a:rPr lang="en-US" altLang="ko-KR" sz="1200" b="1" dirty="0" err="1" smtClean="0">
+                          <a:solidFill>
+                            <a:schemeClr val="tx2"/>
+                          </a:solidFill>
+                        </a:rPr>
+                        <a:t>RequestMapping</a:t>
+                      </a:r>
+                      <a:r>
+                        <a:rPr lang="en-US" altLang="ko-KR" sz="1200" dirty="0" smtClean="0"/>
+                        <a:t>(value="/article/</a:t>
+                      </a:r>
+                      <a:r>
+                        <a:rPr lang="en-US" altLang="ko-KR" sz="1200" dirty="0" err="1" smtClean="0"/>
+                        <a:t>form",method</a:t>
+                      </a:r>
+                      <a:r>
+                        <a:rPr lang="en-US" altLang="ko-KR" sz="1200" dirty="0" smtClean="0"/>
+                        <a:t>="</a:t>
+                      </a:r>
+                      <a:r>
+                        <a:rPr lang="en-US" altLang="ko-KR" sz="1200" dirty="0" err="1" smtClean="0"/>
+                        <a:t>RequestMethod.GET</a:t>
+                      </a:r>
+                      <a:r>
+                        <a:rPr lang="en-US" altLang="ko-KR" sz="1200" dirty="0" smtClean="0"/>
+                        <a:t>")</a:t>
+                      </a:r>
+                      <a:endParaRPr lang="en-US" altLang="ko-KR" sz="1200" baseline="0" dirty="0" smtClean="0"/>
+                    </a:p>
+                  </a:txBody>
+                  <a:tcPr anchor="ctr"/>
+                </a:tc>
+              </a:tr>
+              <a:tr h="472250">
+                <a:tc>
+                  <a:txBody>
+                    <a:bodyPr/>
+                    <a:lstStyle/>
+                    <a:p>
+                      <a:pPr algn="ctr" latinLnBrk="1"/>
+                      <a:r>
+                        <a:rPr lang="en-US" altLang="ko-KR" sz="1200" dirty="0" smtClean="0"/>
+                        <a:t>@</a:t>
+                      </a:r>
+                      <a:r>
+                        <a:rPr lang="en-US" altLang="ko-KR" sz="1200" dirty="0" err="1" smtClean="0"/>
+                        <a:t>RequestParam</a:t>
+                      </a:r>
+                      <a:endParaRPr lang="ko-KR" altLang="en-US" sz="1200" dirty="0"/>
+                    </a:p>
+                  </a:txBody>
+                  <a:tcPr anchor="ctr"/>
+                </a:tc>
+                <a:tc>
+                  <a:txBody>
+                    <a:bodyPr/>
+                    <a:lstStyle/>
+                    <a:p>
+                      <a:pPr marL="171450" marR="0" indent="-171450" algn="l" defTabSz="914400" rtl="0" eaLnBrk="1" fontAlgn="auto" latinLnBrk="1" hangingPunct="1">
+                        <a:lnSpc>
+                          <a:spcPct val="150000"/>
+                        </a:lnSpc>
+                        <a:spcBef>
+                          <a:spcPts val="0"/>
+                        </a:spcBef>
+                        <a:spcAft>
+                          <a:spcPts val="0"/>
+                        </a:spcAft>
+                        <a:buClrTx/>
+                        <a:buSzTx/>
+                        <a:buFont typeface="Wingdings" charset="2"/>
+                        <a:buChar char="§"/>
+                        <a:tabLst/>
+                        <a:defRPr/>
+                      </a:pPr>
+                      <a:r>
+                        <a:rPr lang="ko-KR" altLang="en-US" sz="1200" baseline="0" dirty="0" smtClean="0"/>
+                        <a:t>단일 </a:t>
+                      </a:r>
+                      <a:r>
+                        <a:rPr lang="en-US" altLang="ko-KR" sz="1200" baseline="0" dirty="0" smtClean="0"/>
+                        <a:t>HTTP </a:t>
+                      </a:r>
+                      <a:r>
+                        <a:rPr lang="ko-KR" altLang="en-US" sz="1200" baseline="0" dirty="0" smtClean="0"/>
+                        <a:t>요청 인자값을 메소드 파라미터에 넣어줌</a:t>
+                      </a:r>
+                      <a:endParaRPr lang="en-US" altLang="ko-KR" sz="1200" baseline="0" dirty="0" smtClean="0"/>
+                    </a:p>
+                    <a:p>
+                      <a:pPr marL="171450" marR="0" indent="-171450" algn="l" defTabSz="914400" rtl="0" eaLnBrk="1" fontAlgn="auto" latinLnBrk="1" hangingPunct="1">
+                        <a:lnSpc>
+                          <a:spcPct val="150000"/>
+                        </a:lnSpc>
+                        <a:spcBef>
+                          <a:spcPts val="0"/>
+                        </a:spcBef>
+                        <a:spcAft>
+                          <a:spcPts val="0"/>
+                        </a:spcAft>
+                        <a:buClrTx/>
+                        <a:buSzTx/>
+                        <a:buFont typeface="Wingdings" charset="2"/>
+                        <a:buChar char="§"/>
+                        <a:tabLst/>
+                        <a:defRPr/>
+                      </a:pPr>
+                      <a:r>
+                        <a:rPr lang="ko-KR" altLang="en-US" sz="1200" baseline="0" dirty="0" smtClean="0"/>
+                        <a:t>지정한 파라미터가 반드시 있어야 하며</a:t>
+                      </a:r>
+                      <a:r>
+                        <a:rPr lang="en-US" altLang="ko-KR" sz="1200" baseline="0" dirty="0" smtClean="0"/>
+                        <a:t>,</a:t>
+                      </a:r>
+                      <a:r>
+                        <a:rPr lang="ko-KR" altLang="en-US" sz="1200" baseline="0" dirty="0" smtClean="0"/>
+                        <a:t> 없을 시 </a:t>
+                      </a:r>
+                      <a:r>
+                        <a:rPr lang="en-US" altLang="ko-KR" sz="1200" baseline="0" dirty="0" smtClean="0"/>
+                        <a:t>400-Bad Request </a:t>
+                      </a:r>
+                      <a:r>
+                        <a:rPr lang="ko-KR" altLang="en-US" sz="1200" baseline="0" dirty="0" smtClean="0"/>
+                        <a:t>받게 됨 </a:t>
+                      </a:r>
+                      <a:r>
+                        <a:rPr lang="en-US" altLang="ko-KR" sz="1200" baseline="0" dirty="0" smtClean="0"/>
+                        <a:t>(</a:t>
+                      </a:r>
+                      <a:r>
+                        <a:rPr lang="ko-KR" altLang="en-US" sz="1200" baseline="0" dirty="0" smtClean="0"/>
+                        <a:t>선택적 제공을 위해선 </a:t>
+                      </a:r>
+                      <a:r>
+                        <a:rPr lang="en-US" altLang="ko-KR" sz="1200" baseline="0" dirty="0" smtClean="0"/>
+                        <a:t>required=false </a:t>
+                      </a:r>
+                      <a:r>
+                        <a:rPr lang="ko-KR" altLang="en-US" sz="1200" baseline="0" dirty="0" smtClean="0"/>
+                        <a:t>설정 필요</a:t>
+                      </a:r>
+                      <a:r>
+                        <a:rPr lang="en-US" altLang="ko-KR" sz="1200" baseline="0" dirty="0" smtClean="0"/>
+                        <a:t>)</a:t>
+                      </a:r>
+                      <a:br>
+                        <a:rPr lang="en-US" altLang="ko-KR" sz="1200" baseline="0" dirty="0" smtClean="0"/>
+                      </a:br>
+                      <a:r>
+                        <a:rPr lang="en-US" altLang="ko-KR" sz="1200" baseline="0" dirty="0" smtClean="0"/>
+                        <a:t>public String view(</a:t>
+                      </a:r>
+                      <a:r>
+                        <a:rPr lang="en-US" altLang="ko-KR" sz="1200" b="1" baseline="0" dirty="0" smtClean="0">
+                          <a:solidFill>
+                            <a:schemeClr val="tx2"/>
+                          </a:solidFill>
+                        </a:rPr>
+                        <a:t>@</a:t>
+                      </a:r>
+                      <a:r>
+                        <a:rPr lang="en-US" altLang="ko-KR" sz="1200" b="1" baseline="0" dirty="0" err="1" smtClean="0">
+                          <a:solidFill>
+                            <a:schemeClr val="tx2"/>
+                          </a:solidFill>
+                        </a:rPr>
+                        <a:t>RequestParam</a:t>
+                      </a:r>
+                      <a:r>
+                        <a:rPr lang="en-US" altLang="ko-KR" sz="1200" baseline="0" dirty="0" smtClean="0"/>
+                        <a:t>(value=“id”, required=false) </a:t>
+                      </a:r>
+                      <a:r>
+                        <a:rPr lang="en-US" altLang="ko-KR" sz="1200" baseline="0" dirty="0" err="1" smtClean="0"/>
+                        <a:t>int</a:t>
+                      </a:r>
+                      <a:r>
+                        <a:rPr lang="en-US" altLang="ko-KR" sz="1200" baseline="0" dirty="0" smtClean="0"/>
+                        <a:t> id ) {</a:t>
+                      </a:r>
+                      <a:r>
+                        <a:rPr lang="mr-IN" altLang="ko-KR" sz="1200" baseline="0" dirty="0" smtClean="0"/>
+                        <a:t>…</a:t>
+                      </a:r>
+                      <a:r>
+                        <a:rPr lang="en-US" altLang="ko-KR" sz="1200" baseline="0" dirty="0" smtClean="0"/>
+                        <a:t>} </a:t>
+                      </a:r>
+                      <a:endParaRPr lang="en-US" altLang="ko-KR" sz="1200" baseline="0" dirty="0" smtClean="0"/>
+                    </a:p>
+                  </a:txBody>
+                  <a:tcPr anchor="ctr"/>
+                </a:tc>
+              </a:tr>
+              <a:tr h="472250">
+                <a:tc>
+                  <a:txBody>
+                    <a:bodyPr/>
+                    <a:lstStyle/>
+                    <a:p>
+                      <a:pPr algn="ctr" latinLnBrk="1"/>
+                      <a:r>
+                        <a:rPr lang="en-US" altLang="ko-KR" sz="1200" dirty="0" smtClean="0"/>
+                        <a:t>@</a:t>
+                      </a:r>
+                      <a:r>
+                        <a:rPr lang="en-US" altLang="ko-KR" sz="1200" dirty="0" err="1" smtClean="0"/>
+                        <a:t>ModelAttribute</a:t>
+                      </a:r>
+                      <a:endParaRPr lang="ko-KR" altLang="en-US" sz="1200" dirty="0"/>
+                    </a:p>
+                  </a:txBody>
+                  <a:tcPr anchor="ctr"/>
+                </a:tc>
+                <a:tc>
+                  <a:txBody>
+                    <a:bodyPr/>
+                    <a:lstStyle/>
+                    <a:p>
+                      <a:pPr marL="171450" indent="-171450" algn="l" latinLnBrk="1">
+                        <a:lnSpc>
+                          <a:spcPct val="150000"/>
+                        </a:lnSpc>
+                        <a:buFont typeface="Wingdings" charset="2"/>
+                        <a:buChar char="§"/>
+                      </a:pPr>
+                      <a:r>
+                        <a:rPr lang="ko-KR" altLang="en-US" sz="1200" baseline="0" dirty="0" smtClean="0"/>
+                        <a:t>요청된 파라미터를 </a:t>
+                      </a:r>
+                      <a:r>
+                        <a:rPr lang="en-US" altLang="ko-KR" sz="1200" baseline="0" dirty="0" err="1" smtClean="0"/>
+                        <a:t>Ojbect</a:t>
+                      </a:r>
+                      <a:r>
+                        <a:rPr lang="en-US" altLang="ko-KR" sz="1200" baseline="0" dirty="0" smtClean="0"/>
+                        <a:t> </a:t>
+                      </a:r>
+                      <a:r>
+                        <a:rPr lang="ko-KR" altLang="en-US" sz="1200" baseline="0" dirty="0" smtClean="0"/>
+                        <a:t>형태로 </a:t>
+                      </a:r>
+                      <a:r>
+                        <a:rPr lang="en-US" altLang="ko-KR" sz="1200" baseline="0" dirty="0" smtClean="0"/>
+                        <a:t>Controller </a:t>
+                      </a:r>
+                      <a:r>
+                        <a:rPr lang="ko-KR" altLang="en-US" sz="1200" baseline="0" dirty="0" smtClean="0"/>
+                        <a:t>로부터 전달받을 수 있음</a:t>
+                      </a:r>
+                      <a:r>
+                        <a:rPr lang="en-US" altLang="ko-KR" sz="1200" baseline="0" dirty="0" smtClean="0"/>
+                        <a:t/>
+                      </a:r>
+                      <a:br>
+                        <a:rPr lang="en-US" altLang="ko-KR" sz="1200" baseline="0" dirty="0" smtClean="0"/>
+                      </a:br>
+                      <a:r>
+                        <a:rPr lang="en-US" altLang="ko-KR" sz="1200" baseline="0" dirty="0" smtClean="0"/>
+                        <a:t>public String write(</a:t>
+                      </a:r>
+                      <a:r>
+                        <a:rPr lang="en-US" altLang="ko-KR" sz="1200" b="1" baseline="0" dirty="0" smtClean="0">
+                          <a:solidFill>
+                            <a:schemeClr val="tx2"/>
+                          </a:solidFill>
+                        </a:rPr>
+                        <a:t>@</a:t>
+                      </a:r>
+                      <a:r>
+                        <a:rPr lang="en-US" altLang="ko-KR" sz="1200" b="1" baseline="0" dirty="0" err="1" smtClean="0">
+                          <a:solidFill>
+                            <a:schemeClr val="tx2"/>
+                          </a:solidFill>
+                        </a:rPr>
+                        <a:t>ModelAttribute</a:t>
+                      </a:r>
+                      <a:r>
+                        <a:rPr lang="en-US" altLang="ko-KR" sz="1200" baseline="0" dirty="0" smtClean="0"/>
+                        <a:t>(“student”) Student student){ </a:t>
+                      </a:r>
+                      <a:r>
+                        <a:rPr lang="mr-IN" altLang="ko-KR" sz="1200" baseline="0" dirty="0" smtClean="0"/>
+                        <a:t>…</a:t>
+                      </a:r>
+                      <a:r>
+                        <a:rPr lang="en-US" altLang="ko-KR" sz="1200" baseline="0" dirty="0" smtClean="0"/>
+                        <a:t> }</a:t>
+                      </a:r>
+                    </a:p>
+                  </a:txBody>
+                  <a:tcPr anchor="ctr"/>
+                </a:tc>
+              </a:tr>
+              <a:tr h="472250">
+                <a:tc>
+                  <a:txBody>
+                    <a:bodyPr/>
+                    <a:lstStyle/>
+                    <a:p>
+                      <a:pPr algn="ctr" latinLnBrk="1"/>
+                      <a:r>
+                        <a:rPr lang="en-US" altLang="ko-KR" sz="1200" dirty="0" smtClean="0"/>
+                        <a:t>@Valid</a:t>
+                      </a:r>
+                      <a:endParaRPr lang="ko-KR" altLang="en-US" sz="1200" dirty="0"/>
+                    </a:p>
+                  </a:txBody>
+                  <a:tcPr anchor="ctr"/>
+                </a:tc>
+                <a:tc>
+                  <a:txBody>
+                    <a:bodyPr/>
+                    <a:lstStyle/>
+                    <a:p>
+                      <a:pPr marL="171450" indent="-171450" algn="l" latinLnBrk="1">
+                        <a:lnSpc>
+                          <a:spcPct val="150000"/>
+                        </a:lnSpc>
+                        <a:buFont typeface="Wingdings" charset="2"/>
+                        <a:buChar char="§"/>
+                      </a:pPr>
+                      <a:r>
+                        <a:rPr lang="ko-KR" altLang="en-US" sz="1200" baseline="0" dirty="0" smtClean="0"/>
+                        <a:t>요청된 파라미터의 유효성 검증을 위해 사용할 수 있음</a:t>
+                      </a:r>
+                      <a:r>
+                        <a:rPr lang="en-US" altLang="ko-KR" sz="1200" baseline="0" dirty="0" smtClean="0"/>
+                        <a:t/>
+                      </a:r>
+                      <a:br>
+                        <a:rPr lang="en-US" altLang="ko-KR" sz="1200" baseline="0" dirty="0" smtClean="0"/>
+                      </a:br>
+                      <a:r>
+                        <a:rPr lang="en-US" altLang="ko-KR" sz="1200" baseline="0" dirty="0" smtClean="0"/>
+                        <a:t>public String registration(</a:t>
+                      </a:r>
+                      <a:r>
+                        <a:rPr lang="en-US" altLang="ko-KR" sz="1200" b="1" baseline="0" dirty="0" smtClean="0">
+                          <a:solidFill>
+                            <a:schemeClr val="tx2"/>
+                          </a:solidFill>
+                        </a:rPr>
+                        <a:t>@Valid</a:t>
+                      </a:r>
+                      <a:r>
+                        <a:rPr lang="en-US" altLang="ko-KR" sz="1200" baseline="0" dirty="0" smtClean="0"/>
+                        <a:t> Student student, Errors errors)</a:t>
+                      </a:r>
+                      <a:br>
+                        <a:rPr lang="en-US" altLang="ko-KR" sz="1200" baseline="0" dirty="0" smtClean="0"/>
+                      </a:br>
+                      <a:r>
+                        <a:rPr lang="en-US" altLang="ko-KR" sz="1200" baseline="0" dirty="0" smtClean="0"/>
+                        <a:t>  if(</a:t>
+                      </a:r>
+                      <a:r>
+                        <a:rPr lang="en-US" altLang="ko-KR" sz="1200" baseline="0" dirty="0" err="1" smtClean="0"/>
+                        <a:t>errors.hasErrors</a:t>
+                      </a:r>
+                      <a:r>
+                        <a:rPr lang="en-US" altLang="ko-KR" sz="1200" baseline="0" dirty="0" smtClean="0"/>
+                        <a:t>()){ return “</a:t>
+                      </a:r>
+                      <a:r>
+                        <a:rPr lang="en-US" altLang="ko-KR" sz="1200" baseline="0" dirty="0" err="1" smtClean="0"/>
+                        <a:t>errorForm</a:t>
+                      </a:r>
+                      <a:r>
+                        <a:rPr lang="en-US" altLang="ko-KR" sz="1200" baseline="0" dirty="0" smtClean="0"/>
+                        <a:t>”; } else { </a:t>
+                      </a:r>
+                      <a:r>
+                        <a:rPr lang="mr-IN" altLang="ko-KR" sz="1200" baseline="0" dirty="0" smtClean="0"/>
+                        <a:t>…</a:t>
+                      </a:r>
+                      <a:r>
+                        <a:rPr lang="en-US" altLang="ko-KR" sz="1200" baseline="0" dirty="0" smtClean="0"/>
+                        <a:t> }</a:t>
+                      </a:r>
+                    </a:p>
+                  </a:txBody>
+                  <a:tcPr anchor="ctr"/>
+                </a:tc>
+              </a:tr>
+            </a:tbl>
+          </a:graphicData>
+        </a:graphic>
+      </p:graphicFrame>
+      <p:sp>
+        <p:nvSpPr>
+          <p:cNvPr id="15" name="TextBox 14"/>
+          <p:cNvSpPr txBox="1"/>
+          <p:nvPr/>
+        </p:nvSpPr>
+        <p:spPr>
+          <a:xfrm>
+            <a:off x="1259632" y="1645912"/>
+            <a:ext cx="7632848" cy="373885"/>
+          </a:xfrm>
+          <a:prstGeom prst="rect">
+            <a:avLst/>
+          </a:prstGeom>
+          <a:noFill/>
+        </p:spPr>
+        <p:txBody>
+          <a:bodyPr wrap="square" rtlCol="0">
+            <a:spAutoFit/>
+          </a:bodyPr>
+          <a:lstStyle/>
+          <a:p>
+            <a:pPr marL="285750" indent="-285750">
+              <a:lnSpc>
+                <a:spcPct val="150000"/>
+              </a:lnSpc>
+              <a:buFont typeface="Wingdings" charset="2"/>
+              <a:buChar char="§"/>
+            </a:pPr>
+            <a:r>
+              <a:rPr lang="en-US" altLang="ko-KR" sz="1400" spc="-20" dirty="0" smtClean="0">
+                <a:latin typeface="맑은 고딕" pitchFamily="50" charset="-127"/>
+                <a:ea typeface="맑은 고딕" pitchFamily="50" charset="-127"/>
+              </a:rPr>
+              <a:t>Controller </a:t>
+            </a:r>
+            <a:r>
+              <a:rPr lang="ko-KR" altLang="en-US" sz="1400" spc="-20" dirty="0" smtClean="0">
+                <a:latin typeface="맑은 고딕" pitchFamily="50" charset="-127"/>
+                <a:ea typeface="맑은 고딕" pitchFamily="50" charset="-127"/>
+              </a:rPr>
+              <a:t>관련 </a:t>
+            </a:r>
+            <a:r>
+              <a:rPr lang="en-US" altLang="ko-KR" sz="1400" spc="-20" dirty="0" smtClean="0">
+                <a:latin typeface="맑은 고딕" pitchFamily="50" charset="-127"/>
+                <a:ea typeface="맑은 고딕" pitchFamily="50" charset="-127"/>
+              </a:rPr>
+              <a:t>Annotation</a:t>
+            </a:r>
+          </a:p>
+        </p:txBody>
+      </p:sp>
     </p:spTree>
+    <p:extLst>
+      <p:ext uri="{BB962C8B-B14F-4D97-AF65-F5344CB8AC3E}">
+        <p14:creationId xmlns:p14="http://schemas.microsoft.com/office/powerpoint/2010/main" val="74940671"/>
+      </p:ext>
+    </p:extLst>
   </p:cSld>
   <p:clrMapOvr>
     <a:masterClrMapping/>
@@ -12349,16 +12827,258 @@
           <a:chExt cx="0" cy="0"/>
         </a:xfrm>
       </p:grpSpPr>
+      <p:pic>
+        <p:nvPicPr>
+          <p:cNvPr id="6" name="그림 5"/>
+          <p:cNvPicPr>
+            <a:picLocks noChangeAspect="1"/>
+          </p:cNvPicPr>
+          <p:nvPr/>
+        </p:nvPicPr>
+        <p:blipFill>
+          <a:blip r:embed="rId2">
+            <a:extLst>
+              <a:ext uri="{28A0092B-C50C-407E-A947-70E740481C1C}">
+                <a14:useLocalDpi xmlns:a14="http://schemas.microsoft.com/office/drawing/2010/main" val="0"/>
+              </a:ext>
+            </a:extLst>
+          </a:blip>
+          <a:srcRect/>
+          <a:stretch>
+            <a:fillRect/>
+          </a:stretch>
+        </p:blipFill>
+        <p:spPr bwMode="auto">
+          <a:xfrm>
+            <a:off x="3175" y="0"/>
+            <a:ext cx="9137650" cy="6858000"/>
+          </a:xfrm>
+          <a:prstGeom prst="rect">
+            <a:avLst/>
+          </a:prstGeom>
+          <a:noFill/>
+          <a:ln>
+            <a:noFill/>
+          </a:ln>
+          <a:extLst>
+            <a:ext uri="{909E8E84-426E-40DD-AFC4-6F175D3DCCD1}">
+              <a14:hiddenFill xmlns:a14="http://schemas.microsoft.com/office/drawing/2010/main">
+                <a:solidFill>
+                  <a:srgbClr val="FFFFFF"/>
+                </a:solidFill>
+              </a14:hiddenFill>
+            </a:ext>
+            <a:ext uri="{91240B29-F687-4F45-9708-019B960494DF}">
+              <a14:hiddenLine xmlns:a14="http://schemas.microsoft.com/office/drawing/2010/main" w="9525">
+                <a:solidFill>
+                  <a:srgbClr val="000000"/>
+                </a:solidFill>
+                <a:miter lim="800000"/>
+                <a:headEnd/>
+                <a:tailEnd/>
+              </a14:hiddenLine>
+            </a:ext>
+          </a:extLst>
+        </p:spPr>
+      </p:pic>
       <p:sp>
         <p:nvSpPr>
-          <p:cNvPr id="2" name="TextBox 8"/>
+          <p:cNvPr id="4" name="TextBox 3"/>
           <p:cNvSpPr txBox="1"/>
           <p:nvPr/>
         </p:nvSpPr>
         <p:spPr>
           <a:xfrm>
-            <a:off x="248574" y="169524"/>
-            <a:ext cx="4223412" cy="358240"/>
+            <a:off x="313036" y="2344094"/>
+            <a:ext cx="8003379" cy="682238"/>
+          </a:xfrm>
+          <a:prstGeom prst="rect">
+            <a:avLst/>
+          </a:prstGeom>
+          <a:noFill/>
+        </p:spPr>
+        <p:txBody>
+          <a:bodyPr wrap="square" rtlCol="0">
+            <a:spAutoFit/>
+          </a:bodyPr>
+          <a:lstStyle/>
+          <a:p>
+            <a:pPr>
+              <a:lnSpc>
+                <a:spcPts val="4600"/>
+              </a:lnSpc>
+            </a:pPr>
+            <a:r>
+              <a:rPr lang="en-US" altLang="ko-KR" sz="4000" b="1" spc="-100" dirty="0" smtClean="0">
+                <a:latin typeface="맑은 고딕" pitchFamily="50" charset="-127"/>
+                <a:ea typeface="맑은 고딕" pitchFamily="50" charset="-127"/>
+              </a:rPr>
+              <a:t>4.  </a:t>
+            </a:r>
+            <a:r>
+              <a:rPr lang="en-US" altLang="ko-KR" sz="4000" b="1" spc="-100" dirty="0" smtClean="0">
+                <a:latin typeface="맑은 고딕" pitchFamily="50" charset="-127"/>
+                <a:ea typeface="맑은 고딕" pitchFamily="50" charset="-127"/>
+              </a:rPr>
+              <a:t>Spring </a:t>
+            </a:r>
+            <a:r>
+              <a:rPr lang="en-US" altLang="ko-KR" sz="3600" b="1" spc="-100" dirty="0" smtClean="0">
+                <a:latin typeface="맑은 고딕" pitchFamily="50" charset="-127"/>
+                <a:ea typeface="맑은 고딕" pitchFamily="50" charset="-127"/>
+              </a:rPr>
+              <a:t>Test MVC</a:t>
+            </a:r>
+            <a:endParaRPr lang="en-US" altLang="ko-KR" sz="3600" b="1" spc="-100" dirty="0" smtClean="0">
+              <a:latin typeface="맑은 고딕" pitchFamily="50" charset="-127"/>
+              <a:ea typeface="맑은 고딕" pitchFamily="50" charset="-127"/>
+            </a:endParaRPr>
+          </a:p>
+        </p:txBody>
+      </p:sp>
+      <p:cxnSp>
+        <p:nvCxnSpPr>
+          <p:cNvPr id="5" name="직선 연결선 4"/>
+          <p:cNvCxnSpPr/>
+          <p:nvPr/>
+        </p:nvCxnSpPr>
+        <p:spPr>
+          <a:xfrm>
+            <a:off x="428596" y="2214554"/>
+            <a:ext cx="828000" cy="1588"/>
+          </a:xfrm>
+          <a:prstGeom prst="line">
+            <a:avLst/>
+          </a:prstGeom>
+          <a:ln w="76200">
+            <a:solidFill>
+              <a:schemeClr val="tx1"/>
+            </a:solidFill>
+          </a:ln>
+        </p:spPr>
+        <p:style>
+          <a:lnRef idx="1">
+            <a:schemeClr val="accent1"/>
+          </a:lnRef>
+          <a:fillRef idx="0">
+            <a:schemeClr val="accent1"/>
+          </a:fillRef>
+          <a:effectRef idx="0">
+            <a:schemeClr val="accent1"/>
+          </a:effectRef>
+          <a:fontRef idx="minor">
+            <a:schemeClr val="tx1"/>
+          </a:fontRef>
+        </p:style>
+      </p:cxnSp>
+    </p:spTree>
+    <p:extLst>
+      <p:ext uri="{BB962C8B-B14F-4D97-AF65-F5344CB8AC3E}">
+        <p14:creationId xmlns:p14="http://schemas.microsoft.com/office/powerpoint/2010/main" val="1456230912"/>
+      </p:ext>
+    </p:extLst>
+  </p:cSld>
+  <p:clrMapOvr>
+    <a:masterClrMapping/>
+  </p:clrMapOvr>
+  <p:transition>
+    <p:fade/>
+  </p:transition>
+  <p:timing>
+    <p:tnLst>
+      <p:par>
+        <p:cTn id="1" dur="indefinite" restart="never" nodeType="tmRoot"/>
+      </p:par>
+    </p:tnLst>
+  </p:timing>
+</p:sld>
+</file>
+
+<file path=ppt/slides/slide28.xml><?xml version="1.0" encoding="utf-8"?>
+<p:sld xmlns:a="http://schemas.openxmlformats.org/drawingml/2006/main" xmlns:r="http://schemas.openxmlformats.org/officeDocument/2006/relationships" xmlns:p="http://schemas.openxmlformats.org/presentationml/2006/main">
+  <p:cSld>
+    <p:spTree>
+      <p:nvGrpSpPr>
+        <p:cNvPr id="1" name=""/>
+        <p:cNvGrpSpPr/>
+        <p:nvPr/>
+      </p:nvGrpSpPr>
+      <p:grpSpPr>
+        <a:xfrm>
+          <a:off x="0" y="0"/>
+          <a:ext cx="0" cy="0"/>
+          <a:chOff x="0" y="0"/>
+          <a:chExt cx="0" cy="0"/>
+        </a:xfrm>
+      </p:grpSpPr>
+      <p:sp>
+        <p:nvSpPr>
+          <p:cNvPr id="14" name="TextBox 9"/>
+          <p:cNvSpPr txBox="1"/>
+          <p:nvPr/>
+        </p:nvSpPr>
+        <p:spPr>
+          <a:xfrm>
+            <a:off x="611560" y="1164759"/>
+            <a:ext cx="7610638" cy="373885"/>
+          </a:xfrm>
+          <a:prstGeom prst="rect">
+            <a:avLst/>
+          </a:prstGeom>
+          <a:noFill/>
+        </p:spPr>
+        <p:txBody>
+          <a:bodyPr wrap="square" rtlCol="0">
+            <a:spAutoFit/>
+          </a:bodyPr>
+          <a:lstStyle/>
+          <a:p>
+            <a:pPr>
+              <a:lnSpc>
+                <a:spcPct val="150000"/>
+              </a:lnSpc>
+            </a:pPr>
+            <a:r>
+              <a:rPr lang="en-US" altLang="ko-KR" sz="1400" b="1" spc="-20" dirty="0" smtClean="0">
+                <a:latin typeface="맑은 고딕" pitchFamily="50" charset="-127"/>
+                <a:ea typeface="맑은 고딕" pitchFamily="50" charset="-127"/>
+              </a:rPr>
+              <a:t>String Test MVC( Spring </a:t>
+            </a:r>
+            <a:r>
+              <a:rPr lang="en-US" altLang="ko-KR" sz="1400" b="1" spc="-20" dirty="0" err="1" smtClean="0">
+                <a:latin typeface="맑은 고딕" pitchFamily="50" charset="-127"/>
+                <a:ea typeface="맑은 고딕" pitchFamily="50" charset="-127"/>
+              </a:rPr>
+              <a:t>MockMvc</a:t>
+            </a:r>
+            <a:r>
+              <a:rPr lang="en-US" altLang="ko-KR" sz="1400" b="1" spc="-20" dirty="0" smtClean="0">
+                <a:latin typeface="맑은 고딕" pitchFamily="50" charset="-127"/>
+                <a:ea typeface="맑은 고딕" pitchFamily="50" charset="-127"/>
+              </a:rPr>
+              <a:t>)</a:t>
+            </a:r>
+            <a:endParaRPr lang="en-US" altLang="ko-KR" sz="1400" spc="-20" dirty="0">
+              <a:solidFill>
+                <a:schemeClr val="tx2"/>
+              </a:solidFill>
+              <a:latin typeface="맑은 고딕" pitchFamily="50" charset="-127"/>
+              <a:ea typeface="맑은 고딕" pitchFamily="50" charset="-127"/>
+            </a:endParaRPr>
+          </a:p>
+        </p:txBody>
+      </p:sp>
+      <p:sp>
+        <p:nvSpPr>
+          <p:cNvPr id="11" name="TextBox 8"/>
+          <p:cNvSpPr txBox="1"/>
+          <p:nvPr/>
+        </p:nvSpPr>
+        <p:spPr>
+          <a:xfrm>
+            <a:off x="311501" y="188640"/>
+            <a:ext cx="4223412" cy="682238"/>
           </a:xfrm>
           <a:prstGeom prst="rect">
             <a:avLst/>
@@ -12381,15 +13101,35 @@
                 <a:latin typeface="맑은 고딕" pitchFamily="50" charset="-127"/>
                 <a:ea typeface="맑은 고딕" pitchFamily="50" charset="-127"/>
               </a:rPr>
-              <a:t>1.1  </a:t>
-            </a:r>
-            <a:r>
-              <a:rPr lang="ko-KR" altLang="en-US" sz="1600" b="1" spc="-20" dirty="0" smtClean="0">
-                <a:latin typeface="맑은 고딕" pitchFamily="50" charset="-127"/>
-                <a:ea typeface="맑은 고딕" pitchFamily="50" charset="-127"/>
-              </a:rPr>
-              <a:t>예제 템플릿</a:t>
-            </a:r>
+              <a:t>4.  </a:t>
+            </a:r>
+            <a:r>
+              <a:rPr lang="en-US" altLang="ko-KR" sz="1600" b="1" spc="-20" dirty="0" smtClean="0">
+                <a:latin typeface="맑은 고딕" pitchFamily="50" charset="-127"/>
+                <a:ea typeface="맑은 고딕" pitchFamily="50" charset="-127"/>
+              </a:rPr>
+              <a:t>Spring </a:t>
+            </a:r>
+            <a:r>
+              <a:rPr lang="en-US" altLang="ko-KR" sz="1600" b="1" spc="-20" dirty="0" smtClean="0">
+                <a:latin typeface="맑은 고딕" pitchFamily="50" charset="-127"/>
+                <a:ea typeface="맑은 고딕" pitchFamily="50" charset="-127"/>
+              </a:rPr>
+              <a:t>Test MVC</a:t>
+            </a:r>
+            <a:r>
+              <a:rPr lang="en-US" altLang="ko-KR" sz="1600" b="1" spc="-20" dirty="0" smtClean="0">
+                <a:latin typeface="맑은 고딕" pitchFamily="50" charset="-127"/>
+                <a:ea typeface="맑은 고딕" pitchFamily="50" charset="-127"/>
+              </a:rPr>
+              <a:t/>
+            </a:r>
+            <a:br>
+              <a:rPr lang="en-US" altLang="ko-KR" sz="1600" b="1" spc="-20" dirty="0" smtClean="0">
+                <a:latin typeface="맑은 고딕" pitchFamily="50" charset="-127"/>
+                <a:ea typeface="맑은 고딕" pitchFamily="50" charset="-127"/>
+              </a:rPr>
+            </a:br>
             <a:endParaRPr lang="en-US" altLang="ko-KR" sz="1600" b="1" spc="-20" dirty="0" smtClean="0">
               <a:latin typeface="맑은 고딕" pitchFamily="50" charset="-127"/>
               <a:ea typeface="맑은 고딕" pitchFamily="50" charset="-127"/>
@@ -12399,14 +13139,14 @@
       </p:sp>
       <p:sp>
         <p:nvSpPr>
-          <p:cNvPr id="3" name="TextBox 9"/>
+          <p:cNvPr id="15" name="TextBox 14"/>
           <p:cNvSpPr txBox="1"/>
           <p:nvPr/>
         </p:nvSpPr>
         <p:spPr>
           <a:xfrm>
-            <a:off x="705778" y="1155366"/>
-            <a:ext cx="4223412" cy="276999"/>
+            <a:off x="1259632" y="1645912"/>
+            <a:ext cx="7632848" cy="738664"/>
           </a:xfrm>
           <a:prstGeom prst="rect">
             <a:avLst/>
@@ -12419,47 +13159,300 @@
           </a:bodyPr>
           <a:lstStyle/>
           <a:p>
-            <a:r>
-              <a:rPr lang="ko-KR" altLang="en-US" sz="1200" b="1" spc="-20" dirty="0" smtClean="0">
-                <a:latin typeface="맑은 고딕" pitchFamily="50" charset="-127"/>
-                <a:ea typeface="맑은 고딕" pitchFamily="50" charset="-127"/>
-              </a:rPr>
-              <a:t>내용 제목</a:t>
-            </a:r>
-            <a:r>
-              <a:rPr lang="en-US" altLang="ko-KR" sz="1200" b="1" spc="-20" dirty="0" smtClean="0">
-                <a:latin typeface="맑은 고딕" pitchFamily="50" charset="-127"/>
-                <a:ea typeface="맑은 고딕" pitchFamily="50" charset="-127"/>
-              </a:rPr>
-              <a:t>: </a:t>
-            </a:r>
-            <a:r>
-              <a:rPr lang="ko-KR" altLang="en-US" sz="1200" b="1" spc="-20" dirty="0" smtClean="0">
-                <a:latin typeface="맑은 고딕" pitchFamily="50" charset="-127"/>
-                <a:ea typeface="맑은 고딕" pitchFamily="50" charset="-127"/>
-              </a:rPr>
-              <a:t>맑은 고딕 </a:t>
-            </a:r>
-            <a:r>
-              <a:rPr lang="en-US" altLang="ko-KR" sz="1200" b="1" spc="-20" dirty="0" smtClean="0">
-                <a:latin typeface="맑은 고딕" pitchFamily="50" charset="-127"/>
-                <a:ea typeface="맑은 고딕" pitchFamily="50" charset="-127"/>
-              </a:rPr>
-              <a:t>B, 12pt</a:t>
-            </a:r>
+            <a:pPr marL="285750" indent="-285750">
+              <a:lnSpc>
+                <a:spcPct val="150000"/>
+              </a:lnSpc>
+              <a:buFont typeface="Wingdings" charset="2"/>
+              <a:buChar char="§"/>
+            </a:pPr>
+            <a:r>
+              <a:rPr lang="en-US" altLang="ko-KR" sz="1400" spc="-20" dirty="0" smtClean="0">
+                <a:latin typeface="맑은 고딕" pitchFamily="50" charset="-127"/>
+                <a:ea typeface="맑은 고딕" pitchFamily="50" charset="-127"/>
+              </a:rPr>
+              <a:t>Spring 3.2 </a:t>
+            </a:r>
+            <a:r>
+              <a:rPr lang="ko-KR" altLang="en-US" sz="1400" spc="-20" dirty="0" smtClean="0">
+                <a:latin typeface="맑은 고딕" pitchFamily="50" charset="-127"/>
+                <a:ea typeface="맑은 고딕" pitchFamily="50" charset="-127"/>
+              </a:rPr>
+              <a:t>버전부터 사용이 가능하며</a:t>
+            </a:r>
+            <a:r>
+              <a:rPr lang="en-US" altLang="ko-KR" sz="1400" spc="-20" dirty="0" smtClean="0">
+                <a:latin typeface="맑은 고딕" pitchFamily="50" charset="-127"/>
+                <a:ea typeface="맑은 고딕" pitchFamily="50" charset="-127"/>
+              </a:rPr>
+              <a:t>,</a:t>
+            </a:r>
+            <a:r>
+              <a:rPr lang="ko-KR" altLang="en-US" sz="1400" spc="-20" dirty="0" smtClean="0">
+                <a:latin typeface="맑은 고딕" pitchFamily="50" charset="-127"/>
+                <a:ea typeface="맑은 고딕" pitchFamily="50" charset="-127"/>
+              </a:rPr>
+              <a:t> </a:t>
+            </a:r>
+            <a:r>
+              <a:rPr lang="en-US" altLang="ko-KR" sz="1400" spc="-20" dirty="0" err="1" smtClean="0">
+                <a:latin typeface="맑은 고딕" pitchFamily="50" charset="-127"/>
+                <a:ea typeface="맑은 고딕" pitchFamily="50" charset="-127"/>
+              </a:rPr>
+              <a:t>MockMvc</a:t>
+            </a:r>
+            <a:r>
+              <a:rPr lang="ko-KR" altLang="en-US" sz="1400" spc="-20" dirty="0" smtClean="0">
+                <a:latin typeface="맑은 고딕" pitchFamily="50" charset="-127"/>
+                <a:ea typeface="맑은 고딕" pitchFamily="50" charset="-127"/>
+              </a:rPr>
+              <a:t> 클래스를 제공</a:t>
+            </a:r>
+            <a:endParaRPr lang="en-US" altLang="ko-KR" sz="1400" spc="-20" dirty="0" smtClean="0">
+              <a:latin typeface="맑은 고딕" pitchFamily="50" charset="-127"/>
+              <a:ea typeface="맑은 고딕" pitchFamily="50" charset="-127"/>
+            </a:endParaRPr>
+          </a:p>
+          <a:p>
+            <a:pPr marL="285750" indent="-285750">
+              <a:lnSpc>
+                <a:spcPct val="150000"/>
+              </a:lnSpc>
+              <a:buFont typeface="Wingdings" charset="2"/>
+              <a:buChar char="§"/>
+            </a:pPr>
+            <a:r>
+              <a:rPr lang="ko-KR" altLang="en-US" sz="1400" spc="-20" dirty="0" smtClean="0">
+                <a:latin typeface="맑은 고딕" pitchFamily="50" charset="-127"/>
+                <a:ea typeface="맑은 고딕" pitchFamily="50" charset="-127"/>
+              </a:rPr>
+              <a:t>기존의 </a:t>
+            </a:r>
+            <a:r>
+              <a:rPr lang="en-US" altLang="ko-KR" sz="1400" spc="-20" dirty="0" smtClean="0">
+                <a:latin typeface="맑은 고딕" pitchFamily="50" charset="-127"/>
+                <a:ea typeface="맑은 고딕" pitchFamily="50" charset="-127"/>
+              </a:rPr>
+              <a:t>Mock </a:t>
+            </a:r>
+            <a:r>
+              <a:rPr lang="ko-KR" altLang="en-US" sz="1400" spc="-20" dirty="0" smtClean="0">
+                <a:latin typeface="맑은 고딕" pitchFamily="50" charset="-127"/>
+                <a:ea typeface="맑은 고딕" pitchFamily="50" charset="-127"/>
+              </a:rPr>
+              <a:t>객체들은 </a:t>
+            </a:r>
+            <a:r>
+              <a:rPr lang="en-US" altLang="ko-KR" sz="1400" spc="-20" dirty="0" smtClean="0">
+                <a:latin typeface="맑은 고딕" pitchFamily="50" charset="-127"/>
+                <a:ea typeface="맑은 고딕" pitchFamily="50" charset="-127"/>
+              </a:rPr>
+              <a:t>Request, Response </a:t>
+            </a:r>
+            <a:r>
+              <a:rPr lang="ko-KR" altLang="en-US" sz="1400" spc="-20" dirty="0" smtClean="0">
+                <a:latin typeface="맑은 고딕" pitchFamily="50" charset="-127"/>
+                <a:ea typeface="맑은 고딕" pitchFamily="50" charset="-127"/>
+              </a:rPr>
+              <a:t>등의 검증 결과를 보여줄 수 없던 문제를 개선</a:t>
+            </a:r>
+            <a:endParaRPr lang="en-US" altLang="ko-KR" sz="1400" spc="-20" dirty="0" smtClean="0">
+              <a:latin typeface="맑은 고딕" pitchFamily="50" charset="-127"/>
+              <a:ea typeface="맑은 고딕" pitchFamily="50" charset="-127"/>
+            </a:endParaRPr>
           </a:p>
         </p:txBody>
       </p:sp>
+      <p:pic>
+        <p:nvPicPr>
+          <p:cNvPr id="2" name="그림 1"/>
+          <p:cNvPicPr>
+            <a:picLocks noChangeAspect="1"/>
+          </p:cNvPicPr>
+          <p:nvPr/>
+        </p:nvPicPr>
+        <p:blipFill>
+          <a:blip r:embed="rId2">
+            <a:extLst>
+              <a:ext uri="{28A0092B-C50C-407E-A947-70E740481C1C}">
+                <a14:useLocalDpi xmlns:a14="http://schemas.microsoft.com/office/drawing/2010/main" val="0"/>
+              </a:ext>
+            </a:extLst>
+          </a:blip>
+          <a:stretch>
+            <a:fillRect/>
+          </a:stretch>
+        </p:blipFill>
+        <p:spPr>
+          <a:xfrm>
+            <a:off x="2617213" y="2491844"/>
+            <a:ext cx="3835400" cy="1295400"/>
+          </a:xfrm>
+          <a:prstGeom prst="rect">
+            <a:avLst/>
+          </a:prstGeom>
+        </p:spPr>
+      </p:pic>
       <p:sp>
         <p:nvSpPr>
-          <p:cNvPr id="4" name="TextBox 13"/>
+          <p:cNvPr id="6" name="텍스트 상자 5"/>
           <p:cNvSpPr txBox="1"/>
           <p:nvPr/>
         </p:nvSpPr>
         <p:spPr>
           <a:xfrm>
-            <a:off x="705778" y="1492554"/>
-            <a:ext cx="5223544" cy="1015663"/>
+            <a:off x="2811773" y="3932004"/>
+            <a:ext cx="3307316" cy="261610"/>
+          </a:xfrm>
+          <a:prstGeom prst="rect">
+            <a:avLst/>
+          </a:prstGeom>
+          <a:noFill/>
+        </p:spPr>
+        <p:txBody>
+          <a:bodyPr wrap="none" rtlCol="0">
+            <a:spAutoFit/>
+          </a:bodyPr>
+          <a:lstStyle/>
+          <a:p>
+            <a:r>
+              <a:rPr kumimoji="1" lang="ko-KR" altLang="en-US" sz="1100" dirty="0" smtClean="0"/>
+              <a:t>▲ 테스트를 위해 </a:t>
+            </a:r>
+            <a:r>
+              <a:rPr kumimoji="1" lang="en-US" altLang="ko-KR" sz="1100" dirty="0" err="1" smtClean="0"/>
+              <a:t>StudentController</a:t>
+            </a:r>
+            <a:r>
+              <a:rPr kumimoji="1" lang="en-US" altLang="ko-KR" sz="1100" dirty="0" smtClean="0"/>
+              <a:t> </a:t>
+            </a:r>
+            <a:r>
+              <a:rPr kumimoji="1" lang="ko-KR" altLang="en-US" sz="1100" dirty="0" smtClean="0"/>
+              <a:t>를 미리 생성</a:t>
+            </a:r>
+            <a:endParaRPr kumimoji="1" lang="ko-KR" altLang="en-US" sz="1100" dirty="0"/>
+          </a:p>
+        </p:txBody>
+      </p:sp>
+      <p:pic>
+        <p:nvPicPr>
+          <p:cNvPr id="12" name="그림 11"/>
+          <p:cNvPicPr>
+            <a:picLocks noChangeAspect="1"/>
+          </p:cNvPicPr>
+          <p:nvPr/>
+        </p:nvPicPr>
+        <p:blipFill>
+          <a:blip r:embed="rId3">
+            <a:extLst>
+              <a:ext uri="{28A0092B-C50C-407E-A947-70E740481C1C}">
+                <a14:useLocalDpi xmlns:a14="http://schemas.microsoft.com/office/drawing/2010/main" val="0"/>
+              </a:ext>
+            </a:extLst>
+          </a:blip>
+          <a:stretch>
+            <a:fillRect/>
+          </a:stretch>
+        </p:blipFill>
+        <p:spPr>
+          <a:xfrm>
+            <a:off x="1259632" y="4340006"/>
+            <a:ext cx="6692900" cy="1409700"/>
+          </a:xfrm>
+          <a:prstGeom prst="rect">
+            <a:avLst/>
+          </a:prstGeom>
+        </p:spPr>
+      </p:pic>
+      <p:sp>
+        <p:nvSpPr>
+          <p:cNvPr id="16" name="텍스트 상자 15"/>
+          <p:cNvSpPr txBox="1"/>
+          <p:nvPr/>
+        </p:nvSpPr>
+        <p:spPr>
+          <a:xfrm>
+            <a:off x="1430013" y="5801444"/>
+            <a:ext cx="1832553" cy="261610"/>
+          </a:xfrm>
+          <a:prstGeom prst="rect">
+            <a:avLst/>
+          </a:prstGeom>
+          <a:noFill/>
+        </p:spPr>
+        <p:txBody>
+          <a:bodyPr wrap="none" rtlCol="0">
+            <a:spAutoFit/>
+          </a:bodyPr>
+          <a:lstStyle/>
+          <a:p>
+            <a:r>
+              <a:rPr kumimoji="1" lang="ko-KR" altLang="en-US" sz="1100" dirty="0" smtClean="0"/>
+              <a:t>▲ </a:t>
+            </a:r>
+            <a:r>
+              <a:rPr kumimoji="1" lang="en-US" altLang="ko-KR" sz="1100" dirty="0" smtClean="0"/>
+              <a:t>welcome page </a:t>
+            </a:r>
+            <a:r>
+              <a:rPr kumimoji="1" lang="ko-KR" altLang="en-US" sz="1100" dirty="0" smtClean="0"/>
+              <a:t>테스트</a:t>
+            </a:r>
+            <a:endParaRPr kumimoji="1" lang="ko-KR" altLang="en-US" sz="1100" dirty="0"/>
+          </a:p>
+        </p:txBody>
+      </p:sp>
+    </p:spTree>
+    <p:extLst>
+      <p:ext uri="{BB962C8B-B14F-4D97-AF65-F5344CB8AC3E}">
+        <p14:creationId xmlns:p14="http://schemas.microsoft.com/office/powerpoint/2010/main" val="1499496396"/>
+      </p:ext>
+    </p:extLst>
+  </p:cSld>
+  <p:clrMapOvr>
+    <a:masterClrMapping/>
+  </p:clrMapOvr>
+  <p:transition>
+    <p:fade/>
+  </p:transition>
+  <p:timing>
+    <p:tnLst>
+      <p:par>
+        <p:cTn id="1" dur="indefinite" restart="never" nodeType="tmRoot"/>
+      </p:par>
+    </p:tnLst>
+  </p:timing>
+</p:sld>
+</file>
+
+<file path=ppt/slides/slide29.xml><?xml version="1.0" encoding="utf-8"?>
+<p:sld xmlns:a="http://schemas.openxmlformats.org/drawingml/2006/main" xmlns:r="http://schemas.openxmlformats.org/officeDocument/2006/relationships" xmlns:p="http://schemas.openxmlformats.org/presentationml/2006/main">
+  <p:cSld>
+    <p:spTree>
+      <p:nvGrpSpPr>
+        <p:cNvPr id="1" name=""/>
+        <p:cNvGrpSpPr/>
+        <p:nvPr/>
+      </p:nvGrpSpPr>
+      <p:grpSpPr>
+        <a:xfrm>
+          <a:off x="0" y="0"/>
+          <a:ext cx="0" cy="0"/>
+          <a:chOff x="0" y="0"/>
+          <a:chExt cx="0" cy="0"/>
+        </a:xfrm>
+      </p:grpSpPr>
+      <p:sp>
+        <p:nvSpPr>
+          <p:cNvPr id="14" name="TextBox 9"/>
+          <p:cNvSpPr txBox="1"/>
+          <p:nvPr/>
+        </p:nvSpPr>
+        <p:spPr>
+          <a:xfrm>
+            <a:off x="611560" y="1164759"/>
+            <a:ext cx="7610638" cy="373885"/>
           </a:xfrm>
           <a:prstGeom prst="rect">
             <a:avLst/>
@@ -12472,170 +13465,35 @@
           </a:bodyPr>
           <a:lstStyle/>
           <a:p>
-            <a:pPr marL="228600" indent="-228600">
+            <a:pPr>
               <a:lnSpc>
                 <a:spcPct val="150000"/>
               </a:lnSpc>
             </a:pPr>
             <a:r>
-              <a:rPr lang="en-US" altLang="ko-KR" sz="1000" b="1" spc="-20" dirty="0" smtClean="0">
-                <a:latin typeface="맑은 고딕" pitchFamily="50" charset="-127"/>
-                <a:ea typeface="맑은 고딕" pitchFamily="50" charset="-127"/>
-              </a:rPr>
-              <a:t>1. </a:t>
-            </a:r>
-            <a:r>
-              <a:rPr lang="ko-KR" altLang="en-US" sz="1000" b="1" spc="-20" dirty="0" smtClean="0">
-                <a:latin typeface="맑은 고딕" pitchFamily="50" charset="-127"/>
-                <a:ea typeface="맑은 고딕" pitchFamily="50" charset="-127"/>
-              </a:rPr>
-              <a:t>소제목</a:t>
-            </a:r>
-            <a:r>
-              <a:rPr lang="en-US" altLang="ko-KR" sz="1000" b="1" spc="-20" dirty="0" smtClean="0">
-                <a:latin typeface="맑은 고딕" pitchFamily="50" charset="-127"/>
-                <a:ea typeface="맑은 고딕" pitchFamily="50" charset="-127"/>
-              </a:rPr>
-              <a:t>: </a:t>
-            </a:r>
-            <a:r>
-              <a:rPr lang="ko-KR" altLang="en-US" sz="1000" b="1" spc="-20" dirty="0" smtClean="0">
-                <a:latin typeface="맑은 고딕" pitchFamily="50" charset="-127"/>
-                <a:ea typeface="맑은 고딕" pitchFamily="50" charset="-127"/>
-              </a:rPr>
-              <a:t>맑은 고딕 </a:t>
-            </a:r>
-            <a:r>
-              <a:rPr lang="en-US" altLang="ko-KR" sz="1000" b="1" spc="-20" dirty="0" smtClean="0">
-                <a:latin typeface="맑은 고딕" pitchFamily="50" charset="-127"/>
-                <a:ea typeface="맑은 고딕" pitchFamily="50" charset="-127"/>
-              </a:rPr>
-              <a:t>B , 10pt</a:t>
-            </a:r>
-          </a:p>
-          <a:p>
-            <a:pPr marL="228600" indent="-228600">
-              <a:lnSpc>
-                <a:spcPct val="150000"/>
-              </a:lnSpc>
-            </a:pPr>
-            <a:r>
-              <a:rPr lang="en-US" altLang="ko-KR" sz="1000" spc="-20" dirty="0" smtClean="0">
-                <a:latin typeface="맑은 고딕" pitchFamily="50" charset="-127"/>
-                <a:ea typeface="맑은 고딕" pitchFamily="50" charset="-127"/>
-              </a:rPr>
-              <a:t>1) </a:t>
-            </a:r>
-            <a:r>
-              <a:rPr lang="ko-KR" altLang="en-US" sz="1000" spc="-20" dirty="0" smtClean="0">
-                <a:latin typeface="맑은 고딕" pitchFamily="50" charset="-127"/>
-                <a:ea typeface="맑은 고딕" pitchFamily="50" charset="-127"/>
-              </a:rPr>
-              <a:t>소제목 이하의 본문내용</a:t>
-            </a:r>
-            <a:r>
-              <a:rPr lang="en-US" altLang="ko-KR" sz="1000" spc="-20" dirty="0" smtClean="0">
-                <a:latin typeface="맑은 고딕" pitchFamily="50" charset="-127"/>
-                <a:ea typeface="맑은 고딕" pitchFamily="50" charset="-127"/>
-              </a:rPr>
-              <a:t>: </a:t>
-            </a:r>
-            <a:r>
-              <a:rPr lang="ko-KR" altLang="en-US" sz="1000" spc="-20" dirty="0" smtClean="0">
-                <a:latin typeface="맑은 고딕" pitchFamily="50" charset="-127"/>
-                <a:ea typeface="맑은 고딕" pitchFamily="50" charset="-127"/>
-              </a:rPr>
-              <a:t>맑은 고딕</a:t>
-            </a:r>
-            <a:r>
-              <a:rPr lang="en-US" altLang="ko-KR" sz="1000" spc="-20" dirty="0" smtClean="0">
-                <a:latin typeface="맑은 고딕" pitchFamily="50" charset="-127"/>
-                <a:ea typeface="맑은 고딕" pitchFamily="50" charset="-127"/>
-              </a:rPr>
-              <a:t>, 10pt</a:t>
-            </a:r>
-          </a:p>
-          <a:p>
-            <a:pPr marL="228600" indent="-228600">
-              <a:lnSpc>
-                <a:spcPct val="150000"/>
-              </a:lnSpc>
-            </a:pPr>
-            <a:r>
-              <a:rPr lang="ko-KR" altLang="en-US" sz="1000" dirty="0" smtClean="0">
-                <a:solidFill>
-                  <a:schemeClr val="tx1">
-                    <a:lumMod val="95000"/>
-                    <a:lumOff val="5000"/>
-                  </a:schemeClr>
-                </a:solidFill>
-                <a:latin typeface="맑은 고딕" pitchFamily="50" charset="-127"/>
-                <a:ea typeface="맑은 고딕" pitchFamily="50" charset="-127"/>
-              </a:rPr>
-              <a:t>    ① 상세항목의 내용</a:t>
-            </a:r>
-            <a:endParaRPr lang="en-US" altLang="ko-KR" sz="1000" dirty="0" smtClean="0">
+              <a:rPr lang="en-US" altLang="ko-KR" sz="1400" b="1" spc="-20" dirty="0" smtClean="0">
+                <a:latin typeface="맑은 고딕" pitchFamily="50" charset="-127"/>
+                <a:ea typeface="맑은 고딕" pitchFamily="50" charset="-127"/>
+              </a:rPr>
+              <a:t>String Test MVC( Spring </a:t>
+            </a:r>
+            <a:r>
+              <a:rPr lang="en-US" altLang="ko-KR" sz="1400" b="1" spc="-20" dirty="0" err="1" smtClean="0">
+                <a:latin typeface="맑은 고딕" pitchFamily="50" charset="-127"/>
+                <a:ea typeface="맑은 고딕" pitchFamily="50" charset="-127"/>
+              </a:rPr>
+              <a:t>MockMvc</a:t>
+            </a:r>
+            <a:r>
+              <a:rPr lang="en-US" altLang="ko-KR" sz="1400" b="1" spc="-20" dirty="0" smtClean="0">
+                <a:latin typeface="맑은 고딕" pitchFamily="50" charset="-127"/>
+                <a:ea typeface="맑은 고딕" pitchFamily="50" charset="-127"/>
+              </a:rPr>
+              <a:t>)</a:t>
+            </a:r>
+            <a:endParaRPr lang="en-US" altLang="ko-KR" sz="1400" spc="-20" dirty="0">
               <a:solidFill>
-                <a:schemeClr val="tx1">
-                  <a:lumMod val="95000"/>
-                  <a:lumOff val="5000"/>
-                </a:schemeClr>
-              </a:solidFill>
-              <a:latin typeface="맑은 고딕" pitchFamily="50" charset="-127"/>
-              <a:ea typeface="맑은 고딕" pitchFamily="50" charset="-127"/>
-            </a:endParaRPr>
-          </a:p>
-          <a:p>
-            <a:pPr marL="228600" indent="-228600">
-              <a:lnSpc>
-                <a:spcPct val="150000"/>
-              </a:lnSpc>
-            </a:pPr>
-            <a:r>
-              <a:rPr lang="en-US" altLang="ko-KR" sz="1000" spc="-20" dirty="0">
-                <a:solidFill>
-                  <a:schemeClr val="tx1">
-                    <a:lumMod val="95000"/>
-                    <a:lumOff val="5000"/>
-                  </a:schemeClr>
-                </a:solidFill>
-                <a:latin typeface="맑은 고딕" pitchFamily="50" charset="-127"/>
-                <a:ea typeface="맑은 고딕" pitchFamily="50" charset="-127"/>
-              </a:rPr>
-              <a:t> </a:t>
-            </a:r>
-            <a:r>
-              <a:rPr lang="en-US" altLang="ko-KR" sz="1000" spc="-20" dirty="0" smtClean="0">
-                <a:solidFill>
-                  <a:schemeClr val="tx1">
-                    <a:lumMod val="95000"/>
-                    <a:lumOff val="5000"/>
-                  </a:schemeClr>
-                </a:solidFill>
-                <a:latin typeface="맑은 고딕" pitchFamily="50" charset="-127"/>
-                <a:ea typeface="맑은 고딕" pitchFamily="50" charset="-127"/>
-              </a:rPr>
-              <a:t>         - </a:t>
-            </a:r>
-            <a:r>
-              <a:rPr lang="ko-KR" altLang="en-US" sz="1000" spc="-20" dirty="0" smtClean="0">
-                <a:solidFill>
-                  <a:schemeClr val="tx1">
-                    <a:lumMod val="95000"/>
-                    <a:lumOff val="5000"/>
-                  </a:schemeClr>
-                </a:solidFill>
-                <a:latin typeface="맑은 고딕" pitchFamily="50" charset="-127"/>
-                <a:ea typeface="맑은 고딕" pitchFamily="50" charset="-127"/>
-              </a:rPr>
-              <a:t>상세항목의 내용</a:t>
-            </a:r>
-            <a:endParaRPr lang="en-US" altLang="ko-KR" sz="1000" spc="-20" dirty="0" smtClean="0">
-              <a:solidFill>
-                <a:schemeClr val="tx1">
-                  <a:lumMod val="95000"/>
-                  <a:lumOff val="5000"/>
-                </a:schemeClr>
+                <a:schemeClr val="tx2"/>
               </a:solidFill>
               <a:latin typeface="맑은 고딕" pitchFamily="50" charset="-127"/>
               <a:ea typeface="맑은 고딕" pitchFamily="50" charset="-127"/>
@@ -12645,14 +13503,14 @@
       </p:sp>
       <p:sp>
         <p:nvSpPr>
-          <p:cNvPr id="5" name="TextBox 14"/>
+          <p:cNvPr id="11" name="TextBox 8"/>
           <p:cNvSpPr txBox="1"/>
           <p:nvPr/>
         </p:nvSpPr>
         <p:spPr>
           <a:xfrm>
-            <a:off x="705778" y="2574602"/>
-            <a:ext cx="5223544" cy="784830"/>
+            <a:off x="311501" y="188640"/>
+            <a:ext cx="4223412" cy="682238"/>
           </a:xfrm>
           <a:prstGeom prst="rect">
             <a:avLst/>
@@ -12665,368 +13523,116 @@
           </a:bodyPr>
           <a:lstStyle/>
           <a:p>
-            <a:pPr marL="228600" indent="-228600">
+            <a:pPr>
               <a:lnSpc>
-                <a:spcPct val="150000"/>
+                <a:spcPts val="2300"/>
               </a:lnSpc>
             </a:pPr>
             <a:r>
-              <a:rPr lang="ko-KR" altLang="en-US" sz="1000" spc="-20" dirty="0" smtClean="0">
-                <a:latin typeface="맑은 고딕" pitchFamily="50" charset="-127"/>
-                <a:ea typeface="맑은 고딕" pitchFamily="50" charset="-127"/>
-              </a:rPr>
-              <a:t>본문 내용의 글꼴 크기</a:t>
-            </a:r>
-            <a:endParaRPr lang="en-US" altLang="ko-KR" sz="1000" spc="-20" dirty="0" smtClean="0">
+              <a:rPr lang="en-US" altLang="ko-KR" sz="1600" b="1" spc="-20" dirty="0" smtClean="0">
+                <a:latin typeface="맑은 고딕" pitchFamily="50" charset="-127"/>
+                <a:ea typeface="맑은 고딕" pitchFamily="50" charset="-127"/>
+              </a:rPr>
+              <a:t>4.  </a:t>
+            </a:r>
+            <a:r>
+              <a:rPr lang="en-US" altLang="ko-KR" sz="1600" b="1" spc="-20" dirty="0" smtClean="0">
+                <a:latin typeface="맑은 고딕" pitchFamily="50" charset="-127"/>
+                <a:ea typeface="맑은 고딕" pitchFamily="50" charset="-127"/>
+              </a:rPr>
+              <a:t>Spring </a:t>
+            </a:r>
+            <a:r>
+              <a:rPr lang="en-US" altLang="ko-KR" sz="1600" b="1" spc="-20" dirty="0" smtClean="0">
+                <a:latin typeface="맑은 고딕" pitchFamily="50" charset="-127"/>
+                <a:ea typeface="맑은 고딕" pitchFamily="50" charset="-127"/>
+              </a:rPr>
+              <a:t>Test MVC</a:t>
+            </a:r>
+            <a:r>
+              <a:rPr lang="en-US" altLang="ko-KR" sz="1600" b="1" spc="-20" dirty="0" smtClean="0">
+                <a:latin typeface="맑은 고딕" pitchFamily="50" charset="-127"/>
+                <a:ea typeface="맑은 고딕" pitchFamily="50" charset="-127"/>
+              </a:rPr>
+              <a:t/>
+            </a:r>
+            <a:br>
+              <a:rPr lang="en-US" altLang="ko-KR" sz="1600" b="1" spc="-20" dirty="0" smtClean="0">
+                <a:latin typeface="맑은 고딕" pitchFamily="50" charset="-127"/>
+                <a:ea typeface="맑은 고딕" pitchFamily="50" charset="-127"/>
+              </a:rPr>
+            </a:br>
+            <a:endParaRPr lang="en-US" altLang="ko-KR" sz="1600" b="1" spc="-20" dirty="0" smtClean="0">
               <a:latin typeface="맑은 고딕" pitchFamily="50" charset="-127"/>
               <a:ea typeface="맑은 고딕" pitchFamily="50" charset="-127"/>
             </a:endParaRPr>
           </a:p>
-          <a:p>
-            <a:pPr marL="228600" indent="-228600" algn="l" defTabSz="914400" rtl="0" eaLnBrk="1" latinLnBrk="1" hangingPunct="1">
-              <a:lnSpc>
-                <a:spcPct val="150000"/>
-              </a:lnSpc>
-            </a:pPr>
-            <a:r>
-              <a:rPr lang="ko-KR" altLang="en-US" sz="1000" kern="1200" spc="-20" dirty="0" smtClean="0">
-                <a:solidFill>
-                  <a:schemeClr val="bg2"/>
-                </a:solidFill>
-                <a:latin typeface="맑은 고딕" pitchFamily="50" charset="-127"/>
-                <a:ea typeface="맑은 고딕" pitchFamily="50" charset="-127"/>
-              </a:rPr>
-              <a:t>화면에서의 가독성을 고려하여 최소 </a:t>
-            </a:r>
-            <a:r>
-              <a:rPr lang="en-US" altLang="ko-KR" sz="1000" kern="1200" spc="-20" dirty="0" smtClean="0">
-                <a:solidFill>
-                  <a:schemeClr val="bg2"/>
-                </a:solidFill>
-                <a:latin typeface="맑은 고딕" pitchFamily="50" charset="-127"/>
-                <a:ea typeface="맑은 고딕" pitchFamily="50" charset="-127"/>
-              </a:rPr>
-              <a:t>10pt</a:t>
-            </a:r>
-            <a:r>
-              <a:rPr lang="ko-KR" altLang="en-US" sz="1000" kern="1200" spc="-20" dirty="0" smtClean="0">
-                <a:solidFill>
-                  <a:schemeClr val="bg2"/>
-                </a:solidFill>
-                <a:latin typeface="맑은 고딕" pitchFamily="50" charset="-127"/>
-                <a:ea typeface="맑은 고딕" pitchFamily="50" charset="-127"/>
-              </a:rPr>
-              <a:t>로 권장합니다</a:t>
-            </a:r>
-            <a:r>
-              <a:rPr lang="en-US" altLang="ko-KR" sz="1000" kern="1200" spc="-20" dirty="0" smtClean="0">
-                <a:solidFill>
-                  <a:schemeClr val="bg2"/>
-                </a:solidFill>
-                <a:latin typeface="맑은 고딕" pitchFamily="50" charset="-127"/>
-                <a:ea typeface="맑은 고딕" pitchFamily="50" charset="-127"/>
-              </a:rPr>
-              <a:t>.</a:t>
-            </a:r>
-          </a:p>
-          <a:p>
-            <a:pPr marL="228600" indent="-228600" algn="l" defTabSz="914400" rtl="0" eaLnBrk="1" latinLnBrk="1" hangingPunct="1">
-              <a:lnSpc>
-                <a:spcPct val="150000"/>
-              </a:lnSpc>
-            </a:pPr>
-            <a:r>
-              <a:rPr lang="ko-KR" altLang="en-US" sz="1000" kern="1200" spc="-20" dirty="0" smtClean="0">
-                <a:solidFill>
-                  <a:schemeClr val="tx1"/>
-                </a:solidFill>
-                <a:latin typeface="맑은 고딕" pitchFamily="50" charset="-127"/>
-                <a:ea typeface="맑은 고딕" pitchFamily="50" charset="-127"/>
-              </a:rPr>
-              <a:t>다만</a:t>
-            </a:r>
-            <a:r>
-              <a:rPr lang="en-US" altLang="ko-KR" sz="1000" kern="1200" spc="-20" dirty="0" smtClean="0">
-                <a:solidFill>
-                  <a:schemeClr val="tx1"/>
-                </a:solidFill>
-                <a:latin typeface="맑은 고딕" pitchFamily="50" charset="-127"/>
-                <a:ea typeface="맑은 고딕" pitchFamily="50" charset="-127"/>
-              </a:rPr>
-              <a:t>, </a:t>
-            </a:r>
-            <a:r>
-              <a:rPr lang="ko-KR" altLang="en-US" sz="1000" kern="1200" spc="-20" dirty="0" smtClean="0">
-                <a:solidFill>
-                  <a:schemeClr val="tx1"/>
-                </a:solidFill>
-                <a:latin typeface="맑은 고딕" pitchFamily="50" charset="-127"/>
-                <a:ea typeface="맑은 고딕" pitchFamily="50" charset="-127"/>
-              </a:rPr>
-              <a:t>캡션으로 사용하는 경우 등 상황에 따라 </a:t>
-            </a:r>
-            <a:r>
-              <a:rPr lang="en-US" altLang="ko-KR" sz="1000" kern="1200" spc="-20" dirty="0" smtClean="0">
-                <a:solidFill>
-                  <a:schemeClr val="tx1"/>
-                </a:solidFill>
-                <a:latin typeface="맑은 고딕" pitchFamily="50" charset="-127"/>
-                <a:ea typeface="맑은 고딕" pitchFamily="50" charset="-127"/>
-              </a:rPr>
-              <a:t>10</a:t>
-            </a:r>
-            <a:r>
-              <a:rPr lang="en-US" altLang="ko-KR" sz="1000" spc="-20" dirty="0" smtClean="0">
-                <a:latin typeface="맑은 고딕" pitchFamily="50" charset="-127"/>
-                <a:ea typeface="맑은 고딕" pitchFamily="50" charset="-127"/>
-              </a:rPr>
-              <a:t>pt </a:t>
-            </a:r>
-            <a:r>
-              <a:rPr lang="ko-KR" altLang="en-US" sz="1000" kern="1200" spc="-20" dirty="0" smtClean="0">
-                <a:solidFill>
-                  <a:schemeClr val="tx1"/>
-                </a:solidFill>
-                <a:latin typeface="맑은 고딕" pitchFamily="50" charset="-127"/>
-                <a:ea typeface="맑은 고딕" pitchFamily="50" charset="-127"/>
-              </a:rPr>
-              <a:t>미만으로 사용하실 수 있습니다</a:t>
-            </a:r>
-            <a:r>
-              <a:rPr lang="en-US" altLang="ko-KR" sz="1000" kern="1200" spc="-20" dirty="0" smtClean="0">
-                <a:solidFill>
-                  <a:schemeClr val="tx1"/>
-                </a:solidFill>
-                <a:latin typeface="맑은 고딕" pitchFamily="50" charset="-127"/>
-                <a:ea typeface="맑은 고딕" pitchFamily="50" charset="-127"/>
-              </a:rPr>
-              <a:t>.</a:t>
-            </a:r>
-          </a:p>
         </p:txBody>
       </p:sp>
-      <p:sp>
-        <p:nvSpPr>
-          <p:cNvPr id="6" name="TextBox 15"/>
-          <p:cNvSpPr txBox="1"/>
+      <p:pic>
+        <p:nvPicPr>
+          <p:cNvPr id="4" name="그림 3"/>
+          <p:cNvPicPr>
+            <a:picLocks noChangeAspect="1"/>
+          </p:cNvPicPr>
           <p:nvPr/>
-        </p:nvSpPr>
+        </p:nvPicPr>
+        <p:blipFill>
+          <a:blip r:embed="rId2">
+            <a:extLst>
+              <a:ext uri="{28A0092B-C50C-407E-A947-70E740481C1C}">
+                <a14:useLocalDpi xmlns:a14="http://schemas.microsoft.com/office/drawing/2010/main" val="0"/>
+              </a:ext>
+            </a:extLst>
+          </a:blip>
+          <a:stretch>
+            <a:fillRect/>
+          </a:stretch>
+        </p:blipFill>
         <p:spPr>
           <a:xfrm>
-            <a:off x="705778" y="3441382"/>
-            <a:ext cx="5223544" cy="784830"/>
+            <a:off x="749300" y="1864141"/>
+            <a:ext cx="7632700" cy="1841500"/>
           </a:xfrm>
           <a:prstGeom prst="rect">
             <a:avLst/>
           </a:prstGeom>
-          <a:noFill/>
         </p:spPr>
-        <p:txBody>
-          <a:bodyPr wrap="square" rtlCol="0">
-            <a:spAutoFit/>
-          </a:bodyPr>
-          <a:lstStyle/>
-          <a:p>
-            <a:pPr marL="228600" indent="-228600">
-              <a:lnSpc>
-                <a:spcPct val="150000"/>
-              </a:lnSpc>
-            </a:pPr>
-            <a:r>
-              <a:rPr lang="ko-KR" altLang="en-US" sz="1000" spc="-20" dirty="0" smtClean="0">
-                <a:latin typeface="맑은 고딕" pitchFamily="50" charset="-127"/>
-                <a:ea typeface="맑은 고딕" pitchFamily="50" charset="-127"/>
-              </a:rPr>
-              <a:t>본문 내용의 줄간격</a:t>
-            </a:r>
-            <a:endParaRPr lang="en-US" altLang="ko-KR" sz="1000" spc="-20" dirty="0" smtClean="0">
-              <a:latin typeface="맑은 고딕" pitchFamily="50" charset="-127"/>
-              <a:ea typeface="맑은 고딕" pitchFamily="50" charset="-127"/>
-            </a:endParaRPr>
-          </a:p>
-          <a:p>
-            <a:pPr marL="228600" indent="-228600" algn="l" defTabSz="914400" rtl="0" eaLnBrk="1" latinLnBrk="1" hangingPunct="1">
-              <a:lnSpc>
-                <a:spcPct val="150000"/>
-              </a:lnSpc>
-            </a:pPr>
-            <a:r>
-              <a:rPr lang="ko-KR" altLang="en-US" sz="1000" spc="-20" dirty="0" smtClean="0">
-                <a:solidFill>
-                  <a:schemeClr val="bg2"/>
-                </a:solidFill>
-                <a:latin typeface="맑은 고딕" pitchFamily="50" charset="-127"/>
-                <a:ea typeface="맑은 고딕" pitchFamily="50" charset="-127"/>
-              </a:rPr>
-              <a:t>기본 줄간격은 </a:t>
-            </a:r>
-            <a:r>
-              <a:rPr lang="en-US" altLang="ko-KR" sz="1000" spc="-20" dirty="0" smtClean="0">
-                <a:solidFill>
-                  <a:schemeClr val="bg2"/>
-                </a:solidFill>
-                <a:latin typeface="맑은 고딕" pitchFamily="50" charset="-127"/>
-                <a:ea typeface="맑은 고딕" pitchFamily="50" charset="-127"/>
-              </a:rPr>
-              <a:t>1.5</a:t>
-            </a:r>
-            <a:r>
-              <a:rPr lang="ko-KR" altLang="en-US" sz="1000" spc="-20" dirty="0" smtClean="0">
-                <a:solidFill>
-                  <a:schemeClr val="bg2"/>
-                </a:solidFill>
-                <a:latin typeface="맑은 고딕" pitchFamily="50" charset="-127"/>
-                <a:ea typeface="맑은 고딕" pitchFamily="50" charset="-127"/>
-              </a:rPr>
-              <a:t>배입니다</a:t>
-            </a:r>
-            <a:r>
-              <a:rPr lang="en-US" altLang="ko-KR" sz="1000" spc="-20" dirty="0" smtClean="0">
-                <a:solidFill>
-                  <a:schemeClr val="bg2"/>
-                </a:solidFill>
-                <a:latin typeface="맑은 고딕" pitchFamily="50" charset="-127"/>
-                <a:ea typeface="맑은 고딕" pitchFamily="50" charset="-127"/>
-              </a:rPr>
-              <a:t>.</a:t>
-            </a:r>
-          </a:p>
-          <a:p>
-            <a:pPr marL="228600" indent="-228600" algn="l" defTabSz="914400" rtl="0" eaLnBrk="1" latinLnBrk="1" hangingPunct="1">
-              <a:lnSpc>
-                <a:spcPct val="150000"/>
-              </a:lnSpc>
-            </a:pPr>
-            <a:r>
-              <a:rPr lang="ko-KR" altLang="en-US" sz="1000" spc="-20" dirty="0" smtClean="0">
-                <a:latin typeface="맑은 고딕" pitchFamily="50" charset="-127"/>
-                <a:ea typeface="맑은 고딕" pitchFamily="50" charset="-127"/>
-              </a:rPr>
-              <a:t>상황에 따라 조절하실 수 있습니다</a:t>
-            </a:r>
-            <a:r>
-              <a:rPr lang="en-US" altLang="ko-KR" sz="1000" spc="-20" dirty="0" smtClean="0">
-                <a:latin typeface="맑은 고딕" pitchFamily="50" charset="-127"/>
-                <a:ea typeface="맑은 고딕" pitchFamily="50" charset="-127"/>
-              </a:rPr>
-              <a:t>.</a:t>
-            </a:r>
-          </a:p>
-        </p:txBody>
-      </p:sp>
-      <p:sp>
-        <p:nvSpPr>
-          <p:cNvPr id="7" name="TextBox 16"/>
-          <p:cNvSpPr txBox="1"/>
+      </p:pic>
+      <p:pic>
+        <p:nvPicPr>
+          <p:cNvPr id="5" name="그림 4"/>
+          <p:cNvPicPr>
+            <a:picLocks noChangeAspect="1"/>
+          </p:cNvPicPr>
           <p:nvPr/>
-        </p:nvSpPr>
+        </p:nvPicPr>
+        <p:blipFill>
+          <a:blip r:embed="rId3">
+            <a:extLst>
+              <a:ext uri="{28A0092B-C50C-407E-A947-70E740481C1C}">
+                <a14:useLocalDpi xmlns:a14="http://schemas.microsoft.com/office/drawing/2010/main" val="0"/>
+              </a:ext>
+            </a:extLst>
+          </a:blip>
+          <a:stretch>
+            <a:fillRect/>
+          </a:stretch>
+        </p:blipFill>
         <p:spPr>
           <a:xfrm>
-            <a:off x="705778" y="4293876"/>
-            <a:ext cx="5223544" cy="784830"/>
+            <a:off x="749300" y="3861048"/>
+            <a:ext cx="7556500" cy="2400300"/>
           </a:xfrm>
           <a:prstGeom prst="rect">
             <a:avLst/>
           </a:prstGeom>
-          <a:noFill/>
         </p:spPr>
-        <p:txBody>
-          <a:bodyPr wrap="square" rtlCol="0">
-            <a:spAutoFit/>
-          </a:bodyPr>
-          <a:lstStyle/>
-          <a:p>
-            <a:pPr marL="228600" indent="-228600">
-              <a:lnSpc>
-                <a:spcPct val="150000"/>
-              </a:lnSpc>
-            </a:pPr>
-            <a:r>
-              <a:rPr lang="ko-KR" altLang="en-US" sz="1000" spc="-20" dirty="0" smtClean="0">
-                <a:latin typeface="맑은 고딕" pitchFamily="50" charset="-127"/>
-                <a:ea typeface="맑은 고딕" pitchFamily="50" charset="-127"/>
-              </a:rPr>
-              <a:t>본문 내용의 글자간격</a:t>
-            </a:r>
-            <a:endParaRPr lang="en-US" altLang="ko-KR" sz="1000" spc="-20" dirty="0" smtClean="0">
-              <a:latin typeface="맑은 고딕" pitchFamily="50" charset="-127"/>
-              <a:ea typeface="맑은 고딕" pitchFamily="50" charset="-127"/>
-            </a:endParaRPr>
-          </a:p>
-          <a:p>
-            <a:pPr marL="228600" indent="-228600" algn="l" defTabSz="914400" rtl="0" eaLnBrk="1" latinLnBrk="1" hangingPunct="1">
-              <a:lnSpc>
-                <a:spcPct val="150000"/>
-              </a:lnSpc>
-            </a:pPr>
-            <a:r>
-              <a:rPr lang="ko-KR" altLang="en-US" sz="1000" spc="-20" dirty="0" smtClean="0">
-                <a:solidFill>
-                  <a:schemeClr val="bg2"/>
-                </a:solidFill>
-                <a:latin typeface="맑은 고딕" pitchFamily="50" charset="-127"/>
-                <a:ea typeface="맑은 고딕" pitchFamily="50" charset="-127"/>
-              </a:rPr>
-              <a:t>기본 글자간격은  좁게 </a:t>
-            </a:r>
-            <a:r>
-              <a:rPr lang="en-US" altLang="ko-KR" sz="1000" spc="-20" dirty="0" smtClean="0">
-                <a:solidFill>
-                  <a:schemeClr val="bg2"/>
-                </a:solidFill>
-                <a:latin typeface="맑은 고딕" pitchFamily="50" charset="-127"/>
-                <a:ea typeface="맑은 고딕" pitchFamily="50" charset="-127"/>
-              </a:rPr>
-              <a:t>0.2pt </a:t>
-            </a:r>
-            <a:r>
-              <a:rPr lang="ko-KR" altLang="en-US" sz="1000" spc="-20" dirty="0" smtClean="0">
-                <a:solidFill>
-                  <a:schemeClr val="bg2"/>
-                </a:solidFill>
-                <a:latin typeface="맑은 고딕" pitchFamily="50" charset="-127"/>
-                <a:ea typeface="맑은 고딕" pitchFamily="50" charset="-127"/>
-              </a:rPr>
-              <a:t>입니다</a:t>
-            </a:r>
-            <a:r>
-              <a:rPr lang="en-US" altLang="ko-KR" sz="1000" spc="-20" dirty="0" smtClean="0">
-                <a:solidFill>
-                  <a:schemeClr val="bg2"/>
-                </a:solidFill>
-                <a:latin typeface="맑은 고딕" pitchFamily="50" charset="-127"/>
-                <a:ea typeface="맑은 고딕" pitchFamily="50" charset="-127"/>
-              </a:rPr>
-              <a:t>.</a:t>
-            </a:r>
-          </a:p>
-          <a:p>
-            <a:pPr marL="228600" indent="-228600" algn="l" defTabSz="914400" rtl="0" eaLnBrk="1" latinLnBrk="1" hangingPunct="1">
-              <a:lnSpc>
-                <a:spcPct val="150000"/>
-              </a:lnSpc>
-            </a:pPr>
-            <a:r>
-              <a:rPr lang="ko-KR" altLang="en-US" sz="1000" spc="-20" dirty="0" smtClean="0">
-                <a:latin typeface="맑은 고딕" pitchFamily="50" charset="-127"/>
-                <a:ea typeface="맑은 고딕" pitchFamily="50" charset="-127"/>
-              </a:rPr>
-              <a:t>상황에 따라 조절하실 수 있습니다</a:t>
-            </a:r>
-            <a:r>
-              <a:rPr lang="en-US" altLang="ko-KR" sz="1000" spc="-20" dirty="0" smtClean="0">
-                <a:latin typeface="맑은 고딕" pitchFamily="50" charset="-127"/>
-                <a:ea typeface="맑은 고딕" pitchFamily="50" charset="-127"/>
-              </a:rPr>
-              <a:t>.</a:t>
-            </a:r>
-          </a:p>
-        </p:txBody>
-      </p:sp>
+      </p:pic>
     </p:spTree>
     <p:extLst>
       <p:ext uri="{BB962C8B-B14F-4D97-AF65-F5344CB8AC3E}">
-        <p14:creationId xmlns:p14="http://schemas.microsoft.com/office/powerpoint/2010/main" val="1734484868"/>
+        <p14:creationId xmlns:p14="http://schemas.microsoft.com/office/powerpoint/2010/main" val="1833673769"/>
       </p:ext>
     </p:extLst>
   </p:cSld>
@@ -13165,10 +13771,6 @@
               </a:rPr>
               <a:t>MVC Pattern</a:t>
             </a:r>
-            <a:endParaRPr lang="en-US" altLang="ko-KR" sz="3600" b="1" spc="-100" dirty="0" smtClean="0">
-              <a:latin typeface="맑은 고딕" pitchFamily="50" charset="-127"/>
-              <a:ea typeface="맑은 고딕" pitchFamily="50" charset="-127"/>
-            </a:endParaRPr>
           </a:p>
         </p:txBody>
       </p:sp>
@@ -13225,6 +13827,1106 @@
 </p:sld>
 </file>
 
+<file path=ppt/slides/slide30.xml><?xml version="1.0" encoding="utf-8"?>
+<p:sld xmlns:a="http://schemas.openxmlformats.org/drawingml/2006/main" xmlns:r="http://schemas.openxmlformats.org/officeDocument/2006/relationships" xmlns:p="http://schemas.openxmlformats.org/presentationml/2006/main">
+  <p:cSld>
+    <p:spTree>
+      <p:nvGrpSpPr>
+        <p:cNvPr id="1" name=""/>
+        <p:cNvGrpSpPr/>
+        <p:nvPr/>
+      </p:nvGrpSpPr>
+      <p:grpSpPr>
+        <a:xfrm>
+          <a:off x="0" y="0"/>
+          <a:ext cx="0" cy="0"/>
+          <a:chOff x="0" y="0"/>
+          <a:chExt cx="0" cy="0"/>
+        </a:xfrm>
+      </p:grpSpPr>
+      <p:sp>
+        <p:nvSpPr>
+          <p:cNvPr id="14" name="TextBox 9"/>
+          <p:cNvSpPr txBox="1"/>
+          <p:nvPr/>
+        </p:nvSpPr>
+        <p:spPr>
+          <a:xfrm>
+            <a:off x="611560" y="1164759"/>
+            <a:ext cx="7610638" cy="373885"/>
+          </a:xfrm>
+          <a:prstGeom prst="rect">
+            <a:avLst/>
+          </a:prstGeom>
+          <a:noFill/>
+        </p:spPr>
+        <p:txBody>
+          <a:bodyPr wrap="square" rtlCol="0">
+            <a:spAutoFit/>
+          </a:bodyPr>
+          <a:lstStyle/>
+          <a:p>
+            <a:pPr>
+              <a:lnSpc>
+                <a:spcPct val="150000"/>
+              </a:lnSpc>
+            </a:pPr>
+            <a:r>
+              <a:rPr lang="en-US" altLang="ko-KR" sz="1400" b="1" spc="-20" dirty="0" smtClean="0">
+                <a:latin typeface="맑은 고딕" pitchFamily="50" charset="-127"/>
+                <a:ea typeface="맑은 고딕" pitchFamily="50" charset="-127"/>
+              </a:rPr>
+              <a:t>String Test MVC( Spring </a:t>
+            </a:r>
+            <a:r>
+              <a:rPr lang="en-US" altLang="ko-KR" sz="1400" b="1" spc="-20" dirty="0" err="1" smtClean="0">
+                <a:latin typeface="맑은 고딕" pitchFamily="50" charset="-127"/>
+                <a:ea typeface="맑은 고딕" pitchFamily="50" charset="-127"/>
+              </a:rPr>
+              <a:t>MockMvc</a:t>
+            </a:r>
+            <a:r>
+              <a:rPr lang="en-US" altLang="ko-KR" sz="1400" b="1" spc="-20" dirty="0" smtClean="0">
+                <a:latin typeface="맑은 고딕" pitchFamily="50" charset="-127"/>
+                <a:ea typeface="맑은 고딕" pitchFamily="50" charset="-127"/>
+              </a:rPr>
+              <a:t>)</a:t>
+            </a:r>
+            <a:endParaRPr lang="en-US" altLang="ko-KR" sz="1400" spc="-20" dirty="0">
+              <a:solidFill>
+                <a:schemeClr val="tx2"/>
+              </a:solidFill>
+              <a:latin typeface="맑은 고딕" pitchFamily="50" charset="-127"/>
+              <a:ea typeface="맑은 고딕" pitchFamily="50" charset="-127"/>
+            </a:endParaRPr>
+          </a:p>
+        </p:txBody>
+      </p:sp>
+      <p:sp>
+        <p:nvSpPr>
+          <p:cNvPr id="11" name="TextBox 8"/>
+          <p:cNvSpPr txBox="1"/>
+          <p:nvPr/>
+        </p:nvSpPr>
+        <p:spPr>
+          <a:xfrm>
+            <a:off x="311501" y="188640"/>
+            <a:ext cx="4223412" cy="682238"/>
+          </a:xfrm>
+          <a:prstGeom prst="rect">
+            <a:avLst/>
+          </a:prstGeom>
+          <a:noFill/>
+        </p:spPr>
+        <p:txBody>
+          <a:bodyPr wrap="square" rtlCol="0">
+            <a:spAutoFit/>
+          </a:bodyPr>
+          <a:lstStyle/>
+          <a:p>
+            <a:pPr>
+              <a:lnSpc>
+                <a:spcPts val="2300"/>
+              </a:lnSpc>
+            </a:pPr>
+            <a:r>
+              <a:rPr lang="en-US" altLang="ko-KR" sz="1600" b="1" spc="-20" dirty="0" smtClean="0">
+                <a:latin typeface="맑은 고딕" pitchFamily="50" charset="-127"/>
+                <a:ea typeface="맑은 고딕" pitchFamily="50" charset="-127"/>
+              </a:rPr>
+              <a:t>4.  </a:t>
+            </a:r>
+            <a:r>
+              <a:rPr lang="en-US" altLang="ko-KR" sz="1600" b="1" spc="-20" dirty="0" smtClean="0">
+                <a:latin typeface="맑은 고딕" pitchFamily="50" charset="-127"/>
+                <a:ea typeface="맑은 고딕" pitchFamily="50" charset="-127"/>
+              </a:rPr>
+              <a:t>Spring </a:t>
+            </a:r>
+            <a:r>
+              <a:rPr lang="en-US" altLang="ko-KR" sz="1600" b="1" spc="-20" dirty="0" smtClean="0">
+                <a:latin typeface="맑은 고딕" pitchFamily="50" charset="-127"/>
+                <a:ea typeface="맑은 고딕" pitchFamily="50" charset="-127"/>
+              </a:rPr>
+              <a:t>Test MVC</a:t>
+            </a:r>
+            <a:r>
+              <a:rPr lang="en-US" altLang="ko-KR" sz="1600" b="1" spc="-20" dirty="0" smtClean="0">
+                <a:latin typeface="맑은 고딕" pitchFamily="50" charset="-127"/>
+                <a:ea typeface="맑은 고딕" pitchFamily="50" charset="-127"/>
+              </a:rPr>
+              <a:t/>
+            </a:r>
+            <a:br>
+              <a:rPr lang="en-US" altLang="ko-KR" sz="1600" b="1" spc="-20" dirty="0" smtClean="0">
+                <a:latin typeface="맑은 고딕" pitchFamily="50" charset="-127"/>
+                <a:ea typeface="맑은 고딕" pitchFamily="50" charset="-127"/>
+              </a:rPr>
+            </a:br>
+            <a:endParaRPr lang="en-US" altLang="ko-KR" sz="1600" b="1" spc="-20" dirty="0" smtClean="0">
+              <a:latin typeface="맑은 고딕" pitchFamily="50" charset="-127"/>
+              <a:ea typeface="맑은 고딕" pitchFamily="50" charset="-127"/>
+            </a:endParaRPr>
+          </a:p>
+        </p:txBody>
+      </p:sp>
+      <p:pic>
+        <p:nvPicPr>
+          <p:cNvPr id="2" name="그림 1"/>
+          <p:cNvPicPr>
+            <a:picLocks noChangeAspect="1"/>
+          </p:cNvPicPr>
+          <p:nvPr/>
+        </p:nvPicPr>
+        <p:blipFill>
+          <a:blip r:embed="rId2">
+            <a:extLst>
+              <a:ext uri="{28A0092B-C50C-407E-A947-70E740481C1C}">
+                <a14:useLocalDpi xmlns:a14="http://schemas.microsoft.com/office/drawing/2010/main" val="0"/>
+              </a:ext>
+            </a:extLst>
+          </a:blip>
+          <a:stretch>
+            <a:fillRect/>
+          </a:stretch>
+        </p:blipFill>
+        <p:spPr>
+          <a:xfrm>
+            <a:off x="0" y="2201182"/>
+            <a:ext cx="9144000" cy="3273663"/>
+          </a:xfrm>
+          <a:prstGeom prst="rect">
+            <a:avLst/>
+          </a:prstGeom>
+        </p:spPr>
+      </p:pic>
+      <p:sp>
+        <p:nvSpPr>
+          <p:cNvPr id="7" name="TextBox 14"/>
+          <p:cNvSpPr txBox="1"/>
+          <p:nvPr/>
+        </p:nvSpPr>
+        <p:spPr>
+          <a:xfrm>
+            <a:off x="1259632" y="1645912"/>
+            <a:ext cx="7632848" cy="415498"/>
+          </a:xfrm>
+          <a:prstGeom prst="rect">
+            <a:avLst/>
+          </a:prstGeom>
+          <a:noFill/>
+        </p:spPr>
+        <p:txBody>
+          <a:bodyPr wrap="square" rtlCol="0">
+            <a:spAutoFit/>
+          </a:bodyPr>
+          <a:lstStyle/>
+          <a:p>
+            <a:pPr marL="285750" indent="-285750">
+              <a:lnSpc>
+                <a:spcPct val="150000"/>
+              </a:lnSpc>
+              <a:buFont typeface="Wingdings" charset="2"/>
+              <a:buChar char="§"/>
+            </a:pPr>
+            <a:r>
+              <a:rPr lang="en-US" altLang="ko-KR" sz="1400" spc="-20" dirty="0" err="1" smtClean="0">
+                <a:latin typeface="맑은 고딕" pitchFamily="50" charset="-127"/>
+                <a:ea typeface="맑은 고딕" pitchFamily="50" charset="-127"/>
+              </a:rPr>
+              <a:t>MockMvc</a:t>
+            </a:r>
+            <a:r>
+              <a:rPr lang="ko-KR" altLang="en-US" sz="1400" spc="-20" dirty="0" smtClean="0">
+                <a:latin typeface="맑은 고딕" pitchFamily="50" charset="-127"/>
+                <a:ea typeface="맑은 고딕" pitchFamily="50" charset="-127"/>
+              </a:rPr>
+              <a:t> 테스트 출력 로그를 확인 시</a:t>
+            </a:r>
+            <a:r>
+              <a:rPr lang="en-US" altLang="ko-KR" sz="1400" spc="-20" dirty="0" smtClean="0">
+                <a:latin typeface="맑은 고딕" pitchFamily="50" charset="-127"/>
+                <a:ea typeface="맑은 고딕" pitchFamily="50" charset="-127"/>
+              </a:rPr>
+              <a:t>,</a:t>
+            </a:r>
+            <a:r>
+              <a:rPr lang="ko-KR" altLang="en-US" sz="1400" spc="-20" dirty="0" smtClean="0">
+                <a:latin typeface="맑은 고딕" pitchFamily="50" charset="-127"/>
+                <a:ea typeface="맑은 고딕" pitchFamily="50" charset="-127"/>
+              </a:rPr>
+              <a:t> 어떤 클래스를 거쳐서 요청이 처리되는지 확인 가능</a:t>
+            </a:r>
+            <a:endParaRPr lang="en-US" altLang="ko-KR" sz="1400" spc="-20" dirty="0" smtClean="0">
+              <a:latin typeface="맑은 고딕" pitchFamily="50" charset="-127"/>
+              <a:ea typeface="맑은 고딕" pitchFamily="50" charset="-127"/>
+            </a:endParaRPr>
+          </a:p>
+        </p:txBody>
+      </p:sp>
+    </p:spTree>
+    <p:extLst>
+      <p:ext uri="{BB962C8B-B14F-4D97-AF65-F5344CB8AC3E}">
+        <p14:creationId xmlns:p14="http://schemas.microsoft.com/office/powerpoint/2010/main" val="1853420772"/>
+      </p:ext>
+    </p:extLst>
+  </p:cSld>
+  <p:clrMapOvr>
+    <a:masterClrMapping/>
+  </p:clrMapOvr>
+  <p:transition>
+    <p:fade/>
+  </p:transition>
+  <p:timing>
+    <p:tnLst>
+      <p:par>
+        <p:cTn id="1" dur="indefinite" restart="never" nodeType="tmRoot"/>
+      </p:par>
+    </p:tnLst>
+  </p:timing>
+</p:sld>
+</file>
+
+<file path=ppt/slides/slide31.xml><?xml version="1.0" encoding="utf-8"?>
+<p:sld xmlns:a="http://schemas.openxmlformats.org/drawingml/2006/main" xmlns:r="http://schemas.openxmlformats.org/officeDocument/2006/relationships" xmlns:p="http://schemas.openxmlformats.org/presentationml/2006/main">
+  <p:cSld>
+    <p:spTree>
+      <p:nvGrpSpPr>
+        <p:cNvPr id="1" name=""/>
+        <p:cNvGrpSpPr/>
+        <p:nvPr/>
+      </p:nvGrpSpPr>
+      <p:grpSpPr>
+        <a:xfrm>
+          <a:off x="0" y="0"/>
+          <a:ext cx="0" cy="0"/>
+          <a:chOff x="0" y="0"/>
+          <a:chExt cx="0" cy="0"/>
+        </a:xfrm>
+      </p:grpSpPr>
+      <p:pic>
+        <p:nvPicPr>
+          <p:cNvPr id="4" name="그림 2"/>
+          <p:cNvPicPr>
+            <a:picLocks noChangeAspect="1"/>
+          </p:cNvPicPr>
+          <p:nvPr/>
+        </p:nvPicPr>
+        <p:blipFill>
+          <a:blip r:embed="rId3">
+            <a:extLst>
+              <a:ext uri="{28A0092B-C50C-407E-A947-70E740481C1C}">
+                <a14:useLocalDpi xmlns:a14="http://schemas.microsoft.com/office/drawing/2010/main" val="0"/>
+              </a:ext>
+            </a:extLst>
+          </a:blip>
+          <a:srcRect/>
+          <a:stretch>
+            <a:fillRect/>
+          </a:stretch>
+        </p:blipFill>
+        <p:spPr bwMode="auto">
+          <a:xfrm>
+            <a:off x="3175" y="0"/>
+            <a:ext cx="9137650" cy="6858000"/>
+          </a:xfrm>
+          <a:prstGeom prst="rect">
+            <a:avLst/>
+          </a:prstGeom>
+          <a:noFill/>
+          <a:ln>
+            <a:noFill/>
+          </a:ln>
+          <a:extLst>
+            <a:ext uri="{909E8E84-426E-40DD-AFC4-6F175D3DCCD1}">
+              <a14:hiddenFill xmlns:a14="http://schemas.microsoft.com/office/drawing/2010/main">
+                <a:solidFill>
+                  <a:srgbClr val="FFFFFF"/>
+                </a:solidFill>
+              </a14:hiddenFill>
+            </a:ext>
+            <a:ext uri="{91240B29-F687-4F45-9708-019B960494DF}">
+              <a14:hiddenLine xmlns:a14="http://schemas.microsoft.com/office/drawing/2010/main" w="9525">
+                <a:solidFill>
+                  <a:srgbClr val="000000"/>
+                </a:solidFill>
+                <a:miter lim="800000"/>
+                <a:headEnd/>
+                <a:tailEnd/>
+              </a14:hiddenLine>
+            </a:ext>
+          </a:extLst>
+        </p:spPr>
+      </p:pic>
+      <p:sp>
+        <p:nvSpPr>
+          <p:cNvPr id="6" name="TextBox 5"/>
+          <p:cNvSpPr txBox="1"/>
+          <p:nvPr/>
+        </p:nvSpPr>
+        <p:spPr>
+          <a:xfrm>
+            <a:off x="304770" y="2181216"/>
+            <a:ext cx="5214974" cy="923330"/>
+          </a:xfrm>
+          <a:prstGeom prst="rect">
+            <a:avLst/>
+          </a:prstGeom>
+          <a:noFill/>
+        </p:spPr>
+        <p:txBody>
+          <a:bodyPr wrap="square" rtlCol="0">
+            <a:spAutoFit/>
+          </a:bodyPr>
+          <a:lstStyle/>
+          <a:p>
+            <a:pPr marL="914400" indent="-914400"/>
+            <a:r>
+              <a:rPr lang="en-US" altLang="ko-KR" sz="5400" b="1" dirty="0" smtClean="0">
+                <a:latin typeface="Rubrik Medium" pitchFamily="50" charset="0"/>
+                <a:ea typeface="맑은 고딕" pitchFamily="50" charset="-127"/>
+              </a:rPr>
+              <a:t>Thank you.</a:t>
+            </a:r>
+            <a:endParaRPr lang="ko-KR" altLang="en-US" sz="5400" b="1" dirty="0">
+              <a:latin typeface="Rubrik Medium" pitchFamily="50" charset="0"/>
+              <a:ea typeface="맑은 고딕" pitchFamily="50" charset="-127"/>
+            </a:endParaRPr>
+          </a:p>
+        </p:txBody>
+      </p:sp>
+    </p:spTree>
+  </p:cSld>
+  <p:clrMapOvr>
+    <a:masterClrMapping/>
+  </p:clrMapOvr>
+  <p:transition>
+    <p:fade/>
+  </p:transition>
+  <p:timing>
+    <p:tnLst>
+      <p:par>
+        <p:cTn id="1" dur="indefinite" restart="never" nodeType="tmRoot"/>
+      </p:par>
+    </p:tnLst>
+  </p:timing>
+</p:sld>
+</file>
+
+<file path=ppt/slides/slide32.xml><?xml version="1.0" encoding="utf-8"?>
+<p:sld xmlns:a="http://schemas.openxmlformats.org/drawingml/2006/main" xmlns:r="http://schemas.openxmlformats.org/officeDocument/2006/relationships" xmlns:p="http://schemas.openxmlformats.org/presentationml/2006/main">
+  <p:cSld>
+    <p:spTree>
+      <p:nvGrpSpPr>
+        <p:cNvPr id="1" name=""/>
+        <p:cNvGrpSpPr/>
+        <p:nvPr/>
+      </p:nvGrpSpPr>
+      <p:grpSpPr>
+        <a:xfrm>
+          <a:off x="0" y="0"/>
+          <a:ext cx="0" cy="0"/>
+          <a:chOff x="0" y="0"/>
+          <a:chExt cx="0" cy="0"/>
+        </a:xfrm>
+      </p:grpSpPr>
+      <p:sp>
+        <p:nvSpPr>
+          <p:cNvPr id="2" name="TextBox 8"/>
+          <p:cNvSpPr txBox="1"/>
+          <p:nvPr/>
+        </p:nvSpPr>
+        <p:spPr>
+          <a:xfrm>
+            <a:off x="248574" y="169524"/>
+            <a:ext cx="4223412" cy="358240"/>
+          </a:xfrm>
+          <a:prstGeom prst="rect">
+            <a:avLst/>
+          </a:prstGeom>
+          <a:noFill/>
+        </p:spPr>
+        <p:txBody>
+          <a:bodyPr wrap="square" rtlCol="0">
+            <a:spAutoFit/>
+          </a:bodyPr>
+          <a:lstStyle/>
+          <a:p>
+            <a:pPr>
+              <a:lnSpc>
+                <a:spcPts val="2300"/>
+              </a:lnSpc>
+            </a:pPr>
+            <a:r>
+              <a:rPr lang="en-US" altLang="ko-KR" sz="1600" b="1" spc="-20" dirty="0" smtClean="0">
+                <a:latin typeface="맑은 고딕" pitchFamily="50" charset="-127"/>
+                <a:ea typeface="맑은 고딕" pitchFamily="50" charset="-127"/>
+              </a:rPr>
+              <a:t>1.1  </a:t>
+            </a:r>
+            <a:r>
+              <a:rPr lang="ko-KR" altLang="en-US" sz="1600" b="1" spc="-20" dirty="0" smtClean="0">
+                <a:latin typeface="맑은 고딕" pitchFamily="50" charset="-127"/>
+                <a:ea typeface="맑은 고딕" pitchFamily="50" charset="-127"/>
+              </a:rPr>
+              <a:t>예제 템플릿</a:t>
+            </a:r>
+            <a:endParaRPr lang="en-US" altLang="ko-KR" sz="1600" b="1" spc="-20" dirty="0" smtClean="0">
+              <a:latin typeface="맑은 고딕" pitchFamily="50" charset="-127"/>
+              <a:ea typeface="맑은 고딕" pitchFamily="50" charset="-127"/>
+            </a:endParaRPr>
+          </a:p>
+        </p:txBody>
+      </p:sp>
+      <p:sp>
+        <p:nvSpPr>
+          <p:cNvPr id="3" name="TextBox 9"/>
+          <p:cNvSpPr txBox="1"/>
+          <p:nvPr/>
+        </p:nvSpPr>
+        <p:spPr>
+          <a:xfrm>
+            <a:off x="705778" y="1155366"/>
+            <a:ext cx="4223412" cy="276999"/>
+          </a:xfrm>
+          <a:prstGeom prst="rect">
+            <a:avLst/>
+          </a:prstGeom>
+          <a:noFill/>
+        </p:spPr>
+        <p:txBody>
+          <a:bodyPr wrap="square" rtlCol="0">
+            <a:spAutoFit/>
+          </a:bodyPr>
+          <a:lstStyle/>
+          <a:p>
+            <a:r>
+              <a:rPr lang="ko-KR" altLang="en-US" sz="1200" b="1" spc="-20" dirty="0" smtClean="0">
+                <a:latin typeface="맑은 고딕" pitchFamily="50" charset="-127"/>
+                <a:ea typeface="맑은 고딕" pitchFamily="50" charset="-127"/>
+              </a:rPr>
+              <a:t>내용 제목</a:t>
+            </a:r>
+            <a:r>
+              <a:rPr lang="en-US" altLang="ko-KR" sz="1200" b="1" spc="-20" dirty="0" smtClean="0">
+                <a:latin typeface="맑은 고딕" pitchFamily="50" charset="-127"/>
+                <a:ea typeface="맑은 고딕" pitchFamily="50" charset="-127"/>
+              </a:rPr>
+              <a:t>: </a:t>
+            </a:r>
+            <a:r>
+              <a:rPr lang="ko-KR" altLang="en-US" sz="1200" b="1" spc="-20" dirty="0" smtClean="0">
+                <a:latin typeface="맑은 고딕" pitchFamily="50" charset="-127"/>
+                <a:ea typeface="맑은 고딕" pitchFamily="50" charset="-127"/>
+              </a:rPr>
+              <a:t>맑은 고딕 </a:t>
+            </a:r>
+            <a:r>
+              <a:rPr lang="en-US" altLang="ko-KR" sz="1200" b="1" spc="-20" dirty="0" smtClean="0">
+                <a:latin typeface="맑은 고딕" pitchFamily="50" charset="-127"/>
+                <a:ea typeface="맑은 고딕" pitchFamily="50" charset="-127"/>
+              </a:rPr>
+              <a:t>B, 12pt</a:t>
+            </a:r>
+          </a:p>
+        </p:txBody>
+      </p:sp>
+      <p:sp>
+        <p:nvSpPr>
+          <p:cNvPr id="4" name="TextBox 13"/>
+          <p:cNvSpPr txBox="1"/>
+          <p:nvPr/>
+        </p:nvSpPr>
+        <p:spPr>
+          <a:xfrm>
+            <a:off x="705778" y="1492554"/>
+            <a:ext cx="5223544" cy="1015663"/>
+          </a:xfrm>
+          <a:prstGeom prst="rect">
+            <a:avLst/>
+          </a:prstGeom>
+          <a:noFill/>
+        </p:spPr>
+        <p:txBody>
+          <a:bodyPr wrap="square" rtlCol="0">
+            <a:spAutoFit/>
+          </a:bodyPr>
+          <a:lstStyle/>
+          <a:p>
+            <a:pPr marL="228600" indent="-228600">
+              <a:lnSpc>
+                <a:spcPct val="150000"/>
+              </a:lnSpc>
+            </a:pPr>
+            <a:r>
+              <a:rPr lang="en-US" altLang="ko-KR" sz="1000" b="1" spc="-20" dirty="0" smtClean="0">
+                <a:latin typeface="맑은 고딕" pitchFamily="50" charset="-127"/>
+                <a:ea typeface="맑은 고딕" pitchFamily="50" charset="-127"/>
+              </a:rPr>
+              <a:t>1. </a:t>
+            </a:r>
+            <a:r>
+              <a:rPr lang="ko-KR" altLang="en-US" sz="1000" b="1" spc="-20" dirty="0" smtClean="0">
+                <a:latin typeface="맑은 고딕" pitchFamily="50" charset="-127"/>
+                <a:ea typeface="맑은 고딕" pitchFamily="50" charset="-127"/>
+              </a:rPr>
+              <a:t>소제목</a:t>
+            </a:r>
+            <a:r>
+              <a:rPr lang="en-US" altLang="ko-KR" sz="1000" b="1" spc="-20" dirty="0" smtClean="0">
+                <a:latin typeface="맑은 고딕" pitchFamily="50" charset="-127"/>
+                <a:ea typeface="맑은 고딕" pitchFamily="50" charset="-127"/>
+              </a:rPr>
+              <a:t>: </a:t>
+            </a:r>
+            <a:r>
+              <a:rPr lang="ko-KR" altLang="en-US" sz="1000" b="1" spc="-20" dirty="0" smtClean="0">
+                <a:latin typeface="맑은 고딕" pitchFamily="50" charset="-127"/>
+                <a:ea typeface="맑은 고딕" pitchFamily="50" charset="-127"/>
+              </a:rPr>
+              <a:t>맑은 고딕 </a:t>
+            </a:r>
+            <a:r>
+              <a:rPr lang="en-US" altLang="ko-KR" sz="1000" b="1" spc="-20" dirty="0" smtClean="0">
+                <a:latin typeface="맑은 고딕" pitchFamily="50" charset="-127"/>
+                <a:ea typeface="맑은 고딕" pitchFamily="50" charset="-127"/>
+              </a:rPr>
+              <a:t>B , 10pt</a:t>
+            </a:r>
+          </a:p>
+          <a:p>
+            <a:pPr marL="228600" indent="-228600">
+              <a:lnSpc>
+                <a:spcPct val="150000"/>
+              </a:lnSpc>
+            </a:pPr>
+            <a:r>
+              <a:rPr lang="en-US" altLang="ko-KR" sz="1000" spc="-20" dirty="0" smtClean="0">
+                <a:latin typeface="맑은 고딕" pitchFamily="50" charset="-127"/>
+                <a:ea typeface="맑은 고딕" pitchFamily="50" charset="-127"/>
+              </a:rPr>
+              <a:t>1) </a:t>
+            </a:r>
+            <a:r>
+              <a:rPr lang="ko-KR" altLang="en-US" sz="1000" spc="-20" dirty="0" smtClean="0">
+                <a:latin typeface="맑은 고딕" pitchFamily="50" charset="-127"/>
+                <a:ea typeface="맑은 고딕" pitchFamily="50" charset="-127"/>
+              </a:rPr>
+              <a:t>소제목 이하의 본문내용</a:t>
+            </a:r>
+            <a:r>
+              <a:rPr lang="en-US" altLang="ko-KR" sz="1000" spc="-20" dirty="0" smtClean="0">
+                <a:latin typeface="맑은 고딕" pitchFamily="50" charset="-127"/>
+                <a:ea typeface="맑은 고딕" pitchFamily="50" charset="-127"/>
+              </a:rPr>
+              <a:t>: </a:t>
+            </a:r>
+            <a:r>
+              <a:rPr lang="ko-KR" altLang="en-US" sz="1000" spc="-20" dirty="0" smtClean="0">
+                <a:latin typeface="맑은 고딕" pitchFamily="50" charset="-127"/>
+                <a:ea typeface="맑은 고딕" pitchFamily="50" charset="-127"/>
+              </a:rPr>
+              <a:t>맑은 고딕</a:t>
+            </a:r>
+            <a:r>
+              <a:rPr lang="en-US" altLang="ko-KR" sz="1000" spc="-20" dirty="0" smtClean="0">
+                <a:latin typeface="맑은 고딕" pitchFamily="50" charset="-127"/>
+                <a:ea typeface="맑은 고딕" pitchFamily="50" charset="-127"/>
+              </a:rPr>
+              <a:t>, 10pt</a:t>
+            </a:r>
+          </a:p>
+          <a:p>
+            <a:pPr marL="228600" indent="-228600">
+              <a:lnSpc>
+                <a:spcPct val="150000"/>
+              </a:lnSpc>
+            </a:pPr>
+            <a:r>
+              <a:rPr lang="ko-KR" altLang="en-US" sz="1000" dirty="0" smtClean="0">
+                <a:solidFill>
+                  <a:schemeClr val="tx1">
+                    <a:lumMod val="95000"/>
+                    <a:lumOff val="5000"/>
+                  </a:schemeClr>
+                </a:solidFill>
+                <a:latin typeface="맑은 고딕" pitchFamily="50" charset="-127"/>
+                <a:ea typeface="맑은 고딕" pitchFamily="50" charset="-127"/>
+              </a:rPr>
+              <a:t>    ① 상세항목의 내용</a:t>
+            </a:r>
+            <a:endParaRPr lang="en-US" altLang="ko-KR" sz="1000" dirty="0" smtClean="0">
+              <a:solidFill>
+                <a:schemeClr val="tx1">
+                  <a:lumMod val="95000"/>
+                  <a:lumOff val="5000"/>
+                </a:schemeClr>
+              </a:solidFill>
+              <a:latin typeface="맑은 고딕" pitchFamily="50" charset="-127"/>
+              <a:ea typeface="맑은 고딕" pitchFamily="50" charset="-127"/>
+            </a:endParaRPr>
+          </a:p>
+          <a:p>
+            <a:pPr marL="228600" indent="-228600">
+              <a:lnSpc>
+                <a:spcPct val="150000"/>
+              </a:lnSpc>
+            </a:pPr>
+            <a:r>
+              <a:rPr lang="en-US" altLang="ko-KR" sz="1000" spc="-20" dirty="0">
+                <a:solidFill>
+                  <a:schemeClr val="tx1">
+                    <a:lumMod val="95000"/>
+                    <a:lumOff val="5000"/>
+                  </a:schemeClr>
+                </a:solidFill>
+                <a:latin typeface="맑은 고딕" pitchFamily="50" charset="-127"/>
+                <a:ea typeface="맑은 고딕" pitchFamily="50" charset="-127"/>
+              </a:rPr>
+              <a:t> </a:t>
+            </a:r>
+            <a:r>
+              <a:rPr lang="en-US" altLang="ko-KR" sz="1000" spc="-20" dirty="0" smtClean="0">
+                <a:solidFill>
+                  <a:schemeClr val="tx1">
+                    <a:lumMod val="95000"/>
+                    <a:lumOff val="5000"/>
+                  </a:schemeClr>
+                </a:solidFill>
+                <a:latin typeface="맑은 고딕" pitchFamily="50" charset="-127"/>
+                <a:ea typeface="맑은 고딕" pitchFamily="50" charset="-127"/>
+              </a:rPr>
+              <a:t>         - </a:t>
+            </a:r>
+            <a:r>
+              <a:rPr lang="ko-KR" altLang="en-US" sz="1000" spc="-20" dirty="0" smtClean="0">
+                <a:solidFill>
+                  <a:schemeClr val="tx1">
+                    <a:lumMod val="95000"/>
+                    <a:lumOff val="5000"/>
+                  </a:schemeClr>
+                </a:solidFill>
+                <a:latin typeface="맑은 고딕" pitchFamily="50" charset="-127"/>
+                <a:ea typeface="맑은 고딕" pitchFamily="50" charset="-127"/>
+              </a:rPr>
+              <a:t>상세항목의 내용</a:t>
+            </a:r>
+            <a:endParaRPr lang="en-US" altLang="ko-KR" sz="1000" spc="-20" dirty="0" smtClean="0">
+              <a:solidFill>
+                <a:schemeClr val="tx1">
+                  <a:lumMod val="95000"/>
+                  <a:lumOff val="5000"/>
+                </a:schemeClr>
+              </a:solidFill>
+              <a:latin typeface="맑은 고딕" pitchFamily="50" charset="-127"/>
+              <a:ea typeface="맑은 고딕" pitchFamily="50" charset="-127"/>
+            </a:endParaRPr>
+          </a:p>
+        </p:txBody>
+      </p:sp>
+      <p:sp>
+        <p:nvSpPr>
+          <p:cNvPr id="5" name="TextBox 14"/>
+          <p:cNvSpPr txBox="1"/>
+          <p:nvPr/>
+        </p:nvSpPr>
+        <p:spPr>
+          <a:xfrm>
+            <a:off x="705778" y="2574602"/>
+            <a:ext cx="5223544" cy="784830"/>
+          </a:xfrm>
+          <a:prstGeom prst="rect">
+            <a:avLst/>
+          </a:prstGeom>
+          <a:noFill/>
+        </p:spPr>
+        <p:txBody>
+          <a:bodyPr wrap="square" rtlCol="0">
+            <a:spAutoFit/>
+          </a:bodyPr>
+          <a:lstStyle/>
+          <a:p>
+            <a:pPr marL="228600" indent="-228600">
+              <a:lnSpc>
+                <a:spcPct val="150000"/>
+              </a:lnSpc>
+            </a:pPr>
+            <a:r>
+              <a:rPr lang="ko-KR" altLang="en-US" sz="1000" spc="-20" dirty="0" smtClean="0">
+                <a:latin typeface="맑은 고딕" pitchFamily="50" charset="-127"/>
+                <a:ea typeface="맑은 고딕" pitchFamily="50" charset="-127"/>
+              </a:rPr>
+              <a:t>본문 내용의 글꼴 크기</a:t>
+            </a:r>
+            <a:endParaRPr lang="en-US" altLang="ko-KR" sz="1000" spc="-20" dirty="0" smtClean="0">
+              <a:latin typeface="맑은 고딕" pitchFamily="50" charset="-127"/>
+              <a:ea typeface="맑은 고딕" pitchFamily="50" charset="-127"/>
+            </a:endParaRPr>
+          </a:p>
+          <a:p>
+            <a:pPr marL="228600" indent="-228600" algn="l" defTabSz="914400" rtl="0" eaLnBrk="1" latinLnBrk="1" hangingPunct="1">
+              <a:lnSpc>
+                <a:spcPct val="150000"/>
+              </a:lnSpc>
+            </a:pPr>
+            <a:r>
+              <a:rPr lang="ko-KR" altLang="en-US" sz="1000" kern="1200" spc="-20" dirty="0" smtClean="0">
+                <a:solidFill>
+                  <a:schemeClr val="bg2"/>
+                </a:solidFill>
+                <a:latin typeface="맑은 고딕" pitchFamily="50" charset="-127"/>
+                <a:ea typeface="맑은 고딕" pitchFamily="50" charset="-127"/>
+              </a:rPr>
+              <a:t>화면에서의 가독성을 고려하여 최소 </a:t>
+            </a:r>
+            <a:r>
+              <a:rPr lang="en-US" altLang="ko-KR" sz="1000" kern="1200" spc="-20" dirty="0" smtClean="0">
+                <a:solidFill>
+                  <a:schemeClr val="bg2"/>
+                </a:solidFill>
+                <a:latin typeface="맑은 고딕" pitchFamily="50" charset="-127"/>
+                <a:ea typeface="맑은 고딕" pitchFamily="50" charset="-127"/>
+              </a:rPr>
+              <a:t>10pt</a:t>
+            </a:r>
+            <a:r>
+              <a:rPr lang="ko-KR" altLang="en-US" sz="1000" kern="1200" spc="-20" dirty="0" smtClean="0">
+                <a:solidFill>
+                  <a:schemeClr val="bg2"/>
+                </a:solidFill>
+                <a:latin typeface="맑은 고딕" pitchFamily="50" charset="-127"/>
+                <a:ea typeface="맑은 고딕" pitchFamily="50" charset="-127"/>
+              </a:rPr>
+              <a:t>로 권장합니다</a:t>
+            </a:r>
+            <a:r>
+              <a:rPr lang="en-US" altLang="ko-KR" sz="1000" kern="1200" spc="-20" dirty="0" smtClean="0">
+                <a:solidFill>
+                  <a:schemeClr val="bg2"/>
+                </a:solidFill>
+                <a:latin typeface="맑은 고딕" pitchFamily="50" charset="-127"/>
+                <a:ea typeface="맑은 고딕" pitchFamily="50" charset="-127"/>
+              </a:rPr>
+              <a:t>.</a:t>
+            </a:r>
+          </a:p>
+          <a:p>
+            <a:pPr marL="228600" indent="-228600" algn="l" defTabSz="914400" rtl="0" eaLnBrk="1" latinLnBrk="1" hangingPunct="1">
+              <a:lnSpc>
+                <a:spcPct val="150000"/>
+              </a:lnSpc>
+            </a:pPr>
+            <a:r>
+              <a:rPr lang="ko-KR" altLang="en-US" sz="1000" kern="1200" spc="-20" dirty="0" smtClean="0">
+                <a:solidFill>
+                  <a:schemeClr val="tx1"/>
+                </a:solidFill>
+                <a:latin typeface="맑은 고딕" pitchFamily="50" charset="-127"/>
+                <a:ea typeface="맑은 고딕" pitchFamily="50" charset="-127"/>
+              </a:rPr>
+              <a:t>다만</a:t>
+            </a:r>
+            <a:r>
+              <a:rPr lang="en-US" altLang="ko-KR" sz="1000" kern="1200" spc="-20" dirty="0" smtClean="0">
+                <a:solidFill>
+                  <a:schemeClr val="tx1"/>
+                </a:solidFill>
+                <a:latin typeface="맑은 고딕" pitchFamily="50" charset="-127"/>
+                <a:ea typeface="맑은 고딕" pitchFamily="50" charset="-127"/>
+              </a:rPr>
+              <a:t>, </a:t>
+            </a:r>
+            <a:r>
+              <a:rPr lang="ko-KR" altLang="en-US" sz="1000" kern="1200" spc="-20" dirty="0" smtClean="0">
+                <a:solidFill>
+                  <a:schemeClr val="tx1"/>
+                </a:solidFill>
+                <a:latin typeface="맑은 고딕" pitchFamily="50" charset="-127"/>
+                <a:ea typeface="맑은 고딕" pitchFamily="50" charset="-127"/>
+              </a:rPr>
+              <a:t>캡션으로 사용하는 경우 등 상황에 따라 </a:t>
+            </a:r>
+            <a:r>
+              <a:rPr lang="en-US" altLang="ko-KR" sz="1000" kern="1200" spc="-20" dirty="0" smtClean="0">
+                <a:solidFill>
+                  <a:schemeClr val="tx1"/>
+                </a:solidFill>
+                <a:latin typeface="맑은 고딕" pitchFamily="50" charset="-127"/>
+                <a:ea typeface="맑은 고딕" pitchFamily="50" charset="-127"/>
+              </a:rPr>
+              <a:t>10</a:t>
+            </a:r>
+            <a:r>
+              <a:rPr lang="en-US" altLang="ko-KR" sz="1000" spc="-20" dirty="0" smtClean="0">
+                <a:latin typeface="맑은 고딕" pitchFamily="50" charset="-127"/>
+                <a:ea typeface="맑은 고딕" pitchFamily="50" charset="-127"/>
+              </a:rPr>
+              <a:t>pt </a:t>
+            </a:r>
+            <a:r>
+              <a:rPr lang="ko-KR" altLang="en-US" sz="1000" kern="1200" spc="-20" dirty="0" smtClean="0">
+                <a:solidFill>
+                  <a:schemeClr val="tx1"/>
+                </a:solidFill>
+                <a:latin typeface="맑은 고딕" pitchFamily="50" charset="-127"/>
+                <a:ea typeface="맑은 고딕" pitchFamily="50" charset="-127"/>
+              </a:rPr>
+              <a:t>미만으로 사용하실 수 있습니다</a:t>
+            </a:r>
+            <a:r>
+              <a:rPr lang="en-US" altLang="ko-KR" sz="1000" kern="1200" spc="-20" dirty="0" smtClean="0">
+                <a:solidFill>
+                  <a:schemeClr val="tx1"/>
+                </a:solidFill>
+                <a:latin typeface="맑은 고딕" pitchFamily="50" charset="-127"/>
+                <a:ea typeface="맑은 고딕" pitchFamily="50" charset="-127"/>
+              </a:rPr>
+              <a:t>.</a:t>
+            </a:r>
+          </a:p>
+        </p:txBody>
+      </p:sp>
+      <p:sp>
+        <p:nvSpPr>
+          <p:cNvPr id="6" name="TextBox 15"/>
+          <p:cNvSpPr txBox="1"/>
+          <p:nvPr/>
+        </p:nvSpPr>
+        <p:spPr>
+          <a:xfrm>
+            <a:off x="705778" y="3441382"/>
+            <a:ext cx="5223544" cy="784830"/>
+          </a:xfrm>
+          <a:prstGeom prst="rect">
+            <a:avLst/>
+          </a:prstGeom>
+          <a:noFill/>
+        </p:spPr>
+        <p:txBody>
+          <a:bodyPr wrap="square" rtlCol="0">
+            <a:spAutoFit/>
+          </a:bodyPr>
+          <a:lstStyle/>
+          <a:p>
+            <a:pPr marL="228600" indent="-228600">
+              <a:lnSpc>
+                <a:spcPct val="150000"/>
+              </a:lnSpc>
+            </a:pPr>
+            <a:r>
+              <a:rPr lang="ko-KR" altLang="en-US" sz="1000" spc="-20" dirty="0" smtClean="0">
+                <a:latin typeface="맑은 고딕" pitchFamily="50" charset="-127"/>
+                <a:ea typeface="맑은 고딕" pitchFamily="50" charset="-127"/>
+              </a:rPr>
+              <a:t>본문 내용의 줄간격</a:t>
+            </a:r>
+            <a:endParaRPr lang="en-US" altLang="ko-KR" sz="1000" spc="-20" dirty="0" smtClean="0">
+              <a:latin typeface="맑은 고딕" pitchFamily="50" charset="-127"/>
+              <a:ea typeface="맑은 고딕" pitchFamily="50" charset="-127"/>
+            </a:endParaRPr>
+          </a:p>
+          <a:p>
+            <a:pPr marL="228600" indent="-228600" algn="l" defTabSz="914400" rtl="0" eaLnBrk="1" latinLnBrk="1" hangingPunct="1">
+              <a:lnSpc>
+                <a:spcPct val="150000"/>
+              </a:lnSpc>
+            </a:pPr>
+            <a:r>
+              <a:rPr lang="ko-KR" altLang="en-US" sz="1000" spc="-20" dirty="0" smtClean="0">
+                <a:solidFill>
+                  <a:schemeClr val="bg2"/>
+                </a:solidFill>
+                <a:latin typeface="맑은 고딕" pitchFamily="50" charset="-127"/>
+                <a:ea typeface="맑은 고딕" pitchFamily="50" charset="-127"/>
+              </a:rPr>
+              <a:t>기본 줄간격은 </a:t>
+            </a:r>
+            <a:r>
+              <a:rPr lang="en-US" altLang="ko-KR" sz="1000" spc="-20" dirty="0" smtClean="0">
+                <a:solidFill>
+                  <a:schemeClr val="bg2"/>
+                </a:solidFill>
+                <a:latin typeface="맑은 고딕" pitchFamily="50" charset="-127"/>
+                <a:ea typeface="맑은 고딕" pitchFamily="50" charset="-127"/>
+              </a:rPr>
+              <a:t>1.5</a:t>
+            </a:r>
+            <a:r>
+              <a:rPr lang="ko-KR" altLang="en-US" sz="1000" spc="-20" dirty="0" smtClean="0">
+                <a:solidFill>
+                  <a:schemeClr val="bg2"/>
+                </a:solidFill>
+                <a:latin typeface="맑은 고딕" pitchFamily="50" charset="-127"/>
+                <a:ea typeface="맑은 고딕" pitchFamily="50" charset="-127"/>
+              </a:rPr>
+              <a:t>배입니다</a:t>
+            </a:r>
+            <a:r>
+              <a:rPr lang="en-US" altLang="ko-KR" sz="1000" spc="-20" dirty="0" smtClean="0">
+                <a:solidFill>
+                  <a:schemeClr val="bg2"/>
+                </a:solidFill>
+                <a:latin typeface="맑은 고딕" pitchFamily="50" charset="-127"/>
+                <a:ea typeface="맑은 고딕" pitchFamily="50" charset="-127"/>
+              </a:rPr>
+              <a:t>.</a:t>
+            </a:r>
+          </a:p>
+          <a:p>
+            <a:pPr marL="228600" indent="-228600" algn="l" defTabSz="914400" rtl="0" eaLnBrk="1" latinLnBrk="1" hangingPunct="1">
+              <a:lnSpc>
+                <a:spcPct val="150000"/>
+              </a:lnSpc>
+            </a:pPr>
+            <a:r>
+              <a:rPr lang="ko-KR" altLang="en-US" sz="1000" spc="-20" dirty="0" smtClean="0">
+                <a:latin typeface="맑은 고딕" pitchFamily="50" charset="-127"/>
+                <a:ea typeface="맑은 고딕" pitchFamily="50" charset="-127"/>
+              </a:rPr>
+              <a:t>상황에 따라 조절하실 수 있습니다</a:t>
+            </a:r>
+            <a:r>
+              <a:rPr lang="en-US" altLang="ko-KR" sz="1000" spc="-20" dirty="0" smtClean="0">
+                <a:latin typeface="맑은 고딕" pitchFamily="50" charset="-127"/>
+                <a:ea typeface="맑은 고딕" pitchFamily="50" charset="-127"/>
+              </a:rPr>
+              <a:t>.</a:t>
+            </a:r>
+          </a:p>
+        </p:txBody>
+      </p:sp>
+      <p:sp>
+        <p:nvSpPr>
+          <p:cNvPr id="7" name="TextBox 16"/>
+          <p:cNvSpPr txBox="1"/>
+          <p:nvPr/>
+        </p:nvSpPr>
+        <p:spPr>
+          <a:xfrm>
+            <a:off x="705778" y="4293876"/>
+            <a:ext cx="5223544" cy="784830"/>
+          </a:xfrm>
+          <a:prstGeom prst="rect">
+            <a:avLst/>
+          </a:prstGeom>
+          <a:noFill/>
+        </p:spPr>
+        <p:txBody>
+          <a:bodyPr wrap="square" rtlCol="0">
+            <a:spAutoFit/>
+          </a:bodyPr>
+          <a:lstStyle/>
+          <a:p>
+            <a:pPr marL="228600" indent="-228600">
+              <a:lnSpc>
+                <a:spcPct val="150000"/>
+              </a:lnSpc>
+            </a:pPr>
+            <a:r>
+              <a:rPr lang="ko-KR" altLang="en-US" sz="1000" spc="-20" dirty="0" smtClean="0">
+                <a:latin typeface="맑은 고딕" pitchFamily="50" charset="-127"/>
+                <a:ea typeface="맑은 고딕" pitchFamily="50" charset="-127"/>
+              </a:rPr>
+              <a:t>본문 내용의 글자간격</a:t>
+            </a:r>
+            <a:endParaRPr lang="en-US" altLang="ko-KR" sz="1000" spc="-20" dirty="0" smtClean="0">
+              <a:latin typeface="맑은 고딕" pitchFamily="50" charset="-127"/>
+              <a:ea typeface="맑은 고딕" pitchFamily="50" charset="-127"/>
+            </a:endParaRPr>
+          </a:p>
+          <a:p>
+            <a:pPr marL="228600" indent="-228600" algn="l" defTabSz="914400" rtl="0" eaLnBrk="1" latinLnBrk="1" hangingPunct="1">
+              <a:lnSpc>
+                <a:spcPct val="150000"/>
+              </a:lnSpc>
+            </a:pPr>
+            <a:r>
+              <a:rPr lang="ko-KR" altLang="en-US" sz="1000" spc="-20" dirty="0" smtClean="0">
+                <a:solidFill>
+                  <a:schemeClr val="bg2"/>
+                </a:solidFill>
+                <a:latin typeface="맑은 고딕" pitchFamily="50" charset="-127"/>
+                <a:ea typeface="맑은 고딕" pitchFamily="50" charset="-127"/>
+              </a:rPr>
+              <a:t>기본 글자간격은  좁게 </a:t>
+            </a:r>
+            <a:r>
+              <a:rPr lang="en-US" altLang="ko-KR" sz="1000" spc="-20" dirty="0" smtClean="0">
+                <a:solidFill>
+                  <a:schemeClr val="bg2"/>
+                </a:solidFill>
+                <a:latin typeface="맑은 고딕" pitchFamily="50" charset="-127"/>
+                <a:ea typeface="맑은 고딕" pitchFamily="50" charset="-127"/>
+              </a:rPr>
+              <a:t>0.2pt </a:t>
+            </a:r>
+            <a:r>
+              <a:rPr lang="ko-KR" altLang="en-US" sz="1000" spc="-20" dirty="0" smtClean="0">
+                <a:solidFill>
+                  <a:schemeClr val="bg2"/>
+                </a:solidFill>
+                <a:latin typeface="맑은 고딕" pitchFamily="50" charset="-127"/>
+                <a:ea typeface="맑은 고딕" pitchFamily="50" charset="-127"/>
+              </a:rPr>
+              <a:t>입니다</a:t>
+            </a:r>
+            <a:r>
+              <a:rPr lang="en-US" altLang="ko-KR" sz="1000" spc="-20" dirty="0" smtClean="0">
+                <a:solidFill>
+                  <a:schemeClr val="bg2"/>
+                </a:solidFill>
+                <a:latin typeface="맑은 고딕" pitchFamily="50" charset="-127"/>
+                <a:ea typeface="맑은 고딕" pitchFamily="50" charset="-127"/>
+              </a:rPr>
+              <a:t>.</a:t>
+            </a:r>
+          </a:p>
+          <a:p>
+            <a:pPr marL="228600" indent="-228600" algn="l" defTabSz="914400" rtl="0" eaLnBrk="1" latinLnBrk="1" hangingPunct="1">
+              <a:lnSpc>
+                <a:spcPct val="150000"/>
+              </a:lnSpc>
+            </a:pPr>
+            <a:r>
+              <a:rPr lang="ko-KR" altLang="en-US" sz="1000" spc="-20" dirty="0" smtClean="0">
+                <a:latin typeface="맑은 고딕" pitchFamily="50" charset="-127"/>
+                <a:ea typeface="맑은 고딕" pitchFamily="50" charset="-127"/>
+              </a:rPr>
+              <a:t>상황에 따라 조절하실 수 있습니다</a:t>
+            </a:r>
+            <a:r>
+              <a:rPr lang="en-US" altLang="ko-KR" sz="1000" spc="-20" dirty="0" smtClean="0">
+                <a:latin typeface="맑은 고딕" pitchFamily="50" charset="-127"/>
+                <a:ea typeface="맑은 고딕" pitchFamily="50" charset="-127"/>
+              </a:rPr>
+              <a:t>.</a:t>
+            </a:r>
+          </a:p>
+        </p:txBody>
+      </p:sp>
+    </p:spTree>
+    <p:extLst>
+      <p:ext uri="{BB962C8B-B14F-4D97-AF65-F5344CB8AC3E}">
+        <p14:creationId xmlns:p14="http://schemas.microsoft.com/office/powerpoint/2010/main" val="1734484868"/>
+      </p:ext>
+    </p:extLst>
+  </p:cSld>
+  <p:clrMapOvr>
+    <a:masterClrMapping/>
+  </p:clrMapOvr>
+  <p:transition>
+    <p:fade/>
+  </p:transition>
+  <p:timing>
+    <p:tnLst>
+      <p:par>
+        <p:cTn id="1" dur="indefinite" restart="never" nodeType="tmRoot"/>
+      </p:par>
+    </p:tnLst>
+  </p:timing>
+</p:sld>
+</file>
+
 <file path=ppt/slides/slide4.xml><?xml version="1.0" encoding="utf-8"?>
 <p:sld xmlns:a="http://schemas.openxmlformats.org/drawingml/2006/main" xmlns:r="http://schemas.openxmlformats.org/officeDocument/2006/relationships" xmlns:p="http://schemas.openxmlformats.org/presentationml/2006/main">
   <p:cSld>
@@ -13274,14 +14976,7 @@
                 <a:latin typeface="맑은 고딕" pitchFamily="50" charset="-127"/>
                 <a:ea typeface="맑은 고딕" pitchFamily="50" charset="-127"/>
               </a:rPr>
-              <a:t>1.  </a:t>
-            </a:r>
-            <a:r>
-              <a:rPr lang="en-US" altLang="ko-KR" sz="1600" b="1" spc="-20" dirty="0" smtClean="0">
-                <a:latin typeface="맑은 고딕" pitchFamily="50" charset="-127"/>
-                <a:ea typeface="맑은 고딕" pitchFamily="50" charset="-127"/>
-              </a:rPr>
-              <a:t>MV</a:t>
+              <a:t>1.  MV</a:t>
             </a:r>
             <a:r>
               <a:rPr lang="en-US" altLang="ko-KR" sz="1600" b="1" spc="-20" dirty="0">
@@ -14546,7 +16241,7 @@
         </p:nvGraphicFramePr>
         <p:xfrm>
           <a:off x="467544" y="4005064"/>
-          <a:ext cx="8280920" cy="2169463"/>
+          <a:ext cx="8280920" cy="2240201"/>
         </p:xfrm>
         <a:graphic>
           <a:graphicData uri="http://schemas.openxmlformats.org/drawingml/2006/table">
@@ -15031,10 +16726,6 @@
               </a:rPr>
               <a:t>MVC</a:t>
             </a:r>
-            <a:endParaRPr lang="en-US" altLang="ko-KR" sz="3600" b="1" spc="-100" dirty="0" smtClean="0">
-              <a:latin typeface="맑은 고딕" pitchFamily="50" charset="-127"/>
-              <a:ea typeface="맑은 고딕" pitchFamily="50" charset="-127"/>
-            </a:endParaRPr>
           </a:p>
         </p:txBody>
       </p:sp>
@@ -15224,7 +16915,7 @@
         </p:nvGraphicFramePr>
         <p:xfrm>
           <a:off x="467544" y="2708920"/>
-          <a:ext cx="8280920" cy="3365049"/>
+          <a:ext cx="8280920" cy="3400418"/>
         </p:xfrm>
         <a:graphic>
           <a:graphicData uri="http://schemas.openxmlformats.org/drawingml/2006/table">

--- a/09_Spring_Framework_MVC.pptx
+++ b/09_Spring_Framework_MVC.pptx
@@ -310,7 +310,7 @@
                 <a:ea typeface="Rix고딕 EB" pitchFamily="18" charset="-127"/>
               </a:rPr>
               <a:pPr/>
-              <a:t>2017. 7. 20.</a:t>
+              <a:t>2017. 7. 21.</a:t>
             </a:fld>
             <a:endParaRPr lang="ko-KR" altLang="en-US" dirty="0">
               <a:latin typeface="Rix고딕 EB" pitchFamily="18" charset="-127"/>
@@ -496,7 +496,7 @@
             <a:fld id="{BC005E11-9FC4-4559-BF01-B81AA1525F34}" type="datetimeFigureOut">
               <a:rPr lang="ko-KR" altLang="en-US" smtClean="0"/>
               <a:pPr/>
-              <a:t>2017. 7. 20.</a:t>
+              <a:t>2017. 7. 21.</a:t>
             </a:fld>
             <a:endParaRPr lang="ko-KR" altLang="en-US" dirty="0"/>
           </a:p>
@@ -5197,14 +5197,7 @@
                 <a:latin typeface="맑은 고딕" pitchFamily="50" charset="-127"/>
                 <a:ea typeface="맑은 고딕" pitchFamily="50" charset="-127"/>
               </a:rPr>
-              <a:t>AbstractAnnotationConfigDispatcherServletInitial</a:t>
-            </a:r>
-            <a:r>
-              <a:rPr lang="en-US" altLang="ko-KR" sz="1400" spc="-20" dirty="0" err="1" smtClean="0">
-                <a:latin typeface="맑은 고딕" pitchFamily="50" charset="-127"/>
-                <a:ea typeface="맑은 고딕" pitchFamily="50" charset="-127"/>
-              </a:rPr>
-              <a:t>izer</a:t>
+              <a:t>AbstractAnnotationConfigDispatcherServletInitializer</a:t>
             </a:r>
             <a:r>
               <a:rPr lang="en-US" altLang="ko-KR" sz="1400" spc="-20" dirty="0" smtClean="0">
@@ -5577,10 +5570,6 @@
               </a:rPr>
               <a:t>)</a:t>
             </a:r>
-            <a:endParaRPr lang="en-US" altLang="ko-KR" sz="1400" spc="-20" dirty="0" smtClean="0">
-              <a:latin typeface="맑은 고딕" pitchFamily="50" charset="-127"/>
-              <a:ea typeface="맑은 고딕" pitchFamily="50" charset="-127"/>
-            </a:endParaRPr>
           </a:p>
         </p:txBody>
       </p:sp>
@@ -9389,8 +9378,19 @@
                 <a:latin typeface="맑은 고딕" pitchFamily="50" charset="-127"/>
                 <a:ea typeface="맑은 고딕" pitchFamily="50" charset="-127"/>
               </a:rPr>
-              <a:t> Aspect Oriented Programming</a:t>
-            </a:r>
+              <a:t> </a:t>
+            </a:r>
+            <a:r>
+              <a:rPr lang="en-US" altLang="ko-KR" sz="1600" b="1" spc="-20" dirty="0" smtClean="0">
+                <a:latin typeface="맑은 고딕" pitchFamily="50" charset="-127"/>
+                <a:ea typeface="맑은 고딕" pitchFamily="50" charset="-127"/>
+              </a:rPr>
+              <a:t>MVC Pattern</a:t>
+            </a:r>
+            <a:endParaRPr lang="en-US" altLang="ko-KR" sz="1600" b="1" spc="-20" dirty="0" smtClean="0">
+              <a:latin typeface="맑은 고딕" pitchFamily="50" charset="-127"/>
+              <a:ea typeface="맑은 고딕" pitchFamily="50" charset="-127"/>
+            </a:endParaRPr>
           </a:p>
         </p:txBody>
       </p:sp>
@@ -9435,8 +9435,19 @@
                 <a:latin typeface="맑은 고딕" pitchFamily="50" charset="-127"/>
                 <a:ea typeface="맑은 고딕" pitchFamily="50" charset="-127"/>
               </a:rPr>
-              <a:t> Spring AOP</a:t>
-            </a:r>
+              <a:t> </a:t>
+            </a:r>
+            <a:r>
+              <a:rPr lang="en-US" altLang="ko-KR" sz="1600" b="1" spc="-20" dirty="0" smtClean="0">
+                <a:latin typeface="맑은 고딕" pitchFamily="50" charset="-127"/>
+                <a:ea typeface="맑은 고딕" pitchFamily="50" charset="-127"/>
+              </a:rPr>
+              <a:t>Spring MVC</a:t>
+            </a:r>
+            <a:endParaRPr lang="en-US" altLang="ko-KR" sz="1600" b="1" spc="-20" dirty="0" smtClean="0">
+              <a:latin typeface="맑은 고딕" pitchFamily="50" charset="-127"/>
+              <a:ea typeface="맑은 고딕" pitchFamily="50" charset="-127"/>
+            </a:endParaRPr>
           </a:p>
         </p:txBody>
       </p:sp>
@@ -9481,14 +9492,64 @@
                 <a:latin typeface="맑은 고딕" pitchFamily="50" charset="-127"/>
                 <a:ea typeface="맑은 고딕" pitchFamily="50" charset="-127"/>
               </a:rPr>
-              <a:t> Spring AOP </a:t>
+              <a:t> </a:t>
+            </a:r>
+            <a:r>
+              <a:rPr lang="en-US" altLang="ko-KR" sz="1600" b="1" spc="-20" dirty="0" smtClean="0">
+                <a:latin typeface="맑은 고딕" pitchFamily="50" charset="-127"/>
+                <a:ea typeface="맑은 고딕" pitchFamily="50" charset="-127"/>
+              </a:rPr>
+              <a:t>Spring MVC Annotation</a:t>
+            </a:r>
+            <a:endParaRPr lang="en-US" altLang="ko-KR" sz="1600" b="1" spc="-20" dirty="0" smtClean="0">
+              <a:latin typeface="맑은 고딕" pitchFamily="50" charset="-127"/>
+              <a:ea typeface="맑은 고딕" pitchFamily="50" charset="-127"/>
+            </a:endParaRPr>
+          </a:p>
+        </p:txBody>
+      </p:sp>
+      <p:sp>
+        <p:nvSpPr>
+          <p:cNvPr id="8" name="TextBox 19"/>
+          <p:cNvSpPr txBox="1"/>
+          <p:nvPr/>
+        </p:nvSpPr>
+        <p:spPr>
+          <a:xfrm>
+            <a:off x="240954" y="3586017"/>
+            <a:ext cx="5915222" cy="338554"/>
+          </a:xfrm>
+          <a:prstGeom prst="rect">
+            <a:avLst/>
+          </a:prstGeom>
+          <a:noFill/>
+        </p:spPr>
+        <p:txBody>
+          <a:bodyPr wrap="square" rtlCol="0">
+            <a:spAutoFit/>
+          </a:bodyPr>
+          <a:lstStyle/>
+          <a:p>
+            <a:r>
+              <a:rPr lang="en-US" altLang="ko-KR" sz="1600" b="1" spc="-20" dirty="0" smtClean="0">
+                <a:latin typeface="맑은 고딕" pitchFamily="50" charset="-127"/>
+                <a:ea typeface="맑은 고딕" pitchFamily="50" charset="-127"/>
+              </a:rPr>
+              <a:t>4.</a:t>
             </a:r>
             <a:r>
               <a:rPr lang="ko-KR" altLang="en-US" sz="1600" b="1" spc="-20" dirty="0" smtClean="0">
                 <a:latin typeface="맑은 고딕" pitchFamily="50" charset="-127"/>
                 <a:ea typeface="맑은 고딕" pitchFamily="50" charset="-127"/>
               </a:rPr>
-              <a:t>매커니즘</a:t>
+              <a:t> </a:t>
+            </a:r>
+            <a:r>
+              <a:rPr lang="en-US" altLang="ko-KR" sz="1600" b="1" spc="-20" dirty="0" smtClean="0">
+                <a:latin typeface="맑은 고딕" pitchFamily="50" charset="-127"/>
+                <a:ea typeface="맑은 고딕" pitchFamily="50" charset="-127"/>
+              </a:rPr>
+              <a:t> Spring Test MVC</a:t>
             </a:r>
             <a:endParaRPr lang="en-US" altLang="ko-KR" sz="1600" b="1" spc="-20" dirty="0" smtClean="0">
               <a:latin typeface="맑은 고딕" pitchFamily="50" charset="-127"/>
@@ -12162,7 +12223,7 @@
         </p:nvGraphicFramePr>
         <p:xfrm>
           <a:off x="1403648" y="2085452"/>
-          <a:ext cx="7488832" cy="4165142"/>
+          <a:ext cx="7488832" cy="4306618"/>
         </p:xfrm>
         <a:graphic>
           <a:graphicData uri="http://schemas.openxmlformats.org/drawingml/2006/table">
@@ -12533,7 +12594,6 @@
                         <a:rPr lang="en-US" altLang="ko-KR" sz="1200" baseline="0" dirty="0" smtClean="0"/>
                         <a:t>} </a:t>
                       </a:r>
-                      <a:endParaRPr lang="en-US" altLang="ko-KR" sz="1200" baseline="0" dirty="0" smtClean="0"/>
                     </a:p>
                   </a:txBody>
                   <a:tcPr anchor="ctr"/>
@@ -12913,14 +12973,7 @@
                 <a:latin typeface="맑은 고딕" pitchFamily="50" charset="-127"/>
                 <a:ea typeface="맑은 고딕" pitchFamily="50" charset="-127"/>
               </a:rPr>
-              <a:t>4.  </a:t>
-            </a:r>
-            <a:r>
-              <a:rPr lang="en-US" altLang="ko-KR" sz="4000" b="1" spc="-100" dirty="0" smtClean="0">
-                <a:latin typeface="맑은 고딕" pitchFamily="50" charset="-127"/>
-                <a:ea typeface="맑은 고딕" pitchFamily="50" charset="-127"/>
-              </a:rPr>
-              <a:t>Spring </a:t>
+              <a:t>4.  Spring </a:t>
             </a:r>
             <a:r>
               <a:rPr lang="en-US" altLang="ko-KR" sz="3600" b="1" spc="-100" dirty="0" smtClean="0">
@@ -12929,10 +12982,6 @@
               </a:rPr>
               <a:t>Test MVC</a:t>
             </a:r>
-            <a:endParaRPr lang="en-US" altLang="ko-KR" sz="3600" b="1" spc="-100" dirty="0" smtClean="0">
-              <a:latin typeface="맑은 고딕" pitchFamily="50" charset="-127"/>
-              <a:ea typeface="맑은 고딕" pitchFamily="50" charset="-127"/>
-            </a:endParaRPr>
           </a:p>
         </p:txBody>
       </p:sp>
@@ -13101,28 +13150,7 @@
                 <a:latin typeface="맑은 고딕" pitchFamily="50" charset="-127"/>
                 <a:ea typeface="맑은 고딕" pitchFamily="50" charset="-127"/>
               </a:rPr>
-              <a:t>4.  </a:t>
-            </a:r>
-            <a:r>
-              <a:rPr lang="en-US" altLang="ko-KR" sz="1600" b="1" spc="-20" dirty="0" smtClean="0">
-                <a:latin typeface="맑은 고딕" pitchFamily="50" charset="-127"/>
-                <a:ea typeface="맑은 고딕" pitchFamily="50" charset="-127"/>
-              </a:rPr>
-              <a:t>Spring </a:t>
-            </a:r>
-            <a:r>
-              <a:rPr lang="en-US" altLang="ko-KR" sz="1600" b="1" spc="-20" dirty="0" smtClean="0">
-                <a:latin typeface="맑은 고딕" pitchFamily="50" charset="-127"/>
-                <a:ea typeface="맑은 고딕" pitchFamily="50" charset="-127"/>
-              </a:rPr>
-              <a:t>Test MVC</a:t>
-            </a:r>
-            <a:r>
-              <a:rPr lang="en-US" altLang="ko-KR" sz="1600" b="1" spc="-20" dirty="0" smtClean="0">
-                <a:latin typeface="맑은 고딕" pitchFamily="50" charset="-127"/>
-                <a:ea typeface="맑은 고딕" pitchFamily="50" charset="-127"/>
-              </a:rPr>
-              <a:t/>
+              <a:t>4.  Spring Test MVC</a:t>
             </a:r>
             <a:br>
               <a:rPr lang="en-US" altLang="ko-KR" sz="1600" b="1" spc="-20" dirty="0" smtClean="0">
@@ -13533,28 +13561,7 @@
                 <a:latin typeface="맑은 고딕" pitchFamily="50" charset="-127"/>
                 <a:ea typeface="맑은 고딕" pitchFamily="50" charset="-127"/>
               </a:rPr>
-              <a:t>4.  </a:t>
-            </a:r>
-            <a:r>
-              <a:rPr lang="en-US" altLang="ko-KR" sz="1600" b="1" spc="-20" dirty="0" smtClean="0">
-                <a:latin typeface="맑은 고딕" pitchFamily="50" charset="-127"/>
-                <a:ea typeface="맑은 고딕" pitchFamily="50" charset="-127"/>
-              </a:rPr>
-              <a:t>Spring </a:t>
-            </a:r>
-            <a:r>
-              <a:rPr lang="en-US" altLang="ko-KR" sz="1600" b="1" spc="-20" dirty="0" smtClean="0">
-                <a:latin typeface="맑은 고딕" pitchFamily="50" charset="-127"/>
-                <a:ea typeface="맑은 고딕" pitchFamily="50" charset="-127"/>
-              </a:rPr>
-              <a:t>Test MVC</a:t>
-            </a:r>
-            <a:r>
-              <a:rPr lang="en-US" altLang="ko-KR" sz="1600" b="1" spc="-20" dirty="0" smtClean="0">
-                <a:latin typeface="맑은 고딕" pitchFamily="50" charset="-127"/>
-                <a:ea typeface="맑은 고딕" pitchFamily="50" charset="-127"/>
-              </a:rPr>
-              <a:t/>
+              <a:t>4.  Spring Test MVC</a:t>
             </a:r>
             <a:br>
               <a:rPr lang="en-US" altLang="ko-KR" sz="1600" b="1" spc="-20" dirty="0" smtClean="0">
@@ -13934,28 +13941,7 @@
                 <a:latin typeface="맑은 고딕" pitchFamily="50" charset="-127"/>
                 <a:ea typeface="맑은 고딕" pitchFamily="50" charset="-127"/>
               </a:rPr>
-              <a:t>4.  </a:t>
-            </a:r>
-            <a:r>
-              <a:rPr lang="en-US" altLang="ko-KR" sz="1600" b="1" spc="-20" dirty="0" smtClean="0">
-                <a:latin typeface="맑은 고딕" pitchFamily="50" charset="-127"/>
-                <a:ea typeface="맑은 고딕" pitchFamily="50" charset="-127"/>
-              </a:rPr>
-              <a:t>Spring </a:t>
-            </a:r>
-            <a:r>
-              <a:rPr lang="en-US" altLang="ko-KR" sz="1600" b="1" spc="-20" dirty="0" smtClean="0">
-                <a:latin typeface="맑은 고딕" pitchFamily="50" charset="-127"/>
-                <a:ea typeface="맑은 고딕" pitchFamily="50" charset="-127"/>
-              </a:rPr>
-              <a:t>Test MVC</a:t>
-            </a:r>
-            <a:r>
-              <a:rPr lang="en-US" altLang="ko-KR" sz="1600" b="1" spc="-20" dirty="0" smtClean="0">
-                <a:latin typeface="맑은 고딕" pitchFamily="50" charset="-127"/>
-                <a:ea typeface="맑은 고딕" pitchFamily="50" charset="-127"/>
-              </a:rPr>
-              <a:t/>
+              <a:t>4.  Spring Test MVC</a:t>
             </a:r>
             <a:br>
               <a:rPr lang="en-US" altLang="ko-KR" sz="1600" b="1" spc="-20" dirty="0" smtClean="0">
